--- a/Blockchain.pptx
+++ b/Blockchain.pptx
@@ -3663,7 +3663,7 @@
   <dgm:whole/>
   <dgm:extLst>
     <a:ext uri="http://schemas.microsoft.com/office/drawing/2008/diagram">
-      <dsp:dataModelExt xmlns:dsp="http://schemas.microsoft.com/office/drawing/2008/diagram" relId="rId6" minVer="http://schemas.openxmlformats.org/drawingml/2006/diagram"/>
+      <dsp:dataModelExt xmlns:dsp="http://schemas.microsoft.com/office/drawing/2008/diagram" relId="rId7" minVer="http://schemas.openxmlformats.org/drawingml/2006/diagram"/>
     </a:ext>
   </dgm:extLst>
 </dgm:dataModel>
@@ -8931,7 +8931,7 @@
           <a:p>
             <a:fld id="{AF869721-F543-4A6C-BF9D-65D7CC540427}" type="datetimeFigureOut">
               <a:rPr lang="en-US" smtClean="0"/>
-              <a:t>3/26/2022</a:t>
+              <a:t>4/25/2022</a:t>
             </a:fld>
             <a:endParaRPr lang="en-US" dirty="0"/>
           </a:p>
@@ -9108,7 +9108,7 @@
           <a:p>
             <a:fld id="{C732326A-4C88-4AFB-AA5B-5919D81DFF5B}" type="datetimeFigureOut">
               <a:rPr lang="en-US" smtClean="0"/>
-              <a:t>3/26/2022</a:t>
+              <a:t>4/25/2022</a:t>
             </a:fld>
             <a:endParaRPr lang="en-US" dirty="0"/>
           </a:p>
@@ -9459,6 +9459,90 @@
 </p:notes>
 </file>
 
+<file path=ppt/notesSlides/notesSlide10.xml><?xml version="1.0" encoding="utf-8"?>
+<p:notes xmlns:a="http://schemas.openxmlformats.org/drawingml/2006/main" xmlns:r="http://schemas.openxmlformats.org/officeDocument/2006/relationships" xmlns:p="http://schemas.openxmlformats.org/presentationml/2006/main">
+  <p:cSld>
+    <p:spTree>
+      <p:nvGrpSpPr>
+        <p:cNvPr id="1" name=""/>
+        <p:cNvGrpSpPr/>
+        <p:nvPr/>
+      </p:nvGrpSpPr>
+      <p:grpSpPr>
+        <a:xfrm>
+          <a:off x="0" y="0"/>
+          <a:ext cx="0" cy="0"/>
+          <a:chOff x="0" y="0"/>
+          <a:chExt cx="0" cy="0"/>
+        </a:xfrm>
+      </p:grpSpPr>
+      <p:sp>
+        <p:nvSpPr>
+          <p:cNvPr id="2" name="Slide Image Placeholder 1"/>
+          <p:cNvSpPr>
+            <a:spLocks noGrp="1" noRot="1" noChangeAspect="1"/>
+          </p:cNvSpPr>
+          <p:nvPr>
+            <p:ph type="sldImg"/>
+          </p:nvPr>
+        </p:nvSpPr>
+        <p:spPr/>
+      </p:sp>
+      <p:sp>
+        <p:nvSpPr>
+          <p:cNvPr id="3" name="Notes Placeholder 2"/>
+          <p:cNvSpPr>
+            <a:spLocks noGrp="1"/>
+          </p:cNvSpPr>
+          <p:nvPr>
+            <p:ph type="body" idx="1"/>
+          </p:nvPr>
+        </p:nvSpPr>
+        <p:spPr/>
+        <p:txBody>
+          <a:bodyPr/>
+          <a:lstStyle/>
+          <a:p>
+            <a:endParaRPr lang="en-US" dirty="0"/>
+          </a:p>
+        </p:txBody>
+      </p:sp>
+      <p:sp>
+        <p:nvSpPr>
+          <p:cNvPr id="4" name="Slide Number Placeholder 3"/>
+          <p:cNvSpPr>
+            <a:spLocks noGrp="1"/>
+          </p:cNvSpPr>
+          <p:nvPr>
+            <p:ph type="sldNum" sz="quarter" idx="5"/>
+          </p:nvPr>
+        </p:nvSpPr>
+        <p:spPr/>
+        <p:txBody>
+          <a:bodyPr/>
+          <a:lstStyle/>
+          <a:p>
+            <a:fld id="{C6B3AB32-59DF-41F1-9618-EDFBF5049629}" type="slidenum">
+              <a:rPr lang="en-US" smtClean="0"/>
+              <a:t>15</a:t>
+            </a:fld>
+            <a:endParaRPr lang="en-US" dirty="0"/>
+          </a:p>
+        </p:txBody>
+      </p:sp>
+    </p:spTree>
+    <p:extLst>
+      <p:ext uri="{BB962C8B-B14F-4D97-AF65-F5344CB8AC3E}">
+        <p14:creationId xmlns:p14="http://schemas.microsoft.com/office/powerpoint/2010/main" val="1046714131"/>
+      </p:ext>
+    </p:extLst>
+  </p:cSld>
+  <p:clrMapOvr>
+    <a:masterClrMapping/>
+  </p:clrMapOvr>
+</p:notes>
+</file>
+
 <file path=ppt/notesSlides/notesSlide2.xml><?xml version="1.0" encoding="utf-8"?>
 <p:notes xmlns:a="http://schemas.openxmlformats.org/drawingml/2006/main" xmlns:r="http://schemas.openxmlformats.org/officeDocument/2006/relationships" xmlns:p="http://schemas.openxmlformats.org/presentationml/2006/main">
   <p:cSld>
@@ -9503,6 +9587,543 @@
           <a:bodyPr/>
           <a:lstStyle/>
           <a:p>
+            <a:r>
+              <a:rPr lang="en-GB" dirty="0"/>
+              <a:t>A Block is a container of data with three key elements:</a:t>
+            </a:r>
+          </a:p>
+          <a:p>
+            <a:pPr marL="171450" indent="-171450">
+              <a:buFont typeface="Arial" panose="020B0604020202020204" pitchFamily="34" charset="0"/>
+              <a:buChar char="•"/>
+            </a:pPr>
+            <a:r>
+              <a:rPr lang="en-GB" dirty="0"/>
+              <a:t>The data</a:t>
+            </a:r>
+          </a:p>
+          <a:p>
+            <a:pPr marL="171450" indent="-171450">
+              <a:buFont typeface="Arial" panose="020B0604020202020204" pitchFamily="34" charset="0"/>
+              <a:buChar char="•"/>
+            </a:pPr>
+            <a:r>
+              <a:rPr lang="en-GB" dirty="0"/>
+              <a:t>The HASH of the previous block</a:t>
+            </a:r>
+          </a:p>
+          <a:p>
+            <a:pPr marL="171450" indent="-171450">
+              <a:buFont typeface="Arial" panose="020B0604020202020204" pitchFamily="34" charset="0"/>
+              <a:buChar char="•"/>
+            </a:pPr>
+            <a:r>
+              <a:rPr lang="en-GB" dirty="0"/>
+              <a:t>Unique HASH of the current block, based on the content AND the previous block’s HASH- this is significant for the consensus of authentication </a:t>
+            </a:r>
+          </a:p>
+        </p:txBody>
+      </p:sp>
+      <p:sp>
+        <p:nvSpPr>
+          <p:cNvPr id="4" name="Slide Number Placeholder 3"/>
+          <p:cNvSpPr>
+            <a:spLocks noGrp="1"/>
+          </p:cNvSpPr>
+          <p:nvPr>
+            <p:ph type="sldNum" sz="quarter" idx="5"/>
+          </p:nvPr>
+        </p:nvSpPr>
+        <p:spPr/>
+        <p:txBody>
+          <a:bodyPr/>
+          <a:lstStyle/>
+          <a:p>
+            <a:fld id="{C6B3AB32-59DF-41F1-9618-EDFBF5049629}" type="slidenum">
+              <a:rPr lang="en-US" smtClean="0"/>
+              <a:t>3</a:t>
+            </a:fld>
+            <a:endParaRPr lang="en-US" dirty="0"/>
+          </a:p>
+        </p:txBody>
+      </p:sp>
+    </p:spTree>
+    <p:extLst>
+      <p:ext uri="{BB962C8B-B14F-4D97-AF65-F5344CB8AC3E}">
+        <p14:creationId xmlns:p14="http://schemas.microsoft.com/office/powerpoint/2010/main" val="3373646046"/>
+      </p:ext>
+    </p:extLst>
+  </p:cSld>
+  <p:clrMapOvr>
+    <a:masterClrMapping/>
+  </p:clrMapOvr>
+</p:notes>
+</file>
+
+<file path=ppt/notesSlides/notesSlide3.xml><?xml version="1.0" encoding="utf-8"?>
+<p:notes xmlns:a="http://schemas.openxmlformats.org/drawingml/2006/main" xmlns:r="http://schemas.openxmlformats.org/officeDocument/2006/relationships" xmlns:p="http://schemas.openxmlformats.org/presentationml/2006/main">
+  <p:cSld>
+    <p:spTree>
+      <p:nvGrpSpPr>
+        <p:cNvPr id="1" name=""/>
+        <p:cNvGrpSpPr/>
+        <p:nvPr/>
+      </p:nvGrpSpPr>
+      <p:grpSpPr>
+        <a:xfrm>
+          <a:off x="0" y="0"/>
+          <a:ext cx="0" cy="0"/>
+          <a:chOff x="0" y="0"/>
+          <a:chExt cx="0" cy="0"/>
+        </a:xfrm>
+      </p:grpSpPr>
+      <p:sp>
+        <p:nvSpPr>
+          <p:cNvPr id="2" name="Slide Image Placeholder 1"/>
+          <p:cNvSpPr>
+            <a:spLocks noGrp="1" noRot="1" noChangeAspect="1"/>
+          </p:cNvSpPr>
+          <p:nvPr>
+            <p:ph type="sldImg"/>
+          </p:nvPr>
+        </p:nvSpPr>
+        <p:spPr/>
+      </p:sp>
+      <p:sp>
+        <p:nvSpPr>
+          <p:cNvPr id="3" name="Notes Placeholder 2"/>
+          <p:cNvSpPr>
+            <a:spLocks noGrp="1"/>
+          </p:cNvSpPr>
+          <p:nvPr>
+            <p:ph type="body" idx="1"/>
+          </p:nvPr>
+        </p:nvSpPr>
+        <p:spPr/>
+        <p:txBody>
+          <a:bodyPr/>
+          <a:lstStyle/>
+          <a:p>
+            <a:r>
+              <a:rPr lang="en-GB" dirty="0"/>
+              <a:t>Every block in the chain has this, effectively creates a chain of custody of data, enabling providence of the data.</a:t>
+            </a:r>
+          </a:p>
+        </p:txBody>
+      </p:sp>
+      <p:sp>
+        <p:nvSpPr>
+          <p:cNvPr id="4" name="Slide Number Placeholder 3"/>
+          <p:cNvSpPr>
+            <a:spLocks noGrp="1"/>
+          </p:cNvSpPr>
+          <p:nvPr>
+            <p:ph type="sldNum" sz="quarter" idx="5"/>
+          </p:nvPr>
+        </p:nvSpPr>
+        <p:spPr/>
+        <p:txBody>
+          <a:bodyPr/>
+          <a:lstStyle/>
+          <a:p>
+            <a:fld id="{C6B3AB32-59DF-41F1-9618-EDFBF5049629}" type="slidenum">
+              <a:rPr lang="en-US" smtClean="0"/>
+              <a:t>4</a:t>
+            </a:fld>
+            <a:endParaRPr lang="en-US" dirty="0"/>
+          </a:p>
+        </p:txBody>
+      </p:sp>
+    </p:spTree>
+    <p:extLst>
+      <p:ext uri="{BB962C8B-B14F-4D97-AF65-F5344CB8AC3E}">
+        <p14:creationId xmlns:p14="http://schemas.microsoft.com/office/powerpoint/2010/main" val="3988316166"/>
+      </p:ext>
+    </p:extLst>
+  </p:cSld>
+  <p:clrMapOvr>
+    <a:masterClrMapping/>
+  </p:clrMapOvr>
+</p:notes>
+</file>
+
+<file path=ppt/notesSlides/notesSlide4.xml><?xml version="1.0" encoding="utf-8"?>
+<p:notes xmlns:a="http://schemas.openxmlformats.org/drawingml/2006/main" xmlns:r="http://schemas.openxmlformats.org/officeDocument/2006/relationships" xmlns:p="http://schemas.openxmlformats.org/presentationml/2006/main">
+  <p:cSld>
+    <p:spTree>
+      <p:nvGrpSpPr>
+        <p:cNvPr id="1" name=""/>
+        <p:cNvGrpSpPr/>
+        <p:nvPr/>
+      </p:nvGrpSpPr>
+      <p:grpSpPr>
+        <a:xfrm>
+          <a:off x="0" y="0"/>
+          <a:ext cx="0" cy="0"/>
+          <a:chOff x="0" y="0"/>
+          <a:chExt cx="0" cy="0"/>
+        </a:xfrm>
+      </p:grpSpPr>
+      <p:sp>
+        <p:nvSpPr>
+          <p:cNvPr id="2" name="Slide Image Placeholder 1"/>
+          <p:cNvSpPr>
+            <a:spLocks noGrp="1" noRot="1" noChangeAspect="1"/>
+          </p:cNvSpPr>
+          <p:nvPr>
+            <p:ph type="sldImg"/>
+          </p:nvPr>
+        </p:nvSpPr>
+        <p:spPr/>
+      </p:sp>
+      <p:sp>
+        <p:nvSpPr>
+          <p:cNvPr id="3" name="Notes Placeholder 2"/>
+          <p:cNvSpPr>
+            <a:spLocks noGrp="1"/>
+          </p:cNvSpPr>
+          <p:nvPr>
+            <p:ph type="body" idx="1"/>
+          </p:nvPr>
+        </p:nvSpPr>
+        <p:spPr/>
+        <p:txBody>
+          <a:bodyPr/>
+          <a:lstStyle/>
+          <a:p>
+            <a:r>
+              <a:rPr lang="en-GB" dirty="0"/>
+              <a:t>This chain of data, or ledger, is distributed across nodes (simplification: users): every time a block is added, a node receives a copy. This configuration if referred to as a decentralised network: no one node holds a master copy.</a:t>
+            </a:r>
+          </a:p>
+          <a:p>
+            <a:r>
+              <a:rPr lang="en-GB" dirty="0"/>
+              <a:t>And this is the mechanism which allows for Consensus of Authentication…for example….</a:t>
+            </a:r>
+          </a:p>
+        </p:txBody>
+      </p:sp>
+      <p:sp>
+        <p:nvSpPr>
+          <p:cNvPr id="4" name="Slide Number Placeholder 3"/>
+          <p:cNvSpPr>
+            <a:spLocks noGrp="1"/>
+          </p:cNvSpPr>
+          <p:nvPr>
+            <p:ph type="sldNum" sz="quarter" idx="5"/>
+          </p:nvPr>
+        </p:nvSpPr>
+        <p:spPr/>
+        <p:txBody>
+          <a:bodyPr/>
+          <a:lstStyle/>
+          <a:p>
+            <a:fld id="{C6B3AB32-59DF-41F1-9618-EDFBF5049629}" type="slidenum">
+              <a:rPr lang="en-US" smtClean="0"/>
+              <a:t>5</a:t>
+            </a:fld>
+            <a:endParaRPr lang="en-US" dirty="0"/>
+          </a:p>
+        </p:txBody>
+      </p:sp>
+    </p:spTree>
+    <p:extLst>
+      <p:ext uri="{BB962C8B-B14F-4D97-AF65-F5344CB8AC3E}">
+        <p14:creationId xmlns:p14="http://schemas.microsoft.com/office/powerpoint/2010/main" val="1699186780"/>
+      </p:ext>
+    </p:extLst>
+  </p:cSld>
+  <p:clrMapOvr>
+    <a:masterClrMapping/>
+  </p:clrMapOvr>
+</p:notes>
+</file>
+
+<file path=ppt/notesSlides/notesSlide5.xml><?xml version="1.0" encoding="utf-8"?>
+<p:notes xmlns:a="http://schemas.openxmlformats.org/drawingml/2006/main" xmlns:r="http://schemas.openxmlformats.org/officeDocument/2006/relationships" xmlns:p="http://schemas.openxmlformats.org/presentationml/2006/main">
+  <p:cSld>
+    <p:spTree>
+      <p:nvGrpSpPr>
+        <p:cNvPr id="1" name=""/>
+        <p:cNvGrpSpPr/>
+        <p:nvPr/>
+      </p:nvGrpSpPr>
+      <p:grpSpPr>
+        <a:xfrm>
+          <a:off x="0" y="0"/>
+          <a:ext cx="0" cy="0"/>
+          <a:chOff x="0" y="0"/>
+          <a:chExt cx="0" cy="0"/>
+        </a:xfrm>
+      </p:grpSpPr>
+      <p:sp>
+        <p:nvSpPr>
+          <p:cNvPr id="2" name="Slide Image Placeholder 1"/>
+          <p:cNvSpPr>
+            <a:spLocks noGrp="1" noRot="1" noChangeAspect="1"/>
+          </p:cNvSpPr>
+          <p:nvPr>
+            <p:ph type="sldImg"/>
+          </p:nvPr>
+        </p:nvSpPr>
+        <p:spPr/>
+      </p:sp>
+      <p:sp>
+        <p:nvSpPr>
+          <p:cNvPr id="3" name="Notes Placeholder 2"/>
+          <p:cNvSpPr>
+            <a:spLocks noGrp="1"/>
+          </p:cNvSpPr>
+          <p:nvPr>
+            <p:ph type="body" idx="1"/>
+          </p:nvPr>
+        </p:nvSpPr>
+        <p:spPr/>
+        <p:txBody>
+          <a:bodyPr/>
+          <a:lstStyle/>
+          <a:p>
+            <a:r>
+              <a:rPr lang="en-GB" dirty="0"/>
+              <a:t>If someone decides to tamper with the data within a block this will inherently cause a change to a blocks HASH; this then no longer corresponds to the “previous hash” recorded in the next block (cascading through an subsequent blocks) breaking the chain.</a:t>
+            </a:r>
+          </a:p>
+          <a:p>
+            <a:r>
+              <a:rPr lang="en-GB" dirty="0"/>
+              <a:t>This might not seem like a big deal if the hacker has the computational power to change am entire chain, however this is where the benefit of Distributed Ledger Technology come to play…</a:t>
+            </a:r>
+          </a:p>
+        </p:txBody>
+      </p:sp>
+      <p:sp>
+        <p:nvSpPr>
+          <p:cNvPr id="4" name="Slide Number Placeholder 3"/>
+          <p:cNvSpPr>
+            <a:spLocks noGrp="1"/>
+          </p:cNvSpPr>
+          <p:nvPr>
+            <p:ph type="sldNum" sz="quarter" idx="5"/>
+          </p:nvPr>
+        </p:nvSpPr>
+        <p:spPr/>
+        <p:txBody>
+          <a:bodyPr/>
+          <a:lstStyle/>
+          <a:p>
+            <a:fld id="{C6B3AB32-59DF-41F1-9618-EDFBF5049629}" type="slidenum">
+              <a:rPr lang="en-US" smtClean="0"/>
+              <a:t>6</a:t>
+            </a:fld>
+            <a:endParaRPr lang="en-US" dirty="0"/>
+          </a:p>
+        </p:txBody>
+      </p:sp>
+    </p:spTree>
+    <p:extLst>
+      <p:ext uri="{BB962C8B-B14F-4D97-AF65-F5344CB8AC3E}">
+        <p14:creationId xmlns:p14="http://schemas.microsoft.com/office/powerpoint/2010/main" val="1634387586"/>
+      </p:ext>
+    </p:extLst>
+  </p:cSld>
+  <p:clrMapOvr>
+    <a:masterClrMapping/>
+  </p:clrMapOvr>
+</p:notes>
+</file>
+
+<file path=ppt/notesSlides/notesSlide6.xml><?xml version="1.0" encoding="utf-8"?>
+<p:notes xmlns:a="http://schemas.openxmlformats.org/drawingml/2006/main" xmlns:r="http://schemas.openxmlformats.org/officeDocument/2006/relationships" xmlns:p="http://schemas.openxmlformats.org/presentationml/2006/main">
+  <p:cSld>
+    <p:spTree>
+      <p:nvGrpSpPr>
+        <p:cNvPr id="1" name=""/>
+        <p:cNvGrpSpPr/>
+        <p:nvPr/>
+      </p:nvGrpSpPr>
+      <p:grpSpPr>
+        <a:xfrm>
+          <a:off x="0" y="0"/>
+          <a:ext cx="0" cy="0"/>
+          <a:chOff x="0" y="0"/>
+          <a:chExt cx="0" cy="0"/>
+        </a:xfrm>
+      </p:grpSpPr>
+      <p:sp>
+        <p:nvSpPr>
+          <p:cNvPr id="2" name="Slide Image Placeholder 1"/>
+          <p:cNvSpPr>
+            <a:spLocks noGrp="1" noRot="1" noChangeAspect="1"/>
+          </p:cNvSpPr>
+          <p:nvPr>
+            <p:ph type="sldImg"/>
+          </p:nvPr>
+        </p:nvSpPr>
+        <p:spPr/>
+      </p:sp>
+      <p:sp>
+        <p:nvSpPr>
+          <p:cNvPr id="3" name="Notes Placeholder 2"/>
+          <p:cNvSpPr>
+            <a:spLocks noGrp="1"/>
+          </p:cNvSpPr>
+          <p:nvPr>
+            <p:ph type="body" idx="1"/>
+          </p:nvPr>
+        </p:nvSpPr>
+        <p:spPr/>
+        <p:txBody>
+          <a:bodyPr/>
+          <a:lstStyle/>
+          <a:p>
+            <a:r>
+              <a:rPr lang="en-GB" dirty="0"/>
+              <a:t>For a block to be accepted onto the chain all the nodes on the decentralised network check that their versions of the chain (ledger) correspond with each other; should a node’s ledger not match the others, this is flagged and the block prevented from finalising/being accepted onto the chain.</a:t>
+            </a:r>
+          </a:p>
+        </p:txBody>
+      </p:sp>
+      <p:sp>
+        <p:nvSpPr>
+          <p:cNvPr id="4" name="Slide Number Placeholder 3"/>
+          <p:cNvSpPr>
+            <a:spLocks noGrp="1"/>
+          </p:cNvSpPr>
+          <p:nvPr>
+            <p:ph type="sldNum" sz="quarter" idx="5"/>
+          </p:nvPr>
+        </p:nvSpPr>
+        <p:spPr/>
+        <p:txBody>
+          <a:bodyPr/>
+          <a:lstStyle/>
+          <a:p>
+            <a:fld id="{C6B3AB32-59DF-41F1-9618-EDFBF5049629}" type="slidenum">
+              <a:rPr lang="en-US" smtClean="0"/>
+              <a:t>7</a:t>
+            </a:fld>
+            <a:endParaRPr lang="en-US" dirty="0"/>
+          </a:p>
+        </p:txBody>
+      </p:sp>
+    </p:spTree>
+    <p:extLst>
+      <p:ext uri="{BB962C8B-B14F-4D97-AF65-F5344CB8AC3E}">
+        <p14:creationId xmlns:p14="http://schemas.microsoft.com/office/powerpoint/2010/main" val="661679571"/>
+      </p:ext>
+    </p:extLst>
+  </p:cSld>
+  <p:clrMapOvr>
+    <a:masterClrMapping/>
+  </p:clrMapOvr>
+</p:notes>
+</file>
+
+<file path=ppt/notesSlides/notesSlide7.xml><?xml version="1.0" encoding="utf-8"?>
+<p:notes xmlns:a="http://schemas.openxmlformats.org/drawingml/2006/main" xmlns:r="http://schemas.openxmlformats.org/officeDocument/2006/relationships" xmlns:p="http://schemas.openxmlformats.org/presentationml/2006/main">
+  <p:cSld>
+    <p:spTree>
+      <p:nvGrpSpPr>
+        <p:cNvPr id="1" name=""/>
+        <p:cNvGrpSpPr/>
+        <p:nvPr/>
+      </p:nvGrpSpPr>
+      <p:grpSpPr>
+        <a:xfrm>
+          <a:off x="0" y="0"/>
+          <a:ext cx="0" cy="0"/>
+          <a:chOff x="0" y="0"/>
+          <a:chExt cx="0" cy="0"/>
+        </a:xfrm>
+      </p:grpSpPr>
+      <p:sp>
+        <p:nvSpPr>
+          <p:cNvPr id="2" name="Slide Image Placeholder 1"/>
+          <p:cNvSpPr>
+            <a:spLocks noGrp="1" noRot="1" noChangeAspect="1"/>
+          </p:cNvSpPr>
+          <p:nvPr>
+            <p:ph type="sldImg"/>
+          </p:nvPr>
+        </p:nvSpPr>
+        <p:spPr/>
+      </p:sp>
+      <p:sp>
+        <p:nvSpPr>
+          <p:cNvPr id="3" name="Notes Placeholder 2"/>
+          <p:cNvSpPr>
+            <a:spLocks noGrp="1"/>
+          </p:cNvSpPr>
+          <p:nvPr>
+            <p:ph type="body" idx="1"/>
+          </p:nvPr>
+        </p:nvSpPr>
+        <p:spPr/>
+        <p:txBody>
+          <a:bodyPr/>
+          <a:lstStyle/>
+          <a:p>
+            <a:r>
+              <a:rPr lang="en-GB" dirty="0"/>
+              <a:t>So, that was what a Blockchain is in a nutshell.</a:t>
+            </a:r>
+          </a:p>
+          <a:p>
+            <a:pPr marL="171450" indent="-171450">
+              <a:buFont typeface="Arial" panose="020B0604020202020204" pitchFamily="34" charset="0"/>
+              <a:buChar char="•"/>
+            </a:pPr>
+            <a:r>
+              <a:rPr lang="en-GB" dirty="0"/>
+              <a:t>Networks between nodes allowing for a Distributed Ledger</a:t>
+            </a:r>
+          </a:p>
+          <a:p>
+            <a:pPr marL="171450" indent="-171450">
+              <a:buFont typeface="Arial" panose="020B0604020202020204" pitchFamily="34" charset="0"/>
+              <a:buChar char="•"/>
+            </a:pPr>
+            <a:r>
+              <a:rPr lang="en-GB" dirty="0"/>
+              <a:t>The mechanisms of the block HASH systems creating a virtual “chain of custody” between blocks of data</a:t>
+            </a:r>
+          </a:p>
+          <a:p>
+            <a:pPr marL="171450" indent="-171450">
+              <a:buFont typeface="Arial" panose="020B0604020202020204" pitchFamily="34" charset="0"/>
+              <a:buChar char="•"/>
+            </a:pPr>
+            <a:r>
+              <a:rPr lang="en-GB" dirty="0"/>
+              <a:t>All working to create a system for exchanging data between parties where verification of authenticity of that data, is the paramount.</a:t>
+            </a:r>
+          </a:p>
+          <a:p>
+            <a:pPr marL="171450" indent="-171450">
+              <a:buFont typeface="Arial" panose="020B0604020202020204" pitchFamily="34" charset="0"/>
+              <a:buChar char="•"/>
+            </a:pPr>
+            <a:r>
+              <a:rPr lang="en-GB" b="1" dirty="0"/>
+              <a:t>It maintains the integrity of the data</a:t>
+            </a:r>
+          </a:p>
+          <a:p>
+            <a:pPr marL="628650" lvl="1" indent="-171450">
+              <a:buFont typeface="Arial" panose="020B0604020202020204" pitchFamily="34" charset="0"/>
+              <a:buChar char="•"/>
+            </a:pPr>
+            <a:r>
+              <a:rPr lang="en-GB" dirty="0"/>
+              <a:t>The fact that this system is being used as a legitimate mechanism in financial institutes, seems to be the ultimate proof of work of this technology.</a:t>
+            </a:r>
+          </a:p>
+          <a:p>
+            <a:pPr marL="171450" indent="-171450">
+              <a:buFont typeface="Arial" panose="020B0604020202020204" pitchFamily="34" charset="0"/>
+              <a:buChar char="•"/>
+            </a:pPr>
             <a:endParaRPr lang="en-GB" dirty="0"/>
           </a:p>
           <a:p>
@@ -9546,7 +10167,94 @@
 </p:notes>
 </file>
 
-<file path=ppt/notesSlides/notesSlide3.xml><?xml version="1.0" encoding="utf-8"?>
+<file path=ppt/notesSlides/notesSlide8.xml><?xml version="1.0" encoding="utf-8"?>
+<p:notes xmlns:a="http://schemas.openxmlformats.org/drawingml/2006/main" xmlns:r="http://schemas.openxmlformats.org/officeDocument/2006/relationships" xmlns:p="http://schemas.openxmlformats.org/presentationml/2006/main">
+  <p:cSld>
+    <p:spTree>
+      <p:nvGrpSpPr>
+        <p:cNvPr id="1" name=""/>
+        <p:cNvGrpSpPr/>
+        <p:nvPr/>
+      </p:nvGrpSpPr>
+      <p:grpSpPr>
+        <a:xfrm>
+          <a:off x="0" y="0"/>
+          <a:ext cx="0" cy="0"/>
+          <a:chOff x="0" y="0"/>
+          <a:chExt cx="0" cy="0"/>
+        </a:xfrm>
+      </p:grpSpPr>
+      <p:sp>
+        <p:nvSpPr>
+          <p:cNvPr id="2" name="Slide Image Placeholder 1"/>
+          <p:cNvSpPr>
+            <a:spLocks noGrp="1" noRot="1" noChangeAspect="1"/>
+          </p:cNvSpPr>
+          <p:nvPr>
+            <p:ph type="sldImg"/>
+          </p:nvPr>
+        </p:nvSpPr>
+        <p:spPr/>
+      </p:sp>
+      <p:sp>
+        <p:nvSpPr>
+          <p:cNvPr id="3" name="Notes Placeholder 2"/>
+          <p:cNvSpPr>
+            <a:spLocks noGrp="1"/>
+          </p:cNvSpPr>
+          <p:nvPr>
+            <p:ph type="body" idx="1"/>
+          </p:nvPr>
+        </p:nvSpPr>
+        <p:spPr/>
+        <p:txBody>
+          <a:bodyPr/>
+          <a:lstStyle/>
+          <a:p>
+            <a:r>
+              <a:rPr lang="en-GB" dirty="0"/>
+              <a:t>Hence, this Distributed Ledger Technology is gaining ground and being used for various purposes….</a:t>
+            </a:r>
+          </a:p>
+        </p:txBody>
+      </p:sp>
+      <p:sp>
+        <p:nvSpPr>
+          <p:cNvPr id="4" name="Slide Number Placeholder 3"/>
+          <p:cNvSpPr>
+            <a:spLocks noGrp="1"/>
+          </p:cNvSpPr>
+          <p:nvPr>
+            <p:ph type="sldNum" sz="quarter" idx="5"/>
+          </p:nvPr>
+        </p:nvSpPr>
+        <p:spPr/>
+        <p:txBody>
+          <a:bodyPr/>
+          <a:lstStyle/>
+          <a:p>
+            <a:fld id="{C6B3AB32-59DF-41F1-9618-EDFBF5049629}" type="slidenum">
+              <a:rPr lang="en-US" smtClean="0"/>
+              <a:t>9</a:t>
+            </a:fld>
+            <a:endParaRPr lang="en-US" dirty="0"/>
+          </a:p>
+        </p:txBody>
+      </p:sp>
+    </p:spTree>
+    <p:extLst>
+      <p:ext uri="{BB962C8B-B14F-4D97-AF65-F5344CB8AC3E}">
+        <p14:creationId xmlns:p14="http://schemas.microsoft.com/office/powerpoint/2010/main" val="2598097576"/>
+      </p:ext>
+    </p:extLst>
+  </p:cSld>
+  <p:clrMapOvr>
+    <a:masterClrMapping/>
+  </p:clrMapOvr>
+</p:notes>
+</file>
+
+<file path=ppt/notesSlides/notesSlide9.xml><?xml version="1.0" encoding="utf-8"?>
 <p:notes xmlns:a="http://schemas.openxmlformats.org/drawingml/2006/main" xmlns:r="http://schemas.openxmlformats.org/officeDocument/2006/relationships" xmlns:p="http://schemas.openxmlformats.org/presentationml/2006/main">
   <p:cSld>
     <p:spTree>
@@ -9621,90 +10329,6 @@
     <p:extLst>
       <p:ext uri="{BB962C8B-B14F-4D97-AF65-F5344CB8AC3E}">
         <p14:creationId xmlns:p14="http://schemas.microsoft.com/office/powerpoint/2010/main" val="3505115597"/>
-      </p:ext>
-    </p:extLst>
-  </p:cSld>
-  <p:clrMapOvr>
-    <a:masterClrMapping/>
-  </p:clrMapOvr>
-</p:notes>
-</file>
-
-<file path=ppt/notesSlides/notesSlide4.xml><?xml version="1.0" encoding="utf-8"?>
-<p:notes xmlns:a="http://schemas.openxmlformats.org/drawingml/2006/main" xmlns:r="http://schemas.openxmlformats.org/officeDocument/2006/relationships" xmlns:p="http://schemas.openxmlformats.org/presentationml/2006/main">
-  <p:cSld>
-    <p:spTree>
-      <p:nvGrpSpPr>
-        <p:cNvPr id="1" name=""/>
-        <p:cNvGrpSpPr/>
-        <p:nvPr/>
-      </p:nvGrpSpPr>
-      <p:grpSpPr>
-        <a:xfrm>
-          <a:off x="0" y="0"/>
-          <a:ext cx="0" cy="0"/>
-          <a:chOff x="0" y="0"/>
-          <a:chExt cx="0" cy="0"/>
-        </a:xfrm>
-      </p:grpSpPr>
-      <p:sp>
-        <p:nvSpPr>
-          <p:cNvPr id="2" name="Slide Image Placeholder 1"/>
-          <p:cNvSpPr>
-            <a:spLocks noGrp="1" noRot="1" noChangeAspect="1"/>
-          </p:cNvSpPr>
-          <p:nvPr>
-            <p:ph type="sldImg"/>
-          </p:nvPr>
-        </p:nvSpPr>
-        <p:spPr/>
-      </p:sp>
-      <p:sp>
-        <p:nvSpPr>
-          <p:cNvPr id="3" name="Notes Placeholder 2"/>
-          <p:cNvSpPr>
-            <a:spLocks noGrp="1"/>
-          </p:cNvSpPr>
-          <p:nvPr>
-            <p:ph type="body" idx="1"/>
-          </p:nvPr>
-        </p:nvSpPr>
-        <p:spPr/>
-        <p:txBody>
-          <a:bodyPr/>
-          <a:lstStyle/>
-          <a:p>
-            <a:endParaRPr lang="en-US" dirty="0"/>
-          </a:p>
-        </p:txBody>
-      </p:sp>
-      <p:sp>
-        <p:nvSpPr>
-          <p:cNvPr id="4" name="Slide Number Placeholder 3"/>
-          <p:cNvSpPr>
-            <a:spLocks noGrp="1"/>
-          </p:cNvSpPr>
-          <p:nvPr>
-            <p:ph type="sldNum" sz="quarter" idx="5"/>
-          </p:nvPr>
-        </p:nvSpPr>
-        <p:spPr/>
-        <p:txBody>
-          <a:bodyPr/>
-          <a:lstStyle/>
-          <a:p>
-            <a:fld id="{C6B3AB32-59DF-41F1-9618-EDFBF5049629}" type="slidenum">
-              <a:rPr lang="en-US" smtClean="0"/>
-              <a:t>15</a:t>
-            </a:fld>
-            <a:endParaRPr lang="en-US" dirty="0"/>
-          </a:p>
-        </p:txBody>
-      </p:sp>
-    </p:spTree>
-    <p:extLst>
-      <p:ext uri="{BB962C8B-B14F-4D97-AF65-F5344CB8AC3E}">
-        <p14:creationId xmlns:p14="http://schemas.microsoft.com/office/powerpoint/2010/main" val="1046714131"/>
       </p:ext>
     </p:extLst>
   </p:cSld>
@@ -9960,7 +10584,7 @@
             <a:fld id="{B61BEF0D-F0BB-DE4B-95CE-6DB70DBA9567}" type="datetimeFigureOut">
               <a:rPr lang="en-US" smtClean="0"/>
               <a:pPr/>
-              <a:t>3/26/2022</a:t>
+              <a:t>4/25/2022</a:t>
             </a:fld>
             <a:endParaRPr lang="en-US" dirty="0"/>
           </a:p>
@@ -10224,7 +10848,7 @@
             <a:fld id="{B61BEF0D-F0BB-DE4B-95CE-6DB70DBA9567}" type="datetimeFigureOut">
               <a:rPr lang="en-US" smtClean="0"/>
               <a:pPr/>
-              <a:t>3/26/2022</a:t>
+              <a:t>4/25/2022</a:t>
             </a:fld>
             <a:endParaRPr lang="en-US" dirty="0"/>
           </a:p>
@@ -10461,7 +11085,7 @@
             <a:fld id="{B61BEF0D-F0BB-DE4B-95CE-6DB70DBA9567}" type="datetimeFigureOut">
               <a:rPr lang="en-US" smtClean="0"/>
               <a:pPr/>
-              <a:t>3/26/2022</a:t>
+              <a:t>4/25/2022</a:t>
             </a:fld>
             <a:endParaRPr lang="en-US" dirty="0"/>
           </a:p>
@@ -13125,7 +13749,7 @@
             <a:fld id="{B61BEF0D-F0BB-DE4B-95CE-6DB70DBA9567}" type="datetimeFigureOut">
               <a:rPr lang="en-US" smtClean="0"/>
               <a:pPr/>
-              <a:t>3/26/2022</a:t>
+              <a:t>4/25/2022</a:t>
             </a:fld>
             <a:endParaRPr lang="en-US" dirty="0"/>
           </a:p>
@@ -13434,7 +14058,7 @@
             <a:fld id="{B61BEF0D-F0BB-DE4B-95CE-6DB70DBA9567}" type="datetimeFigureOut">
               <a:rPr lang="en-US" smtClean="0"/>
               <a:pPr/>
-              <a:t>3/26/2022</a:t>
+              <a:t>4/25/2022</a:t>
             </a:fld>
             <a:endParaRPr lang="en-US" dirty="0"/>
           </a:p>
@@ -13738,7 +14362,7 @@
             <a:fld id="{B61BEF0D-F0BB-DE4B-95CE-6DB70DBA9567}" type="datetimeFigureOut">
               <a:rPr lang="en-US" smtClean="0"/>
               <a:pPr/>
-              <a:t>3/26/2022</a:t>
+              <a:t>4/25/2022</a:t>
             </a:fld>
             <a:endParaRPr lang="en-US" dirty="0"/>
           </a:p>
@@ -14162,7 +14786,7 @@
             <a:fld id="{B61BEF0D-F0BB-DE4B-95CE-6DB70DBA9567}" type="datetimeFigureOut">
               <a:rPr lang="en-US" smtClean="0"/>
               <a:pPr/>
-              <a:t>3/26/2022</a:t>
+              <a:t>4/25/2022</a:t>
             </a:fld>
             <a:endParaRPr lang="en-US" dirty="0"/>
           </a:p>
@@ -14259,7 +14883,7 @@
             <a:fld id="{B61BEF0D-F0BB-DE4B-95CE-6DB70DBA9567}" type="datetimeFigureOut">
               <a:rPr lang="en-US" smtClean="0"/>
               <a:pPr/>
-              <a:t>3/26/2022</a:t>
+              <a:t>4/25/2022</a:t>
             </a:fld>
             <a:endParaRPr lang="en-US" dirty="0"/>
           </a:p>
@@ -14423,7 +15047,7 @@
             <a:fld id="{B61BEF0D-F0BB-DE4B-95CE-6DB70DBA9567}" type="datetimeFigureOut">
               <a:rPr lang="en-US" smtClean="0"/>
               <a:pPr/>
-              <a:t>3/26/2022</a:t>
+              <a:t>4/25/2022</a:t>
             </a:fld>
             <a:endParaRPr lang="en-US" dirty="0"/>
           </a:p>
@@ -14803,7 +15427,7 @@
             <a:fld id="{B61BEF0D-F0BB-DE4B-95CE-6DB70DBA9567}" type="datetimeFigureOut">
               <a:rPr lang="en-US" smtClean="0"/>
               <a:pPr/>
-              <a:t>3/26/2022</a:t>
+              <a:t>4/25/2022</a:t>
             </a:fld>
             <a:endParaRPr lang="en-US" dirty="0"/>
           </a:p>
@@ -15094,7 +15718,7 @@
             <a:fld id="{B61BEF0D-F0BB-DE4B-95CE-6DB70DBA9567}" type="datetimeFigureOut">
               <a:rPr lang="en-US" smtClean="0"/>
               <a:pPr/>
-              <a:t>3/26/2022</a:t>
+              <a:t>4/25/2022</a:t>
             </a:fld>
             <a:endParaRPr lang="en-US" dirty="0"/>
           </a:p>
@@ -15307,7 +15931,7 @@
             <a:fld id="{B61BEF0D-F0BB-DE4B-95CE-6DB70DBA9567}" type="datetimeFigureOut">
               <a:rPr lang="en-US" smtClean="0"/>
               <a:pPr/>
-              <a:t>3/26/2022</a:t>
+              <a:t>4/25/2022</a:t>
             </a:fld>
             <a:endParaRPr lang="en-US" dirty="0"/>
           </a:p>
@@ -18202,6 +18826,87 @@
           <a:chExt cx="0" cy="0"/>
         </a:xfrm>
       </p:grpSpPr>
+      <p:grpSp>
+        <p:nvGrpSpPr>
+          <p:cNvPr id="6" name="Group 5">
+            <a:extLst>
+              <a:ext uri="{FF2B5EF4-FFF2-40B4-BE49-F238E27FC236}">
+                <a16:creationId xmlns:a16="http://schemas.microsoft.com/office/drawing/2014/main" id="{AAD47402-E546-4C50-94ED-6FFA89F732E6}"/>
+              </a:ext>
+            </a:extLst>
+          </p:cNvPr>
+          <p:cNvGrpSpPr/>
+          <p:nvPr/>
+        </p:nvGrpSpPr>
+        <p:grpSpPr>
+          <a:xfrm>
+            <a:off x="0" y="-19878"/>
+            <a:ext cx="12192000" cy="6877879"/>
+            <a:chOff x="0" y="-19878"/>
+            <a:chExt cx="12192000" cy="6877879"/>
+          </a:xfrm>
+        </p:grpSpPr>
+        <p:pic>
+          <p:nvPicPr>
+            <p:cNvPr id="3" name="Picture 2" descr="A picture containing graphical user interface&#10;&#10;Description automatically generated">
+              <a:hlinkClick r:id="rId2"/>
+              <a:extLst>
+                <a:ext uri="{FF2B5EF4-FFF2-40B4-BE49-F238E27FC236}">
+                  <a16:creationId xmlns:a16="http://schemas.microsoft.com/office/drawing/2014/main" id="{5EA5EBEE-45C9-4CA4-84B8-4B68DAD05937}"/>
+                </a:ext>
+              </a:extLst>
+            </p:cNvPr>
+            <p:cNvPicPr>
+              <a:picLocks noChangeAspect="1"/>
+            </p:cNvPicPr>
+            <p:nvPr/>
+          </p:nvPicPr>
+          <p:blipFill rotWithShape="1">
+            <a:blip r:embed="rId3"/>
+            <a:srcRect b="24927"/>
+            <a:stretch/>
+          </p:blipFill>
+          <p:spPr>
+            <a:xfrm>
+              <a:off x="0" y="-19878"/>
+              <a:ext cx="12192000" cy="4253948"/>
+            </a:xfrm>
+            <a:prstGeom prst="rect">
+              <a:avLst/>
+            </a:prstGeom>
+          </p:spPr>
+        </p:pic>
+        <p:pic>
+          <p:nvPicPr>
+            <p:cNvPr id="5" name="Picture 4" descr="Chart, radar chart&#10;&#10;Description automatically generated">
+              <a:hlinkClick r:id="rId2"/>
+              <a:extLst>
+                <a:ext uri="{FF2B5EF4-FFF2-40B4-BE49-F238E27FC236}">
+                  <a16:creationId xmlns:a16="http://schemas.microsoft.com/office/drawing/2014/main" id="{7AA8C33B-B8C0-4351-B7AA-468C0D044505}"/>
+                </a:ext>
+              </a:extLst>
+            </p:cNvPr>
+            <p:cNvPicPr>
+              <a:picLocks noChangeAspect="1"/>
+            </p:cNvPicPr>
+            <p:nvPr/>
+          </p:nvPicPr>
+          <p:blipFill rotWithShape="1">
+            <a:blip r:embed="rId4"/>
+            <a:srcRect b="46545"/>
+            <a:stretch/>
+          </p:blipFill>
+          <p:spPr>
+            <a:xfrm>
+              <a:off x="0" y="4234071"/>
+              <a:ext cx="12192000" cy="2623930"/>
+            </a:xfrm>
+            <a:prstGeom prst="rect">
+              <a:avLst/>
+            </a:prstGeom>
+          </p:spPr>
+        </p:pic>
+      </p:grpSp>
     </p:spTree>
     <p:extLst>
       <p:ext uri="{BB962C8B-B14F-4D97-AF65-F5344CB8AC3E}">
@@ -18799,13 +19504,8 @@
           <a:p>
             <a:r>
               <a:rPr lang="en-GB" dirty="0"/>
-              <a:t>Global E&amp;C </a:t>
+              <a:t>Global E&amp;C Challenge</a:t>
             </a:r>
-            <a:r>
-              <a:rPr lang="en-GB" dirty="0" err="1"/>
-              <a:t>ChallenGE</a:t>
-            </a:r>
-            <a:endParaRPr lang="en-GB" dirty="0"/>
           </a:p>
         </p:txBody>
       </p:sp>
@@ -19008,10 +19708,10 @@
           <p:nvPr/>
         </p:nvPicPr>
         <p:blipFill>
-          <a:blip r:embed="rId2">
+          <a:blip r:embed="rId3">
             <a:extLst>
               <a:ext uri="{96DAC541-7B7A-43D3-8B79-37D633B846F1}">
-                <asvg:svgBlip xmlns:asvg="http://schemas.microsoft.com/office/drawing/2016/SVG/main" r:embed="rId3"/>
+                <asvg:svgBlip xmlns:asvg="http://schemas.microsoft.com/office/drawing/2016/SVG/main" r:embed="rId4"/>
               </a:ext>
             </a:extLst>
           </a:blip>
@@ -19904,10 +20604,10 @@
           <p:nvPr/>
         </p:nvPicPr>
         <p:blipFill>
-          <a:blip r:embed="rId2">
+          <a:blip r:embed="rId3">
             <a:extLst>
               <a:ext uri="{96DAC541-7B7A-43D3-8B79-37D633B846F1}">
-                <asvg:svgBlip xmlns:asvg="http://schemas.microsoft.com/office/drawing/2016/SVG/main" r:embed="rId3"/>
+                <asvg:svgBlip xmlns:asvg="http://schemas.microsoft.com/office/drawing/2016/SVG/main" r:embed="rId4"/>
               </a:ext>
             </a:extLst>
           </a:blip>
@@ -19940,10 +20640,10 @@
           <p:nvPr/>
         </p:nvPicPr>
         <p:blipFill>
-          <a:blip r:embed="rId4">
+          <a:blip r:embed="rId5">
             <a:extLst>
               <a:ext uri="{96DAC541-7B7A-43D3-8B79-37D633B846F1}">
-                <asvg:svgBlip xmlns:asvg="http://schemas.microsoft.com/office/drawing/2016/SVG/main" r:embed="rId5"/>
+                <asvg:svgBlip xmlns:asvg="http://schemas.microsoft.com/office/drawing/2016/SVG/main" r:embed="rId6"/>
               </a:ext>
             </a:extLst>
           </a:blip>
@@ -19976,10 +20676,10 @@
           <p:nvPr/>
         </p:nvPicPr>
         <p:blipFill>
-          <a:blip r:embed="rId6">
+          <a:blip r:embed="rId7">
             <a:extLst>
               <a:ext uri="{96DAC541-7B7A-43D3-8B79-37D633B846F1}">
-                <asvg:svgBlip xmlns:asvg="http://schemas.microsoft.com/office/drawing/2016/SVG/main" r:embed="rId7"/>
+                <asvg:svgBlip xmlns:asvg="http://schemas.microsoft.com/office/drawing/2016/SVG/main" r:embed="rId8"/>
               </a:ext>
             </a:extLst>
           </a:blip>
@@ -20012,10 +20712,10 @@
           <p:nvPr/>
         </p:nvPicPr>
         <p:blipFill>
-          <a:blip r:embed="rId8">
+          <a:blip r:embed="rId9">
             <a:extLst>
               <a:ext uri="{96DAC541-7B7A-43D3-8B79-37D633B846F1}">
-                <asvg:svgBlip xmlns:asvg="http://schemas.microsoft.com/office/drawing/2016/SVG/main" r:embed="rId9"/>
+                <asvg:svgBlip xmlns:asvg="http://schemas.microsoft.com/office/drawing/2016/SVG/main" r:embed="rId10"/>
               </a:ext>
             </a:extLst>
           </a:blip>
@@ -20048,10 +20748,10 @@
           <p:nvPr/>
         </p:nvPicPr>
         <p:blipFill>
-          <a:blip r:embed="rId10">
+          <a:blip r:embed="rId11">
             <a:extLst>
               <a:ext uri="{96DAC541-7B7A-43D3-8B79-37D633B846F1}">
-                <asvg:svgBlip xmlns:asvg="http://schemas.microsoft.com/office/drawing/2016/SVG/main" r:embed="rId11"/>
+                <asvg:svgBlip xmlns:asvg="http://schemas.microsoft.com/office/drawing/2016/SVG/main" r:embed="rId12"/>
               </a:ext>
             </a:extLst>
           </a:blip>
@@ -23796,10 +24496,10 @@
           <p:nvPr/>
         </p:nvPicPr>
         <p:blipFill>
-          <a:blip r:embed="rId2">
+          <a:blip r:embed="rId3">
             <a:extLst>
               <a:ext uri="{96DAC541-7B7A-43D3-8B79-37D633B846F1}">
-                <asvg:svgBlip xmlns:asvg="http://schemas.microsoft.com/office/drawing/2016/SVG/main" r:embed="rId3"/>
+                <asvg:svgBlip xmlns:asvg="http://schemas.microsoft.com/office/drawing/2016/SVG/main" r:embed="rId4"/>
               </a:ext>
             </a:extLst>
           </a:blip>
@@ -23832,10 +24532,10 @@
           <p:nvPr/>
         </p:nvPicPr>
         <p:blipFill>
-          <a:blip r:embed="rId4">
+          <a:blip r:embed="rId5">
             <a:extLst>
               <a:ext uri="{96DAC541-7B7A-43D3-8B79-37D633B846F1}">
-                <asvg:svgBlip xmlns:asvg="http://schemas.microsoft.com/office/drawing/2016/SVG/main" r:embed="rId5"/>
+                <asvg:svgBlip xmlns:asvg="http://schemas.microsoft.com/office/drawing/2016/SVG/main" r:embed="rId6"/>
               </a:ext>
             </a:extLst>
           </a:blip>
@@ -23868,10 +24568,10 @@
           <p:nvPr/>
         </p:nvPicPr>
         <p:blipFill>
-          <a:blip r:embed="rId6">
+          <a:blip r:embed="rId7">
             <a:extLst>
               <a:ext uri="{96DAC541-7B7A-43D3-8B79-37D633B846F1}">
-                <asvg:svgBlip xmlns:asvg="http://schemas.microsoft.com/office/drawing/2016/SVG/main" r:embed="rId7"/>
+                <asvg:svgBlip xmlns:asvg="http://schemas.microsoft.com/office/drawing/2016/SVG/main" r:embed="rId8"/>
               </a:ext>
             </a:extLst>
           </a:blip>
@@ -23904,10 +24604,10 @@
           <p:nvPr/>
         </p:nvPicPr>
         <p:blipFill>
-          <a:blip r:embed="rId8">
+          <a:blip r:embed="rId9">
             <a:extLst>
               <a:ext uri="{96DAC541-7B7A-43D3-8B79-37D633B846F1}">
-                <asvg:svgBlip xmlns:asvg="http://schemas.microsoft.com/office/drawing/2016/SVG/main" r:embed="rId9"/>
+                <asvg:svgBlip xmlns:asvg="http://schemas.microsoft.com/office/drawing/2016/SVG/main" r:embed="rId10"/>
               </a:ext>
             </a:extLst>
           </a:blip>
@@ -23940,10 +24640,10 @@
           <p:nvPr/>
         </p:nvPicPr>
         <p:blipFill>
-          <a:blip r:embed="rId10">
+          <a:blip r:embed="rId11">
             <a:extLst>
               <a:ext uri="{96DAC541-7B7A-43D3-8B79-37D633B846F1}">
-                <asvg:svgBlip xmlns:asvg="http://schemas.microsoft.com/office/drawing/2016/SVG/main" r:embed="rId11"/>
+                <asvg:svgBlip xmlns:asvg="http://schemas.microsoft.com/office/drawing/2016/SVG/main" r:embed="rId12"/>
               </a:ext>
             </a:extLst>
           </a:blip>
@@ -23976,10 +24676,10 @@
           <p:nvPr/>
         </p:nvPicPr>
         <p:blipFill>
-          <a:blip r:embed="rId2">
+          <a:blip r:embed="rId3">
             <a:extLst>
               <a:ext uri="{96DAC541-7B7A-43D3-8B79-37D633B846F1}">
-                <asvg:svgBlip xmlns:asvg="http://schemas.microsoft.com/office/drawing/2016/SVG/main" r:embed="rId3"/>
+                <asvg:svgBlip xmlns:asvg="http://schemas.microsoft.com/office/drawing/2016/SVG/main" r:embed="rId4"/>
               </a:ext>
             </a:extLst>
           </a:blip>
@@ -24012,10 +24712,10 @@
           <p:nvPr/>
         </p:nvPicPr>
         <p:blipFill>
-          <a:blip r:embed="rId4">
+          <a:blip r:embed="rId5">
             <a:extLst>
               <a:ext uri="{96DAC541-7B7A-43D3-8B79-37D633B846F1}">
-                <asvg:svgBlip xmlns:asvg="http://schemas.microsoft.com/office/drawing/2016/SVG/main" r:embed="rId5"/>
+                <asvg:svgBlip xmlns:asvg="http://schemas.microsoft.com/office/drawing/2016/SVG/main" r:embed="rId6"/>
               </a:ext>
             </a:extLst>
           </a:blip>
@@ -24048,10 +24748,10 @@
           <p:nvPr/>
         </p:nvPicPr>
         <p:blipFill>
-          <a:blip r:embed="rId6">
+          <a:blip r:embed="rId7">
             <a:extLst>
               <a:ext uri="{96DAC541-7B7A-43D3-8B79-37D633B846F1}">
-                <asvg:svgBlip xmlns:asvg="http://schemas.microsoft.com/office/drawing/2016/SVG/main" r:embed="rId7"/>
+                <asvg:svgBlip xmlns:asvg="http://schemas.microsoft.com/office/drawing/2016/SVG/main" r:embed="rId8"/>
               </a:ext>
             </a:extLst>
           </a:blip>
@@ -24084,10 +24784,10 @@
           <p:nvPr/>
         </p:nvPicPr>
         <p:blipFill>
-          <a:blip r:embed="rId8">
+          <a:blip r:embed="rId9">
             <a:extLst>
               <a:ext uri="{96DAC541-7B7A-43D3-8B79-37D633B846F1}">
-                <asvg:svgBlip xmlns:asvg="http://schemas.microsoft.com/office/drawing/2016/SVG/main" r:embed="rId9"/>
+                <asvg:svgBlip xmlns:asvg="http://schemas.microsoft.com/office/drawing/2016/SVG/main" r:embed="rId10"/>
               </a:ext>
             </a:extLst>
           </a:blip>
@@ -24120,10 +24820,10 @@
           <p:nvPr/>
         </p:nvPicPr>
         <p:blipFill>
-          <a:blip r:embed="rId10">
+          <a:blip r:embed="rId11">
             <a:extLst>
               <a:ext uri="{96DAC541-7B7A-43D3-8B79-37D633B846F1}">
-                <asvg:svgBlip xmlns:asvg="http://schemas.microsoft.com/office/drawing/2016/SVG/main" r:embed="rId11"/>
+                <asvg:svgBlip xmlns:asvg="http://schemas.microsoft.com/office/drawing/2016/SVG/main" r:embed="rId12"/>
               </a:ext>
             </a:extLst>
           </a:blip>
@@ -24156,10 +24856,10 @@
           <p:nvPr/>
         </p:nvPicPr>
         <p:blipFill>
-          <a:blip r:embed="rId2">
+          <a:blip r:embed="rId3">
             <a:extLst>
               <a:ext uri="{96DAC541-7B7A-43D3-8B79-37D633B846F1}">
-                <asvg:svgBlip xmlns:asvg="http://schemas.microsoft.com/office/drawing/2016/SVG/main" r:embed="rId3"/>
+                <asvg:svgBlip xmlns:asvg="http://schemas.microsoft.com/office/drawing/2016/SVG/main" r:embed="rId4"/>
               </a:ext>
             </a:extLst>
           </a:blip>
@@ -24192,10 +24892,10 @@
           <p:nvPr/>
         </p:nvPicPr>
         <p:blipFill>
-          <a:blip r:embed="rId4">
+          <a:blip r:embed="rId5">
             <a:extLst>
               <a:ext uri="{96DAC541-7B7A-43D3-8B79-37D633B846F1}">
-                <asvg:svgBlip xmlns:asvg="http://schemas.microsoft.com/office/drawing/2016/SVG/main" r:embed="rId5"/>
+                <asvg:svgBlip xmlns:asvg="http://schemas.microsoft.com/office/drawing/2016/SVG/main" r:embed="rId6"/>
               </a:ext>
             </a:extLst>
           </a:blip>
@@ -24228,10 +24928,10 @@
           <p:nvPr/>
         </p:nvPicPr>
         <p:blipFill>
-          <a:blip r:embed="rId6">
+          <a:blip r:embed="rId7">
             <a:extLst>
               <a:ext uri="{96DAC541-7B7A-43D3-8B79-37D633B846F1}">
-                <asvg:svgBlip xmlns:asvg="http://schemas.microsoft.com/office/drawing/2016/SVG/main" r:embed="rId7"/>
+                <asvg:svgBlip xmlns:asvg="http://schemas.microsoft.com/office/drawing/2016/SVG/main" r:embed="rId8"/>
               </a:ext>
             </a:extLst>
           </a:blip>
@@ -24264,10 +24964,10 @@
           <p:nvPr/>
         </p:nvPicPr>
         <p:blipFill>
-          <a:blip r:embed="rId8">
+          <a:blip r:embed="rId9">
             <a:extLst>
               <a:ext uri="{96DAC541-7B7A-43D3-8B79-37D633B846F1}">
-                <asvg:svgBlip xmlns:asvg="http://schemas.microsoft.com/office/drawing/2016/SVG/main" r:embed="rId9"/>
+                <asvg:svgBlip xmlns:asvg="http://schemas.microsoft.com/office/drawing/2016/SVG/main" r:embed="rId10"/>
               </a:ext>
             </a:extLst>
           </a:blip>
@@ -24300,10 +25000,10 @@
           <p:nvPr/>
         </p:nvPicPr>
         <p:blipFill>
-          <a:blip r:embed="rId10">
+          <a:blip r:embed="rId11">
             <a:extLst>
               <a:ext uri="{96DAC541-7B7A-43D3-8B79-37D633B846F1}">
-                <asvg:svgBlip xmlns:asvg="http://schemas.microsoft.com/office/drawing/2016/SVG/main" r:embed="rId11"/>
+                <asvg:svgBlip xmlns:asvg="http://schemas.microsoft.com/office/drawing/2016/SVG/main" r:embed="rId12"/>
               </a:ext>
             </a:extLst>
           </a:blip>
@@ -24336,10 +25036,10 @@
           <p:nvPr/>
         </p:nvPicPr>
         <p:blipFill>
-          <a:blip r:embed="rId2">
+          <a:blip r:embed="rId3">
             <a:extLst>
               <a:ext uri="{96DAC541-7B7A-43D3-8B79-37D633B846F1}">
-                <asvg:svgBlip xmlns:asvg="http://schemas.microsoft.com/office/drawing/2016/SVG/main" r:embed="rId3"/>
+                <asvg:svgBlip xmlns:asvg="http://schemas.microsoft.com/office/drawing/2016/SVG/main" r:embed="rId4"/>
               </a:ext>
             </a:extLst>
           </a:blip>
@@ -24372,10 +25072,10 @@
           <p:nvPr/>
         </p:nvPicPr>
         <p:blipFill>
-          <a:blip r:embed="rId4">
+          <a:blip r:embed="rId5">
             <a:extLst>
               <a:ext uri="{96DAC541-7B7A-43D3-8B79-37D633B846F1}">
-                <asvg:svgBlip xmlns:asvg="http://schemas.microsoft.com/office/drawing/2016/SVG/main" r:embed="rId5"/>
+                <asvg:svgBlip xmlns:asvg="http://schemas.microsoft.com/office/drawing/2016/SVG/main" r:embed="rId6"/>
               </a:ext>
             </a:extLst>
           </a:blip>
@@ -24408,10 +25108,10 @@
           <p:nvPr/>
         </p:nvPicPr>
         <p:blipFill>
-          <a:blip r:embed="rId6">
+          <a:blip r:embed="rId7">
             <a:extLst>
               <a:ext uri="{96DAC541-7B7A-43D3-8B79-37D633B846F1}">
-                <asvg:svgBlip xmlns:asvg="http://schemas.microsoft.com/office/drawing/2016/SVG/main" r:embed="rId7"/>
+                <asvg:svgBlip xmlns:asvg="http://schemas.microsoft.com/office/drawing/2016/SVG/main" r:embed="rId8"/>
               </a:ext>
             </a:extLst>
           </a:blip>
@@ -24444,10 +25144,10 @@
           <p:nvPr/>
         </p:nvPicPr>
         <p:blipFill>
-          <a:blip r:embed="rId8">
+          <a:blip r:embed="rId9">
             <a:extLst>
               <a:ext uri="{96DAC541-7B7A-43D3-8B79-37D633B846F1}">
-                <asvg:svgBlip xmlns:asvg="http://schemas.microsoft.com/office/drawing/2016/SVG/main" r:embed="rId9"/>
+                <asvg:svgBlip xmlns:asvg="http://schemas.microsoft.com/office/drawing/2016/SVG/main" r:embed="rId10"/>
               </a:ext>
             </a:extLst>
           </a:blip>
@@ -24480,10 +25180,10 @@
           <p:nvPr/>
         </p:nvPicPr>
         <p:blipFill>
-          <a:blip r:embed="rId10">
+          <a:blip r:embed="rId11">
             <a:extLst>
               <a:ext uri="{96DAC541-7B7A-43D3-8B79-37D633B846F1}">
-                <asvg:svgBlip xmlns:asvg="http://schemas.microsoft.com/office/drawing/2016/SVG/main" r:embed="rId11"/>
+                <asvg:svgBlip xmlns:asvg="http://schemas.microsoft.com/office/drawing/2016/SVG/main" r:embed="rId12"/>
               </a:ext>
             </a:extLst>
           </a:blip>
@@ -24516,10 +25216,10 @@
           <p:nvPr/>
         </p:nvPicPr>
         <p:blipFill>
-          <a:blip r:embed="rId2">
+          <a:blip r:embed="rId3">
             <a:extLst>
               <a:ext uri="{96DAC541-7B7A-43D3-8B79-37D633B846F1}">
-                <asvg:svgBlip xmlns:asvg="http://schemas.microsoft.com/office/drawing/2016/SVG/main" r:embed="rId3"/>
+                <asvg:svgBlip xmlns:asvg="http://schemas.microsoft.com/office/drawing/2016/SVG/main" r:embed="rId4"/>
               </a:ext>
             </a:extLst>
           </a:blip>
@@ -24552,10 +25252,10 @@
           <p:nvPr/>
         </p:nvPicPr>
         <p:blipFill>
-          <a:blip r:embed="rId4">
+          <a:blip r:embed="rId5">
             <a:extLst>
               <a:ext uri="{96DAC541-7B7A-43D3-8B79-37D633B846F1}">
-                <asvg:svgBlip xmlns:asvg="http://schemas.microsoft.com/office/drawing/2016/SVG/main" r:embed="rId5"/>
+                <asvg:svgBlip xmlns:asvg="http://schemas.microsoft.com/office/drawing/2016/SVG/main" r:embed="rId6"/>
               </a:ext>
             </a:extLst>
           </a:blip>
@@ -24588,10 +25288,10 @@
           <p:nvPr/>
         </p:nvPicPr>
         <p:blipFill>
-          <a:blip r:embed="rId6">
+          <a:blip r:embed="rId7">
             <a:extLst>
               <a:ext uri="{96DAC541-7B7A-43D3-8B79-37D633B846F1}">
-                <asvg:svgBlip xmlns:asvg="http://schemas.microsoft.com/office/drawing/2016/SVG/main" r:embed="rId7"/>
+                <asvg:svgBlip xmlns:asvg="http://schemas.microsoft.com/office/drawing/2016/SVG/main" r:embed="rId8"/>
               </a:ext>
             </a:extLst>
           </a:blip>
@@ -24624,10 +25324,10 @@
           <p:nvPr/>
         </p:nvPicPr>
         <p:blipFill>
-          <a:blip r:embed="rId8">
+          <a:blip r:embed="rId9">
             <a:extLst>
               <a:ext uri="{96DAC541-7B7A-43D3-8B79-37D633B846F1}">
-                <asvg:svgBlip xmlns:asvg="http://schemas.microsoft.com/office/drawing/2016/SVG/main" r:embed="rId9"/>
+                <asvg:svgBlip xmlns:asvg="http://schemas.microsoft.com/office/drawing/2016/SVG/main" r:embed="rId10"/>
               </a:ext>
             </a:extLst>
           </a:blip>
@@ -24660,10 +25360,10 @@
           <p:nvPr/>
         </p:nvPicPr>
         <p:blipFill>
-          <a:blip r:embed="rId10">
+          <a:blip r:embed="rId11">
             <a:extLst>
               <a:ext uri="{96DAC541-7B7A-43D3-8B79-37D633B846F1}">
-                <asvg:svgBlip xmlns:asvg="http://schemas.microsoft.com/office/drawing/2016/SVG/main" r:embed="rId11"/>
+                <asvg:svgBlip xmlns:asvg="http://schemas.microsoft.com/office/drawing/2016/SVG/main" r:embed="rId12"/>
               </a:ext>
             </a:extLst>
           </a:blip>
@@ -26850,7 +27550,7 @@
           <p:nvPr/>
         </p:nvPicPr>
         <p:blipFill>
-          <a:blip r:embed="rId2">
+          <a:blip r:embed="rId3">
             <a:extLst>
               <a:ext uri="{28A0092B-C50C-407E-A947-70E740481C1C}">
                 <a14:useLocalDpi xmlns:a14="http://schemas.microsoft.com/office/drawing/2010/main" val="0"/>
@@ -26946,10 +27646,10 @@
           <p:nvPr/>
         </p:nvPicPr>
         <p:blipFill>
-          <a:blip r:embed="rId3">
+          <a:blip r:embed="rId4">
             <a:extLst>
               <a:ext uri="{96DAC541-7B7A-43D3-8B79-37D633B846F1}">
-                <asvg:svgBlip xmlns:asvg="http://schemas.microsoft.com/office/drawing/2016/SVG/main" r:embed="rId4"/>
+                <asvg:svgBlip xmlns:asvg="http://schemas.microsoft.com/office/drawing/2016/SVG/main" r:embed="rId5"/>
               </a:ext>
             </a:extLst>
           </a:blip>
@@ -26982,10 +27682,10 @@
           <p:nvPr/>
         </p:nvPicPr>
         <p:blipFill>
-          <a:blip r:embed="rId5">
+          <a:blip r:embed="rId6">
             <a:extLst>
               <a:ext uri="{96DAC541-7B7A-43D3-8B79-37D633B846F1}">
-                <asvg:svgBlip xmlns:asvg="http://schemas.microsoft.com/office/drawing/2016/SVG/main" r:embed="rId6"/>
+                <asvg:svgBlip xmlns:asvg="http://schemas.microsoft.com/office/drawing/2016/SVG/main" r:embed="rId7"/>
               </a:ext>
             </a:extLst>
           </a:blip>
@@ -27018,10 +27718,10 @@
           <p:nvPr/>
         </p:nvPicPr>
         <p:blipFill>
-          <a:blip r:embed="rId7">
+          <a:blip r:embed="rId8">
             <a:extLst>
               <a:ext uri="{96DAC541-7B7A-43D3-8B79-37D633B846F1}">
-                <asvg:svgBlip xmlns:asvg="http://schemas.microsoft.com/office/drawing/2016/SVG/main" r:embed="rId8"/>
+                <asvg:svgBlip xmlns:asvg="http://schemas.microsoft.com/office/drawing/2016/SVG/main" r:embed="rId9"/>
               </a:ext>
             </a:extLst>
           </a:blip>
@@ -27054,10 +27754,10 @@
           <p:nvPr/>
         </p:nvPicPr>
         <p:blipFill>
-          <a:blip r:embed="rId9">
+          <a:blip r:embed="rId10">
             <a:extLst>
               <a:ext uri="{96DAC541-7B7A-43D3-8B79-37D633B846F1}">
-                <asvg:svgBlip xmlns:asvg="http://schemas.microsoft.com/office/drawing/2016/SVG/main" r:embed="rId10"/>
+                <asvg:svgBlip xmlns:asvg="http://schemas.microsoft.com/office/drawing/2016/SVG/main" r:embed="rId11"/>
               </a:ext>
             </a:extLst>
           </a:blip>
@@ -30187,10 +30887,10 @@
           <p:nvPr/>
         </p:nvPicPr>
         <p:blipFill>
-          <a:blip r:embed="rId2">
+          <a:blip r:embed="rId3">
             <a:extLst>
               <a:ext uri="{96DAC541-7B7A-43D3-8B79-37D633B846F1}">
-                <asvg:svgBlip xmlns:asvg="http://schemas.microsoft.com/office/drawing/2016/SVG/main" r:embed="rId3"/>
+                <asvg:svgBlip xmlns:asvg="http://schemas.microsoft.com/office/drawing/2016/SVG/main" r:embed="rId4"/>
               </a:ext>
             </a:extLst>
           </a:blip>
@@ -30223,10 +30923,10 @@
           <p:nvPr/>
         </p:nvPicPr>
         <p:blipFill>
-          <a:blip r:embed="rId4">
+          <a:blip r:embed="rId5">
             <a:extLst>
               <a:ext uri="{96DAC541-7B7A-43D3-8B79-37D633B846F1}">
-                <asvg:svgBlip xmlns:asvg="http://schemas.microsoft.com/office/drawing/2016/SVG/main" r:embed="rId5"/>
+                <asvg:svgBlip xmlns:asvg="http://schemas.microsoft.com/office/drawing/2016/SVG/main" r:embed="rId6"/>
               </a:ext>
             </a:extLst>
           </a:blip>
@@ -30259,10 +30959,10 @@
           <p:nvPr/>
         </p:nvPicPr>
         <p:blipFill>
-          <a:blip r:embed="rId6">
+          <a:blip r:embed="rId7">
             <a:extLst>
               <a:ext uri="{96DAC541-7B7A-43D3-8B79-37D633B846F1}">
-                <asvg:svgBlip xmlns:asvg="http://schemas.microsoft.com/office/drawing/2016/SVG/main" r:embed="rId7"/>
+                <asvg:svgBlip xmlns:asvg="http://schemas.microsoft.com/office/drawing/2016/SVG/main" r:embed="rId8"/>
               </a:ext>
             </a:extLst>
           </a:blip>
@@ -30295,10 +30995,10 @@
           <p:nvPr/>
         </p:nvPicPr>
         <p:blipFill>
-          <a:blip r:embed="rId8">
+          <a:blip r:embed="rId9">
             <a:extLst>
               <a:ext uri="{96DAC541-7B7A-43D3-8B79-37D633B846F1}">
-                <asvg:svgBlip xmlns:asvg="http://schemas.microsoft.com/office/drawing/2016/SVG/main" r:embed="rId9"/>
+                <asvg:svgBlip xmlns:asvg="http://schemas.microsoft.com/office/drawing/2016/SVG/main" r:embed="rId10"/>
               </a:ext>
             </a:extLst>
           </a:blip>
@@ -30331,10 +31031,10 @@
           <p:nvPr/>
         </p:nvPicPr>
         <p:blipFill>
-          <a:blip r:embed="rId10">
+          <a:blip r:embed="rId11">
             <a:extLst>
               <a:ext uri="{96DAC541-7B7A-43D3-8B79-37D633B846F1}">
-                <asvg:svgBlip xmlns:asvg="http://schemas.microsoft.com/office/drawing/2016/SVG/main" r:embed="rId11"/>
+                <asvg:svgBlip xmlns:asvg="http://schemas.microsoft.com/office/drawing/2016/SVG/main" r:embed="rId12"/>
               </a:ext>
             </a:extLst>
           </a:blip>
@@ -30367,10 +31067,10 @@
           <p:nvPr/>
         </p:nvPicPr>
         <p:blipFill>
-          <a:blip r:embed="rId2">
+          <a:blip r:embed="rId3">
             <a:extLst>
               <a:ext uri="{96DAC541-7B7A-43D3-8B79-37D633B846F1}">
-                <asvg:svgBlip xmlns:asvg="http://schemas.microsoft.com/office/drawing/2016/SVG/main" r:embed="rId3"/>
+                <asvg:svgBlip xmlns:asvg="http://schemas.microsoft.com/office/drawing/2016/SVG/main" r:embed="rId4"/>
               </a:ext>
             </a:extLst>
           </a:blip>
@@ -30403,10 +31103,10 @@
           <p:nvPr/>
         </p:nvPicPr>
         <p:blipFill>
-          <a:blip r:embed="rId4">
+          <a:blip r:embed="rId5">
             <a:extLst>
               <a:ext uri="{96DAC541-7B7A-43D3-8B79-37D633B846F1}">
-                <asvg:svgBlip xmlns:asvg="http://schemas.microsoft.com/office/drawing/2016/SVG/main" r:embed="rId5"/>
+                <asvg:svgBlip xmlns:asvg="http://schemas.microsoft.com/office/drawing/2016/SVG/main" r:embed="rId6"/>
               </a:ext>
             </a:extLst>
           </a:blip>
@@ -30439,10 +31139,10 @@
           <p:nvPr/>
         </p:nvPicPr>
         <p:blipFill>
-          <a:blip r:embed="rId6">
+          <a:blip r:embed="rId7">
             <a:extLst>
               <a:ext uri="{96DAC541-7B7A-43D3-8B79-37D633B846F1}">
-                <asvg:svgBlip xmlns:asvg="http://schemas.microsoft.com/office/drawing/2016/SVG/main" r:embed="rId7"/>
+                <asvg:svgBlip xmlns:asvg="http://schemas.microsoft.com/office/drawing/2016/SVG/main" r:embed="rId8"/>
               </a:ext>
             </a:extLst>
           </a:blip>
@@ -30475,10 +31175,10 @@
           <p:nvPr/>
         </p:nvPicPr>
         <p:blipFill>
-          <a:blip r:embed="rId8">
+          <a:blip r:embed="rId9">
             <a:extLst>
               <a:ext uri="{96DAC541-7B7A-43D3-8B79-37D633B846F1}">
-                <asvg:svgBlip xmlns:asvg="http://schemas.microsoft.com/office/drawing/2016/SVG/main" r:embed="rId9"/>
+                <asvg:svgBlip xmlns:asvg="http://schemas.microsoft.com/office/drawing/2016/SVG/main" r:embed="rId10"/>
               </a:ext>
             </a:extLst>
           </a:blip>
@@ -30511,10 +31211,10 @@
           <p:nvPr/>
         </p:nvPicPr>
         <p:blipFill>
-          <a:blip r:embed="rId10">
+          <a:blip r:embed="rId11">
             <a:extLst>
               <a:ext uri="{96DAC541-7B7A-43D3-8B79-37D633B846F1}">
-                <asvg:svgBlip xmlns:asvg="http://schemas.microsoft.com/office/drawing/2016/SVG/main" r:embed="rId11"/>
+                <asvg:svgBlip xmlns:asvg="http://schemas.microsoft.com/office/drawing/2016/SVG/main" r:embed="rId12"/>
               </a:ext>
             </a:extLst>
           </a:blip>
@@ -30547,10 +31247,10 @@
           <p:nvPr/>
         </p:nvPicPr>
         <p:blipFill>
-          <a:blip r:embed="rId2">
+          <a:blip r:embed="rId3">
             <a:extLst>
               <a:ext uri="{96DAC541-7B7A-43D3-8B79-37D633B846F1}">
-                <asvg:svgBlip xmlns:asvg="http://schemas.microsoft.com/office/drawing/2016/SVG/main" r:embed="rId3"/>
+                <asvg:svgBlip xmlns:asvg="http://schemas.microsoft.com/office/drawing/2016/SVG/main" r:embed="rId4"/>
               </a:ext>
             </a:extLst>
           </a:blip>
@@ -30583,10 +31283,10 @@
           <p:nvPr/>
         </p:nvPicPr>
         <p:blipFill>
-          <a:blip r:embed="rId4">
+          <a:blip r:embed="rId5">
             <a:extLst>
               <a:ext uri="{96DAC541-7B7A-43D3-8B79-37D633B846F1}">
-                <asvg:svgBlip xmlns:asvg="http://schemas.microsoft.com/office/drawing/2016/SVG/main" r:embed="rId5"/>
+                <asvg:svgBlip xmlns:asvg="http://schemas.microsoft.com/office/drawing/2016/SVG/main" r:embed="rId6"/>
               </a:ext>
             </a:extLst>
           </a:blip>
@@ -30619,10 +31319,10 @@
           <p:nvPr/>
         </p:nvPicPr>
         <p:blipFill>
-          <a:blip r:embed="rId6">
+          <a:blip r:embed="rId7">
             <a:extLst>
               <a:ext uri="{96DAC541-7B7A-43D3-8B79-37D633B846F1}">
-                <asvg:svgBlip xmlns:asvg="http://schemas.microsoft.com/office/drawing/2016/SVG/main" r:embed="rId7"/>
+                <asvg:svgBlip xmlns:asvg="http://schemas.microsoft.com/office/drawing/2016/SVG/main" r:embed="rId8"/>
               </a:ext>
             </a:extLst>
           </a:blip>
@@ -30655,10 +31355,10 @@
           <p:nvPr/>
         </p:nvPicPr>
         <p:blipFill>
-          <a:blip r:embed="rId8">
+          <a:blip r:embed="rId9">
             <a:extLst>
               <a:ext uri="{96DAC541-7B7A-43D3-8B79-37D633B846F1}">
-                <asvg:svgBlip xmlns:asvg="http://schemas.microsoft.com/office/drawing/2016/SVG/main" r:embed="rId9"/>
+                <asvg:svgBlip xmlns:asvg="http://schemas.microsoft.com/office/drawing/2016/SVG/main" r:embed="rId10"/>
               </a:ext>
             </a:extLst>
           </a:blip>
@@ -30691,10 +31391,10 @@
           <p:nvPr/>
         </p:nvPicPr>
         <p:blipFill>
-          <a:blip r:embed="rId12">
+          <a:blip r:embed="rId13">
             <a:extLst>
               <a:ext uri="{96DAC541-7B7A-43D3-8B79-37D633B846F1}">
-                <asvg:svgBlip xmlns:asvg="http://schemas.microsoft.com/office/drawing/2016/SVG/main" r:embed="rId13"/>
+                <asvg:svgBlip xmlns:asvg="http://schemas.microsoft.com/office/drawing/2016/SVG/main" r:embed="rId14"/>
               </a:ext>
             </a:extLst>
           </a:blip>
@@ -30727,10 +31427,10 @@
           <p:nvPr/>
         </p:nvPicPr>
         <p:blipFill>
-          <a:blip r:embed="rId2">
+          <a:blip r:embed="rId3">
             <a:extLst>
               <a:ext uri="{96DAC541-7B7A-43D3-8B79-37D633B846F1}">
-                <asvg:svgBlip xmlns:asvg="http://schemas.microsoft.com/office/drawing/2016/SVG/main" r:embed="rId3"/>
+                <asvg:svgBlip xmlns:asvg="http://schemas.microsoft.com/office/drawing/2016/SVG/main" r:embed="rId4"/>
               </a:ext>
             </a:extLst>
           </a:blip>
@@ -30763,10 +31463,10 @@
           <p:nvPr/>
         </p:nvPicPr>
         <p:blipFill>
-          <a:blip r:embed="rId4">
+          <a:blip r:embed="rId5">
             <a:extLst>
               <a:ext uri="{96DAC541-7B7A-43D3-8B79-37D633B846F1}">
-                <asvg:svgBlip xmlns:asvg="http://schemas.microsoft.com/office/drawing/2016/SVG/main" r:embed="rId5"/>
+                <asvg:svgBlip xmlns:asvg="http://schemas.microsoft.com/office/drawing/2016/SVG/main" r:embed="rId6"/>
               </a:ext>
             </a:extLst>
           </a:blip>
@@ -30799,10 +31499,10 @@
           <p:nvPr/>
         </p:nvPicPr>
         <p:blipFill>
-          <a:blip r:embed="rId6">
+          <a:blip r:embed="rId7">
             <a:extLst>
               <a:ext uri="{96DAC541-7B7A-43D3-8B79-37D633B846F1}">
-                <asvg:svgBlip xmlns:asvg="http://schemas.microsoft.com/office/drawing/2016/SVG/main" r:embed="rId7"/>
+                <asvg:svgBlip xmlns:asvg="http://schemas.microsoft.com/office/drawing/2016/SVG/main" r:embed="rId8"/>
               </a:ext>
             </a:extLst>
           </a:blip>
@@ -30835,10 +31535,10 @@
           <p:nvPr/>
         </p:nvPicPr>
         <p:blipFill>
-          <a:blip r:embed="rId8">
+          <a:blip r:embed="rId9">
             <a:extLst>
               <a:ext uri="{96DAC541-7B7A-43D3-8B79-37D633B846F1}">
-                <asvg:svgBlip xmlns:asvg="http://schemas.microsoft.com/office/drawing/2016/SVG/main" r:embed="rId9"/>
+                <asvg:svgBlip xmlns:asvg="http://schemas.microsoft.com/office/drawing/2016/SVG/main" r:embed="rId10"/>
               </a:ext>
             </a:extLst>
           </a:blip>
@@ -30871,10 +31571,10 @@
           <p:nvPr/>
         </p:nvPicPr>
         <p:blipFill>
-          <a:blip r:embed="rId10">
+          <a:blip r:embed="rId11">
             <a:extLst>
               <a:ext uri="{96DAC541-7B7A-43D3-8B79-37D633B846F1}">
-                <asvg:svgBlip xmlns:asvg="http://schemas.microsoft.com/office/drawing/2016/SVG/main" r:embed="rId11"/>
+                <asvg:svgBlip xmlns:asvg="http://schemas.microsoft.com/office/drawing/2016/SVG/main" r:embed="rId12"/>
               </a:ext>
             </a:extLst>
           </a:blip>
@@ -30907,10 +31607,10 @@
           <p:nvPr/>
         </p:nvPicPr>
         <p:blipFill>
-          <a:blip r:embed="rId2">
+          <a:blip r:embed="rId3">
             <a:extLst>
               <a:ext uri="{96DAC541-7B7A-43D3-8B79-37D633B846F1}">
-                <asvg:svgBlip xmlns:asvg="http://schemas.microsoft.com/office/drawing/2016/SVG/main" r:embed="rId3"/>
+                <asvg:svgBlip xmlns:asvg="http://schemas.microsoft.com/office/drawing/2016/SVG/main" r:embed="rId4"/>
               </a:ext>
             </a:extLst>
           </a:blip>
@@ -30943,10 +31643,10 @@
           <p:nvPr/>
         </p:nvPicPr>
         <p:blipFill>
-          <a:blip r:embed="rId4">
+          <a:blip r:embed="rId5">
             <a:extLst>
               <a:ext uri="{96DAC541-7B7A-43D3-8B79-37D633B846F1}">
-                <asvg:svgBlip xmlns:asvg="http://schemas.microsoft.com/office/drawing/2016/SVG/main" r:embed="rId5"/>
+                <asvg:svgBlip xmlns:asvg="http://schemas.microsoft.com/office/drawing/2016/SVG/main" r:embed="rId6"/>
               </a:ext>
             </a:extLst>
           </a:blip>
@@ -30979,10 +31679,10 @@
           <p:nvPr/>
         </p:nvPicPr>
         <p:blipFill>
-          <a:blip r:embed="rId6">
+          <a:blip r:embed="rId7">
             <a:extLst>
               <a:ext uri="{96DAC541-7B7A-43D3-8B79-37D633B846F1}">
-                <asvg:svgBlip xmlns:asvg="http://schemas.microsoft.com/office/drawing/2016/SVG/main" r:embed="rId7"/>
+                <asvg:svgBlip xmlns:asvg="http://schemas.microsoft.com/office/drawing/2016/SVG/main" r:embed="rId8"/>
               </a:ext>
             </a:extLst>
           </a:blip>
@@ -31015,10 +31715,10 @@
           <p:nvPr/>
         </p:nvPicPr>
         <p:blipFill>
-          <a:blip r:embed="rId8">
+          <a:blip r:embed="rId9">
             <a:extLst>
               <a:ext uri="{96DAC541-7B7A-43D3-8B79-37D633B846F1}">
-                <asvg:svgBlip xmlns:asvg="http://schemas.microsoft.com/office/drawing/2016/SVG/main" r:embed="rId9"/>
+                <asvg:svgBlip xmlns:asvg="http://schemas.microsoft.com/office/drawing/2016/SVG/main" r:embed="rId10"/>
               </a:ext>
             </a:extLst>
           </a:blip>
@@ -31051,7 +31751,7 @@
           <p:nvPr/>
         </p:nvPicPr>
         <p:blipFill>
-          <a:blip r:embed="rId14"/>
+          <a:blip r:embed="rId15"/>
           <a:stretch>
             <a:fillRect/>
           </a:stretch>
@@ -31081,10 +31781,10 @@
           <p:nvPr/>
         </p:nvPicPr>
         <p:blipFill>
-          <a:blip r:embed="rId10">
+          <a:blip r:embed="rId11">
             <a:extLst>
               <a:ext uri="{96DAC541-7B7A-43D3-8B79-37D633B846F1}">
-                <asvg:svgBlip xmlns:asvg="http://schemas.microsoft.com/office/drawing/2016/SVG/main" r:embed="rId11"/>
+                <asvg:svgBlip xmlns:asvg="http://schemas.microsoft.com/office/drawing/2016/SVG/main" r:embed="rId12"/>
               </a:ext>
             </a:extLst>
           </a:blip>
@@ -32140,7 +32840,7 @@
         </p:xfrm>
         <a:graphic>
           <a:graphicData uri="http://schemas.openxmlformats.org/drawingml/2006/diagram">
-            <dgm:relIds xmlns:dgm="http://schemas.openxmlformats.org/drawingml/2006/diagram" xmlns:r="http://schemas.openxmlformats.org/officeDocument/2006/relationships" r:dm="rId2" r:lo="rId3" r:qs="rId4" r:cs="rId5"/>
+            <dgm:relIds xmlns:dgm="http://schemas.openxmlformats.org/drawingml/2006/diagram" xmlns:r="http://schemas.openxmlformats.org/officeDocument/2006/relationships" r:dm="rId3" r:lo="rId4" r:qs="rId5" r:cs="rId6"/>
           </a:graphicData>
         </a:graphic>
       </p:graphicFrame>

--- a/Blockchain.pptx
+++ b/Blockchain.pptx
@@ -5,10 +5,10 @@
     <p:sldMasterId id="2147483672" r:id="rId4"/>
   </p:sldMasterIdLst>
   <p:notesMasterIdLst>
-    <p:notesMasterId r:id="rId20"/>
+    <p:notesMasterId r:id="rId21"/>
   </p:notesMasterIdLst>
   <p:handoutMasterIdLst>
-    <p:handoutMasterId r:id="rId21"/>
+    <p:handoutMasterId r:id="rId22"/>
   </p:handoutMasterIdLst>
   <p:sldIdLst>
     <p:sldId id="256" r:id="rId5"/>
@@ -23,9 +23,10 @@
     <p:sldId id="274" r:id="rId14"/>
     <p:sldId id="259" r:id="rId15"/>
     <p:sldId id="273" r:id="rId16"/>
-    <p:sldId id="275" r:id="rId17"/>
-    <p:sldId id="276" r:id="rId18"/>
-    <p:sldId id="260" r:id="rId19"/>
+    <p:sldId id="281" r:id="rId17"/>
+    <p:sldId id="275" r:id="rId18"/>
+    <p:sldId id="276" r:id="rId19"/>
+    <p:sldId id="260" r:id="rId20"/>
   </p:sldIdLst>
   <p:sldSz cx="12192000" cy="6858000"/>
   <p:notesSz cx="6858000" cy="9144000"/>
@@ -1773,6 +1774,3360 @@
     </pc:docChg>
   </pc:docChgLst>
 </pc:chgInfo>
+</file>
+
+<file path=ppt/charts/chartEx1.xml><?xml version="1.0" encoding="utf-8"?>
+<cx:chartSpace xmlns:a="http://schemas.openxmlformats.org/drawingml/2006/main" xmlns:r="http://schemas.openxmlformats.org/officeDocument/2006/relationships" xmlns:cx="http://schemas.microsoft.com/office/drawing/2014/chartex">
+  <cx:chartData>
+    <cx:externalData r:id="rId1" cx:autoUpdate="0"/>
+    <cx:data id="0">
+      <cx:strDim type="cat">
+        <cx:f>Sheet1!$A$2:$C$17</cx:f>
+        <cx:lvl ptCount="16">
+          <cx:pt idx="0">Hour 24</cx:pt>
+          <cx:pt idx="1">Hour 23</cx:pt>
+          <cx:pt idx="2">Hour 22</cx:pt>
+          <cx:pt idx="3">Hour 21</cx:pt>
+          <cx:pt idx="4">Hour 20</cx:pt>
+          <cx:pt idx="5">Hour 19</cx:pt>
+          <cx:pt idx="6">Hour 18</cx:pt>
+          <cx:pt idx="7">Hour 17</cx:pt>
+          <cx:pt idx="8">Hour 16</cx:pt>
+          <cx:pt idx="9">Hour 15</cx:pt>
+          <cx:pt idx="10">Hour 14</cx:pt>
+          <cx:pt idx="11">Hour 13</cx:pt>
+        </cx:lvl>
+        <cx:lvl ptCount="16">
+          <cx:pt idx="0">Hour 12</cx:pt>
+          <cx:pt idx="1">Hour 11</cx:pt>
+          <cx:pt idx="2">Hour 10</cx:pt>
+          <cx:pt idx="3">Hour 9</cx:pt>
+          <cx:pt idx="4">Hour 8</cx:pt>
+          <cx:pt idx="5">Hour 7</cx:pt>
+          <cx:pt idx="6">Hour 6</cx:pt>
+          <cx:pt idx="7">Hour 5</cx:pt>
+          <cx:pt idx="8">Hour 4</cx:pt>
+          <cx:pt idx="9">Hour 3</cx:pt>
+          <cx:pt idx="10">Hour 2</cx:pt>
+          <cx:pt idx="11">Hour 1</cx:pt>
+        </cx:lvl>
+        <cx:lvl ptCount="16">
+          <cx:pt idx="0">24 hours</cx:pt>
+          <cx:pt idx="1">24 hours</cx:pt>
+          <cx:pt idx="2">24 hours</cx:pt>
+          <cx:pt idx="3">24 hours</cx:pt>
+          <cx:pt idx="4">24 hours</cx:pt>
+          <cx:pt idx="5">24 hours</cx:pt>
+          <cx:pt idx="6">24 hours</cx:pt>
+          <cx:pt idx="7">24 hours</cx:pt>
+          <cx:pt idx="8">24 hours</cx:pt>
+          <cx:pt idx="9">24 hours</cx:pt>
+          <cx:pt idx="10">24 hours</cx:pt>
+          <cx:pt idx="11">24 hours</cx:pt>
+        </cx:lvl>
+      </cx:strDim>
+      <cx:numDim type="size">
+        <cx:f>Sheet1!$D$2:$D$17</cx:f>
+        <cx:lvl ptCount="16" formatCode="General">
+          <cx:pt idx="0">100</cx:pt>
+          <cx:pt idx="1">100</cx:pt>
+          <cx:pt idx="2">100</cx:pt>
+          <cx:pt idx="3">100</cx:pt>
+          <cx:pt idx="4">100</cx:pt>
+          <cx:pt idx="5">100</cx:pt>
+          <cx:pt idx="6">100</cx:pt>
+          <cx:pt idx="7">10</cx:pt>
+          <cx:pt idx="8">100</cx:pt>
+          <cx:pt idx="9">100</cx:pt>
+          <cx:pt idx="10">100</cx:pt>
+          <cx:pt idx="11">100</cx:pt>
+        </cx:lvl>
+      </cx:numDim>
+    </cx:data>
+  </cx:chartData>
+  <cx:chart>
+    <cx:plotArea>
+      <cx:plotAreaRegion>
+        <cx:series layoutId="sunburst" uniqueId="{E63CC1EB-203C-48E7-BC9E-1D6E356B1151}">
+          <cx:tx>
+            <cx:txData>
+              <cx:f>Sheet1!$D$1</cx:f>
+              <cx:v>Series1</cx:v>
+            </cx:txData>
+          </cx:tx>
+          <cx:spPr>
+            <a:solidFill>
+              <a:schemeClr val="accent2">
+                <a:lumMod val="20000"/>
+                <a:lumOff val="80000"/>
+              </a:schemeClr>
+            </a:solidFill>
+          </cx:spPr>
+          <cx:dataPt idx="0">
+            <cx:spPr>
+              <a:solidFill>
+                <a:srgbClr val="4590B8">
+                  <a:lumMod val="20000"/>
+                  <a:lumOff val="80000"/>
+                </a:srgbClr>
+              </a:solidFill>
+            </cx:spPr>
+          </cx:dataPt>
+          <cx:dataLabels pos="ctr">
+            <cx:txPr>
+              <a:bodyPr spcFirstLastPara="1" vertOverflow="ellipsis" horzOverflow="overflow" wrap="square" lIns="0" tIns="0" rIns="0" bIns="0" anchor="ctr" anchorCtr="1"/>
+              <a:lstStyle/>
+              <a:p>
+                <a:pPr algn="ctr" rtl="0">
+                  <a:defRPr>
+                    <a:solidFill>
+                      <a:schemeClr val="bg1"/>
+                    </a:solidFill>
+                  </a:defRPr>
+                </a:pPr>
+                <a:endParaRPr lang="en-US" sz="1197" b="0" i="0" u="none" strike="noStrike" baseline="0">
+                  <a:solidFill>
+                    <a:schemeClr val="bg1"/>
+                  </a:solidFill>
+                  <a:latin typeface="Gill Sans MT" panose="020B0502020104020203"/>
+                </a:endParaRPr>
+              </a:p>
+            </cx:txPr>
+            <cx:visibility seriesName="0" categoryName="1" value="0"/>
+            <cx:dataLabel idx="19">
+              <cx:txPr>
+                <a:bodyPr spcFirstLastPara="1" vertOverflow="ellipsis" horzOverflow="overflow" wrap="square" lIns="0" tIns="0" rIns="0" bIns="0" anchor="ctr" anchorCtr="1"/>
+                <a:lstStyle/>
+                <a:p>
+                  <a:pPr algn="ctr" rtl="0">
+                    <a:defRPr>
+                      <a:solidFill>
+                        <a:schemeClr val="bg1"/>
+                      </a:solidFill>
+                    </a:defRPr>
+                  </a:pPr>
+                  <a:r>
+                    <a:rPr lang="en-US" sz="1197" b="0" i="0" u="none" strike="noStrike" baseline="0">
+                      <a:solidFill>
+                        <a:schemeClr val="bg1"/>
+                      </a:solidFill>
+                      <a:latin typeface="Gill Sans MT" panose="020B0502020104020203"/>
+                    </a:rPr>
+                    <a:t>Hour 3</a:t>
+                  </a:r>
+                </a:p>
+              </cx:txPr>
+              <cx:visibility seriesName="0" categoryName="1" value="0"/>
+            </cx:dataLabel>
+            <cx:dataLabel idx="21">
+              <cx:txPr>
+                <a:bodyPr spcFirstLastPara="1" vertOverflow="ellipsis" horzOverflow="overflow" wrap="square" lIns="0" tIns="0" rIns="0" bIns="0" anchor="ctr" anchorCtr="1"/>
+                <a:lstStyle/>
+                <a:p>
+                  <a:pPr algn="ctr" rtl="0">
+                    <a:defRPr>
+                      <a:solidFill>
+                        <a:schemeClr val="bg1"/>
+                      </a:solidFill>
+                    </a:defRPr>
+                  </a:pPr>
+                  <a:r>
+                    <a:rPr lang="en-US" sz="1197" b="0" i="0" u="none" strike="noStrike" baseline="0">
+                      <a:solidFill>
+                        <a:schemeClr val="bg1"/>
+                      </a:solidFill>
+                      <a:latin typeface="Gill Sans MT" panose="020B0502020104020203"/>
+                    </a:rPr>
+                    <a:t>Hour 2</a:t>
+                  </a:r>
+                </a:p>
+              </cx:txPr>
+              <cx:visibility seriesName="0" categoryName="1" value="0"/>
+            </cx:dataLabel>
+            <cx:dataLabel idx="23">
+              <cx:txPr>
+                <a:bodyPr spcFirstLastPara="1" vertOverflow="ellipsis" horzOverflow="overflow" wrap="square" lIns="0" tIns="0" rIns="0" bIns="0" anchor="ctr" anchorCtr="1"/>
+                <a:lstStyle/>
+                <a:p>
+                  <a:pPr algn="ctr" rtl="0">
+                    <a:defRPr>
+                      <a:solidFill>
+                        <a:schemeClr val="bg1"/>
+                      </a:solidFill>
+                    </a:defRPr>
+                  </a:pPr>
+                  <a:r>
+                    <a:rPr lang="en-US" sz="1197" b="0" i="0" u="none" strike="noStrike" baseline="0">
+                      <a:solidFill>
+                        <a:schemeClr val="bg1"/>
+                      </a:solidFill>
+                      <a:latin typeface="Gill Sans MT" panose="020B0502020104020203"/>
+                    </a:rPr>
+                    <a:t>Hour 1</a:t>
+                  </a:r>
+                </a:p>
+              </cx:txPr>
+              <cx:visibility seriesName="0" categoryName="1" value="0"/>
+            </cx:dataLabel>
+          </cx:dataLabels>
+          <cx:dataId val="0"/>
+        </cx:series>
+      </cx:plotAreaRegion>
+    </cx:plotArea>
+  </cx:chart>
+</cx:chartSpace>
+</file>
+
+<file path=ppt/charts/chartEx2.xml><?xml version="1.0" encoding="utf-8"?>
+<cx:chartSpace xmlns:a="http://schemas.openxmlformats.org/drawingml/2006/main" xmlns:r="http://schemas.openxmlformats.org/officeDocument/2006/relationships" xmlns:cx="http://schemas.microsoft.com/office/drawing/2014/chartex">
+  <cx:chartData>
+    <cx:externalData r:id="rId1" cx:autoUpdate="0"/>
+    <cx:data id="0">
+      <cx:strDim type="cat">
+        <cx:f>Sheet1!$A$2:$C$17</cx:f>
+        <cx:lvl ptCount="16">
+          <cx:pt idx="0">Hour 24</cx:pt>
+          <cx:pt idx="1">Hour 23</cx:pt>
+          <cx:pt idx="2">Hour 22</cx:pt>
+          <cx:pt idx="3">Hour 21</cx:pt>
+          <cx:pt idx="4">Hour 20</cx:pt>
+          <cx:pt idx="5">Hour 19</cx:pt>
+          <cx:pt idx="6">Hour 18</cx:pt>
+          <cx:pt idx="7">Hour 17</cx:pt>
+          <cx:pt idx="8">Hour 16</cx:pt>
+          <cx:pt idx="9">Hour 15</cx:pt>
+          <cx:pt idx="10">Hour 14</cx:pt>
+          <cx:pt idx="11">Hour 13</cx:pt>
+        </cx:lvl>
+        <cx:lvl ptCount="16">
+          <cx:pt idx="0">Hour 12</cx:pt>
+          <cx:pt idx="1">Hour 11</cx:pt>
+          <cx:pt idx="2">Hour 10</cx:pt>
+          <cx:pt idx="3">Hour 9</cx:pt>
+          <cx:pt idx="4">Hour 8</cx:pt>
+          <cx:pt idx="5">Hour 7</cx:pt>
+          <cx:pt idx="6">Hour 6</cx:pt>
+          <cx:pt idx="7">Hour 5</cx:pt>
+          <cx:pt idx="8">Hour 4</cx:pt>
+          <cx:pt idx="9">Hour 3</cx:pt>
+          <cx:pt idx="10">Hour 2</cx:pt>
+          <cx:pt idx="11">Hour 1</cx:pt>
+        </cx:lvl>
+        <cx:lvl ptCount="16">
+          <cx:pt idx="0">24 hours</cx:pt>
+          <cx:pt idx="1">24 hours</cx:pt>
+          <cx:pt idx="2">24 hours</cx:pt>
+          <cx:pt idx="3">24 hours</cx:pt>
+          <cx:pt idx="4">24 hours</cx:pt>
+          <cx:pt idx="5">24 hours</cx:pt>
+          <cx:pt idx="6">24 hours</cx:pt>
+          <cx:pt idx="7">24 hours</cx:pt>
+          <cx:pt idx="8">24 hours</cx:pt>
+          <cx:pt idx="9">24 hours</cx:pt>
+          <cx:pt idx="10">24 hours</cx:pt>
+          <cx:pt idx="11">24 hours</cx:pt>
+        </cx:lvl>
+      </cx:strDim>
+      <cx:numDim type="size">
+        <cx:f>Sheet1!$D$2:$D$17</cx:f>
+        <cx:lvl ptCount="16" formatCode="General">
+          <cx:pt idx="0">100</cx:pt>
+          <cx:pt idx="1">100</cx:pt>
+          <cx:pt idx="2">100</cx:pt>
+          <cx:pt idx="3">100</cx:pt>
+          <cx:pt idx="4">100</cx:pt>
+          <cx:pt idx="5">100</cx:pt>
+          <cx:pt idx="6">100</cx:pt>
+          <cx:pt idx="7">10</cx:pt>
+          <cx:pt idx="8">100</cx:pt>
+          <cx:pt idx="9">100</cx:pt>
+          <cx:pt idx="10">100</cx:pt>
+          <cx:pt idx="11">100</cx:pt>
+        </cx:lvl>
+      </cx:numDim>
+    </cx:data>
+  </cx:chartData>
+  <cx:chart>
+    <cx:plotArea>
+      <cx:plotAreaRegion>
+        <cx:series layoutId="sunburst" uniqueId="{E63CC1EB-203C-48E7-BC9E-1D6E356B1151}">
+          <cx:tx>
+            <cx:txData>
+              <cx:f>Sheet1!$D$1</cx:f>
+              <cx:v>Series1</cx:v>
+            </cx:txData>
+          </cx:tx>
+          <cx:spPr>
+            <a:solidFill>
+              <a:schemeClr val="accent2">
+                <a:lumMod val="20000"/>
+                <a:lumOff val="80000"/>
+              </a:schemeClr>
+            </a:solidFill>
+          </cx:spPr>
+          <cx:dataPt idx="19">
+            <cx:spPr>
+              <a:solidFill>
+                <a:srgbClr val="4590B8"/>
+              </a:solidFill>
+            </cx:spPr>
+          </cx:dataPt>
+          <cx:dataPt idx="20">
+            <cx:spPr>
+              <a:solidFill>
+                <a:srgbClr val="4590B8">
+                  <a:lumMod val="20000"/>
+                  <a:lumOff val="80000"/>
+                </a:srgbClr>
+              </a:solidFill>
+            </cx:spPr>
+          </cx:dataPt>
+          <cx:dataPt idx="21">
+            <cx:spPr>
+              <a:solidFill>
+                <a:srgbClr val="4590B8"/>
+              </a:solidFill>
+            </cx:spPr>
+          </cx:dataPt>
+          <cx:dataPt idx="22">
+            <cx:spPr>
+              <a:solidFill>
+                <a:srgbClr val="4590B8">
+                  <a:lumMod val="20000"/>
+                  <a:lumOff val="80000"/>
+                </a:srgbClr>
+              </a:solidFill>
+            </cx:spPr>
+          </cx:dataPt>
+          <cx:dataPt idx="23">
+            <cx:spPr>
+              <a:solidFill>
+                <a:srgbClr val="4590B8"/>
+              </a:solidFill>
+            </cx:spPr>
+          </cx:dataPt>
+          <cx:dataPt idx="24">
+            <cx:spPr>
+              <a:solidFill>
+                <a:srgbClr val="4590B8">
+                  <a:lumMod val="20000"/>
+                  <a:lumOff val="80000"/>
+                </a:srgbClr>
+              </a:solidFill>
+            </cx:spPr>
+          </cx:dataPt>
+          <cx:dataLabels pos="ctr">
+            <cx:txPr>
+              <a:bodyPr spcFirstLastPara="1" vertOverflow="ellipsis" horzOverflow="overflow" wrap="square" lIns="0" tIns="0" rIns="0" bIns="0" anchor="ctr" anchorCtr="1"/>
+              <a:lstStyle/>
+              <a:p>
+                <a:pPr algn="ctr" rtl="0">
+                  <a:defRPr>
+                    <a:solidFill>
+                      <a:schemeClr val="bg1"/>
+                    </a:solidFill>
+                  </a:defRPr>
+                </a:pPr>
+                <a:endParaRPr lang="en-US" sz="1197" b="0" i="0" u="none" strike="noStrike" baseline="0">
+                  <a:solidFill>
+                    <a:schemeClr val="bg1"/>
+                  </a:solidFill>
+                  <a:latin typeface="Gill Sans MT" panose="020B0502020104020203"/>
+                </a:endParaRPr>
+              </a:p>
+            </cx:txPr>
+            <cx:visibility seriesName="0" categoryName="1" value="0"/>
+            <cx:dataLabel idx="19">
+              <cx:txPr>
+                <a:bodyPr spcFirstLastPara="1" vertOverflow="ellipsis" horzOverflow="overflow" wrap="square" lIns="0" tIns="0" rIns="0" bIns="0" anchor="ctr" anchorCtr="1"/>
+                <a:lstStyle/>
+                <a:p>
+                  <a:pPr algn="ctr" rtl="0">
+                    <a:defRPr>
+                      <a:solidFill>
+                        <a:schemeClr val="tx1"/>
+                      </a:solidFill>
+                    </a:defRPr>
+                  </a:pPr>
+                  <a:r>
+                    <a:rPr lang="en-US" sz="1197" b="0" i="0" u="none" strike="noStrike" baseline="0">
+                      <a:solidFill>
+                        <a:schemeClr val="tx1"/>
+                      </a:solidFill>
+                      <a:latin typeface="Gill Sans MT" panose="020B0502020104020203"/>
+                    </a:rPr>
+                    <a:t>Hour 3</a:t>
+                  </a:r>
+                </a:p>
+              </cx:txPr>
+            </cx:dataLabel>
+            <cx:dataLabel idx="21">
+              <cx:txPr>
+                <a:bodyPr spcFirstLastPara="1" vertOverflow="ellipsis" horzOverflow="overflow" wrap="square" lIns="0" tIns="0" rIns="0" bIns="0" anchor="ctr" anchorCtr="1"/>
+                <a:lstStyle/>
+                <a:p>
+                  <a:pPr algn="ctr" rtl="0">
+                    <a:defRPr>
+                      <a:solidFill>
+                        <a:schemeClr val="tx1"/>
+                      </a:solidFill>
+                    </a:defRPr>
+                  </a:pPr>
+                  <a:r>
+                    <a:rPr lang="en-US" sz="1197" b="0" i="0" u="none" strike="noStrike" baseline="0">
+                      <a:solidFill>
+                        <a:schemeClr val="tx1"/>
+                      </a:solidFill>
+                      <a:latin typeface="Gill Sans MT" panose="020B0502020104020203"/>
+                    </a:rPr>
+                    <a:t>Hour 2</a:t>
+                  </a:r>
+                </a:p>
+              </cx:txPr>
+            </cx:dataLabel>
+            <cx:dataLabel idx="23">
+              <cx:txPr>
+                <a:bodyPr spcFirstLastPara="1" vertOverflow="ellipsis" horzOverflow="overflow" wrap="square" lIns="0" tIns="0" rIns="0" bIns="0" anchor="ctr" anchorCtr="1"/>
+                <a:lstStyle/>
+                <a:p>
+                  <a:pPr algn="ctr" rtl="0">
+                    <a:defRPr>
+                      <a:solidFill>
+                        <a:schemeClr val="tx1"/>
+                      </a:solidFill>
+                    </a:defRPr>
+                  </a:pPr>
+                  <a:r>
+                    <a:rPr lang="en-US" sz="1197" b="0" i="0" u="none" strike="noStrike" baseline="0">
+                      <a:solidFill>
+                        <a:schemeClr val="tx1"/>
+                      </a:solidFill>
+                      <a:latin typeface="Gill Sans MT" panose="020B0502020104020203"/>
+                    </a:rPr>
+                    <a:t>Hour 1</a:t>
+                  </a:r>
+                </a:p>
+              </cx:txPr>
+            </cx:dataLabel>
+          </cx:dataLabels>
+          <cx:dataId val="0"/>
+        </cx:series>
+      </cx:plotAreaRegion>
+    </cx:plotArea>
+  </cx:chart>
+</cx:chartSpace>
+</file>
+
+<file path=ppt/charts/chartEx3.xml><?xml version="1.0" encoding="utf-8"?>
+<cx:chartSpace xmlns:a="http://schemas.openxmlformats.org/drawingml/2006/main" xmlns:r="http://schemas.openxmlformats.org/officeDocument/2006/relationships" xmlns:cx="http://schemas.microsoft.com/office/drawing/2014/chartex">
+  <cx:chartData>
+    <cx:externalData r:id="rId1" cx:autoUpdate="0"/>
+    <cx:data id="0">
+      <cx:strDim type="cat">
+        <cx:f>Sheet1!$A$2:$C$17</cx:f>
+        <cx:lvl ptCount="16">
+          <cx:pt idx="0">Hour 24</cx:pt>
+          <cx:pt idx="1">Hour 23</cx:pt>
+          <cx:pt idx="2">Hour 22</cx:pt>
+          <cx:pt idx="3">Hour 21</cx:pt>
+          <cx:pt idx="4">Hour 20</cx:pt>
+          <cx:pt idx="5">Hour 19</cx:pt>
+          <cx:pt idx="6">Hour 18</cx:pt>
+          <cx:pt idx="7">Hour 17</cx:pt>
+          <cx:pt idx="8">Hour 16</cx:pt>
+          <cx:pt idx="9">Hour 15</cx:pt>
+          <cx:pt idx="10">Hour 14</cx:pt>
+          <cx:pt idx="11">Hour 13</cx:pt>
+        </cx:lvl>
+        <cx:lvl ptCount="16">
+          <cx:pt idx="0">Hour 12</cx:pt>
+          <cx:pt idx="1">Hour 11</cx:pt>
+          <cx:pt idx="2">Hour 10</cx:pt>
+          <cx:pt idx="3">Hour 9</cx:pt>
+          <cx:pt idx="4">Hour 8</cx:pt>
+          <cx:pt idx="5">Hour 7</cx:pt>
+          <cx:pt idx="6">Hour 6</cx:pt>
+          <cx:pt idx="7">Hour 5</cx:pt>
+          <cx:pt idx="8">Hour 4</cx:pt>
+          <cx:pt idx="9">Hour 3</cx:pt>
+          <cx:pt idx="10">Hour 2</cx:pt>
+          <cx:pt idx="11">Hour 1</cx:pt>
+        </cx:lvl>
+        <cx:lvl ptCount="16">
+          <cx:pt idx="0">24 hours</cx:pt>
+          <cx:pt idx="1">24 hours</cx:pt>
+          <cx:pt idx="2">24 hours</cx:pt>
+          <cx:pt idx="3">24 hours</cx:pt>
+          <cx:pt idx="4">24 hours</cx:pt>
+          <cx:pt idx="5">24 hours</cx:pt>
+          <cx:pt idx="6">24 hours</cx:pt>
+          <cx:pt idx="7">24 hours</cx:pt>
+          <cx:pt idx="8">24 hours</cx:pt>
+          <cx:pt idx="9">24 hours</cx:pt>
+          <cx:pt idx="10">24 hours</cx:pt>
+          <cx:pt idx="11">24 hours</cx:pt>
+        </cx:lvl>
+      </cx:strDim>
+      <cx:numDim type="size">
+        <cx:f>Sheet1!$D$2:$D$17</cx:f>
+        <cx:lvl ptCount="16" formatCode="General">
+          <cx:pt idx="0">100</cx:pt>
+          <cx:pt idx="1">100</cx:pt>
+          <cx:pt idx="2">100</cx:pt>
+          <cx:pt idx="3">100</cx:pt>
+          <cx:pt idx="4">100</cx:pt>
+          <cx:pt idx="5">100</cx:pt>
+          <cx:pt idx="6">100</cx:pt>
+          <cx:pt idx="7">10</cx:pt>
+          <cx:pt idx="8">100</cx:pt>
+          <cx:pt idx="9">100</cx:pt>
+          <cx:pt idx="10">100</cx:pt>
+          <cx:pt idx="11">100</cx:pt>
+        </cx:lvl>
+      </cx:numDim>
+    </cx:data>
+  </cx:chartData>
+  <cx:chart>
+    <cx:plotArea>
+      <cx:plotAreaRegion>
+        <cx:series layoutId="sunburst" uniqueId="{E63CC1EB-203C-48E7-BC9E-1D6E356B1151}">
+          <cx:tx>
+            <cx:txData>
+              <cx:f>Sheet1!$D$1</cx:f>
+              <cx:v>Series1</cx:v>
+            </cx:txData>
+          </cx:tx>
+          <cx:spPr>
+            <a:solidFill>
+              <a:schemeClr val="accent2">
+                <a:lumMod val="20000"/>
+                <a:lumOff val="80000"/>
+              </a:schemeClr>
+            </a:solidFill>
+          </cx:spPr>
+          <cx:dataPt idx="1">
+            <cx:spPr>
+              <a:solidFill>
+                <a:srgbClr val="4590B8"/>
+              </a:solidFill>
+            </cx:spPr>
+          </cx:dataPt>
+          <cx:dataPt idx="2">
+            <cx:spPr>
+              <a:solidFill>
+                <a:srgbClr val="4590B8">
+                  <a:lumMod val="20000"/>
+                  <a:lumOff val="80000"/>
+                </a:srgbClr>
+              </a:solidFill>
+            </cx:spPr>
+          </cx:dataPt>
+          <cx:dataPt idx="3">
+            <cx:spPr>
+              <a:solidFill>
+                <a:srgbClr val="4590B8"/>
+              </a:solidFill>
+            </cx:spPr>
+          </cx:dataPt>
+          <cx:dataPt idx="4">
+            <cx:spPr>
+              <a:solidFill>
+                <a:srgbClr val="4590B8">
+                  <a:lumMod val="20000"/>
+                  <a:lumOff val="80000"/>
+                </a:srgbClr>
+              </a:solidFill>
+            </cx:spPr>
+          </cx:dataPt>
+          <cx:dataPt idx="5">
+            <cx:spPr>
+              <a:solidFill>
+                <a:srgbClr val="4590B8"/>
+              </a:solidFill>
+            </cx:spPr>
+          </cx:dataPt>
+          <cx:dataPt idx="7">
+            <cx:spPr>
+              <a:solidFill>
+                <a:srgbClr val="4590B8"/>
+              </a:solidFill>
+            </cx:spPr>
+          </cx:dataPt>
+          <cx:dataPt idx="9">
+            <cx:spPr>
+              <a:solidFill>
+                <a:srgbClr val="4590B8"/>
+              </a:solidFill>
+            </cx:spPr>
+          </cx:dataPt>
+          <cx:dataPt idx="11">
+            <cx:spPr>
+              <a:solidFill>
+                <a:srgbClr val="4590B8"/>
+              </a:solidFill>
+            </cx:spPr>
+          </cx:dataPt>
+          <cx:dataPt idx="13">
+            <cx:spPr>
+              <a:solidFill>
+                <a:srgbClr val="4590B8"/>
+              </a:solidFill>
+            </cx:spPr>
+          </cx:dataPt>
+          <cx:dataPt idx="17">
+            <cx:spPr>
+              <a:solidFill>
+                <a:srgbClr val="4590B8"/>
+              </a:solidFill>
+            </cx:spPr>
+          </cx:dataPt>
+          <cx:dataPt idx="19">
+            <cx:spPr>
+              <a:solidFill>
+                <a:srgbClr val="4590B8"/>
+              </a:solidFill>
+            </cx:spPr>
+          </cx:dataPt>
+          <cx:dataPt idx="20">
+            <cx:spPr>
+              <a:solidFill>
+                <a:srgbClr val="4590B8"/>
+              </a:solidFill>
+            </cx:spPr>
+          </cx:dataPt>
+          <cx:dataPt idx="21">
+            <cx:spPr>
+              <a:solidFill>
+                <a:srgbClr val="4590B8"/>
+              </a:solidFill>
+            </cx:spPr>
+          </cx:dataPt>
+          <cx:dataPt idx="22">
+            <cx:spPr>
+              <a:solidFill>
+                <a:srgbClr val="4590B8"/>
+              </a:solidFill>
+            </cx:spPr>
+          </cx:dataPt>
+          <cx:dataPt idx="23">
+            <cx:spPr>
+              <a:solidFill>
+                <a:srgbClr val="4590B8"/>
+              </a:solidFill>
+            </cx:spPr>
+          </cx:dataPt>
+          <cx:dataPt idx="24">
+            <cx:spPr>
+              <a:solidFill>
+                <a:srgbClr val="4590B8"/>
+              </a:solidFill>
+            </cx:spPr>
+          </cx:dataPt>
+          <cx:dataLabels pos="ctr">
+            <cx:txPr>
+              <a:bodyPr spcFirstLastPara="1" vertOverflow="ellipsis" horzOverflow="overflow" wrap="square" lIns="0" tIns="0" rIns="0" bIns="0" anchor="ctr" anchorCtr="1"/>
+              <a:lstStyle/>
+              <a:p>
+                <a:pPr algn="ctr" rtl="0">
+                  <a:defRPr>
+                    <a:solidFill>
+                      <a:schemeClr val="tx1"/>
+                    </a:solidFill>
+                  </a:defRPr>
+                </a:pPr>
+                <a:endParaRPr lang="en-US" sz="1197" b="0" i="0" u="none" strike="noStrike" baseline="0">
+                  <a:solidFill>
+                    <a:schemeClr val="tx1"/>
+                  </a:solidFill>
+                  <a:latin typeface="Gill Sans MT" panose="020B0502020104020203"/>
+                </a:endParaRPr>
+              </a:p>
+            </cx:txPr>
+            <cx:visibility seriesName="0" categoryName="1" value="0"/>
+            <cx:dataLabel idx="2">
+              <cx:txPr>
+                <a:bodyPr spcFirstLastPara="1" vertOverflow="ellipsis" horzOverflow="overflow" wrap="square" lIns="0" tIns="0" rIns="0" bIns="0" anchor="ctr" anchorCtr="1"/>
+                <a:lstStyle/>
+                <a:p>
+                  <a:pPr algn="ctr" rtl="0">
+                    <a:defRPr>
+                      <a:solidFill>
+                        <a:schemeClr val="bg1"/>
+                      </a:solidFill>
+                    </a:defRPr>
+                  </a:pPr>
+                  <a:r>
+                    <a:rPr lang="en-US" sz="1197" b="0" i="0" u="none" strike="noStrike" baseline="0">
+                      <a:solidFill>
+                        <a:schemeClr val="bg1"/>
+                      </a:solidFill>
+                      <a:latin typeface="Gill Sans MT" panose="020B0502020104020203"/>
+                    </a:rPr>
+                    <a:t>Hour 24</a:t>
+                  </a:r>
+                </a:p>
+              </cx:txPr>
+            </cx:dataLabel>
+            <cx:dataLabel idx="4">
+              <cx:txPr>
+                <a:bodyPr spcFirstLastPara="1" vertOverflow="ellipsis" horzOverflow="overflow" wrap="square" lIns="0" tIns="0" rIns="0" bIns="0" anchor="ctr" anchorCtr="1"/>
+                <a:lstStyle/>
+                <a:p>
+                  <a:pPr algn="ctr" rtl="0">
+                    <a:defRPr>
+                      <a:solidFill>
+                        <a:schemeClr val="bg1"/>
+                      </a:solidFill>
+                    </a:defRPr>
+                  </a:pPr>
+                  <a:r>
+                    <a:rPr lang="en-US" sz="1197" b="0" i="0" u="none" strike="noStrike" baseline="0">
+                      <a:solidFill>
+                        <a:schemeClr val="bg1"/>
+                      </a:solidFill>
+                      <a:latin typeface="Gill Sans MT" panose="020B0502020104020203"/>
+                    </a:rPr>
+                    <a:t>Hour 23</a:t>
+                  </a:r>
+                </a:p>
+              </cx:txPr>
+            </cx:dataLabel>
+            <cx:dataLabel idx="19">
+              <cx:txPr>
+                <a:bodyPr spcFirstLastPara="1" vertOverflow="ellipsis" horzOverflow="overflow" wrap="square" lIns="0" tIns="0" rIns="0" bIns="0" anchor="ctr" anchorCtr="1"/>
+                <a:lstStyle/>
+                <a:p>
+                  <a:pPr algn="ctr" rtl="0">
+                    <a:defRPr>
+                      <a:solidFill>
+                        <a:schemeClr val="tx1"/>
+                      </a:solidFill>
+                    </a:defRPr>
+                  </a:pPr>
+                  <a:r>
+                    <a:rPr lang="en-US" sz="1197" b="0" i="0" u="none" strike="noStrike" baseline="0">
+                      <a:solidFill>
+                        <a:schemeClr val="tx1"/>
+                      </a:solidFill>
+                      <a:latin typeface="Gill Sans MT" panose="020B0502020104020203"/>
+                    </a:rPr>
+                    <a:t>Hour 3</a:t>
+                  </a:r>
+                </a:p>
+              </cx:txPr>
+              <cx:visibility seriesName="0" categoryName="1" value="0"/>
+            </cx:dataLabel>
+            <cx:dataLabel idx="21">
+              <cx:txPr>
+                <a:bodyPr spcFirstLastPara="1" vertOverflow="ellipsis" horzOverflow="overflow" wrap="square" lIns="0" tIns="0" rIns="0" bIns="0" anchor="ctr" anchorCtr="1"/>
+                <a:lstStyle/>
+                <a:p>
+                  <a:pPr algn="ctr" rtl="0">
+                    <a:defRPr>
+                      <a:solidFill>
+                        <a:schemeClr val="tx1"/>
+                      </a:solidFill>
+                    </a:defRPr>
+                  </a:pPr>
+                  <a:r>
+                    <a:rPr lang="en-US" sz="1197" b="0" i="0" u="none" strike="noStrike" baseline="0">
+                      <a:solidFill>
+                        <a:schemeClr val="tx1"/>
+                      </a:solidFill>
+                      <a:latin typeface="Gill Sans MT" panose="020B0502020104020203"/>
+                    </a:rPr>
+                    <a:t>Hour 2</a:t>
+                  </a:r>
+                </a:p>
+              </cx:txPr>
+              <cx:visibility seriesName="0" categoryName="1" value="0"/>
+            </cx:dataLabel>
+            <cx:dataLabel idx="23">
+              <cx:txPr>
+                <a:bodyPr spcFirstLastPara="1" vertOverflow="ellipsis" horzOverflow="overflow" wrap="square" lIns="0" tIns="0" rIns="0" bIns="0" anchor="ctr" anchorCtr="1"/>
+                <a:lstStyle/>
+                <a:p>
+                  <a:pPr algn="ctr" rtl="0">
+                    <a:defRPr>
+                      <a:solidFill>
+                        <a:schemeClr val="tx1"/>
+                      </a:solidFill>
+                    </a:defRPr>
+                  </a:pPr>
+                  <a:r>
+                    <a:rPr lang="en-US" sz="1197" b="0" i="0" u="none" strike="noStrike" baseline="0">
+                      <a:solidFill>
+                        <a:schemeClr val="tx1"/>
+                      </a:solidFill>
+                      <a:latin typeface="Gill Sans MT" panose="020B0502020104020203"/>
+                    </a:rPr>
+                    <a:t>Hour 1</a:t>
+                  </a:r>
+                </a:p>
+              </cx:txPr>
+              <cx:visibility seriesName="0" categoryName="1" value="0"/>
+            </cx:dataLabel>
+          </cx:dataLabels>
+          <cx:dataId val="0"/>
+        </cx:series>
+      </cx:plotAreaRegion>
+    </cx:plotArea>
+  </cx:chart>
+</cx:chartSpace>
+</file>
+
+<file path=ppt/charts/chartEx4.xml><?xml version="1.0" encoding="utf-8"?>
+<cx:chartSpace xmlns:a="http://schemas.openxmlformats.org/drawingml/2006/main" xmlns:r="http://schemas.openxmlformats.org/officeDocument/2006/relationships" xmlns:cx="http://schemas.microsoft.com/office/drawing/2014/chartex">
+  <cx:chartData>
+    <cx:externalData r:id="rId1" cx:autoUpdate="0"/>
+    <cx:data id="0">
+      <cx:strDim type="cat">
+        <cx:f>Sheet1!$A$2:$C$17</cx:f>
+        <cx:lvl ptCount="16">
+          <cx:pt idx="0">Hour 24</cx:pt>
+          <cx:pt idx="1">Hour 23</cx:pt>
+          <cx:pt idx="2">Hour 22</cx:pt>
+          <cx:pt idx="3">Hour 21</cx:pt>
+          <cx:pt idx="4">Hour 20</cx:pt>
+          <cx:pt idx="5">Hour 19</cx:pt>
+          <cx:pt idx="6">Hour 18</cx:pt>
+          <cx:pt idx="7">Hour 17</cx:pt>
+          <cx:pt idx="8">Hour 16</cx:pt>
+          <cx:pt idx="9">Hour 15</cx:pt>
+          <cx:pt idx="10">Hour 14</cx:pt>
+          <cx:pt idx="11">Hour 13</cx:pt>
+        </cx:lvl>
+        <cx:lvl ptCount="16">
+          <cx:pt idx="0">Hour 12</cx:pt>
+          <cx:pt idx="1">Hour 11</cx:pt>
+          <cx:pt idx="2">Hour 10</cx:pt>
+          <cx:pt idx="3">Hour 9</cx:pt>
+          <cx:pt idx="4">Hour 8</cx:pt>
+          <cx:pt idx="5">Hour 7</cx:pt>
+          <cx:pt idx="6">Hour 6</cx:pt>
+          <cx:pt idx="7">Hour 5</cx:pt>
+          <cx:pt idx="8">Hour 4</cx:pt>
+          <cx:pt idx="9">Hour 3</cx:pt>
+          <cx:pt idx="10">Hour 2</cx:pt>
+          <cx:pt idx="11">Hour 1</cx:pt>
+        </cx:lvl>
+        <cx:lvl ptCount="16">
+          <cx:pt idx="0">24 hours</cx:pt>
+          <cx:pt idx="1">24 hours</cx:pt>
+          <cx:pt idx="2">24 hours</cx:pt>
+          <cx:pt idx="3">24 hours</cx:pt>
+          <cx:pt idx="4">24 hours</cx:pt>
+          <cx:pt idx="5">24 hours</cx:pt>
+          <cx:pt idx="6">24 hours</cx:pt>
+          <cx:pt idx="7">24 hours</cx:pt>
+          <cx:pt idx="8">24 hours</cx:pt>
+          <cx:pt idx="9">24 hours</cx:pt>
+          <cx:pt idx="10">24 hours</cx:pt>
+          <cx:pt idx="11">24 hours</cx:pt>
+        </cx:lvl>
+      </cx:strDim>
+      <cx:numDim type="size">
+        <cx:f>Sheet1!$D$2:$D$17</cx:f>
+        <cx:lvl ptCount="16" formatCode="General">
+          <cx:pt idx="0">100</cx:pt>
+          <cx:pt idx="1">100</cx:pt>
+          <cx:pt idx="2">100</cx:pt>
+          <cx:pt idx="3">100</cx:pt>
+          <cx:pt idx="4">100</cx:pt>
+          <cx:pt idx="5">100</cx:pt>
+          <cx:pt idx="6">100</cx:pt>
+          <cx:pt idx="7">10</cx:pt>
+          <cx:pt idx="8">100</cx:pt>
+          <cx:pt idx="9">100</cx:pt>
+          <cx:pt idx="10">100</cx:pt>
+          <cx:pt idx="11">100</cx:pt>
+        </cx:lvl>
+      </cx:numDim>
+    </cx:data>
+  </cx:chartData>
+  <cx:chart>
+    <cx:plotArea>
+      <cx:plotAreaRegion>
+        <cx:series layoutId="sunburst" uniqueId="{E63CC1EB-203C-48E7-BC9E-1D6E356B1151}">
+          <cx:tx>
+            <cx:txData>
+              <cx:f>Sheet1!$D$1</cx:f>
+              <cx:v>Series1</cx:v>
+            </cx:txData>
+          </cx:tx>
+          <cx:spPr>
+            <a:solidFill>
+              <a:schemeClr val="accent2">
+                <a:lumMod val="20000"/>
+                <a:lumOff val="80000"/>
+              </a:schemeClr>
+            </a:solidFill>
+          </cx:spPr>
+          <cx:dataPt idx="1">
+            <cx:spPr>
+              <a:solidFill>
+                <a:srgbClr val="4590B8"/>
+              </a:solidFill>
+            </cx:spPr>
+          </cx:dataPt>
+          <cx:dataPt idx="2">
+            <cx:spPr>
+              <a:solidFill>
+                <a:srgbClr val="4590B8"/>
+              </a:solidFill>
+            </cx:spPr>
+          </cx:dataPt>
+          <cx:dataPt idx="3">
+            <cx:spPr>
+              <a:solidFill>
+                <a:srgbClr val="4590B8"/>
+              </a:solidFill>
+            </cx:spPr>
+          </cx:dataPt>
+          <cx:dataPt idx="4">
+            <cx:spPr>
+              <a:solidFill>
+                <a:srgbClr val="4590B8"/>
+              </a:solidFill>
+            </cx:spPr>
+          </cx:dataPt>
+          <cx:dataPt idx="5">
+            <cx:spPr>
+              <a:solidFill>
+                <a:srgbClr val="4590B8"/>
+              </a:solidFill>
+            </cx:spPr>
+          </cx:dataPt>
+          <cx:dataPt idx="7">
+            <cx:spPr>
+              <a:solidFill>
+                <a:srgbClr val="4590B8"/>
+              </a:solidFill>
+            </cx:spPr>
+          </cx:dataPt>
+          <cx:dataPt idx="9">
+            <cx:spPr>
+              <a:solidFill>
+                <a:srgbClr val="4590B8"/>
+              </a:solidFill>
+            </cx:spPr>
+          </cx:dataPt>
+          <cx:dataPt idx="11">
+            <cx:spPr>
+              <a:solidFill>
+                <a:srgbClr val="4590B8"/>
+              </a:solidFill>
+            </cx:spPr>
+          </cx:dataPt>
+          <cx:dataPt idx="13">
+            <cx:spPr>
+              <a:solidFill>
+                <a:srgbClr val="4590B8"/>
+              </a:solidFill>
+            </cx:spPr>
+          </cx:dataPt>
+          <cx:dataPt idx="17">
+            <cx:spPr>
+              <a:solidFill>
+                <a:srgbClr val="4590B8"/>
+              </a:solidFill>
+            </cx:spPr>
+          </cx:dataPt>
+          <cx:dataPt idx="19">
+            <cx:spPr>
+              <a:solidFill>
+                <a:srgbClr val="4590B8"/>
+              </a:solidFill>
+            </cx:spPr>
+          </cx:dataPt>
+          <cx:dataPt idx="20">
+            <cx:spPr>
+              <a:solidFill>
+                <a:srgbClr val="4590B8"/>
+              </a:solidFill>
+            </cx:spPr>
+          </cx:dataPt>
+          <cx:dataPt idx="21">
+            <cx:spPr>
+              <a:solidFill>
+                <a:srgbClr val="4590B8"/>
+              </a:solidFill>
+            </cx:spPr>
+          </cx:dataPt>
+          <cx:dataPt idx="22">
+            <cx:spPr>
+              <a:solidFill>
+                <a:srgbClr val="4590B8"/>
+              </a:solidFill>
+            </cx:spPr>
+          </cx:dataPt>
+          <cx:dataPt idx="23">
+            <cx:spPr>
+              <a:solidFill>
+                <a:srgbClr val="4590B8"/>
+              </a:solidFill>
+            </cx:spPr>
+          </cx:dataPt>
+          <cx:dataPt idx="24">
+            <cx:spPr>
+              <a:solidFill>
+                <a:srgbClr val="4590B8"/>
+              </a:solidFill>
+            </cx:spPr>
+          </cx:dataPt>
+          <cx:dataLabels pos="ctr">
+            <cx:txPr>
+              <a:bodyPr spcFirstLastPara="1" vertOverflow="ellipsis" horzOverflow="overflow" wrap="square" lIns="0" tIns="0" rIns="0" bIns="0" anchor="ctr" anchorCtr="1"/>
+              <a:lstStyle/>
+              <a:p>
+                <a:pPr algn="ctr" rtl="0">
+                  <a:defRPr>
+                    <a:solidFill>
+                      <a:schemeClr val="tx1"/>
+                    </a:solidFill>
+                  </a:defRPr>
+                </a:pPr>
+                <a:endParaRPr lang="en-US" sz="1197" b="0" i="0" u="none" strike="noStrike" baseline="0">
+                  <a:solidFill>
+                    <a:schemeClr val="tx1"/>
+                  </a:solidFill>
+                  <a:latin typeface="Gill Sans MT" panose="020B0502020104020203"/>
+                </a:endParaRPr>
+              </a:p>
+            </cx:txPr>
+            <cx:visibility seriesName="0" categoryName="1" value="0"/>
+            <cx:dataLabel idx="2">
+              <cx:txPr>
+                <a:bodyPr spcFirstLastPara="1" vertOverflow="ellipsis" horzOverflow="overflow" wrap="square" lIns="0" tIns="0" rIns="0" bIns="0" anchor="ctr" anchorCtr="1"/>
+                <a:lstStyle/>
+                <a:p>
+                  <a:pPr algn="ctr" rtl="0">
+                    <a:defRPr>
+                      <a:solidFill>
+                        <a:schemeClr val="tx1"/>
+                      </a:solidFill>
+                    </a:defRPr>
+                  </a:pPr>
+                  <a:r>
+                    <a:rPr lang="en-US" sz="1197" b="0" i="0" u="none" strike="noStrike" baseline="0">
+                      <a:solidFill>
+                        <a:schemeClr val="tx1"/>
+                      </a:solidFill>
+                      <a:latin typeface="Gill Sans MT" panose="020B0502020104020203"/>
+                    </a:rPr>
+                    <a:t>Hour 24</a:t>
+                  </a:r>
+                </a:p>
+              </cx:txPr>
+              <cx:visibility seriesName="0" categoryName="1" value="0"/>
+            </cx:dataLabel>
+            <cx:dataLabel idx="4">
+              <cx:txPr>
+                <a:bodyPr spcFirstLastPara="1" vertOverflow="ellipsis" horzOverflow="overflow" wrap="square" lIns="0" tIns="0" rIns="0" bIns="0" anchor="ctr" anchorCtr="1"/>
+                <a:lstStyle/>
+                <a:p>
+                  <a:pPr algn="ctr" rtl="0">
+                    <a:defRPr>
+                      <a:solidFill>
+                        <a:schemeClr val="tx1"/>
+                      </a:solidFill>
+                    </a:defRPr>
+                  </a:pPr>
+                  <a:r>
+                    <a:rPr lang="en-US" sz="1197" b="0" i="0" u="none" strike="noStrike" baseline="0">
+                      <a:solidFill>
+                        <a:schemeClr val="tx1"/>
+                      </a:solidFill>
+                      <a:latin typeface="Gill Sans MT" panose="020B0502020104020203"/>
+                    </a:rPr>
+                    <a:t>Hour 23</a:t>
+                  </a:r>
+                </a:p>
+              </cx:txPr>
+              <cx:visibility seriesName="0" categoryName="1" value="0"/>
+            </cx:dataLabel>
+            <cx:dataLabel idx="19">
+              <cx:txPr>
+                <a:bodyPr spcFirstLastPara="1" vertOverflow="ellipsis" horzOverflow="overflow" wrap="square" lIns="0" tIns="0" rIns="0" bIns="0" anchor="ctr" anchorCtr="1"/>
+                <a:lstStyle/>
+                <a:p>
+                  <a:pPr algn="ctr" rtl="0">
+                    <a:defRPr>
+                      <a:solidFill>
+                        <a:schemeClr val="tx1"/>
+                      </a:solidFill>
+                    </a:defRPr>
+                  </a:pPr>
+                  <a:r>
+                    <a:rPr lang="en-US" sz="1197" b="0" i="0" u="none" strike="noStrike" baseline="0">
+                      <a:solidFill>
+                        <a:schemeClr val="tx1"/>
+                      </a:solidFill>
+                      <a:latin typeface="Gill Sans MT" panose="020B0502020104020203"/>
+                    </a:rPr>
+                    <a:t>Hour 3</a:t>
+                  </a:r>
+                </a:p>
+              </cx:txPr>
+              <cx:visibility seriesName="0" categoryName="1" value="0"/>
+            </cx:dataLabel>
+            <cx:dataLabel idx="21">
+              <cx:txPr>
+                <a:bodyPr spcFirstLastPara="1" vertOverflow="ellipsis" horzOverflow="overflow" wrap="square" lIns="0" tIns="0" rIns="0" bIns="0" anchor="ctr" anchorCtr="1"/>
+                <a:lstStyle/>
+                <a:p>
+                  <a:pPr algn="ctr" rtl="0">
+                    <a:defRPr>
+                      <a:solidFill>
+                        <a:schemeClr val="tx1"/>
+                      </a:solidFill>
+                    </a:defRPr>
+                  </a:pPr>
+                  <a:r>
+                    <a:rPr lang="en-US" sz="1197" b="0" i="0" u="none" strike="noStrike" baseline="0">
+                      <a:solidFill>
+                        <a:schemeClr val="tx1"/>
+                      </a:solidFill>
+                      <a:latin typeface="Gill Sans MT" panose="020B0502020104020203"/>
+                    </a:rPr>
+                    <a:t>Hour 2</a:t>
+                  </a:r>
+                </a:p>
+              </cx:txPr>
+              <cx:visibility seriesName="0" categoryName="1" value="0"/>
+            </cx:dataLabel>
+            <cx:dataLabel idx="23">
+              <cx:txPr>
+                <a:bodyPr spcFirstLastPara="1" vertOverflow="ellipsis" horzOverflow="overflow" wrap="square" lIns="0" tIns="0" rIns="0" bIns="0" anchor="ctr" anchorCtr="1"/>
+                <a:lstStyle/>
+                <a:p>
+                  <a:pPr algn="ctr" rtl="0">
+                    <a:defRPr>
+                      <a:solidFill>
+                        <a:schemeClr val="tx1"/>
+                      </a:solidFill>
+                    </a:defRPr>
+                  </a:pPr>
+                  <a:r>
+                    <a:rPr lang="en-US" sz="1197" b="0" i="0" u="none" strike="noStrike" baseline="0">
+                      <a:solidFill>
+                        <a:schemeClr val="tx1"/>
+                      </a:solidFill>
+                      <a:latin typeface="Gill Sans MT" panose="020B0502020104020203"/>
+                    </a:rPr>
+                    <a:t>Hour 1</a:t>
+                  </a:r>
+                </a:p>
+              </cx:txPr>
+              <cx:visibility seriesName="0" categoryName="1" value="0"/>
+            </cx:dataLabel>
+          </cx:dataLabels>
+          <cx:dataId val="0"/>
+        </cx:series>
+      </cx:plotAreaRegion>
+    </cx:plotArea>
+  </cx:chart>
+</cx:chartSpace>
+</file>
+
+<file path=ppt/charts/colors1.xml><?xml version="1.0" encoding="utf-8"?>
+<cs:colorStyle xmlns:cs="http://schemas.microsoft.com/office/drawing/2012/chartStyle" xmlns:a="http://schemas.openxmlformats.org/drawingml/2006/main" meth="cycle" id="10">
+  <a:schemeClr val="accent1"/>
+  <a:schemeClr val="accent2"/>
+  <a:schemeClr val="accent3"/>
+  <a:schemeClr val="accent4"/>
+  <a:schemeClr val="accent5"/>
+  <a:schemeClr val="accent6"/>
+  <cs:variation/>
+  <cs:variation>
+    <a:lumMod val="60000"/>
+  </cs:variation>
+  <cs:variation>
+    <a:lumMod val="80000"/>
+    <a:lumOff val="20000"/>
+  </cs:variation>
+  <cs:variation>
+    <a:lumMod val="80000"/>
+  </cs:variation>
+  <cs:variation>
+    <a:lumMod val="60000"/>
+    <a:lumOff val="40000"/>
+  </cs:variation>
+  <cs:variation>
+    <a:lumMod val="50000"/>
+  </cs:variation>
+  <cs:variation>
+    <a:lumMod val="70000"/>
+    <a:lumOff val="30000"/>
+  </cs:variation>
+  <cs:variation>
+    <a:lumMod val="70000"/>
+  </cs:variation>
+  <cs:variation>
+    <a:lumMod val="50000"/>
+    <a:lumOff val="50000"/>
+  </cs:variation>
+</cs:colorStyle>
+</file>
+
+<file path=ppt/charts/colors2.xml><?xml version="1.0" encoding="utf-8"?>
+<cs:colorStyle xmlns:cs="http://schemas.microsoft.com/office/drawing/2012/chartStyle" xmlns:a="http://schemas.openxmlformats.org/drawingml/2006/main" meth="cycle" id="10">
+  <a:schemeClr val="accent1"/>
+  <a:schemeClr val="accent2"/>
+  <a:schemeClr val="accent3"/>
+  <a:schemeClr val="accent4"/>
+  <a:schemeClr val="accent5"/>
+  <a:schemeClr val="accent6"/>
+  <cs:variation/>
+  <cs:variation>
+    <a:lumMod val="60000"/>
+  </cs:variation>
+  <cs:variation>
+    <a:lumMod val="80000"/>
+    <a:lumOff val="20000"/>
+  </cs:variation>
+  <cs:variation>
+    <a:lumMod val="80000"/>
+  </cs:variation>
+  <cs:variation>
+    <a:lumMod val="60000"/>
+    <a:lumOff val="40000"/>
+  </cs:variation>
+  <cs:variation>
+    <a:lumMod val="50000"/>
+  </cs:variation>
+  <cs:variation>
+    <a:lumMod val="70000"/>
+    <a:lumOff val="30000"/>
+  </cs:variation>
+  <cs:variation>
+    <a:lumMod val="70000"/>
+  </cs:variation>
+  <cs:variation>
+    <a:lumMod val="50000"/>
+    <a:lumOff val="50000"/>
+  </cs:variation>
+</cs:colorStyle>
+</file>
+
+<file path=ppt/charts/colors3.xml><?xml version="1.0" encoding="utf-8"?>
+<cs:colorStyle xmlns:cs="http://schemas.microsoft.com/office/drawing/2012/chartStyle" xmlns:a="http://schemas.openxmlformats.org/drawingml/2006/main" meth="cycle" id="10">
+  <a:schemeClr val="accent1"/>
+  <a:schemeClr val="accent2"/>
+  <a:schemeClr val="accent3"/>
+  <a:schemeClr val="accent4"/>
+  <a:schemeClr val="accent5"/>
+  <a:schemeClr val="accent6"/>
+  <cs:variation/>
+  <cs:variation>
+    <a:lumMod val="60000"/>
+  </cs:variation>
+  <cs:variation>
+    <a:lumMod val="80000"/>
+    <a:lumOff val="20000"/>
+  </cs:variation>
+  <cs:variation>
+    <a:lumMod val="80000"/>
+  </cs:variation>
+  <cs:variation>
+    <a:lumMod val="60000"/>
+    <a:lumOff val="40000"/>
+  </cs:variation>
+  <cs:variation>
+    <a:lumMod val="50000"/>
+  </cs:variation>
+  <cs:variation>
+    <a:lumMod val="70000"/>
+    <a:lumOff val="30000"/>
+  </cs:variation>
+  <cs:variation>
+    <a:lumMod val="70000"/>
+  </cs:variation>
+  <cs:variation>
+    <a:lumMod val="50000"/>
+    <a:lumOff val="50000"/>
+  </cs:variation>
+</cs:colorStyle>
+</file>
+
+<file path=ppt/charts/colors4.xml><?xml version="1.0" encoding="utf-8"?>
+<cs:colorStyle xmlns:cs="http://schemas.microsoft.com/office/drawing/2012/chartStyle" xmlns:a="http://schemas.openxmlformats.org/drawingml/2006/main" meth="cycle" id="10">
+  <a:schemeClr val="accent1"/>
+  <a:schemeClr val="accent2"/>
+  <a:schemeClr val="accent3"/>
+  <a:schemeClr val="accent4"/>
+  <a:schemeClr val="accent5"/>
+  <a:schemeClr val="accent6"/>
+  <cs:variation/>
+  <cs:variation>
+    <a:lumMod val="60000"/>
+  </cs:variation>
+  <cs:variation>
+    <a:lumMod val="80000"/>
+    <a:lumOff val="20000"/>
+  </cs:variation>
+  <cs:variation>
+    <a:lumMod val="80000"/>
+  </cs:variation>
+  <cs:variation>
+    <a:lumMod val="60000"/>
+    <a:lumOff val="40000"/>
+  </cs:variation>
+  <cs:variation>
+    <a:lumMod val="50000"/>
+  </cs:variation>
+  <cs:variation>
+    <a:lumMod val="70000"/>
+    <a:lumOff val="30000"/>
+  </cs:variation>
+  <cs:variation>
+    <a:lumMod val="70000"/>
+  </cs:variation>
+  <cs:variation>
+    <a:lumMod val="50000"/>
+    <a:lumOff val="50000"/>
+  </cs:variation>
+</cs:colorStyle>
+</file>
+
+<file path=ppt/charts/style1.xml><?xml version="1.0" encoding="utf-8"?>
+<cs:chartStyle xmlns:cs="http://schemas.microsoft.com/office/drawing/2012/chartStyle" xmlns:a="http://schemas.openxmlformats.org/drawingml/2006/main" id="381">
+  <cs:axisTitle>
+    <cs:lnRef idx="0"/>
+    <cs:fillRef idx="0"/>
+    <cs:effectRef idx="0"/>
+    <cs:fontRef idx="minor">
+      <a:schemeClr val="tx1">
+        <a:lumMod val="65000"/>
+        <a:lumOff val="35000"/>
+      </a:schemeClr>
+    </cs:fontRef>
+    <cs:defRPr sz="1197"/>
+  </cs:axisTitle>
+  <cs:categoryAxis>
+    <cs:lnRef idx="0"/>
+    <cs:fillRef idx="0"/>
+    <cs:effectRef idx="0"/>
+    <cs:fontRef idx="minor">
+      <a:schemeClr val="tx1">
+        <a:lumMod val="65000"/>
+        <a:lumOff val="35000"/>
+      </a:schemeClr>
+    </cs:fontRef>
+    <cs:spPr>
+      <a:ln w="9525" cap="flat" cmpd="sng" algn="ctr">
+        <a:solidFill>
+          <a:schemeClr val="tx1">
+            <a:lumMod val="15000"/>
+            <a:lumOff val="85000"/>
+          </a:schemeClr>
+        </a:solidFill>
+        <a:round/>
+      </a:ln>
+    </cs:spPr>
+    <cs:defRPr sz="1197"/>
+  </cs:categoryAxis>
+  <cs:chartArea mods="allowNoFillOverride allowNoLineOverride">
+    <cs:lnRef idx="0"/>
+    <cs:fillRef idx="0"/>
+    <cs:effectRef idx="0"/>
+    <cs:fontRef idx="minor">
+      <a:schemeClr val="tx1"/>
+    </cs:fontRef>
+    <cs:spPr>
+      <a:solidFill>
+        <a:schemeClr val="bg1"/>
+      </a:solidFill>
+      <a:ln w="9525" cap="flat" cmpd="sng" algn="ctr">
+        <a:solidFill>
+          <a:schemeClr val="tx1">
+            <a:lumMod val="15000"/>
+            <a:lumOff val="85000"/>
+          </a:schemeClr>
+        </a:solidFill>
+        <a:round/>
+      </a:ln>
+    </cs:spPr>
+    <cs:defRPr sz="1330"/>
+  </cs:chartArea>
+  <cs:dataLabel>
+    <cs:lnRef idx="0"/>
+    <cs:fillRef idx="0"/>
+    <cs:effectRef idx="0"/>
+    <cs:fontRef idx="minor">
+      <a:schemeClr val="lt1"/>
+    </cs:fontRef>
+    <cs:defRPr sz="1197"/>
+  </cs:dataLabel>
+  <cs:dataLabelCallout>
+    <cs:lnRef idx="0"/>
+    <cs:fillRef idx="0"/>
+    <cs:effectRef idx="0"/>
+    <cs:fontRef idx="minor">
+      <a:schemeClr val="dk1">
+        <a:lumMod val="65000"/>
+        <a:lumOff val="35000"/>
+      </a:schemeClr>
+    </cs:fontRef>
+    <cs:spPr>
+      <a:solidFill>
+        <a:schemeClr val="lt1"/>
+      </a:solidFill>
+      <a:ln>
+        <a:solidFill>
+          <a:schemeClr val="dk1">
+            <a:lumMod val="25000"/>
+            <a:lumOff val="75000"/>
+          </a:schemeClr>
+        </a:solidFill>
+      </a:ln>
+    </cs:spPr>
+    <cs:defRPr sz="1197"/>
+    <cs:bodyPr rot="0" spcFirstLastPara="1" vertOverflow="clip" horzOverflow="clip" vert="horz" wrap="square" lIns="36576" tIns="18288" rIns="36576" bIns="18288" anchor="ctr" anchorCtr="1">
+      <a:spAutoFit/>
+    </cs:bodyPr>
+  </cs:dataLabelCallout>
+  <cs:dataPoint>
+    <cs:lnRef idx="0"/>
+    <cs:fillRef idx="0">
+      <cs:styleClr val="auto"/>
+    </cs:fillRef>
+    <cs:effectRef idx="0"/>
+    <cs:fontRef idx="minor">
+      <a:schemeClr val="tx1"/>
+    </cs:fontRef>
+    <cs:spPr>
+      <a:solidFill>
+        <a:schemeClr val="phClr"/>
+      </a:solidFill>
+      <a:ln w="19050">
+        <a:solidFill>
+          <a:schemeClr val="lt1"/>
+        </a:solidFill>
+      </a:ln>
+    </cs:spPr>
+  </cs:dataPoint>
+  <cs:dataPoint3D>
+    <cs:lnRef idx="0"/>
+    <cs:fillRef idx="0">
+      <cs:styleClr val="auto"/>
+    </cs:fillRef>
+    <cs:effectRef idx="0"/>
+    <cs:fontRef idx="minor">
+      <a:schemeClr val="tx1"/>
+    </cs:fontRef>
+    <cs:spPr>
+      <a:solidFill>
+        <a:schemeClr val="phClr"/>
+      </a:solidFill>
+    </cs:spPr>
+  </cs:dataPoint3D>
+  <cs:dataPointLine>
+    <cs:lnRef idx="0">
+      <cs:styleClr val="auto"/>
+    </cs:lnRef>
+    <cs:fillRef idx="0"/>
+    <cs:effectRef idx="0"/>
+    <cs:fontRef idx="minor">
+      <a:schemeClr val="tx1"/>
+    </cs:fontRef>
+    <cs:spPr>
+      <a:ln w="28575" cap="rnd">
+        <a:solidFill>
+          <a:schemeClr val="phClr"/>
+        </a:solidFill>
+        <a:round/>
+      </a:ln>
+    </cs:spPr>
+  </cs:dataPointLine>
+  <cs:dataPointMarker>
+    <cs:lnRef idx="0"/>
+    <cs:fillRef idx="0">
+      <cs:styleClr val="auto"/>
+    </cs:fillRef>
+    <cs:effectRef idx="0"/>
+    <cs:fontRef idx="minor">
+      <a:schemeClr val="tx1"/>
+    </cs:fontRef>
+    <cs:spPr>
+      <a:solidFill>
+        <a:schemeClr val="phClr"/>
+      </a:solidFill>
+      <a:ln w="9525">
+        <a:solidFill>
+          <a:schemeClr val="lt1"/>
+        </a:solidFill>
+      </a:ln>
+    </cs:spPr>
+  </cs:dataPointMarker>
+  <cs:dataPointMarkerLayout symbol="circle" size="5"/>
+  <cs:dataPointWireframe>
+    <cs:lnRef idx="0">
+      <cs:styleClr val="auto"/>
+    </cs:lnRef>
+    <cs:fillRef idx="0"/>
+    <cs:effectRef idx="0"/>
+    <cs:fontRef idx="minor">
+      <a:schemeClr val="tx1"/>
+    </cs:fontRef>
+    <cs:spPr>
+      <a:ln w="28575" cap="rnd">
+        <a:solidFill>
+          <a:schemeClr val="phClr"/>
+        </a:solidFill>
+        <a:round/>
+      </a:ln>
+    </cs:spPr>
+  </cs:dataPointWireframe>
+  <cs:dataTable>
+    <cs:lnRef idx="0"/>
+    <cs:fillRef idx="0"/>
+    <cs:effectRef idx="0"/>
+    <cs:fontRef idx="minor">
+      <a:schemeClr val="tx1">
+        <a:lumMod val="65000"/>
+        <a:lumOff val="35000"/>
+      </a:schemeClr>
+    </cs:fontRef>
+    <cs:spPr>
+      <a:ln w="9525">
+        <a:solidFill>
+          <a:schemeClr val="tx1">
+            <a:lumMod val="15000"/>
+            <a:lumOff val="85000"/>
+          </a:schemeClr>
+        </a:solidFill>
+      </a:ln>
+    </cs:spPr>
+    <cs:defRPr sz="1197"/>
+  </cs:dataTable>
+  <cs:downBar>
+    <cs:lnRef idx="0"/>
+    <cs:fillRef idx="0"/>
+    <cs:effectRef idx="0"/>
+    <cs:fontRef idx="minor">
+      <a:schemeClr val="dk1"/>
+    </cs:fontRef>
+    <cs:spPr>
+      <a:solidFill>
+        <a:schemeClr val="dk1">
+          <a:lumMod val="65000"/>
+          <a:lumOff val="35000"/>
+        </a:schemeClr>
+      </a:solidFill>
+      <a:ln w="9525">
+        <a:solidFill>
+          <a:schemeClr val="tx1">
+            <a:lumMod val="65000"/>
+            <a:lumOff val="35000"/>
+          </a:schemeClr>
+        </a:solidFill>
+      </a:ln>
+    </cs:spPr>
+  </cs:downBar>
+  <cs:dropLine>
+    <cs:lnRef idx="0"/>
+    <cs:fillRef idx="0"/>
+    <cs:effectRef idx="0"/>
+    <cs:fontRef idx="minor">
+      <a:schemeClr val="tx1"/>
+    </cs:fontRef>
+    <cs:spPr>
+      <a:ln w="9525" cap="flat" cmpd="sng" algn="ctr">
+        <a:solidFill>
+          <a:schemeClr val="tx1">
+            <a:lumMod val="35000"/>
+            <a:lumOff val="65000"/>
+          </a:schemeClr>
+        </a:solidFill>
+        <a:round/>
+      </a:ln>
+    </cs:spPr>
+  </cs:dropLine>
+  <cs:errorBar>
+    <cs:lnRef idx="0"/>
+    <cs:fillRef idx="0"/>
+    <cs:effectRef idx="0"/>
+    <cs:fontRef idx="minor">
+      <a:schemeClr val="tx1"/>
+    </cs:fontRef>
+    <cs:spPr>
+      <a:ln w="9525" cap="flat" cmpd="sng" algn="ctr">
+        <a:solidFill>
+          <a:schemeClr val="tx1">
+            <a:lumMod val="65000"/>
+            <a:lumOff val="35000"/>
+          </a:schemeClr>
+        </a:solidFill>
+        <a:round/>
+      </a:ln>
+    </cs:spPr>
+  </cs:errorBar>
+  <cs:floor>
+    <cs:lnRef idx="0"/>
+    <cs:fillRef idx="0"/>
+    <cs:effectRef idx="0"/>
+    <cs:fontRef idx="minor">
+      <a:schemeClr val="tx1"/>
+    </cs:fontRef>
+  </cs:floor>
+  <cs:gridlineMajor>
+    <cs:lnRef idx="0"/>
+    <cs:fillRef idx="0"/>
+    <cs:effectRef idx="0"/>
+    <cs:fontRef idx="minor">
+      <a:schemeClr val="tx1"/>
+    </cs:fontRef>
+    <cs:spPr>
+      <a:ln w="9525" cap="flat" cmpd="sng" algn="ctr">
+        <a:solidFill>
+          <a:schemeClr val="tx1">
+            <a:lumMod val="15000"/>
+            <a:lumOff val="85000"/>
+          </a:schemeClr>
+        </a:solidFill>
+        <a:round/>
+      </a:ln>
+    </cs:spPr>
+  </cs:gridlineMajor>
+  <cs:gridlineMinor>
+    <cs:lnRef idx="0"/>
+    <cs:fillRef idx="0"/>
+    <cs:effectRef idx="0"/>
+    <cs:fontRef idx="minor">
+      <a:schemeClr val="tx1"/>
+    </cs:fontRef>
+    <cs:spPr>
+      <a:ln w="9525" cap="flat" cmpd="sng" algn="ctr">
+        <a:solidFill>
+          <a:schemeClr val="tx1">
+            <a:lumMod val="15000"/>
+            <a:lumOff val="85000"/>
+          </a:schemeClr>
+        </a:solidFill>
+        <a:round/>
+      </a:ln>
+    </cs:spPr>
+  </cs:gridlineMinor>
+  <cs:hiLoLine>
+    <cs:lnRef idx="0"/>
+    <cs:fillRef idx="0"/>
+    <cs:effectRef idx="0"/>
+    <cs:fontRef idx="minor">
+      <a:schemeClr val="tx1"/>
+    </cs:fontRef>
+    <cs:spPr>
+      <a:ln w="9525" cap="flat" cmpd="sng" algn="ctr">
+        <a:solidFill>
+          <a:schemeClr val="tx1">
+            <a:lumMod val="75000"/>
+            <a:lumOff val="25000"/>
+          </a:schemeClr>
+        </a:solidFill>
+        <a:round/>
+      </a:ln>
+    </cs:spPr>
+  </cs:hiLoLine>
+  <cs:leaderLine>
+    <cs:lnRef idx="0"/>
+    <cs:fillRef idx="0"/>
+    <cs:effectRef idx="0"/>
+    <cs:fontRef idx="minor">
+      <a:schemeClr val="tx1"/>
+    </cs:fontRef>
+    <cs:spPr>
+      <a:ln w="9525" cap="flat" cmpd="sng" algn="ctr">
+        <a:solidFill>
+          <a:schemeClr val="tx1">
+            <a:lumMod val="35000"/>
+            <a:lumOff val="65000"/>
+          </a:schemeClr>
+        </a:solidFill>
+        <a:round/>
+      </a:ln>
+    </cs:spPr>
+  </cs:leaderLine>
+  <cs:legend>
+    <cs:lnRef idx="0"/>
+    <cs:fillRef idx="0"/>
+    <cs:effectRef idx="0"/>
+    <cs:fontRef idx="minor">
+      <a:schemeClr val="tx1">
+        <a:lumMod val="65000"/>
+        <a:lumOff val="35000"/>
+      </a:schemeClr>
+    </cs:fontRef>
+    <cs:defRPr sz="1197"/>
+  </cs:legend>
+  <cs:plotArea mods="allowNoFillOverride allowNoLineOverride">
+    <cs:lnRef idx="0"/>
+    <cs:fillRef idx="0"/>
+    <cs:effectRef idx="0"/>
+    <cs:fontRef idx="minor">
+      <a:schemeClr val="tx1"/>
+    </cs:fontRef>
+  </cs:plotArea>
+  <cs:plotArea3D mods="allowNoFillOverride allowNoLineOverride">
+    <cs:lnRef idx="0"/>
+    <cs:fillRef idx="0"/>
+    <cs:effectRef idx="0"/>
+    <cs:fontRef idx="minor">
+      <a:schemeClr val="tx1"/>
+    </cs:fontRef>
+  </cs:plotArea3D>
+  <cs:seriesAxis>
+    <cs:lnRef idx="0"/>
+    <cs:fillRef idx="0"/>
+    <cs:effectRef idx="0"/>
+    <cs:fontRef idx="minor">
+      <a:schemeClr val="tx1">
+        <a:lumMod val="65000"/>
+        <a:lumOff val="35000"/>
+      </a:schemeClr>
+    </cs:fontRef>
+    <cs:spPr>
+      <a:ln w="9525" cap="flat" cmpd="sng" algn="ctr">
+        <a:solidFill>
+          <a:schemeClr val="tx1">
+            <a:lumMod val="15000"/>
+            <a:lumOff val="85000"/>
+          </a:schemeClr>
+        </a:solidFill>
+        <a:round/>
+      </a:ln>
+    </cs:spPr>
+    <cs:defRPr sz="1197"/>
+  </cs:seriesAxis>
+  <cs:seriesLine>
+    <cs:lnRef idx="0"/>
+    <cs:fillRef idx="0"/>
+    <cs:effectRef idx="0"/>
+    <cs:fontRef idx="minor">
+      <a:schemeClr val="tx1"/>
+    </cs:fontRef>
+    <cs:spPr>
+      <a:ln w="9525" cap="flat">
+        <a:solidFill>
+          <a:srgbClr val="D9D9D9"/>
+        </a:solidFill>
+        <a:round/>
+      </a:ln>
+    </cs:spPr>
+  </cs:seriesLine>
+  <cs:title>
+    <cs:lnRef idx="0"/>
+    <cs:fillRef idx="0"/>
+    <cs:effectRef idx="0"/>
+    <cs:fontRef idx="minor">
+      <a:schemeClr val="tx1">
+        <a:lumMod val="65000"/>
+        <a:lumOff val="35000"/>
+      </a:schemeClr>
+    </cs:fontRef>
+    <cs:defRPr sz="1862"/>
+  </cs:title>
+  <cs:trendline>
+    <cs:lnRef idx="0">
+      <cs:styleClr val="auto"/>
+    </cs:lnRef>
+    <cs:fillRef idx="0"/>
+    <cs:effectRef idx="0"/>
+    <cs:fontRef idx="minor">
+      <a:schemeClr val="tx1"/>
+    </cs:fontRef>
+    <cs:spPr>
+      <a:ln w="19050" cap="rnd">
+        <a:solidFill>
+          <a:schemeClr val="phClr"/>
+        </a:solidFill>
+        <a:prstDash val="sysDash"/>
+      </a:ln>
+    </cs:spPr>
+  </cs:trendline>
+  <cs:trendlineLabel>
+    <cs:lnRef idx="0"/>
+    <cs:fillRef idx="0"/>
+    <cs:effectRef idx="0"/>
+    <cs:fontRef idx="minor">
+      <a:schemeClr val="tx1">
+        <a:lumMod val="65000"/>
+        <a:lumOff val="35000"/>
+      </a:schemeClr>
+    </cs:fontRef>
+    <cs:defRPr sz="1197"/>
+  </cs:trendlineLabel>
+  <cs:upBar>
+    <cs:lnRef idx="0"/>
+    <cs:fillRef idx="0"/>
+    <cs:effectRef idx="0"/>
+    <cs:fontRef idx="minor">
+      <a:schemeClr val="dk1"/>
+    </cs:fontRef>
+    <cs:spPr>
+      <a:solidFill>
+        <a:schemeClr val="lt1"/>
+      </a:solidFill>
+      <a:ln w="9525">
+        <a:solidFill>
+          <a:schemeClr val="tx1">
+            <a:lumMod val="15000"/>
+            <a:lumOff val="85000"/>
+          </a:schemeClr>
+        </a:solidFill>
+      </a:ln>
+    </cs:spPr>
+  </cs:upBar>
+  <cs:valueAxis>
+    <cs:lnRef idx="0"/>
+    <cs:fillRef idx="0"/>
+    <cs:effectRef idx="0"/>
+    <cs:fontRef idx="minor">
+      <a:schemeClr val="tx1">
+        <a:lumMod val="65000"/>
+        <a:lumOff val="35000"/>
+      </a:schemeClr>
+    </cs:fontRef>
+    <cs:defRPr sz="1197"/>
+  </cs:valueAxis>
+  <cs:wall>
+    <cs:lnRef idx="0"/>
+    <cs:fillRef idx="0"/>
+    <cs:effectRef idx="0"/>
+    <cs:fontRef idx="minor">
+      <a:schemeClr val="tx1"/>
+    </cs:fontRef>
+  </cs:wall>
+</cs:chartStyle>
+</file>
+
+<file path=ppt/charts/style2.xml><?xml version="1.0" encoding="utf-8"?>
+<cs:chartStyle xmlns:cs="http://schemas.microsoft.com/office/drawing/2012/chartStyle" xmlns:a="http://schemas.openxmlformats.org/drawingml/2006/main" id="381">
+  <cs:axisTitle>
+    <cs:lnRef idx="0"/>
+    <cs:fillRef idx="0"/>
+    <cs:effectRef idx="0"/>
+    <cs:fontRef idx="minor">
+      <a:schemeClr val="tx1">
+        <a:lumMod val="65000"/>
+        <a:lumOff val="35000"/>
+      </a:schemeClr>
+    </cs:fontRef>
+    <cs:defRPr sz="1197"/>
+  </cs:axisTitle>
+  <cs:categoryAxis>
+    <cs:lnRef idx="0"/>
+    <cs:fillRef idx="0"/>
+    <cs:effectRef idx="0"/>
+    <cs:fontRef idx="minor">
+      <a:schemeClr val="tx1">
+        <a:lumMod val="65000"/>
+        <a:lumOff val="35000"/>
+      </a:schemeClr>
+    </cs:fontRef>
+    <cs:spPr>
+      <a:ln w="9525" cap="flat" cmpd="sng" algn="ctr">
+        <a:solidFill>
+          <a:schemeClr val="tx1">
+            <a:lumMod val="15000"/>
+            <a:lumOff val="85000"/>
+          </a:schemeClr>
+        </a:solidFill>
+        <a:round/>
+      </a:ln>
+    </cs:spPr>
+    <cs:defRPr sz="1197"/>
+  </cs:categoryAxis>
+  <cs:chartArea mods="allowNoFillOverride allowNoLineOverride">
+    <cs:lnRef idx="0"/>
+    <cs:fillRef idx="0"/>
+    <cs:effectRef idx="0"/>
+    <cs:fontRef idx="minor">
+      <a:schemeClr val="tx1"/>
+    </cs:fontRef>
+    <cs:spPr>
+      <a:solidFill>
+        <a:schemeClr val="bg1"/>
+      </a:solidFill>
+      <a:ln w="9525" cap="flat" cmpd="sng" algn="ctr">
+        <a:solidFill>
+          <a:schemeClr val="tx1">
+            <a:lumMod val="15000"/>
+            <a:lumOff val="85000"/>
+          </a:schemeClr>
+        </a:solidFill>
+        <a:round/>
+      </a:ln>
+    </cs:spPr>
+    <cs:defRPr sz="1330"/>
+  </cs:chartArea>
+  <cs:dataLabel>
+    <cs:lnRef idx="0"/>
+    <cs:fillRef idx="0"/>
+    <cs:effectRef idx="0"/>
+    <cs:fontRef idx="minor">
+      <a:schemeClr val="lt1"/>
+    </cs:fontRef>
+    <cs:defRPr sz="1197"/>
+  </cs:dataLabel>
+  <cs:dataLabelCallout>
+    <cs:lnRef idx="0"/>
+    <cs:fillRef idx="0"/>
+    <cs:effectRef idx="0"/>
+    <cs:fontRef idx="minor">
+      <a:schemeClr val="dk1">
+        <a:lumMod val="65000"/>
+        <a:lumOff val="35000"/>
+      </a:schemeClr>
+    </cs:fontRef>
+    <cs:spPr>
+      <a:solidFill>
+        <a:schemeClr val="lt1"/>
+      </a:solidFill>
+      <a:ln>
+        <a:solidFill>
+          <a:schemeClr val="dk1">
+            <a:lumMod val="25000"/>
+            <a:lumOff val="75000"/>
+          </a:schemeClr>
+        </a:solidFill>
+      </a:ln>
+    </cs:spPr>
+    <cs:defRPr sz="1197"/>
+    <cs:bodyPr rot="0" spcFirstLastPara="1" vertOverflow="clip" horzOverflow="clip" vert="horz" wrap="square" lIns="36576" tIns="18288" rIns="36576" bIns="18288" anchor="ctr" anchorCtr="1">
+      <a:spAutoFit/>
+    </cs:bodyPr>
+  </cs:dataLabelCallout>
+  <cs:dataPoint>
+    <cs:lnRef idx="0"/>
+    <cs:fillRef idx="0">
+      <cs:styleClr val="auto"/>
+    </cs:fillRef>
+    <cs:effectRef idx="0"/>
+    <cs:fontRef idx="minor">
+      <a:schemeClr val="tx1"/>
+    </cs:fontRef>
+    <cs:spPr>
+      <a:solidFill>
+        <a:schemeClr val="phClr"/>
+      </a:solidFill>
+      <a:ln w="19050">
+        <a:solidFill>
+          <a:schemeClr val="lt1"/>
+        </a:solidFill>
+      </a:ln>
+    </cs:spPr>
+  </cs:dataPoint>
+  <cs:dataPoint3D>
+    <cs:lnRef idx="0"/>
+    <cs:fillRef idx="0">
+      <cs:styleClr val="auto"/>
+    </cs:fillRef>
+    <cs:effectRef idx="0"/>
+    <cs:fontRef idx="minor">
+      <a:schemeClr val="tx1"/>
+    </cs:fontRef>
+    <cs:spPr>
+      <a:solidFill>
+        <a:schemeClr val="phClr"/>
+      </a:solidFill>
+    </cs:spPr>
+  </cs:dataPoint3D>
+  <cs:dataPointLine>
+    <cs:lnRef idx="0">
+      <cs:styleClr val="auto"/>
+    </cs:lnRef>
+    <cs:fillRef idx="0"/>
+    <cs:effectRef idx="0"/>
+    <cs:fontRef idx="minor">
+      <a:schemeClr val="tx1"/>
+    </cs:fontRef>
+    <cs:spPr>
+      <a:ln w="28575" cap="rnd">
+        <a:solidFill>
+          <a:schemeClr val="phClr"/>
+        </a:solidFill>
+        <a:round/>
+      </a:ln>
+    </cs:spPr>
+  </cs:dataPointLine>
+  <cs:dataPointMarker>
+    <cs:lnRef idx="0"/>
+    <cs:fillRef idx="0">
+      <cs:styleClr val="auto"/>
+    </cs:fillRef>
+    <cs:effectRef idx="0"/>
+    <cs:fontRef idx="minor">
+      <a:schemeClr val="tx1"/>
+    </cs:fontRef>
+    <cs:spPr>
+      <a:solidFill>
+        <a:schemeClr val="phClr"/>
+      </a:solidFill>
+      <a:ln w="9525">
+        <a:solidFill>
+          <a:schemeClr val="lt1"/>
+        </a:solidFill>
+      </a:ln>
+    </cs:spPr>
+  </cs:dataPointMarker>
+  <cs:dataPointMarkerLayout symbol="circle" size="5"/>
+  <cs:dataPointWireframe>
+    <cs:lnRef idx="0">
+      <cs:styleClr val="auto"/>
+    </cs:lnRef>
+    <cs:fillRef idx="0"/>
+    <cs:effectRef idx="0"/>
+    <cs:fontRef idx="minor">
+      <a:schemeClr val="tx1"/>
+    </cs:fontRef>
+    <cs:spPr>
+      <a:ln w="28575" cap="rnd">
+        <a:solidFill>
+          <a:schemeClr val="phClr"/>
+        </a:solidFill>
+        <a:round/>
+      </a:ln>
+    </cs:spPr>
+  </cs:dataPointWireframe>
+  <cs:dataTable>
+    <cs:lnRef idx="0"/>
+    <cs:fillRef idx="0"/>
+    <cs:effectRef idx="0"/>
+    <cs:fontRef idx="minor">
+      <a:schemeClr val="tx1">
+        <a:lumMod val="65000"/>
+        <a:lumOff val="35000"/>
+      </a:schemeClr>
+    </cs:fontRef>
+    <cs:spPr>
+      <a:ln w="9525">
+        <a:solidFill>
+          <a:schemeClr val="tx1">
+            <a:lumMod val="15000"/>
+            <a:lumOff val="85000"/>
+          </a:schemeClr>
+        </a:solidFill>
+      </a:ln>
+    </cs:spPr>
+    <cs:defRPr sz="1197"/>
+  </cs:dataTable>
+  <cs:downBar>
+    <cs:lnRef idx="0"/>
+    <cs:fillRef idx="0"/>
+    <cs:effectRef idx="0"/>
+    <cs:fontRef idx="minor">
+      <a:schemeClr val="dk1"/>
+    </cs:fontRef>
+    <cs:spPr>
+      <a:solidFill>
+        <a:schemeClr val="dk1">
+          <a:lumMod val="65000"/>
+          <a:lumOff val="35000"/>
+        </a:schemeClr>
+      </a:solidFill>
+      <a:ln w="9525">
+        <a:solidFill>
+          <a:schemeClr val="tx1">
+            <a:lumMod val="65000"/>
+            <a:lumOff val="35000"/>
+          </a:schemeClr>
+        </a:solidFill>
+      </a:ln>
+    </cs:spPr>
+  </cs:downBar>
+  <cs:dropLine>
+    <cs:lnRef idx="0"/>
+    <cs:fillRef idx="0"/>
+    <cs:effectRef idx="0"/>
+    <cs:fontRef idx="minor">
+      <a:schemeClr val="tx1"/>
+    </cs:fontRef>
+    <cs:spPr>
+      <a:ln w="9525" cap="flat" cmpd="sng" algn="ctr">
+        <a:solidFill>
+          <a:schemeClr val="tx1">
+            <a:lumMod val="35000"/>
+            <a:lumOff val="65000"/>
+          </a:schemeClr>
+        </a:solidFill>
+        <a:round/>
+      </a:ln>
+    </cs:spPr>
+  </cs:dropLine>
+  <cs:errorBar>
+    <cs:lnRef idx="0"/>
+    <cs:fillRef idx="0"/>
+    <cs:effectRef idx="0"/>
+    <cs:fontRef idx="minor">
+      <a:schemeClr val="tx1"/>
+    </cs:fontRef>
+    <cs:spPr>
+      <a:ln w="9525" cap="flat" cmpd="sng" algn="ctr">
+        <a:solidFill>
+          <a:schemeClr val="tx1">
+            <a:lumMod val="65000"/>
+            <a:lumOff val="35000"/>
+          </a:schemeClr>
+        </a:solidFill>
+        <a:round/>
+      </a:ln>
+    </cs:spPr>
+  </cs:errorBar>
+  <cs:floor>
+    <cs:lnRef idx="0"/>
+    <cs:fillRef idx="0"/>
+    <cs:effectRef idx="0"/>
+    <cs:fontRef idx="minor">
+      <a:schemeClr val="tx1"/>
+    </cs:fontRef>
+  </cs:floor>
+  <cs:gridlineMajor>
+    <cs:lnRef idx="0"/>
+    <cs:fillRef idx="0"/>
+    <cs:effectRef idx="0"/>
+    <cs:fontRef idx="minor">
+      <a:schemeClr val="tx1"/>
+    </cs:fontRef>
+    <cs:spPr>
+      <a:ln w="9525" cap="flat" cmpd="sng" algn="ctr">
+        <a:solidFill>
+          <a:schemeClr val="tx1">
+            <a:lumMod val="15000"/>
+            <a:lumOff val="85000"/>
+          </a:schemeClr>
+        </a:solidFill>
+        <a:round/>
+      </a:ln>
+    </cs:spPr>
+  </cs:gridlineMajor>
+  <cs:gridlineMinor>
+    <cs:lnRef idx="0"/>
+    <cs:fillRef idx="0"/>
+    <cs:effectRef idx="0"/>
+    <cs:fontRef idx="minor">
+      <a:schemeClr val="tx1"/>
+    </cs:fontRef>
+    <cs:spPr>
+      <a:ln w="9525" cap="flat" cmpd="sng" algn="ctr">
+        <a:solidFill>
+          <a:schemeClr val="tx1">
+            <a:lumMod val="15000"/>
+            <a:lumOff val="85000"/>
+          </a:schemeClr>
+        </a:solidFill>
+        <a:round/>
+      </a:ln>
+    </cs:spPr>
+  </cs:gridlineMinor>
+  <cs:hiLoLine>
+    <cs:lnRef idx="0"/>
+    <cs:fillRef idx="0"/>
+    <cs:effectRef idx="0"/>
+    <cs:fontRef idx="minor">
+      <a:schemeClr val="tx1"/>
+    </cs:fontRef>
+    <cs:spPr>
+      <a:ln w="9525" cap="flat" cmpd="sng" algn="ctr">
+        <a:solidFill>
+          <a:schemeClr val="tx1">
+            <a:lumMod val="75000"/>
+            <a:lumOff val="25000"/>
+          </a:schemeClr>
+        </a:solidFill>
+        <a:round/>
+      </a:ln>
+    </cs:spPr>
+  </cs:hiLoLine>
+  <cs:leaderLine>
+    <cs:lnRef idx="0"/>
+    <cs:fillRef idx="0"/>
+    <cs:effectRef idx="0"/>
+    <cs:fontRef idx="minor">
+      <a:schemeClr val="tx1"/>
+    </cs:fontRef>
+    <cs:spPr>
+      <a:ln w="9525" cap="flat" cmpd="sng" algn="ctr">
+        <a:solidFill>
+          <a:schemeClr val="tx1">
+            <a:lumMod val="35000"/>
+            <a:lumOff val="65000"/>
+          </a:schemeClr>
+        </a:solidFill>
+        <a:round/>
+      </a:ln>
+    </cs:spPr>
+  </cs:leaderLine>
+  <cs:legend>
+    <cs:lnRef idx="0"/>
+    <cs:fillRef idx="0"/>
+    <cs:effectRef idx="0"/>
+    <cs:fontRef idx="minor">
+      <a:schemeClr val="tx1">
+        <a:lumMod val="65000"/>
+        <a:lumOff val="35000"/>
+      </a:schemeClr>
+    </cs:fontRef>
+    <cs:defRPr sz="1197"/>
+  </cs:legend>
+  <cs:plotArea mods="allowNoFillOverride allowNoLineOverride">
+    <cs:lnRef idx="0"/>
+    <cs:fillRef idx="0"/>
+    <cs:effectRef idx="0"/>
+    <cs:fontRef idx="minor">
+      <a:schemeClr val="tx1"/>
+    </cs:fontRef>
+  </cs:plotArea>
+  <cs:plotArea3D mods="allowNoFillOverride allowNoLineOverride">
+    <cs:lnRef idx="0"/>
+    <cs:fillRef idx="0"/>
+    <cs:effectRef idx="0"/>
+    <cs:fontRef idx="minor">
+      <a:schemeClr val="tx1"/>
+    </cs:fontRef>
+  </cs:plotArea3D>
+  <cs:seriesAxis>
+    <cs:lnRef idx="0"/>
+    <cs:fillRef idx="0"/>
+    <cs:effectRef idx="0"/>
+    <cs:fontRef idx="minor">
+      <a:schemeClr val="tx1">
+        <a:lumMod val="65000"/>
+        <a:lumOff val="35000"/>
+      </a:schemeClr>
+    </cs:fontRef>
+    <cs:spPr>
+      <a:ln w="9525" cap="flat" cmpd="sng" algn="ctr">
+        <a:solidFill>
+          <a:schemeClr val="tx1">
+            <a:lumMod val="15000"/>
+            <a:lumOff val="85000"/>
+          </a:schemeClr>
+        </a:solidFill>
+        <a:round/>
+      </a:ln>
+    </cs:spPr>
+    <cs:defRPr sz="1197"/>
+  </cs:seriesAxis>
+  <cs:seriesLine>
+    <cs:lnRef idx="0"/>
+    <cs:fillRef idx="0"/>
+    <cs:effectRef idx="0"/>
+    <cs:fontRef idx="minor">
+      <a:schemeClr val="tx1"/>
+    </cs:fontRef>
+    <cs:spPr>
+      <a:ln w="9525" cap="flat">
+        <a:solidFill>
+          <a:srgbClr val="D9D9D9"/>
+        </a:solidFill>
+        <a:round/>
+      </a:ln>
+    </cs:spPr>
+  </cs:seriesLine>
+  <cs:title>
+    <cs:lnRef idx="0"/>
+    <cs:fillRef idx="0"/>
+    <cs:effectRef idx="0"/>
+    <cs:fontRef idx="minor">
+      <a:schemeClr val="tx1">
+        <a:lumMod val="65000"/>
+        <a:lumOff val="35000"/>
+      </a:schemeClr>
+    </cs:fontRef>
+    <cs:defRPr sz="1862"/>
+  </cs:title>
+  <cs:trendline>
+    <cs:lnRef idx="0">
+      <cs:styleClr val="auto"/>
+    </cs:lnRef>
+    <cs:fillRef idx="0"/>
+    <cs:effectRef idx="0"/>
+    <cs:fontRef idx="minor">
+      <a:schemeClr val="tx1"/>
+    </cs:fontRef>
+    <cs:spPr>
+      <a:ln w="19050" cap="rnd">
+        <a:solidFill>
+          <a:schemeClr val="phClr"/>
+        </a:solidFill>
+        <a:prstDash val="sysDash"/>
+      </a:ln>
+    </cs:spPr>
+  </cs:trendline>
+  <cs:trendlineLabel>
+    <cs:lnRef idx="0"/>
+    <cs:fillRef idx="0"/>
+    <cs:effectRef idx="0"/>
+    <cs:fontRef idx="minor">
+      <a:schemeClr val="tx1">
+        <a:lumMod val="65000"/>
+        <a:lumOff val="35000"/>
+      </a:schemeClr>
+    </cs:fontRef>
+    <cs:defRPr sz="1197"/>
+  </cs:trendlineLabel>
+  <cs:upBar>
+    <cs:lnRef idx="0"/>
+    <cs:fillRef idx="0"/>
+    <cs:effectRef idx="0"/>
+    <cs:fontRef idx="minor">
+      <a:schemeClr val="dk1"/>
+    </cs:fontRef>
+    <cs:spPr>
+      <a:solidFill>
+        <a:schemeClr val="lt1"/>
+      </a:solidFill>
+      <a:ln w="9525">
+        <a:solidFill>
+          <a:schemeClr val="tx1">
+            <a:lumMod val="15000"/>
+            <a:lumOff val="85000"/>
+          </a:schemeClr>
+        </a:solidFill>
+      </a:ln>
+    </cs:spPr>
+  </cs:upBar>
+  <cs:valueAxis>
+    <cs:lnRef idx="0"/>
+    <cs:fillRef idx="0"/>
+    <cs:effectRef idx="0"/>
+    <cs:fontRef idx="minor">
+      <a:schemeClr val="tx1">
+        <a:lumMod val="65000"/>
+        <a:lumOff val="35000"/>
+      </a:schemeClr>
+    </cs:fontRef>
+    <cs:defRPr sz="1197"/>
+  </cs:valueAxis>
+  <cs:wall>
+    <cs:lnRef idx="0"/>
+    <cs:fillRef idx="0"/>
+    <cs:effectRef idx="0"/>
+    <cs:fontRef idx="minor">
+      <a:schemeClr val="tx1"/>
+    </cs:fontRef>
+  </cs:wall>
+</cs:chartStyle>
+</file>
+
+<file path=ppt/charts/style3.xml><?xml version="1.0" encoding="utf-8"?>
+<cs:chartStyle xmlns:cs="http://schemas.microsoft.com/office/drawing/2012/chartStyle" xmlns:a="http://schemas.openxmlformats.org/drawingml/2006/main" id="381">
+  <cs:axisTitle>
+    <cs:lnRef idx="0"/>
+    <cs:fillRef idx="0"/>
+    <cs:effectRef idx="0"/>
+    <cs:fontRef idx="minor">
+      <a:schemeClr val="tx1">
+        <a:lumMod val="65000"/>
+        <a:lumOff val="35000"/>
+      </a:schemeClr>
+    </cs:fontRef>
+    <cs:defRPr sz="1197"/>
+  </cs:axisTitle>
+  <cs:categoryAxis>
+    <cs:lnRef idx="0"/>
+    <cs:fillRef idx="0"/>
+    <cs:effectRef idx="0"/>
+    <cs:fontRef idx="minor">
+      <a:schemeClr val="tx1">
+        <a:lumMod val="65000"/>
+        <a:lumOff val="35000"/>
+      </a:schemeClr>
+    </cs:fontRef>
+    <cs:spPr>
+      <a:ln w="9525" cap="flat" cmpd="sng" algn="ctr">
+        <a:solidFill>
+          <a:schemeClr val="tx1">
+            <a:lumMod val="15000"/>
+            <a:lumOff val="85000"/>
+          </a:schemeClr>
+        </a:solidFill>
+        <a:round/>
+      </a:ln>
+    </cs:spPr>
+    <cs:defRPr sz="1197"/>
+  </cs:categoryAxis>
+  <cs:chartArea mods="allowNoFillOverride allowNoLineOverride">
+    <cs:lnRef idx="0"/>
+    <cs:fillRef idx="0"/>
+    <cs:effectRef idx="0"/>
+    <cs:fontRef idx="minor">
+      <a:schemeClr val="tx1"/>
+    </cs:fontRef>
+    <cs:spPr>
+      <a:solidFill>
+        <a:schemeClr val="bg1"/>
+      </a:solidFill>
+      <a:ln w="9525" cap="flat" cmpd="sng" algn="ctr">
+        <a:solidFill>
+          <a:schemeClr val="tx1">
+            <a:lumMod val="15000"/>
+            <a:lumOff val="85000"/>
+          </a:schemeClr>
+        </a:solidFill>
+        <a:round/>
+      </a:ln>
+    </cs:spPr>
+    <cs:defRPr sz="1330"/>
+  </cs:chartArea>
+  <cs:dataLabel>
+    <cs:lnRef idx="0"/>
+    <cs:fillRef idx="0"/>
+    <cs:effectRef idx="0"/>
+    <cs:fontRef idx="minor">
+      <a:schemeClr val="lt1"/>
+    </cs:fontRef>
+    <cs:defRPr sz="1197"/>
+  </cs:dataLabel>
+  <cs:dataLabelCallout>
+    <cs:lnRef idx="0"/>
+    <cs:fillRef idx="0"/>
+    <cs:effectRef idx="0"/>
+    <cs:fontRef idx="minor">
+      <a:schemeClr val="dk1">
+        <a:lumMod val="65000"/>
+        <a:lumOff val="35000"/>
+      </a:schemeClr>
+    </cs:fontRef>
+    <cs:spPr>
+      <a:solidFill>
+        <a:schemeClr val="lt1"/>
+      </a:solidFill>
+      <a:ln>
+        <a:solidFill>
+          <a:schemeClr val="dk1">
+            <a:lumMod val="25000"/>
+            <a:lumOff val="75000"/>
+          </a:schemeClr>
+        </a:solidFill>
+      </a:ln>
+    </cs:spPr>
+    <cs:defRPr sz="1197"/>
+    <cs:bodyPr rot="0" spcFirstLastPara="1" vertOverflow="clip" horzOverflow="clip" vert="horz" wrap="square" lIns="36576" tIns="18288" rIns="36576" bIns="18288" anchor="ctr" anchorCtr="1">
+      <a:spAutoFit/>
+    </cs:bodyPr>
+  </cs:dataLabelCallout>
+  <cs:dataPoint>
+    <cs:lnRef idx="0"/>
+    <cs:fillRef idx="0">
+      <cs:styleClr val="auto"/>
+    </cs:fillRef>
+    <cs:effectRef idx="0"/>
+    <cs:fontRef idx="minor">
+      <a:schemeClr val="tx1"/>
+    </cs:fontRef>
+    <cs:spPr>
+      <a:solidFill>
+        <a:schemeClr val="phClr"/>
+      </a:solidFill>
+      <a:ln w="19050">
+        <a:solidFill>
+          <a:schemeClr val="lt1"/>
+        </a:solidFill>
+      </a:ln>
+    </cs:spPr>
+  </cs:dataPoint>
+  <cs:dataPoint3D>
+    <cs:lnRef idx="0"/>
+    <cs:fillRef idx="0">
+      <cs:styleClr val="auto"/>
+    </cs:fillRef>
+    <cs:effectRef idx="0"/>
+    <cs:fontRef idx="minor">
+      <a:schemeClr val="tx1"/>
+    </cs:fontRef>
+    <cs:spPr>
+      <a:solidFill>
+        <a:schemeClr val="phClr"/>
+      </a:solidFill>
+    </cs:spPr>
+  </cs:dataPoint3D>
+  <cs:dataPointLine>
+    <cs:lnRef idx="0">
+      <cs:styleClr val="auto"/>
+    </cs:lnRef>
+    <cs:fillRef idx="0"/>
+    <cs:effectRef idx="0"/>
+    <cs:fontRef idx="minor">
+      <a:schemeClr val="tx1"/>
+    </cs:fontRef>
+    <cs:spPr>
+      <a:ln w="28575" cap="rnd">
+        <a:solidFill>
+          <a:schemeClr val="phClr"/>
+        </a:solidFill>
+        <a:round/>
+      </a:ln>
+    </cs:spPr>
+  </cs:dataPointLine>
+  <cs:dataPointMarker>
+    <cs:lnRef idx="0"/>
+    <cs:fillRef idx="0">
+      <cs:styleClr val="auto"/>
+    </cs:fillRef>
+    <cs:effectRef idx="0"/>
+    <cs:fontRef idx="minor">
+      <a:schemeClr val="tx1"/>
+    </cs:fontRef>
+    <cs:spPr>
+      <a:solidFill>
+        <a:schemeClr val="phClr"/>
+      </a:solidFill>
+      <a:ln w="9525">
+        <a:solidFill>
+          <a:schemeClr val="lt1"/>
+        </a:solidFill>
+      </a:ln>
+    </cs:spPr>
+  </cs:dataPointMarker>
+  <cs:dataPointMarkerLayout symbol="circle" size="5"/>
+  <cs:dataPointWireframe>
+    <cs:lnRef idx="0">
+      <cs:styleClr val="auto"/>
+    </cs:lnRef>
+    <cs:fillRef idx="0"/>
+    <cs:effectRef idx="0"/>
+    <cs:fontRef idx="minor">
+      <a:schemeClr val="tx1"/>
+    </cs:fontRef>
+    <cs:spPr>
+      <a:ln w="28575" cap="rnd">
+        <a:solidFill>
+          <a:schemeClr val="phClr"/>
+        </a:solidFill>
+        <a:round/>
+      </a:ln>
+    </cs:spPr>
+  </cs:dataPointWireframe>
+  <cs:dataTable>
+    <cs:lnRef idx="0"/>
+    <cs:fillRef idx="0"/>
+    <cs:effectRef idx="0"/>
+    <cs:fontRef idx="minor">
+      <a:schemeClr val="tx1">
+        <a:lumMod val="65000"/>
+        <a:lumOff val="35000"/>
+      </a:schemeClr>
+    </cs:fontRef>
+    <cs:spPr>
+      <a:ln w="9525">
+        <a:solidFill>
+          <a:schemeClr val="tx1">
+            <a:lumMod val="15000"/>
+            <a:lumOff val="85000"/>
+          </a:schemeClr>
+        </a:solidFill>
+      </a:ln>
+    </cs:spPr>
+    <cs:defRPr sz="1197"/>
+  </cs:dataTable>
+  <cs:downBar>
+    <cs:lnRef idx="0"/>
+    <cs:fillRef idx="0"/>
+    <cs:effectRef idx="0"/>
+    <cs:fontRef idx="minor">
+      <a:schemeClr val="dk1"/>
+    </cs:fontRef>
+    <cs:spPr>
+      <a:solidFill>
+        <a:schemeClr val="dk1">
+          <a:lumMod val="65000"/>
+          <a:lumOff val="35000"/>
+        </a:schemeClr>
+      </a:solidFill>
+      <a:ln w="9525">
+        <a:solidFill>
+          <a:schemeClr val="tx1">
+            <a:lumMod val="65000"/>
+            <a:lumOff val="35000"/>
+          </a:schemeClr>
+        </a:solidFill>
+      </a:ln>
+    </cs:spPr>
+  </cs:downBar>
+  <cs:dropLine>
+    <cs:lnRef idx="0"/>
+    <cs:fillRef idx="0"/>
+    <cs:effectRef idx="0"/>
+    <cs:fontRef idx="minor">
+      <a:schemeClr val="tx1"/>
+    </cs:fontRef>
+    <cs:spPr>
+      <a:ln w="9525" cap="flat" cmpd="sng" algn="ctr">
+        <a:solidFill>
+          <a:schemeClr val="tx1">
+            <a:lumMod val="35000"/>
+            <a:lumOff val="65000"/>
+          </a:schemeClr>
+        </a:solidFill>
+        <a:round/>
+      </a:ln>
+    </cs:spPr>
+  </cs:dropLine>
+  <cs:errorBar>
+    <cs:lnRef idx="0"/>
+    <cs:fillRef idx="0"/>
+    <cs:effectRef idx="0"/>
+    <cs:fontRef idx="minor">
+      <a:schemeClr val="tx1"/>
+    </cs:fontRef>
+    <cs:spPr>
+      <a:ln w="9525" cap="flat" cmpd="sng" algn="ctr">
+        <a:solidFill>
+          <a:schemeClr val="tx1">
+            <a:lumMod val="65000"/>
+            <a:lumOff val="35000"/>
+          </a:schemeClr>
+        </a:solidFill>
+        <a:round/>
+      </a:ln>
+    </cs:spPr>
+  </cs:errorBar>
+  <cs:floor>
+    <cs:lnRef idx="0"/>
+    <cs:fillRef idx="0"/>
+    <cs:effectRef idx="0"/>
+    <cs:fontRef idx="minor">
+      <a:schemeClr val="tx1"/>
+    </cs:fontRef>
+  </cs:floor>
+  <cs:gridlineMajor>
+    <cs:lnRef idx="0"/>
+    <cs:fillRef idx="0"/>
+    <cs:effectRef idx="0"/>
+    <cs:fontRef idx="minor">
+      <a:schemeClr val="tx1"/>
+    </cs:fontRef>
+    <cs:spPr>
+      <a:ln w="9525" cap="flat" cmpd="sng" algn="ctr">
+        <a:solidFill>
+          <a:schemeClr val="tx1">
+            <a:lumMod val="15000"/>
+            <a:lumOff val="85000"/>
+          </a:schemeClr>
+        </a:solidFill>
+        <a:round/>
+      </a:ln>
+    </cs:spPr>
+  </cs:gridlineMajor>
+  <cs:gridlineMinor>
+    <cs:lnRef idx="0"/>
+    <cs:fillRef idx="0"/>
+    <cs:effectRef idx="0"/>
+    <cs:fontRef idx="minor">
+      <a:schemeClr val="tx1"/>
+    </cs:fontRef>
+    <cs:spPr>
+      <a:ln w="9525" cap="flat" cmpd="sng" algn="ctr">
+        <a:solidFill>
+          <a:schemeClr val="tx1">
+            <a:lumMod val="15000"/>
+            <a:lumOff val="85000"/>
+          </a:schemeClr>
+        </a:solidFill>
+        <a:round/>
+      </a:ln>
+    </cs:spPr>
+  </cs:gridlineMinor>
+  <cs:hiLoLine>
+    <cs:lnRef idx="0"/>
+    <cs:fillRef idx="0"/>
+    <cs:effectRef idx="0"/>
+    <cs:fontRef idx="minor">
+      <a:schemeClr val="tx1"/>
+    </cs:fontRef>
+    <cs:spPr>
+      <a:ln w="9525" cap="flat" cmpd="sng" algn="ctr">
+        <a:solidFill>
+          <a:schemeClr val="tx1">
+            <a:lumMod val="75000"/>
+            <a:lumOff val="25000"/>
+          </a:schemeClr>
+        </a:solidFill>
+        <a:round/>
+      </a:ln>
+    </cs:spPr>
+  </cs:hiLoLine>
+  <cs:leaderLine>
+    <cs:lnRef idx="0"/>
+    <cs:fillRef idx="0"/>
+    <cs:effectRef idx="0"/>
+    <cs:fontRef idx="minor">
+      <a:schemeClr val="tx1"/>
+    </cs:fontRef>
+    <cs:spPr>
+      <a:ln w="9525" cap="flat" cmpd="sng" algn="ctr">
+        <a:solidFill>
+          <a:schemeClr val="tx1">
+            <a:lumMod val="35000"/>
+            <a:lumOff val="65000"/>
+          </a:schemeClr>
+        </a:solidFill>
+        <a:round/>
+      </a:ln>
+    </cs:spPr>
+  </cs:leaderLine>
+  <cs:legend>
+    <cs:lnRef idx="0"/>
+    <cs:fillRef idx="0"/>
+    <cs:effectRef idx="0"/>
+    <cs:fontRef idx="minor">
+      <a:schemeClr val="tx1">
+        <a:lumMod val="65000"/>
+        <a:lumOff val="35000"/>
+      </a:schemeClr>
+    </cs:fontRef>
+    <cs:defRPr sz="1197"/>
+  </cs:legend>
+  <cs:plotArea mods="allowNoFillOverride allowNoLineOverride">
+    <cs:lnRef idx="0"/>
+    <cs:fillRef idx="0"/>
+    <cs:effectRef idx="0"/>
+    <cs:fontRef idx="minor">
+      <a:schemeClr val="tx1"/>
+    </cs:fontRef>
+  </cs:plotArea>
+  <cs:plotArea3D mods="allowNoFillOverride allowNoLineOverride">
+    <cs:lnRef idx="0"/>
+    <cs:fillRef idx="0"/>
+    <cs:effectRef idx="0"/>
+    <cs:fontRef idx="minor">
+      <a:schemeClr val="tx1"/>
+    </cs:fontRef>
+  </cs:plotArea3D>
+  <cs:seriesAxis>
+    <cs:lnRef idx="0"/>
+    <cs:fillRef idx="0"/>
+    <cs:effectRef idx="0"/>
+    <cs:fontRef idx="minor">
+      <a:schemeClr val="tx1">
+        <a:lumMod val="65000"/>
+        <a:lumOff val="35000"/>
+      </a:schemeClr>
+    </cs:fontRef>
+    <cs:spPr>
+      <a:ln w="9525" cap="flat" cmpd="sng" algn="ctr">
+        <a:solidFill>
+          <a:schemeClr val="tx1">
+            <a:lumMod val="15000"/>
+            <a:lumOff val="85000"/>
+          </a:schemeClr>
+        </a:solidFill>
+        <a:round/>
+      </a:ln>
+    </cs:spPr>
+    <cs:defRPr sz="1197"/>
+  </cs:seriesAxis>
+  <cs:seriesLine>
+    <cs:lnRef idx="0"/>
+    <cs:fillRef idx="0"/>
+    <cs:effectRef idx="0"/>
+    <cs:fontRef idx="minor">
+      <a:schemeClr val="tx1"/>
+    </cs:fontRef>
+    <cs:spPr>
+      <a:ln w="9525" cap="flat">
+        <a:solidFill>
+          <a:srgbClr val="D9D9D9"/>
+        </a:solidFill>
+        <a:round/>
+      </a:ln>
+    </cs:spPr>
+  </cs:seriesLine>
+  <cs:title>
+    <cs:lnRef idx="0"/>
+    <cs:fillRef idx="0"/>
+    <cs:effectRef idx="0"/>
+    <cs:fontRef idx="minor">
+      <a:schemeClr val="tx1">
+        <a:lumMod val="65000"/>
+        <a:lumOff val="35000"/>
+      </a:schemeClr>
+    </cs:fontRef>
+    <cs:defRPr sz="1862"/>
+  </cs:title>
+  <cs:trendline>
+    <cs:lnRef idx="0">
+      <cs:styleClr val="auto"/>
+    </cs:lnRef>
+    <cs:fillRef idx="0"/>
+    <cs:effectRef idx="0"/>
+    <cs:fontRef idx="minor">
+      <a:schemeClr val="tx1"/>
+    </cs:fontRef>
+    <cs:spPr>
+      <a:ln w="19050" cap="rnd">
+        <a:solidFill>
+          <a:schemeClr val="phClr"/>
+        </a:solidFill>
+        <a:prstDash val="sysDash"/>
+      </a:ln>
+    </cs:spPr>
+  </cs:trendline>
+  <cs:trendlineLabel>
+    <cs:lnRef idx="0"/>
+    <cs:fillRef idx="0"/>
+    <cs:effectRef idx="0"/>
+    <cs:fontRef idx="minor">
+      <a:schemeClr val="tx1">
+        <a:lumMod val="65000"/>
+        <a:lumOff val="35000"/>
+      </a:schemeClr>
+    </cs:fontRef>
+    <cs:defRPr sz="1197"/>
+  </cs:trendlineLabel>
+  <cs:upBar>
+    <cs:lnRef idx="0"/>
+    <cs:fillRef idx="0"/>
+    <cs:effectRef idx="0"/>
+    <cs:fontRef idx="minor">
+      <a:schemeClr val="dk1"/>
+    </cs:fontRef>
+    <cs:spPr>
+      <a:solidFill>
+        <a:schemeClr val="lt1"/>
+      </a:solidFill>
+      <a:ln w="9525">
+        <a:solidFill>
+          <a:schemeClr val="tx1">
+            <a:lumMod val="15000"/>
+            <a:lumOff val="85000"/>
+          </a:schemeClr>
+        </a:solidFill>
+      </a:ln>
+    </cs:spPr>
+  </cs:upBar>
+  <cs:valueAxis>
+    <cs:lnRef idx="0"/>
+    <cs:fillRef idx="0"/>
+    <cs:effectRef idx="0"/>
+    <cs:fontRef idx="minor">
+      <a:schemeClr val="tx1">
+        <a:lumMod val="65000"/>
+        <a:lumOff val="35000"/>
+      </a:schemeClr>
+    </cs:fontRef>
+    <cs:defRPr sz="1197"/>
+  </cs:valueAxis>
+  <cs:wall>
+    <cs:lnRef idx="0"/>
+    <cs:fillRef idx="0"/>
+    <cs:effectRef idx="0"/>
+    <cs:fontRef idx="minor">
+      <a:schemeClr val="tx1"/>
+    </cs:fontRef>
+  </cs:wall>
+</cs:chartStyle>
+</file>
+
+<file path=ppt/charts/style4.xml><?xml version="1.0" encoding="utf-8"?>
+<cs:chartStyle xmlns:cs="http://schemas.microsoft.com/office/drawing/2012/chartStyle" xmlns:a="http://schemas.openxmlformats.org/drawingml/2006/main" id="381">
+  <cs:axisTitle>
+    <cs:lnRef idx="0"/>
+    <cs:fillRef idx="0"/>
+    <cs:effectRef idx="0"/>
+    <cs:fontRef idx="minor">
+      <a:schemeClr val="tx1">
+        <a:lumMod val="65000"/>
+        <a:lumOff val="35000"/>
+      </a:schemeClr>
+    </cs:fontRef>
+    <cs:defRPr sz="1197"/>
+  </cs:axisTitle>
+  <cs:categoryAxis>
+    <cs:lnRef idx="0"/>
+    <cs:fillRef idx="0"/>
+    <cs:effectRef idx="0"/>
+    <cs:fontRef idx="minor">
+      <a:schemeClr val="tx1">
+        <a:lumMod val="65000"/>
+        <a:lumOff val="35000"/>
+      </a:schemeClr>
+    </cs:fontRef>
+    <cs:spPr>
+      <a:ln w="9525" cap="flat" cmpd="sng" algn="ctr">
+        <a:solidFill>
+          <a:schemeClr val="tx1">
+            <a:lumMod val="15000"/>
+            <a:lumOff val="85000"/>
+          </a:schemeClr>
+        </a:solidFill>
+        <a:round/>
+      </a:ln>
+    </cs:spPr>
+    <cs:defRPr sz="1197"/>
+  </cs:categoryAxis>
+  <cs:chartArea mods="allowNoFillOverride allowNoLineOverride">
+    <cs:lnRef idx="0"/>
+    <cs:fillRef idx="0"/>
+    <cs:effectRef idx="0"/>
+    <cs:fontRef idx="minor">
+      <a:schemeClr val="tx1"/>
+    </cs:fontRef>
+    <cs:spPr>
+      <a:solidFill>
+        <a:schemeClr val="bg1"/>
+      </a:solidFill>
+      <a:ln w="9525" cap="flat" cmpd="sng" algn="ctr">
+        <a:solidFill>
+          <a:schemeClr val="tx1">
+            <a:lumMod val="15000"/>
+            <a:lumOff val="85000"/>
+          </a:schemeClr>
+        </a:solidFill>
+        <a:round/>
+      </a:ln>
+    </cs:spPr>
+    <cs:defRPr sz="1330"/>
+  </cs:chartArea>
+  <cs:dataLabel>
+    <cs:lnRef idx="0"/>
+    <cs:fillRef idx="0"/>
+    <cs:effectRef idx="0"/>
+    <cs:fontRef idx="minor">
+      <a:schemeClr val="lt1"/>
+    </cs:fontRef>
+    <cs:defRPr sz="1197"/>
+  </cs:dataLabel>
+  <cs:dataLabelCallout>
+    <cs:lnRef idx="0"/>
+    <cs:fillRef idx="0"/>
+    <cs:effectRef idx="0"/>
+    <cs:fontRef idx="minor">
+      <a:schemeClr val="dk1">
+        <a:lumMod val="65000"/>
+        <a:lumOff val="35000"/>
+      </a:schemeClr>
+    </cs:fontRef>
+    <cs:spPr>
+      <a:solidFill>
+        <a:schemeClr val="lt1"/>
+      </a:solidFill>
+      <a:ln>
+        <a:solidFill>
+          <a:schemeClr val="dk1">
+            <a:lumMod val="25000"/>
+            <a:lumOff val="75000"/>
+          </a:schemeClr>
+        </a:solidFill>
+      </a:ln>
+    </cs:spPr>
+    <cs:defRPr sz="1197"/>
+    <cs:bodyPr rot="0" spcFirstLastPara="1" vertOverflow="clip" horzOverflow="clip" vert="horz" wrap="square" lIns="36576" tIns="18288" rIns="36576" bIns="18288" anchor="ctr" anchorCtr="1">
+      <a:spAutoFit/>
+    </cs:bodyPr>
+  </cs:dataLabelCallout>
+  <cs:dataPoint>
+    <cs:lnRef idx="0"/>
+    <cs:fillRef idx="0">
+      <cs:styleClr val="auto"/>
+    </cs:fillRef>
+    <cs:effectRef idx="0"/>
+    <cs:fontRef idx="minor">
+      <a:schemeClr val="tx1"/>
+    </cs:fontRef>
+    <cs:spPr>
+      <a:solidFill>
+        <a:schemeClr val="phClr"/>
+      </a:solidFill>
+      <a:ln w="19050">
+        <a:solidFill>
+          <a:schemeClr val="lt1"/>
+        </a:solidFill>
+      </a:ln>
+    </cs:spPr>
+  </cs:dataPoint>
+  <cs:dataPoint3D>
+    <cs:lnRef idx="0"/>
+    <cs:fillRef idx="0">
+      <cs:styleClr val="auto"/>
+    </cs:fillRef>
+    <cs:effectRef idx="0"/>
+    <cs:fontRef idx="minor">
+      <a:schemeClr val="tx1"/>
+    </cs:fontRef>
+    <cs:spPr>
+      <a:solidFill>
+        <a:schemeClr val="phClr"/>
+      </a:solidFill>
+    </cs:spPr>
+  </cs:dataPoint3D>
+  <cs:dataPointLine>
+    <cs:lnRef idx="0">
+      <cs:styleClr val="auto"/>
+    </cs:lnRef>
+    <cs:fillRef idx="0"/>
+    <cs:effectRef idx="0"/>
+    <cs:fontRef idx="minor">
+      <a:schemeClr val="tx1"/>
+    </cs:fontRef>
+    <cs:spPr>
+      <a:ln w="28575" cap="rnd">
+        <a:solidFill>
+          <a:schemeClr val="phClr"/>
+        </a:solidFill>
+        <a:round/>
+      </a:ln>
+    </cs:spPr>
+  </cs:dataPointLine>
+  <cs:dataPointMarker>
+    <cs:lnRef idx="0"/>
+    <cs:fillRef idx="0">
+      <cs:styleClr val="auto"/>
+    </cs:fillRef>
+    <cs:effectRef idx="0"/>
+    <cs:fontRef idx="minor">
+      <a:schemeClr val="tx1"/>
+    </cs:fontRef>
+    <cs:spPr>
+      <a:solidFill>
+        <a:schemeClr val="phClr"/>
+      </a:solidFill>
+      <a:ln w="9525">
+        <a:solidFill>
+          <a:schemeClr val="lt1"/>
+        </a:solidFill>
+      </a:ln>
+    </cs:spPr>
+  </cs:dataPointMarker>
+  <cs:dataPointMarkerLayout symbol="circle" size="5"/>
+  <cs:dataPointWireframe>
+    <cs:lnRef idx="0">
+      <cs:styleClr val="auto"/>
+    </cs:lnRef>
+    <cs:fillRef idx="0"/>
+    <cs:effectRef idx="0"/>
+    <cs:fontRef idx="minor">
+      <a:schemeClr val="tx1"/>
+    </cs:fontRef>
+    <cs:spPr>
+      <a:ln w="28575" cap="rnd">
+        <a:solidFill>
+          <a:schemeClr val="phClr"/>
+        </a:solidFill>
+        <a:round/>
+      </a:ln>
+    </cs:spPr>
+  </cs:dataPointWireframe>
+  <cs:dataTable>
+    <cs:lnRef idx="0"/>
+    <cs:fillRef idx="0"/>
+    <cs:effectRef idx="0"/>
+    <cs:fontRef idx="minor">
+      <a:schemeClr val="tx1">
+        <a:lumMod val="65000"/>
+        <a:lumOff val="35000"/>
+      </a:schemeClr>
+    </cs:fontRef>
+    <cs:spPr>
+      <a:ln w="9525">
+        <a:solidFill>
+          <a:schemeClr val="tx1">
+            <a:lumMod val="15000"/>
+            <a:lumOff val="85000"/>
+          </a:schemeClr>
+        </a:solidFill>
+      </a:ln>
+    </cs:spPr>
+    <cs:defRPr sz="1197"/>
+  </cs:dataTable>
+  <cs:downBar>
+    <cs:lnRef idx="0"/>
+    <cs:fillRef idx="0"/>
+    <cs:effectRef idx="0"/>
+    <cs:fontRef idx="minor">
+      <a:schemeClr val="dk1"/>
+    </cs:fontRef>
+    <cs:spPr>
+      <a:solidFill>
+        <a:schemeClr val="dk1">
+          <a:lumMod val="65000"/>
+          <a:lumOff val="35000"/>
+        </a:schemeClr>
+      </a:solidFill>
+      <a:ln w="9525">
+        <a:solidFill>
+          <a:schemeClr val="tx1">
+            <a:lumMod val="65000"/>
+            <a:lumOff val="35000"/>
+          </a:schemeClr>
+        </a:solidFill>
+      </a:ln>
+    </cs:spPr>
+  </cs:downBar>
+  <cs:dropLine>
+    <cs:lnRef idx="0"/>
+    <cs:fillRef idx="0"/>
+    <cs:effectRef idx="0"/>
+    <cs:fontRef idx="minor">
+      <a:schemeClr val="tx1"/>
+    </cs:fontRef>
+    <cs:spPr>
+      <a:ln w="9525" cap="flat" cmpd="sng" algn="ctr">
+        <a:solidFill>
+          <a:schemeClr val="tx1">
+            <a:lumMod val="35000"/>
+            <a:lumOff val="65000"/>
+          </a:schemeClr>
+        </a:solidFill>
+        <a:round/>
+      </a:ln>
+    </cs:spPr>
+  </cs:dropLine>
+  <cs:errorBar>
+    <cs:lnRef idx="0"/>
+    <cs:fillRef idx="0"/>
+    <cs:effectRef idx="0"/>
+    <cs:fontRef idx="minor">
+      <a:schemeClr val="tx1"/>
+    </cs:fontRef>
+    <cs:spPr>
+      <a:ln w="9525" cap="flat" cmpd="sng" algn="ctr">
+        <a:solidFill>
+          <a:schemeClr val="tx1">
+            <a:lumMod val="65000"/>
+            <a:lumOff val="35000"/>
+          </a:schemeClr>
+        </a:solidFill>
+        <a:round/>
+      </a:ln>
+    </cs:spPr>
+  </cs:errorBar>
+  <cs:floor>
+    <cs:lnRef idx="0"/>
+    <cs:fillRef idx="0"/>
+    <cs:effectRef idx="0"/>
+    <cs:fontRef idx="minor">
+      <a:schemeClr val="tx1"/>
+    </cs:fontRef>
+  </cs:floor>
+  <cs:gridlineMajor>
+    <cs:lnRef idx="0"/>
+    <cs:fillRef idx="0"/>
+    <cs:effectRef idx="0"/>
+    <cs:fontRef idx="minor">
+      <a:schemeClr val="tx1"/>
+    </cs:fontRef>
+    <cs:spPr>
+      <a:ln w="9525" cap="flat" cmpd="sng" algn="ctr">
+        <a:solidFill>
+          <a:schemeClr val="tx1">
+            <a:lumMod val="15000"/>
+            <a:lumOff val="85000"/>
+          </a:schemeClr>
+        </a:solidFill>
+        <a:round/>
+      </a:ln>
+    </cs:spPr>
+  </cs:gridlineMajor>
+  <cs:gridlineMinor>
+    <cs:lnRef idx="0"/>
+    <cs:fillRef idx="0"/>
+    <cs:effectRef idx="0"/>
+    <cs:fontRef idx="minor">
+      <a:schemeClr val="tx1"/>
+    </cs:fontRef>
+    <cs:spPr>
+      <a:ln w="9525" cap="flat" cmpd="sng" algn="ctr">
+        <a:solidFill>
+          <a:schemeClr val="tx1">
+            <a:lumMod val="15000"/>
+            <a:lumOff val="85000"/>
+          </a:schemeClr>
+        </a:solidFill>
+        <a:round/>
+      </a:ln>
+    </cs:spPr>
+  </cs:gridlineMinor>
+  <cs:hiLoLine>
+    <cs:lnRef idx="0"/>
+    <cs:fillRef idx="0"/>
+    <cs:effectRef idx="0"/>
+    <cs:fontRef idx="minor">
+      <a:schemeClr val="tx1"/>
+    </cs:fontRef>
+    <cs:spPr>
+      <a:ln w="9525" cap="flat" cmpd="sng" algn="ctr">
+        <a:solidFill>
+          <a:schemeClr val="tx1">
+            <a:lumMod val="75000"/>
+            <a:lumOff val="25000"/>
+          </a:schemeClr>
+        </a:solidFill>
+        <a:round/>
+      </a:ln>
+    </cs:spPr>
+  </cs:hiLoLine>
+  <cs:leaderLine>
+    <cs:lnRef idx="0"/>
+    <cs:fillRef idx="0"/>
+    <cs:effectRef idx="0"/>
+    <cs:fontRef idx="minor">
+      <a:schemeClr val="tx1"/>
+    </cs:fontRef>
+    <cs:spPr>
+      <a:ln w="9525" cap="flat" cmpd="sng" algn="ctr">
+        <a:solidFill>
+          <a:schemeClr val="tx1">
+            <a:lumMod val="35000"/>
+            <a:lumOff val="65000"/>
+          </a:schemeClr>
+        </a:solidFill>
+        <a:round/>
+      </a:ln>
+    </cs:spPr>
+  </cs:leaderLine>
+  <cs:legend>
+    <cs:lnRef idx="0"/>
+    <cs:fillRef idx="0"/>
+    <cs:effectRef idx="0"/>
+    <cs:fontRef idx="minor">
+      <a:schemeClr val="tx1">
+        <a:lumMod val="65000"/>
+        <a:lumOff val="35000"/>
+      </a:schemeClr>
+    </cs:fontRef>
+    <cs:defRPr sz="1197"/>
+  </cs:legend>
+  <cs:plotArea mods="allowNoFillOverride allowNoLineOverride">
+    <cs:lnRef idx="0"/>
+    <cs:fillRef idx="0"/>
+    <cs:effectRef idx="0"/>
+    <cs:fontRef idx="minor">
+      <a:schemeClr val="tx1"/>
+    </cs:fontRef>
+  </cs:plotArea>
+  <cs:plotArea3D mods="allowNoFillOverride allowNoLineOverride">
+    <cs:lnRef idx="0"/>
+    <cs:fillRef idx="0"/>
+    <cs:effectRef idx="0"/>
+    <cs:fontRef idx="minor">
+      <a:schemeClr val="tx1"/>
+    </cs:fontRef>
+  </cs:plotArea3D>
+  <cs:seriesAxis>
+    <cs:lnRef idx="0"/>
+    <cs:fillRef idx="0"/>
+    <cs:effectRef idx="0"/>
+    <cs:fontRef idx="minor">
+      <a:schemeClr val="tx1">
+        <a:lumMod val="65000"/>
+        <a:lumOff val="35000"/>
+      </a:schemeClr>
+    </cs:fontRef>
+    <cs:spPr>
+      <a:ln w="9525" cap="flat" cmpd="sng" algn="ctr">
+        <a:solidFill>
+          <a:schemeClr val="tx1">
+            <a:lumMod val="15000"/>
+            <a:lumOff val="85000"/>
+          </a:schemeClr>
+        </a:solidFill>
+        <a:round/>
+      </a:ln>
+    </cs:spPr>
+    <cs:defRPr sz="1197"/>
+  </cs:seriesAxis>
+  <cs:seriesLine>
+    <cs:lnRef idx="0"/>
+    <cs:fillRef idx="0"/>
+    <cs:effectRef idx="0"/>
+    <cs:fontRef idx="minor">
+      <a:schemeClr val="tx1"/>
+    </cs:fontRef>
+    <cs:spPr>
+      <a:ln w="9525" cap="flat">
+        <a:solidFill>
+          <a:srgbClr val="D9D9D9"/>
+        </a:solidFill>
+        <a:round/>
+      </a:ln>
+    </cs:spPr>
+  </cs:seriesLine>
+  <cs:title>
+    <cs:lnRef idx="0"/>
+    <cs:fillRef idx="0"/>
+    <cs:effectRef idx="0"/>
+    <cs:fontRef idx="minor">
+      <a:schemeClr val="tx1">
+        <a:lumMod val="65000"/>
+        <a:lumOff val="35000"/>
+      </a:schemeClr>
+    </cs:fontRef>
+    <cs:defRPr sz="1862"/>
+  </cs:title>
+  <cs:trendline>
+    <cs:lnRef idx="0">
+      <cs:styleClr val="auto"/>
+    </cs:lnRef>
+    <cs:fillRef idx="0"/>
+    <cs:effectRef idx="0"/>
+    <cs:fontRef idx="minor">
+      <a:schemeClr val="tx1"/>
+    </cs:fontRef>
+    <cs:spPr>
+      <a:ln w="19050" cap="rnd">
+        <a:solidFill>
+          <a:schemeClr val="phClr"/>
+        </a:solidFill>
+        <a:prstDash val="sysDash"/>
+      </a:ln>
+    </cs:spPr>
+  </cs:trendline>
+  <cs:trendlineLabel>
+    <cs:lnRef idx="0"/>
+    <cs:fillRef idx="0"/>
+    <cs:effectRef idx="0"/>
+    <cs:fontRef idx="minor">
+      <a:schemeClr val="tx1">
+        <a:lumMod val="65000"/>
+        <a:lumOff val="35000"/>
+      </a:schemeClr>
+    </cs:fontRef>
+    <cs:defRPr sz="1197"/>
+  </cs:trendlineLabel>
+  <cs:upBar>
+    <cs:lnRef idx="0"/>
+    <cs:fillRef idx="0"/>
+    <cs:effectRef idx="0"/>
+    <cs:fontRef idx="minor">
+      <a:schemeClr val="dk1"/>
+    </cs:fontRef>
+    <cs:spPr>
+      <a:solidFill>
+        <a:schemeClr val="lt1"/>
+      </a:solidFill>
+      <a:ln w="9525">
+        <a:solidFill>
+          <a:schemeClr val="tx1">
+            <a:lumMod val="15000"/>
+            <a:lumOff val="85000"/>
+          </a:schemeClr>
+        </a:solidFill>
+      </a:ln>
+    </cs:spPr>
+  </cs:upBar>
+  <cs:valueAxis>
+    <cs:lnRef idx="0"/>
+    <cs:fillRef idx="0"/>
+    <cs:effectRef idx="0"/>
+    <cs:fontRef idx="minor">
+      <a:schemeClr val="tx1">
+        <a:lumMod val="65000"/>
+        <a:lumOff val="35000"/>
+      </a:schemeClr>
+    </cs:fontRef>
+    <cs:defRPr sz="1197"/>
+  </cs:valueAxis>
+  <cs:wall>
+    <cs:lnRef idx="0"/>
+    <cs:fillRef idx="0"/>
+    <cs:effectRef idx="0"/>
+    <cs:fontRef idx="minor">
+      <a:schemeClr val="tx1"/>
+    </cs:fontRef>
+  </cs:wall>
+</cs:chartStyle>
 </file>
 
 <file path=ppt/diagrams/colors1.xml><?xml version="1.0" encoding="utf-8"?>
@@ -8931,7 +12286,7 @@
           <a:p>
             <a:fld id="{AF869721-F543-4A6C-BF9D-65D7CC540427}" type="datetimeFigureOut">
               <a:rPr lang="en-US" smtClean="0"/>
-              <a:t>4/25/2022</a:t>
+              <a:t>4/26/2022</a:t>
             </a:fld>
             <a:endParaRPr lang="en-US" dirty="0"/>
           </a:p>
@@ -9108,7 +12463,7 @@
           <a:p>
             <a:fld id="{C732326A-4C88-4AFB-AA5B-5919D81DFF5B}" type="datetimeFigureOut">
               <a:rPr lang="en-US" smtClean="0"/>
-              <a:t>4/25/2022</a:t>
+              <a:t>4/26/2022</a:t>
             </a:fld>
             <a:endParaRPr lang="en-US" dirty="0"/>
           </a:p>
@@ -9524,7 +12879,196 @@
           <a:p>
             <a:fld id="{C6B3AB32-59DF-41F1-9618-EDFBF5049629}" type="slidenum">
               <a:rPr lang="en-US" smtClean="0"/>
-              <a:t>15</a:t>
+              <a:t>11</a:t>
+            </a:fld>
+            <a:endParaRPr lang="en-US" dirty="0"/>
+          </a:p>
+        </p:txBody>
+      </p:sp>
+    </p:spTree>
+    <p:extLst>
+      <p:ext uri="{BB962C8B-B14F-4D97-AF65-F5344CB8AC3E}">
+        <p14:creationId xmlns:p14="http://schemas.microsoft.com/office/powerpoint/2010/main" val="3505115597"/>
+      </p:ext>
+    </p:extLst>
+  </p:cSld>
+  <p:clrMapOvr>
+    <a:masterClrMapping/>
+  </p:clrMapOvr>
+</p:notes>
+</file>
+
+<file path=ppt/notesSlides/notesSlide11.xml><?xml version="1.0" encoding="utf-8"?>
+<p:notes xmlns:a="http://schemas.openxmlformats.org/drawingml/2006/main" xmlns:r="http://schemas.openxmlformats.org/officeDocument/2006/relationships" xmlns:p="http://schemas.openxmlformats.org/presentationml/2006/main">
+  <p:cSld>
+    <p:spTree>
+      <p:nvGrpSpPr>
+        <p:cNvPr id="1" name=""/>
+        <p:cNvGrpSpPr/>
+        <p:nvPr/>
+      </p:nvGrpSpPr>
+      <p:grpSpPr>
+        <a:xfrm>
+          <a:off x="0" y="0"/>
+          <a:ext cx="0" cy="0"/>
+          <a:chOff x="0" y="0"/>
+          <a:chExt cx="0" cy="0"/>
+        </a:xfrm>
+      </p:grpSpPr>
+      <p:sp>
+        <p:nvSpPr>
+          <p:cNvPr id="2" name="Slide Image Placeholder 1"/>
+          <p:cNvSpPr>
+            <a:spLocks noGrp="1" noRot="1" noChangeAspect="1"/>
+          </p:cNvSpPr>
+          <p:nvPr>
+            <p:ph type="sldImg"/>
+          </p:nvPr>
+        </p:nvSpPr>
+        <p:spPr/>
+      </p:sp>
+      <p:sp>
+        <p:nvSpPr>
+          <p:cNvPr id="3" name="Notes Placeholder 2"/>
+          <p:cNvSpPr>
+            <a:spLocks noGrp="1"/>
+          </p:cNvSpPr>
+          <p:nvPr>
+            <p:ph type="body" idx="1"/>
+          </p:nvPr>
+        </p:nvSpPr>
+        <p:spPr/>
+        <p:txBody>
+          <a:bodyPr/>
+          <a:lstStyle/>
+          <a:p>
+            <a:r>
+              <a:rPr lang="en-GB" dirty="0"/>
+              <a:t>Start 1330</a:t>
+            </a:r>
+          </a:p>
+          <a:p>
+            <a:r>
+              <a:rPr lang="en-GB" dirty="0"/>
+              <a:t>Research and allocation planning – 3hrs</a:t>
+            </a:r>
+          </a:p>
+          <a:p>
+            <a:r>
+              <a:rPr lang="en-GB" dirty="0"/>
+              <a:t>Development &amp; testing – 18hrs – Clocks changed to British Summer Time</a:t>
+            </a:r>
+          </a:p>
+          <a:p>
+            <a:r>
+              <a:rPr lang="en-GB" dirty="0"/>
+              <a:t>Presentation creation – 2hrs</a:t>
+            </a:r>
+          </a:p>
+        </p:txBody>
+      </p:sp>
+      <p:sp>
+        <p:nvSpPr>
+          <p:cNvPr id="4" name="Slide Number Placeholder 3"/>
+          <p:cNvSpPr>
+            <a:spLocks noGrp="1"/>
+          </p:cNvSpPr>
+          <p:nvPr>
+            <p:ph type="sldNum" sz="quarter" idx="5"/>
+          </p:nvPr>
+        </p:nvSpPr>
+        <p:spPr/>
+        <p:txBody>
+          <a:bodyPr/>
+          <a:lstStyle/>
+          <a:p>
+            <a:fld id="{C6B3AB32-59DF-41F1-9618-EDFBF5049629}" type="slidenum">
+              <a:rPr lang="en-US" smtClean="0"/>
+              <a:t>13</a:t>
+            </a:fld>
+            <a:endParaRPr lang="en-US" dirty="0"/>
+          </a:p>
+        </p:txBody>
+      </p:sp>
+    </p:spTree>
+    <p:extLst>
+      <p:ext uri="{BB962C8B-B14F-4D97-AF65-F5344CB8AC3E}">
+        <p14:creationId xmlns:p14="http://schemas.microsoft.com/office/powerpoint/2010/main" val="3248341451"/>
+      </p:ext>
+    </p:extLst>
+  </p:cSld>
+  <p:clrMapOvr>
+    <a:masterClrMapping/>
+  </p:clrMapOvr>
+</p:notes>
+</file>
+
+<file path=ppt/notesSlides/notesSlide12.xml><?xml version="1.0" encoding="utf-8"?>
+<p:notes xmlns:a="http://schemas.openxmlformats.org/drawingml/2006/main" xmlns:r="http://schemas.openxmlformats.org/officeDocument/2006/relationships" xmlns:p="http://schemas.openxmlformats.org/presentationml/2006/main">
+  <p:cSld>
+    <p:spTree>
+      <p:nvGrpSpPr>
+        <p:cNvPr id="1" name=""/>
+        <p:cNvGrpSpPr/>
+        <p:nvPr/>
+      </p:nvGrpSpPr>
+      <p:grpSpPr>
+        <a:xfrm>
+          <a:off x="0" y="0"/>
+          <a:ext cx="0" cy="0"/>
+          <a:chOff x="0" y="0"/>
+          <a:chExt cx="0" cy="0"/>
+        </a:xfrm>
+      </p:grpSpPr>
+      <p:sp>
+        <p:nvSpPr>
+          <p:cNvPr id="2" name="Slide Image Placeholder 1"/>
+          <p:cNvSpPr>
+            <a:spLocks noGrp="1" noRot="1" noChangeAspect="1"/>
+          </p:cNvSpPr>
+          <p:nvPr>
+            <p:ph type="sldImg"/>
+          </p:nvPr>
+        </p:nvSpPr>
+        <p:spPr/>
+      </p:sp>
+      <p:sp>
+        <p:nvSpPr>
+          <p:cNvPr id="3" name="Notes Placeholder 2"/>
+          <p:cNvSpPr>
+            <a:spLocks noGrp="1"/>
+          </p:cNvSpPr>
+          <p:nvPr>
+            <p:ph type="body" idx="1"/>
+          </p:nvPr>
+        </p:nvSpPr>
+        <p:spPr/>
+        <p:txBody>
+          <a:bodyPr/>
+          <a:lstStyle/>
+          <a:p>
+            <a:endParaRPr lang="en-US" dirty="0"/>
+          </a:p>
+        </p:txBody>
+      </p:sp>
+      <p:sp>
+        <p:nvSpPr>
+          <p:cNvPr id="4" name="Slide Number Placeholder 3"/>
+          <p:cNvSpPr>
+            <a:spLocks noGrp="1"/>
+          </p:cNvSpPr>
+          <p:nvPr>
+            <p:ph type="sldNum" sz="quarter" idx="5"/>
+          </p:nvPr>
+        </p:nvSpPr>
+        <p:spPr/>
+        <p:txBody>
+          <a:bodyPr/>
+          <a:lstStyle/>
+          <a:p>
+            <a:fld id="{C6B3AB32-59DF-41F1-9618-EDFBF5049629}" type="slidenum">
+              <a:rPr lang="en-US" smtClean="0"/>
+              <a:t>16</a:t>
             </a:fld>
             <a:endParaRPr lang="en-US" dirty="0"/>
           </a:p>
@@ -10298,7 +13842,7 @@
           <a:bodyPr/>
           <a:lstStyle/>
           <a:p>
-            <a:endParaRPr lang="en-US" dirty="0"/>
+            <a:endParaRPr lang="en-GB" dirty="0"/>
           </a:p>
         </p:txBody>
       </p:sp>
@@ -10319,7 +13863,7 @@
           <a:p>
             <a:fld id="{C6B3AB32-59DF-41F1-9618-EDFBF5049629}" type="slidenum">
               <a:rPr lang="en-US" smtClean="0"/>
-              <a:t>11</a:t>
+              <a:t>10</a:t>
             </a:fld>
             <a:endParaRPr lang="en-US" dirty="0"/>
           </a:p>
@@ -10328,7 +13872,7 @@
     </p:spTree>
     <p:extLst>
       <p:ext uri="{BB962C8B-B14F-4D97-AF65-F5344CB8AC3E}">
-        <p14:creationId xmlns:p14="http://schemas.microsoft.com/office/powerpoint/2010/main" val="3505115597"/>
+        <p14:creationId xmlns:p14="http://schemas.microsoft.com/office/powerpoint/2010/main" val="1801731950"/>
       </p:ext>
     </p:extLst>
   </p:cSld>
@@ -10584,7 +14128,7 @@
             <a:fld id="{B61BEF0D-F0BB-DE4B-95CE-6DB70DBA9567}" type="datetimeFigureOut">
               <a:rPr lang="en-US" smtClean="0"/>
               <a:pPr/>
-              <a:t>4/25/2022</a:t>
+              <a:t>4/26/2022</a:t>
             </a:fld>
             <a:endParaRPr lang="en-US" dirty="0"/>
           </a:p>
@@ -10848,7 +14392,7 @@
             <a:fld id="{B61BEF0D-F0BB-DE4B-95CE-6DB70DBA9567}" type="datetimeFigureOut">
               <a:rPr lang="en-US" smtClean="0"/>
               <a:pPr/>
-              <a:t>4/25/2022</a:t>
+              <a:t>4/26/2022</a:t>
             </a:fld>
             <a:endParaRPr lang="en-US" dirty="0"/>
           </a:p>
@@ -11085,7 +14629,7 @@
             <a:fld id="{B61BEF0D-F0BB-DE4B-95CE-6DB70DBA9567}" type="datetimeFigureOut">
               <a:rPr lang="en-US" smtClean="0"/>
               <a:pPr/>
-              <a:t>4/25/2022</a:t>
+              <a:t>4/26/2022</a:t>
             </a:fld>
             <a:endParaRPr lang="en-US" dirty="0"/>
           </a:p>
@@ -13749,7 +17293,7 @@
             <a:fld id="{B61BEF0D-F0BB-DE4B-95CE-6DB70DBA9567}" type="datetimeFigureOut">
               <a:rPr lang="en-US" smtClean="0"/>
               <a:pPr/>
-              <a:t>4/25/2022</a:t>
+              <a:t>4/26/2022</a:t>
             </a:fld>
             <a:endParaRPr lang="en-US" dirty="0"/>
           </a:p>
@@ -14058,7 +17602,7 @@
             <a:fld id="{B61BEF0D-F0BB-DE4B-95CE-6DB70DBA9567}" type="datetimeFigureOut">
               <a:rPr lang="en-US" smtClean="0"/>
               <a:pPr/>
-              <a:t>4/25/2022</a:t>
+              <a:t>4/26/2022</a:t>
             </a:fld>
             <a:endParaRPr lang="en-US" dirty="0"/>
           </a:p>
@@ -14362,7 +17906,7 @@
             <a:fld id="{B61BEF0D-F0BB-DE4B-95CE-6DB70DBA9567}" type="datetimeFigureOut">
               <a:rPr lang="en-US" smtClean="0"/>
               <a:pPr/>
-              <a:t>4/25/2022</a:t>
+              <a:t>4/26/2022</a:t>
             </a:fld>
             <a:endParaRPr lang="en-US" dirty="0"/>
           </a:p>
@@ -14786,7 +18330,7 @@
             <a:fld id="{B61BEF0D-F0BB-DE4B-95CE-6DB70DBA9567}" type="datetimeFigureOut">
               <a:rPr lang="en-US" smtClean="0"/>
               <a:pPr/>
-              <a:t>4/25/2022</a:t>
+              <a:t>4/26/2022</a:t>
             </a:fld>
             <a:endParaRPr lang="en-US" dirty="0"/>
           </a:p>
@@ -14883,7 +18427,7 @@
             <a:fld id="{B61BEF0D-F0BB-DE4B-95CE-6DB70DBA9567}" type="datetimeFigureOut">
               <a:rPr lang="en-US" smtClean="0"/>
               <a:pPr/>
-              <a:t>4/25/2022</a:t>
+              <a:t>4/26/2022</a:t>
             </a:fld>
             <a:endParaRPr lang="en-US" dirty="0"/>
           </a:p>
@@ -15047,7 +18591,7 @@
             <a:fld id="{B61BEF0D-F0BB-DE4B-95CE-6DB70DBA9567}" type="datetimeFigureOut">
               <a:rPr lang="en-US" smtClean="0"/>
               <a:pPr/>
-              <a:t>4/25/2022</a:t>
+              <a:t>4/26/2022</a:t>
             </a:fld>
             <a:endParaRPr lang="en-US" dirty="0"/>
           </a:p>
@@ -15427,7 +18971,7 @@
             <a:fld id="{B61BEF0D-F0BB-DE4B-95CE-6DB70DBA9567}" type="datetimeFigureOut">
               <a:rPr lang="en-US" smtClean="0"/>
               <a:pPr/>
-              <a:t>4/25/2022</a:t>
+              <a:t>4/26/2022</a:t>
             </a:fld>
             <a:endParaRPr lang="en-US" dirty="0"/>
           </a:p>
@@ -15718,7 +19262,7 @@
             <a:fld id="{B61BEF0D-F0BB-DE4B-95CE-6DB70DBA9567}" type="datetimeFigureOut">
               <a:rPr lang="en-US" smtClean="0"/>
               <a:pPr/>
-              <a:t>4/25/2022</a:t>
+              <a:t>4/26/2022</a:t>
             </a:fld>
             <a:endParaRPr lang="en-US" dirty="0"/>
           </a:p>
@@ -15931,7 +19475,7 @@
             <a:fld id="{B61BEF0D-F0BB-DE4B-95CE-6DB70DBA9567}" type="datetimeFigureOut">
               <a:rPr lang="en-US" smtClean="0"/>
               <a:pPr/>
-              <a:t>4/25/2022</a:t>
+              <a:t>4/26/2022</a:t>
             </a:fld>
             <a:endParaRPr lang="en-US" dirty="0"/>
           </a:p>
@@ -17264,10 +20808,10 @@
           <p:nvPr/>
         </p:nvPicPr>
         <p:blipFill>
-          <a:blip r:embed="rId2">
+          <a:blip r:embed="rId3">
             <a:extLst>
               <a:ext uri="{96DAC541-7B7A-43D3-8B79-37D633B846F1}">
-                <asvg:svgBlip xmlns:asvg="http://schemas.microsoft.com/office/drawing/2016/SVG/main" r:embed="rId3"/>
+                <asvg:svgBlip xmlns:asvg="http://schemas.microsoft.com/office/drawing/2016/SVG/main" r:embed="rId4"/>
               </a:ext>
             </a:extLst>
           </a:blip>
@@ -18028,6 +21572,610 @@
 </file>
 
 <file path=ppt/slides/slide13.xml><?xml version="1.0" encoding="utf-8"?>
+<p:sld xmlns:a="http://schemas.openxmlformats.org/drawingml/2006/main" xmlns:r="http://schemas.openxmlformats.org/officeDocument/2006/relationships" xmlns:p="http://schemas.openxmlformats.org/presentationml/2006/main">
+  <p:cSld>
+    <p:spTree>
+      <p:nvGrpSpPr>
+        <p:cNvPr id="1" name=""/>
+        <p:cNvGrpSpPr/>
+        <p:nvPr/>
+      </p:nvGrpSpPr>
+      <p:grpSpPr>
+        <a:xfrm>
+          <a:off x="0" y="0"/>
+          <a:ext cx="0" cy="0"/>
+          <a:chOff x="0" y="0"/>
+          <a:chExt cx="0" cy="0"/>
+        </a:xfrm>
+      </p:grpSpPr>
+      <mc:AlternateContent xmlns:mc="http://schemas.openxmlformats.org/markup-compatibility/2006">
+        <mc:Choice xmlns:cx1="http://schemas.microsoft.com/office/drawing/2015/9/8/chartex" Requires="cx1">
+          <p:graphicFrame>
+            <p:nvGraphicFramePr>
+              <p:cNvPr id="3" name="Chart 2">
+                <a:extLst>
+                  <a:ext uri="{FF2B5EF4-FFF2-40B4-BE49-F238E27FC236}">
+                    <a16:creationId xmlns:a16="http://schemas.microsoft.com/office/drawing/2014/main" id="{4EBBCD2F-1B88-4A3F-B7F3-3E8A5248062C}"/>
+                  </a:ext>
+                </a:extLst>
+              </p:cNvPr>
+              <p:cNvGraphicFramePr/>
+              <p:nvPr>
+                <p:extLst>
+                  <p:ext uri="{D42A27DB-BD31-4B8C-83A1-F6EECF244321}">
+                    <p14:modId xmlns:p14="http://schemas.microsoft.com/office/powerpoint/2010/main" val="1885396320"/>
+                  </p:ext>
+                </p:extLst>
+              </p:nvPr>
+            </p:nvGraphicFramePr>
+            <p:xfrm>
+              <a:off x="1582761" y="409433"/>
+              <a:ext cx="9026478" cy="6448567"/>
+            </p:xfrm>
+            <a:graphic>
+              <a:graphicData uri="http://schemas.microsoft.com/office/drawing/2014/chartex">
+                <cx:chart xmlns:cx="http://schemas.microsoft.com/office/drawing/2014/chartex" xmlns:r="http://schemas.openxmlformats.org/officeDocument/2006/relationships" r:id="rId3"/>
+              </a:graphicData>
+            </a:graphic>
+          </p:graphicFrame>
+        </mc:Choice>
+        <mc:Fallback>
+          <p:pic>
+            <p:nvPicPr>
+              <p:cNvPr id="3" name="Chart 2">
+                <a:extLst>
+                  <a:ext uri="{FF2B5EF4-FFF2-40B4-BE49-F238E27FC236}">
+                    <a16:creationId xmlns:a16="http://schemas.microsoft.com/office/drawing/2014/main" id="{4EBBCD2F-1B88-4A3F-B7F3-3E8A5248062C}"/>
+                  </a:ext>
+                </a:extLst>
+              </p:cNvPr>
+              <p:cNvPicPr>
+                <a:picLocks noGrp="1" noRot="1" noChangeAspect="1" noMove="1" noResize="1" noEditPoints="1" noAdjustHandles="1" noChangeArrowheads="1" noChangeShapeType="1"/>
+              </p:cNvPicPr>
+              <p:nvPr/>
+            </p:nvPicPr>
+            <p:blipFill>
+              <a:blip r:embed="rId4"/>
+              <a:stretch>
+                <a:fillRect/>
+              </a:stretch>
+            </p:blipFill>
+            <p:spPr>
+              <a:xfrm>
+                <a:off x="1582761" y="409433"/>
+                <a:ext cx="9026478" cy="6448567"/>
+              </a:xfrm>
+              <a:prstGeom prst="rect">
+                <a:avLst/>
+              </a:prstGeom>
+            </p:spPr>
+          </p:pic>
+        </mc:Fallback>
+      </mc:AlternateContent>
+      <mc:AlternateContent xmlns:mc="http://schemas.openxmlformats.org/markup-compatibility/2006">
+        <mc:Choice xmlns:cx1="http://schemas.microsoft.com/office/drawing/2015/9/8/chartex" Requires="cx1">
+          <p:graphicFrame>
+            <p:nvGraphicFramePr>
+              <p:cNvPr id="5" name="Chart 4">
+                <a:extLst>
+                  <a:ext uri="{FF2B5EF4-FFF2-40B4-BE49-F238E27FC236}">
+                    <a16:creationId xmlns:a16="http://schemas.microsoft.com/office/drawing/2014/main" id="{9F175600-0552-41A6-8428-BFFF0BD4AF95}"/>
+                  </a:ext>
+                </a:extLst>
+              </p:cNvPr>
+              <p:cNvGraphicFramePr/>
+              <p:nvPr>
+                <p:extLst>
+                  <p:ext uri="{D42A27DB-BD31-4B8C-83A1-F6EECF244321}">
+                    <p14:modId xmlns:p14="http://schemas.microsoft.com/office/powerpoint/2010/main" val="1289771869"/>
+                  </p:ext>
+                </p:extLst>
+              </p:nvPr>
+            </p:nvGraphicFramePr>
+            <p:xfrm>
+              <a:off x="1582761" y="409433"/>
+              <a:ext cx="9026478" cy="6448567"/>
+            </p:xfrm>
+            <a:graphic>
+              <a:graphicData uri="http://schemas.microsoft.com/office/drawing/2014/chartex">
+                <cx:chart xmlns:cx="http://schemas.microsoft.com/office/drawing/2014/chartex" xmlns:r="http://schemas.openxmlformats.org/officeDocument/2006/relationships" r:id="rId5"/>
+              </a:graphicData>
+            </a:graphic>
+          </p:graphicFrame>
+        </mc:Choice>
+        <mc:Fallback>
+          <p:pic>
+            <p:nvPicPr>
+              <p:cNvPr id="5" name="Chart 4">
+                <a:extLst>
+                  <a:ext uri="{FF2B5EF4-FFF2-40B4-BE49-F238E27FC236}">
+                    <a16:creationId xmlns:a16="http://schemas.microsoft.com/office/drawing/2014/main" id="{9F175600-0552-41A6-8428-BFFF0BD4AF95}"/>
+                  </a:ext>
+                </a:extLst>
+              </p:cNvPr>
+              <p:cNvPicPr>
+                <a:picLocks noGrp="1" noRot="1" noChangeAspect="1" noMove="1" noResize="1" noEditPoints="1" noAdjustHandles="1" noChangeArrowheads="1" noChangeShapeType="1"/>
+              </p:cNvPicPr>
+              <p:nvPr/>
+            </p:nvPicPr>
+            <p:blipFill>
+              <a:blip r:embed="rId6"/>
+              <a:stretch>
+                <a:fillRect/>
+              </a:stretch>
+            </p:blipFill>
+            <p:spPr>
+              <a:xfrm>
+                <a:off x="1582761" y="409433"/>
+                <a:ext cx="9026478" cy="6448567"/>
+              </a:xfrm>
+              <a:prstGeom prst="rect">
+                <a:avLst/>
+              </a:prstGeom>
+            </p:spPr>
+          </p:pic>
+        </mc:Fallback>
+      </mc:AlternateContent>
+      <mc:AlternateContent xmlns:mc="http://schemas.openxmlformats.org/markup-compatibility/2006">
+        <mc:Choice xmlns:cx1="http://schemas.microsoft.com/office/drawing/2015/9/8/chartex" Requires="cx1">
+          <p:graphicFrame>
+            <p:nvGraphicFramePr>
+              <p:cNvPr id="6" name="Chart 5">
+                <a:extLst>
+                  <a:ext uri="{FF2B5EF4-FFF2-40B4-BE49-F238E27FC236}">
+                    <a16:creationId xmlns:a16="http://schemas.microsoft.com/office/drawing/2014/main" id="{4767E501-733F-41EC-A88E-0962B94810BF}"/>
+                  </a:ext>
+                </a:extLst>
+              </p:cNvPr>
+              <p:cNvGraphicFramePr/>
+              <p:nvPr>
+                <p:extLst>
+                  <p:ext uri="{D42A27DB-BD31-4B8C-83A1-F6EECF244321}">
+                    <p14:modId xmlns:p14="http://schemas.microsoft.com/office/powerpoint/2010/main" val="3876587549"/>
+                  </p:ext>
+                </p:extLst>
+              </p:nvPr>
+            </p:nvGraphicFramePr>
+            <p:xfrm>
+              <a:off x="1582761" y="423085"/>
+              <a:ext cx="9026478" cy="6448567"/>
+            </p:xfrm>
+            <a:graphic>
+              <a:graphicData uri="http://schemas.microsoft.com/office/drawing/2014/chartex">
+                <cx:chart xmlns:cx="http://schemas.microsoft.com/office/drawing/2014/chartex" xmlns:r="http://schemas.openxmlformats.org/officeDocument/2006/relationships" r:id="rId7"/>
+              </a:graphicData>
+            </a:graphic>
+          </p:graphicFrame>
+        </mc:Choice>
+        <mc:Fallback>
+          <p:pic>
+            <p:nvPicPr>
+              <p:cNvPr id="6" name="Chart 5">
+                <a:extLst>
+                  <a:ext uri="{FF2B5EF4-FFF2-40B4-BE49-F238E27FC236}">
+                    <a16:creationId xmlns:a16="http://schemas.microsoft.com/office/drawing/2014/main" id="{4767E501-733F-41EC-A88E-0962B94810BF}"/>
+                  </a:ext>
+                </a:extLst>
+              </p:cNvPr>
+              <p:cNvPicPr>
+                <a:picLocks noGrp="1" noRot="1" noChangeAspect="1" noMove="1" noResize="1" noEditPoints="1" noAdjustHandles="1" noChangeArrowheads="1" noChangeShapeType="1"/>
+              </p:cNvPicPr>
+              <p:nvPr/>
+            </p:nvPicPr>
+            <p:blipFill>
+              <a:blip r:embed="rId8"/>
+              <a:stretch>
+                <a:fillRect/>
+              </a:stretch>
+            </p:blipFill>
+            <p:spPr>
+              <a:xfrm>
+                <a:off x="1582761" y="423085"/>
+                <a:ext cx="9026478" cy="6448567"/>
+              </a:xfrm>
+              <a:prstGeom prst="rect">
+                <a:avLst/>
+              </a:prstGeom>
+            </p:spPr>
+          </p:pic>
+        </mc:Fallback>
+      </mc:AlternateContent>
+      <p:pic>
+        <p:nvPicPr>
+          <p:cNvPr id="7" name="Picture 6" descr="A blue telephone booth&#10;&#10;Description automatically generated with medium confidence">
+            <a:extLst>
+              <a:ext uri="{FF2B5EF4-FFF2-40B4-BE49-F238E27FC236}">
+                <a16:creationId xmlns:a16="http://schemas.microsoft.com/office/drawing/2014/main" id="{37569943-9262-428D-9095-2BB677B88159}"/>
+              </a:ext>
+            </a:extLst>
+          </p:cNvPr>
+          <p:cNvPicPr>
+            <a:picLocks noChangeAspect="1"/>
+          </p:cNvPicPr>
+          <p:nvPr/>
+        </p:nvPicPr>
+        <p:blipFill>
+          <a:blip r:embed="rId9"/>
+          <a:stretch>
+            <a:fillRect/>
+          </a:stretch>
+        </p:blipFill>
+        <p:spPr>
+          <a:xfrm>
+            <a:off x="5080483" y="1197991"/>
+            <a:ext cx="861077" cy="1075275"/>
+          </a:xfrm>
+          <a:prstGeom prst="rect">
+            <a:avLst/>
+          </a:prstGeom>
+        </p:spPr>
+      </p:pic>
+      <mc:AlternateContent xmlns:mc="http://schemas.openxmlformats.org/markup-compatibility/2006">
+        <mc:Choice xmlns:cx1="http://schemas.microsoft.com/office/drawing/2015/9/8/chartex" Requires="cx1">
+          <p:graphicFrame>
+            <p:nvGraphicFramePr>
+              <p:cNvPr id="9" name="Chart 8">
+                <a:extLst>
+                  <a:ext uri="{FF2B5EF4-FFF2-40B4-BE49-F238E27FC236}">
+                    <a16:creationId xmlns:a16="http://schemas.microsoft.com/office/drawing/2014/main" id="{DE4F9D71-0D2B-48F5-82CC-C9A80CC13B51}"/>
+                  </a:ext>
+                </a:extLst>
+              </p:cNvPr>
+              <p:cNvGraphicFramePr/>
+              <p:nvPr>
+                <p:extLst>
+                  <p:ext uri="{D42A27DB-BD31-4B8C-83A1-F6EECF244321}">
+                    <p14:modId xmlns:p14="http://schemas.microsoft.com/office/powerpoint/2010/main" val="1930203205"/>
+                  </p:ext>
+                </p:extLst>
+              </p:nvPr>
+            </p:nvGraphicFramePr>
+            <p:xfrm>
+              <a:off x="1582761" y="409433"/>
+              <a:ext cx="9026478" cy="6448567"/>
+            </p:xfrm>
+            <a:graphic>
+              <a:graphicData uri="http://schemas.microsoft.com/office/drawing/2014/chartex">
+                <cx:chart xmlns:cx="http://schemas.microsoft.com/office/drawing/2014/chartex" xmlns:r="http://schemas.openxmlformats.org/officeDocument/2006/relationships" r:id="rId10"/>
+              </a:graphicData>
+            </a:graphic>
+          </p:graphicFrame>
+        </mc:Choice>
+        <mc:Fallback>
+          <p:pic>
+            <p:nvPicPr>
+              <p:cNvPr id="9" name="Chart 8">
+                <a:extLst>
+                  <a:ext uri="{FF2B5EF4-FFF2-40B4-BE49-F238E27FC236}">
+                    <a16:creationId xmlns:a16="http://schemas.microsoft.com/office/drawing/2014/main" id="{DE4F9D71-0D2B-48F5-82CC-C9A80CC13B51}"/>
+                  </a:ext>
+                </a:extLst>
+              </p:cNvPr>
+              <p:cNvPicPr>
+                <a:picLocks noGrp="1" noRot="1" noChangeAspect="1" noMove="1" noResize="1" noEditPoints="1" noAdjustHandles="1" noChangeArrowheads="1" noChangeShapeType="1"/>
+              </p:cNvPicPr>
+              <p:nvPr/>
+            </p:nvPicPr>
+            <p:blipFill>
+              <a:blip r:embed="rId11"/>
+              <a:stretch>
+                <a:fillRect/>
+              </a:stretch>
+            </p:blipFill>
+            <p:spPr>
+              <a:xfrm>
+                <a:off x="1582761" y="409433"/>
+                <a:ext cx="9026478" cy="6448567"/>
+              </a:xfrm>
+              <a:prstGeom prst="rect">
+                <a:avLst/>
+              </a:prstGeom>
+            </p:spPr>
+          </p:pic>
+        </mc:Fallback>
+      </mc:AlternateContent>
+    </p:spTree>
+    <p:extLst>
+      <p:ext uri="{BB962C8B-B14F-4D97-AF65-F5344CB8AC3E}">
+        <p14:creationId xmlns:p14="http://schemas.microsoft.com/office/powerpoint/2010/main" val="2773292989"/>
+      </p:ext>
+    </p:extLst>
+  </p:cSld>
+  <p:clrMapOvr>
+    <a:masterClrMapping/>
+  </p:clrMapOvr>
+  <p:timing>
+    <p:tnLst>
+      <p:par>
+        <p:cTn id="1" dur="indefinite" restart="never" nodeType="tmRoot">
+          <p:childTnLst>
+            <p:seq concurrent="1" nextAc="seek">
+              <p:cTn id="2" dur="indefinite" nodeType="mainSeq">
+                <p:childTnLst>
+                  <p:par>
+                    <p:cTn id="3" fill="hold">
+                      <p:stCondLst>
+                        <p:cond delay="indefinite"/>
+                      </p:stCondLst>
+                      <p:childTnLst>
+                        <p:par>
+                          <p:cTn id="4" fill="hold">
+                            <p:stCondLst>
+                              <p:cond delay="0"/>
+                            </p:stCondLst>
+                            <p:childTnLst>
+                              <p:par>
+                                <p:cTn id="5" presetID="21" presetClass="entr" presetSubtype="1" fill="hold" nodeType="clickEffect">
+                                  <p:stCondLst>
+                                    <p:cond delay="0"/>
+                                  </p:stCondLst>
+                                  <p:childTnLst>
+                                    <p:set>
+                                      <p:cBhvr>
+                                        <p:cTn id="6" dur="1" fill="hold">
+                                          <p:stCondLst>
+                                            <p:cond delay="0"/>
+                                          </p:stCondLst>
+                                        </p:cTn>
+                                        <p:tgtEl>
+                                          <p:spTgt spid="5"/>
+                                        </p:tgtEl>
+                                        <p:attrNameLst>
+                                          <p:attrName>style.visibility</p:attrName>
+                                        </p:attrNameLst>
+                                      </p:cBhvr>
+                                      <p:to>
+                                        <p:strVal val="visible"/>
+                                      </p:to>
+                                    </p:set>
+                                    <p:animEffect transition="in" filter="wheel(1)">
+                                      <p:cBhvr>
+                                        <p:cTn id="7" dur="2000"/>
+                                        <p:tgtEl>
+                                          <p:spTgt spid="5"/>
+                                        </p:tgtEl>
+                                      </p:cBhvr>
+                                    </p:animEffect>
+                                  </p:childTnLst>
+                                </p:cTn>
+                              </p:par>
+                            </p:childTnLst>
+                          </p:cTn>
+                        </p:par>
+                      </p:childTnLst>
+                    </p:cTn>
+                  </p:par>
+                  <p:par>
+                    <p:cTn id="8" fill="hold">
+                      <p:stCondLst>
+                        <p:cond delay="indefinite"/>
+                      </p:stCondLst>
+                      <p:childTnLst>
+                        <p:par>
+                          <p:cTn id="9" fill="hold">
+                            <p:stCondLst>
+                              <p:cond delay="0"/>
+                            </p:stCondLst>
+                            <p:childTnLst>
+                              <p:par>
+                                <p:cTn id="10" presetID="21" presetClass="entr" presetSubtype="1" fill="hold" nodeType="clickEffect">
+                                  <p:stCondLst>
+                                    <p:cond delay="0"/>
+                                  </p:stCondLst>
+                                  <p:childTnLst>
+                                    <p:set>
+                                      <p:cBhvr>
+                                        <p:cTn id="11" dur="1" fill="hold">
+                                          <p:stCondLst>
+                                            <p:cond delay="0"/>
+                                          </p:stCondLst>
+                                        </p:cTn>
+                                        <p:tgtEl>
+                                          <p:spTgt spid="6"/>
+                                        </p:tgtEl>
+                                        <p:attrNameLst>
+                                          <p:attrName>style.visibility</p:attrName>
+                                        </p:attrNameLst>
+                                      </p:cBhvr>
+                                      <p:to>
+                                        <p:strVal val="visible"/>
+                                      </p:to>
+                                    </p:set>
+                                    <p:animEffect transition="in" filter="wheel(1)">
+                                      <p:cBhvr>
+                                        <p:cTn id="12" dur="2000"/>
+                                        <p:tgtEl>
+                                          <p:spTgt spid="6"/>
+                                        </p:tgtEl>
+                                      </p:cBhvr>
+                                    </p:animEffect>
+                                  </p:childTnLst>
+                                </p:cTn>
+                              </p:par>
+                            </p:childTnLst>
+                          </p:cTn>
+                        </p:par>
+                      </p:childTnLst>
+                    </p:cTn>
+                  </p:par>
+                  <p:par>
+                    <p:cTn id="13" fill="hold">
+                      <p:stCondLst>
+                        <p:cond delay="indefinite"/>
+                      </p:stCondLst>
+                      <p:childTnLst>
+                        <p:par>
+                          <p:cTn id="14" fill="hold">
+                            <p:stCondLst>
+                              <p:cond delay="0"/>
+                            </p:stCondLst>
+                            <p:childTnLst>
+                              <p:par>
+                                <p:cTn id="15" presetID="45" presetClass="entr" presetSubtype="0" fill="hold" nodeType="clickEffect">
+                                  <p:stCondLst>
+                                    <p:cond delay="0"/>
+                                  </p:stCondLst>
+                                  <p:childTnLst>
+                                    <p:set>
+                                      <p:cBhvr>
+                                        <p:cTn id="16" dur="1" fill="hold">
+                                          <p:stCondLst>
+                                            <p:cond delay="0"/>
+                                          </p:stCondLst>
+                                        </p:cTn>
+                                        <p:tgtEl>
+                                          <p:spTgt spid="7"/>
+                                        </p:tgtEl>
+                                        <p:attrNameLst>
+                                          <p:attrName>style.visibility</p:attrName>
+                                        </p:attrNameLst>
+                                      </p:cBhvr>
+                                      <p:to>
+                                        <p:strVal val="visible"/>
+                                      </p:to>
+                                    </p:set>
+                                    <p:animEffect transition="in" filter="fade">
+                                      <p:cBhvr>
+                                        <p:cTn id="17" dur="2000"/>
+                                        <p:tgtEl>
+                                          <p:spTgt spid="7"/>
+                                        </p:tgtEl>
+                                      </p:cBhvr>
+                                    </p:animEffect>
+                                    <p:anim calcmode="lin" valueType="num">
+                                      <p:cBhvr>
+                                        <p:cTn id="18" dur="2000" fill="hold"/>
+                                        <p:tgtEl>
+                                          <p:spTgt spid="7"/>
+                                        </p:tgtEl>
+                                        <p:attrNameLst>
+                                          <p:attrName>ppt_w</p:attrName>
+                                        </p:attrNameLst>
+                                      </p:cBhvr>
+                                      <p:tavLst>
+                                        <p:tav tm="0" fmla="#ppt_w*sin(2.5*pi*$)">
+                                          <p:val>
+                                            <p:fltVal val="0"/>
+                                          </p:val>
+                                        </p:tav>
+                                        <p:tav tm="100000">
+                                          <p:val>
+                                            <p:fltVal val="1"/>
+                                          </p:val>
+                                        </p:tav>
+                                      </p:tavLst>
+                                    </p:anim>
+                                    <p:anim calcmode="lin" valueType="num">
+                                      <p:cBhvr>
+                                        <p:cTn id="19" dur="2000" fill="hold"/>
+                                        <p:tgtEl>
+                                          <p:spTgt spid="7"/>
+                                        </p:tgtEl>
+                                        <p:attrNameLst>
+                                          <p:attrName>ppt_h</p:attrName>
+                                        </p:attrNameLst>
+                                      </p:cBhvr>
+                                      <p:tavLst>
+                                        <p:tav tm="0">
+                                          <p:val>
+                                            <p:strVal val="#ppt_h"/>
+                                          </p:val>
+                                        </p:tav>
+                                        <p:tav tm="100000">
+                                          <p:val>
+                                            <p:strVal val="#ppt_h"/>
+                                          </p:val>
+                                        </p:tav>
+                                      </p:tavLst>
+                                    </p:anim>
+                                  </p:childTnLst>
+                                </p:cTn>
+                              </p:par>
+                            </p:childTnLst>
+                          </p:cTn>
+                        </p:par>
+                      </p:childTnLst>
+                    </p:cTn>
+                  </p:par>
+                  <p:par>
+                    <p:cTn id="20" fill="hold">
+                      <p:stCondLst>
+                        <p:cond delay="indefinite"/>
+                      </p:stCondLst>
+                      <p:childTnLst>
+                        <p:par>
+                          <p:cTn id="21" fill="hold">
+                            <p:stCondLst>
+                              <p:cond delay="0"/>
+                            </p:stCondLst>
+                            <p:childTnLst>
+                              <p:par>
+                                <p:cTn id="22" presetID="21" presetClass="entr" presetSubtype="1" fill="hold" nodeType="clickEffect">
+                                  <p:stCondLst>
+                                    <p:cond delay="0"/>
+                                  </p:stCondLst>
+                                  <p:childTnLst>
+                                    <p:set>
+                                      <p:cBhvr>
+                                        <p:cTn id="23" dur="1" fill="hold">
+                                          <p:stCondLst>
+                                            <p:cond delay="0"/>
+                                          </p:stCondLst>
+                                        </p:cTn>
+                                        <p:tgtEl>
+                                          <p:spTgt spid="9"/>
+                                        </p:tgtEl>
+                                        <p:attrNameLst>
+                                          <p:attrName>style.visibility</p:attrName>
+                                        </p:attrNameLst>
+                                      </p:cBhvr>
+                                      <p:to>
+                                        <p:strVal val="visible"/>
+                                      </p:to>
+                                    </p:set>
+                                    <p:animEffect transition="in" filter="wheel(1)">
+                                      <p:cBhvr>
+                                        <p:cTn id="24" dur="2000"/>
+                                        <p:tgtEl>
+                                          <p:spTgt spid="9"/>
+                                        </p:tgtEl>
+                                      </p:cBhvr>
+                                    </p:animEffect>
+                                  </p:childTnLst>
+                                </p:cTn>
+                              </p:par>
+                            </p:childTnLst>
+                          </p:cTn>
+                        </p:par>
+                      </p:childTnLst>
+                    </p:cTn>
+                  </p:par>
+                </p:childTnLst>
+              </p:cTn>
+              <p:prevCondLst>
+                <p:cond evt="onPrev" delay="0">
+                  <p:tgtEl>
+                    <p:sldTgt/>
+                  </p:tgtEl>
+                </p:cond>
+              </p:prevCondLst>
+              <p:nextCondLst>
+                <p:cond evt="onNext" delay="0">
+                  <p:tgtEl>
+                    <p:sldTgt/>
+                  </p:tgtEl>
+                </p:cond>
+              </p:nextCondLst>
+            </p:seq>
+          </p:childTnLst>
+        </p:cTn>
+      </p:par>
+    </p:tnLst>
+  </p:timing>
+</p:sld>
+</file>
+
+<file path=ppt/slides/slide14.xml><?xml version="1.0" encoding="utf-8"?>
 <p:sld xmlns:a="http://schemas.openxmlformats.org/drawingml/2006/main" xmlns:r="http://schemas.openxmlformats.org/officeDocument/2006/relationships" xmlns:p="http://schemas.openxmlformats.org/presentationml/2006/main">
   <p:cSld>
     <p:spTree>
@@ -18809,7 +22957,7 @@
 </p:sld>
 </file>
 
-<file path=ppt/slides/slide14.xml><?xml version="1.0" encoding="utf-8"?>
+<file path=ppt/slides/slide15.xml><?xml version="1.0" encoding="utf-8"?>
 <p:sld xmlns:a="http://schemas.openxmlformats.org/drawingml/2006/main" xmlns:r="http://schemas.openxmlformats.org/officeDocument/2006/relationships" xmlns:p="http://schemas.openxmlformats.org/presentationml/2006/main">
   <p:cSld>
     <p:spTree>
@@ -18920,7 +23068,7 @@
 </p:sld>
 </file>
 
-<file path=ppt/slides/slide15.xml><?xml version="1.0" encoding="utf-8"?>
+<file path=ppt/slides/slide16.xml><?xml version="1.0" encoding="utf-8"?>
 <p:sld xmlns:a="http://schemas.openxmlformats.org/drawingml/2006/main" xmlns:r="http://schemas.openxmlformats.org/officeDocument/2006/relationships" xmlns:p="http://schemas.openxmlformats.org/presentationml/2006/main">
   <p:cSld>
     <p:bg>
@@ -20370,7 +24518,7 @@
           <a:p>
             <a:r>
               <a:rPr lang="en-US" dirty="0"/>
-              <a:t>Hast- 0000</a:t>
+              <a:t>Hash- 0000</a:t>
             </a:r>
           </a:p>
         </p:txBody>
@@ -20416,7 +24564,7 @@
           <a:p>
             <a:r>
               <a:rPr lang="en-US" dirty="0"/>
-              <a:t>Hast </a:t>
+              <a:t>Hash </a:t>
             </a:r>
             <a:r>
               <a:rPr lang="en-US" i="1" dirty="0"/>
@@ -20472,7 +24620,7 @@
           <a:p>
             <a:r>
               <a:rPr lang="en-US" dirty="0"/>
-              <a:t>Hast </a:t>
+              <a:t>Hash </a:t>
             </a:r>
             <a:r>
               <a:rPr lang="en-US" i="1" dirty="0"/>
@@ -20523,7 +24671,7 @@
           <a:p>
             <a:r>
               <a:rPr lang="en-US" dirty="0"/>
-              <a:t>Hast </a:t>
+              <a:t>Hash </a:t>
             </a:r>
             <a:r>
               <a:rPr lang="en-US" i="1" dirty="0"/>
@@ -20579,7 +24727,7 @@
           <a:p>
             <a:r>
               <a:rPr lang="en-US" dirty="0"/>
-              <a:t>Hast </a:t>
+              <a:t>Hash </a:t>
             </a:r>
             <a:r>
               <a:rPr lang="en-US" i="1" dirty="0"/>
@@ -26732,7 +30880,7 @@
           <a:p>
             <a:r>
               <a:rPr lang="en-US" dirty="0"/>
-              <a:t>Hast- 0000</a:t>
+              <a:t>Hash- 0000</a:t>
             </a:r>
           </a:p>
         </p:txBody>
@@ -26808,7 +30956,7 @@
           <a:p>
             <a:r>
               <a:rPr lang="en-US" dirty="0"/>
-              <a:t>Hast </a:t>
+              <a:t>Hash </a:t>
             </a:r>
             <a:r>
               <a:rPr lang="en-US" i="1" dirty="0"/>
@@ -26889,7 +31037,7 @@
           <a:p>
             <a:r>
               <a:rPr lang="en-US" dirty="0"/>
-              <a:t>Hast </a:t>
+              <a:t>Hash </a:t>
             </a:r>
             <a:r>
               <a:rPr lang="en-US" i="1" dirty="0"/>
@@ -26970,7 +31118,7 @@
           <a:p>
             <a:r>
               <a:rPr lang="en-US" b="1" dirty="0"/>
-              <a:t>Hast </a:t>
+              <a:t>Hash </a:t>
             </a:r>
             <a:r>
               <a:rPr lang="en-US" b="1" i="1" dirty="0"/>
@@ -27051,7 +31199,7 @@
           <a:p>
             <a:r>
               <a:rPr lang="en-US" dirty="0"/>
-              <a:t>Hast </a:t>
+              <a:t>Hash </a:t>
             </a:r>
             <a:r>
               <a:rPr lang="en-US" i="1" dirty="0"/>
@@ -34057,6 +38205,12 @@
 </file>
 
 <file path=customXml/item1.xml><?xml version="1.0" encoding="utf-8"?>
+<p:properties xmlns:p="http://schemas.microsoft.com/office/2006/metadata/properties" xmlns:xsi="http://www.w3.org/2001/XMLSchema-instance" xmlns:pc="http://schemas.microsoft.com/office/infopath/2007/PartnerControls">
+  <documentManagement/>
+</p:properties>
+</file>
+
+<file path=customXml/item2.xml><?xml version="1.0" encoding="utf-8"?>
 <ct:contentTypeSchema xmlns:ct="http://schemas.microsoft.com/office/2006/metadata/contentType" xmlns:ma="http://schemas.microsoft.com/office/2006/metadata/properties/metaAttributes" ct:_="" ma:_="" ma:contentTypeName="Document" ma:contentTypeID="0x01010070D325B466DDF148929160116C5A6244" ma:contentTypeVersion="11" ma:contentTypeDescription="Create a new document." ma:contentTypeScope="" ma:versionID="106a316cac42314c0179c8ba15fd3105">
   <xsd:schema xmlns:xsd="http://www.w3.org/2001/XMLSchema" xmlns:xs="http://www.w3.org/2001/XMLSchema" xmlns:p="http://schemas.microsoft.com/office/2006/metadata/properties" xmlns:ns3="848087b0-501b-4b0d-bca1-35b7b48a853d" xmlns:ns4="1ec7bab4-b71b-41d5-9755-2706f66127d2" targetNamespace="http://schemas.microsoft.com/office/2006/metadata/properties" ma:root="true" ma:fieldsID="d9a235821bc90f9c5ed86b9dd3e531b9" ns3:_="" ns4:_="">
     <xsd:import namespace="848087b0-501b-4b0d-bca1-35b7b48a853d"/>
@@ -34267,7 +38421,7 @@
 </ct:contentTypeSchema>
 </file>
 
-<file path=customXml/item2.xml><?xml version="1.0" encoding="utf-8"?>
+<file path=customXml/item3.xml><?xml version="1.0" encoding="utf-8"?>
 <?mso-contentType ?>
 <FormTemplates xmlns="http://schemas.microsoft.com/sharepoint/v3/contenttype/forms">
   <Display>DocumentLibraryForm</Display>
@@ -34276,13 +38430,24 @@
 </FormTemplates>
 </file>
 
-<file path=customXml/item3.xml><?xml version="1.0" encoding="utf-8"?>
-<p:properties xmlns:p="http://schemas.microsoft.com/office/2006/metadata/properties" xmlns:xsi="http://www.w3.org/2001/XMLSchema-instance" xmlns:pc="http://schemas.microsoft.com/office/infopath/2007/PartnerControls">
-  <documentManagement/>
-</p:properties>
+<file path=customXml/itemProps1.xml><?xml version="1.0" encoding="utf-8"?>
+<ds:datastoreItem xmlns:ds="http://schemas.openxmlformats.org/officeDocument/2006/customXml" ds:itemID="{947390E6-E2DE-4B88-8857-2FA0F42FFC3E}">
+  <ds:schemaRefs>
+    <ds:schemaRef ds:uri="http://purl.org/dc/elements/1.1/"/>
+    <ds:schemaRef ds:uri="1ec7bab4-b71b-41d5-9755-2706f66127d2"/>
+    <ds:schemaRef ds:uri="http://schemas.openxmlformats.org/package/2006/metadata/core-properties"/>
+    <ds:schemaRef ds:uri="http://schemas.microsoft.com/office/infopath/2007/PartnerControls"/>
+    <ds:schemaRef ds:uri="http://purl.org/dc/dcmitype/"/>
+    <ds:schemaRef ds:uri="http://schemas.microsoft.com/office/2006/documentManagement/types"/>
+    <ds:schemaRef ds:uri="http://schemas.microsoft.com/office/2006/metadata/properties"/>
+    <ds:schemaRef ds:uri="http://www.w3.org/XML/1998/namespace"/>
+    <ds:schemaRef ds:uri="848087b0-501b-4b0d-bca1-35b7b48a853d"/>
+    <ds:schemaRef ds:uri="http://purl.org/dc/terms/"/>
+  </ds:schemaRefs>
+</ds:datastoreItem>
 </file>
 
-<file path=customXml/itemProps1.xml><?xml version="1.0" encoding="utf-8"?>
+<file path=customXml/itemProps2.xml><?xml version="1.0" encoding="utf-8"?>
 <ds:datastoreItem xmlns:ds="http://schemas.openxmlformats.org/officeDocument/2006/customXml" ds:itemID="{03268B4C-03E2-47E7-9761-71EC4C6B6F9B}">
   <ds:schemaRefs>
     <ds:schemaRef ds:uri="http://schemas.microsoft.com/office/2006/metadata/contentType"/>
@@ -34301,27 +38466,10 @@
 </ds:datastoreItem>
 </file>
 
-<file path=customXml/itemProps2.xml><?xml version="1.0" encoding="utf-8"?>
+<file path=customXml/itemProps3.xml><?xml version="1.0" encoding="utf-8"?>
 <ds:datastoreItem xmlns:ds="http://schemas.openxmlformats.org/officeDocument/2006/customXml" ds:itemID="{65C95089-8411-4135-A5F4-8C0A90AE65C0}">
   <ds:schemaRefs>
     <ds:schemaRef ds:uri="http://schemas.microsoft.com/sharepoint/v3/contenttype/forms"/>
   </ds:schemaRefs>
 </ds:datastoreItem>
-</file>
-
-<file path=customXml/itemProps3.xml><?xml version="1.0" encoding="utf-8"?>
-<ds:datastoreItem xmlns:ds="http://schemas.openxmlformats.org/officeDocument/2006/customXml" ds:itemID="{947390E6-E2DE-4B88-8857-2FA0F42FFC3E}">
-  <ds:schemaRefs>
-    <ds:schemaRef ds:uri="http://purl.org/dc/elements/1.1/"/>
-    <ds:schemaRef ds:uri="1ec7bab4-b71b-41d5-9755-2706f66127d2"/>
-    <ds:schemaRef ds:uri="http://schemas.openxmlformats.org/package/2006/metadata/core-properties"/>
-    <ds:schemaRef ds:uri="http://schemas.microsoft.com/office/infopath/2007/PartnerControls"/>
-    <ds:schemaRef ds:uri="http://purl.org/dc/dcmitype/"/>
-    <ds:schemaRef ds:uri="http://schemas.microsoft.com/office/2006/documentManagement/types"/>
-    <ds:schemaRef ds:uri="http://schemas.microsoft.com/office/2006/metadata/properties"/>
-    <ds:schemaRef ds:uri="http://www.w3.org/XML/1998/namespace"/>
-    <ds:schemaRef ds:uri="848087b0-501b-4b0d-bca1-35b7b48a853d"/>
-    <ds:schemaRef ds:uri="http://purl.org/dc/terms/"/>
-  </ds:schemaRefs>
-</ds:datastoreItem>
 </file>
--- a/Blockchain.pptx
+++ b/Blockchain.pptx
@@ -5,10 +5,10 @@
     <p:sldMasterId id="2147483672" r:id="rId4"/>
   </p:sldMasterIdLst>
   <p:notesMasterIdLst>
-    <p:notesMasterId r:id="rId21"/>
+    <p:notesMasterId r:id="rId22"/>
   </p:notesMasterIdLst>
   <p:handoutMasterIdLst>
-    <p:handoutMasterId r:id="rId22"/>
+    <p:handoutMasterId r:id="rId23"/>
   </p:handoutMasterIdLst>
   <p:sldIdLst>
     <p:sldId id="256" r:id="rId5"/>
@@ -21,12 +21,13 @@
     <p:sldId id="261" r:id="rId12"/>
     <p:sldId id="272" r:id="rId13"/>
     <p:sldId id="274" r:id="rId14"/>
-    <p:sldId id="259" r:id="rId15"/>
+    <p:sldId id="281" r:id="rId15"/>
     <p:sldId id="273" r:id="rId16"/>
-    <p:sldId id="281" r:id="rId17"/>
+    <p:sldId id="259" r:id="rId17"/>
     <p:sldId id="275" r:id="rId18"/>
-    <p:sldId id="276" r:id="rId19"/>
-    <p:sldId id="260" r:id="rId20"/>
+    <p:sldId id="282" r:id="rId19"/>
+    <p:sldId id="276" r:id="rId20"/>
+    <p:sldId id="260" r:id="rId21"/>
   </p:sldIdLst>
   <p:sldSz cx="12192000" cy="6858000"/>
   <p:notesSz cx="6858000" cy="9144000"/>
@@ -7052,7 +7053,7 @@
           </a:pPr>
           <a:r>
             <a:rPr lang="en-US" dirty="0"/>
-            <a:t>National Grid Data		</a:t>
+            <a:t>National Grid API		</a:t>
           </a:r>
         </a:p>
       </dgm:t>
@@ -7273,7 +7274,7 @@
   <dgm:whole/>
   <dgm:extLst>
     <a:ext uri="http://schemas.microsoft.com/office/drawing/2008/diagram">
-      <dsp:dataModelExt xmlns:dsp="http://schemas.microsoft.com/office/drawing/2008/diagram" relId="rId8" minVer="http://schemas.openxmlformats.org/drawingml/2006/diagram"/>
+      <dsp:dataModelExt xmlns:dsp="http://schemas.microsoft.com/office/drawing/2008/diagram" relId="rId7" minVer="http://schemas.openxmlformats.org/drawingml/2006/diagram"/>
     </a:ext>
   </dgm:extLst>
 </dgm:dataModel>
@@ -8248,7 +8249,7 @@
           </a:pPr>
           <a:r>
             <a:rPr lang="en-US" sz="3100" kern="1200" dirty="0"/>
-            <a:t>National Grid Data		</a:t>
+            <a:t>National Grid API		</a:t>
           </a:r>
         </a:p>
       </dsp:txBody>
@@ -12858,7 +12859,28 @@
           <a:bodyPr/>
           <a:lstStyle/>
           <a:p>
-            <a:endParaRPr lang="en-US" dirty="0"/>
+            <a:r>
+              <a:rPr lang="en-GB" dirty="0"/>
+              <a:t>Start 1330</a:t>
+            </a:r>
+          </a:p>
+          <a:p>
+            <a:r>
+              <a:rPr lang="en-GB" dirty="0"/>
+              <a:t>Research and allocation planning – 3hrs</a:t>
+            </a:r>
+          </a:p>
+          <a:p>
+            <a:r>
+              <a:rPr lang="en-GB" dirty="0"/>
+              <a:t>Development &amp; testing – 18hrs – Clocks changed to British Summer Time</a:t>
+            </a:r>
+          </a:p>
+          <a:p>
+            <a:r>
+              <a:rPr lang="en-GB" dirty="0"/>
+              <a:t>Presentation creation – 2hrs</a:t>
+            </a:r>
           </a:p>
         </p:txBody>
       </p:sp>
@@ -12888,7 +12910,7 @@
     </p:spTree>
     <p:extLst>
       <p:ext uri="{BB962C8B-B14F-4D97-AF65-F5344CB8AC3E}">
-        <p14:creationId xmlns:p14="http://schemas.microsoft.com/office/powerpoint/2010/main" val="3505115597"/>
+        <p14:creationId xmlns:p14="http://schemas.microsoft.com/office/powerpoint/2010/main" val="3248341451"/>
       </p:ext>
     </p:extLst>
   </p:cSld>
@@ -12942,28 +12964,7 @@
           <a:bodyPr/>
           <a:lstStyle/>
           <a:p>
-            <a:r>
-              <a:rPr lang="en-GB" dirty="0"/>
-              <a:t>Start 1330</a:t>
-            </a:r>
-          </a:p>
-          <a:p>
-            <a:r>
-              <a:rPr lang="en-GB" dirty="0"/>
-              <a:t>Research and allocation planning – 3hrs</a:t>
-            </a:r>
-          </a:p>
-          <a:p>
-            <a:r>
-              <a:rPr lang="en-GB" dirty="0"/>
-              <a:t>Development &amp; testing – 18hrs – Clocks changed to British Summer Time</a:t>
-            </a:r>
-          </a:p>
-          <a:p>
-            <a:r>
-              <a:rPr lang="en-GB" dirty="0"/>
-              <a:t>Presentation creation – 2hrs</a:t>
-            </a:r>
+            <a:endParaRPr lang="en-US" dirty="0"/>
           </a:p>
         </p:txBody>
       </p:sp>
@@ -12993,7 +12994,7 @@
     </p:spTree>
     <p:extLst>
       <p:ext uri="{BB962C8B-B14F-4D97-AF65-F5344CB8AC3E}">
-        <p14:creationId xmlns:p14="http://schemas.microsoft.com/office/powerpoint/2010/main" val="3248341451"/>
+        <p14:creationId xmlns:p14="http://schemas.microsoft.com/office/powerpoint/2010/main" val="3505115597"/>
       </p:ext>
     </p:extLst>
   </p:cSld>
@@ -13068,7 +13069,7 @@
           <a:p>
             <a:fld id="{C6B3AB32-59DF-41F1-9618-EDFBF5049629}" type="slidenum">
               <a:rPr lang="en-US" smtClean="0"/>
-              <a:t>16</a:t>
+              <a:t>17</a:t>
             </a:fld>
             <a:endParaRPr lang="en-US" dirty="0"/>
           </a:p>
@@ -21119,14 +21120,6 @@
 <file path=ppt/slides/slide11.xml><?xml version="1.0" encoding="utf-8"?>
 <p:sld xmlns:a="http://schemas.openxmlformats.org/drawingml/2006/main" xmlns:r="http://schemas.openxmlformats.org/officeDocument/2006/relationships" xmlns:p="http://schemas.openxmlformats.org/presentationml/2006/main">
   <p:cSld>
-    <p:bg>
-      <p:bgPr>
-        <a:solidFill>
-          <a:schemeClr val="bg1"/>
-        </a:solidFill>
-        <a:effectLst/>
-      </p:bgPr>
-    </p:bg>
     <p:spTree>
       <p:nvGrpSpPr>
         <p:cNvPr id="1" name=""/>
@@ -21141,455 +21134,8 @@
           <a:chExt cx="0" cy="0"/>
         </a:xfrm>
       </p:grpSpPr>
-      <p:sp useBgFill="1">
-        <p:nvSpPr>
-          <p:cNvPr id="13" name="Rectangle 12">
-            <a:extLst>
-              <a:ext uri="{FF2B5EF4-FFF2-40B4-BE49-F238E27FC236}">
-                <a16:creationId xmlns:a16="http://schemas.microsoft.com/office/drawing/2014/main" id="{4AE9D071-98CF-435C-BD2B-976514544DC5}"/>
-              </a:ext>
-              <a:ext uri="{C183D7F6-B498-43B3-948B-1728B52AA6E4}">
-                <adec:decorative xmlns:adec="http://schemas.microsoft.com/office/drawing/2017/decorative" val="1"/>
-              </a:ext>
-            </a:extLst>
-          </p:cNvPr>
-          <p:cNvSpPr>
-            <a:spLocks noGrp="1" noRot="1" noChangeAspect="1" noMove="1" noResize="1" noEditPoints="1" noAdjustHandles="1" noChangeArrowheads="1" noChangeShapeType="1" noTextEdit="1"/>
-          </p:cNvSpPr>
-          <p:nvPr>
-            <p:extLst>
-              <p:ext uri="{386F3935-93C4-4BCD-93E2-E3B085C9AB24}">
-                <p16:designElem xmlns:p16="http://schemas.microsoft.com/office/powerpoint/2015/main" val="1"/>
-              </p:ext>
-            </p:extLst>
-          </p:nvPr>
-        </p:nvSpPr>
-        <p:spPr>
-          <a:xfrm>
-            <a:off x="0" y="0"/>
-            <a:ext cx="12192000" cy="6858000"/>
-          </a:xfrm>
-          <a:prstGeom prst="rect">
-            <a:avLst/>
-          </a:prstGeom>
-          <a:ln>
-            <a:noFill/>
-          </a:ln>
-        </p:spPr>
-        <p:style>
-          <a:lnRef idx="2">
-            <a:schemeClr val="accent1">
-              <a:shade val="50000"/>
-            </a:schemeClr>
-          </a:lnRef>
-          <a:fillRef idx="1">
-            <a:schemeClr val="accent1"/>
-          </a:fillRef>
-          <a:effectRef idx="0">
-            <a:schemeClr val="accent1"/>
-          </a:effectRef>
-          <a:fontRef idx="minor">
-            <a:schemeClr val="lt1"/>
-          </a:fontRef>
-        </p:style>
-        <p:txBody>
-          <a:bodyPr rtlCol="0" anchor="ctr"/>
-          <a:lstStyle/>
-          <a:p>
-            <a:pPr algn="ctr"/>
-            <a:endParaRPr lang="en-US" dirty="0"/>
-          </a:p>
-        </p:txBody>
-      </p:sp>
-      <p:pic>
-        <p:nvPicPr>
-          <p:cNvPr id="8" name="Content Placeholder 4" descr="Digital Numbers">
-            <a:extLst>
-              <a:ext uri="{FF2B5EF4-FFF2-40B4-BE49-F238E27FC236}">
-                <a16:creationId xmlns:a16="http://schemas.microsoft.com/office/drawing/2014/main" id="{EA70616B-E344-4856-8DF9-707C26236613}"/>
-              </a:ext>
-            </a:extLst>
-          </p:cNvPr>
-          <p:cNvPicPr>
-            <a:picLocks noChangeAspect="1"/>
-          </p:cNvPicPr>
-          <p:nvPr/>
-        </p:nvPicPr>
-        <p:blipFill rotWithShape="1">
-          <a:blip r:embed="rId3" cstate="screen">
-            <a:extLst>
-              <a:ext uri="{28A0092B-C50C-407E-A947-70E740481C1C}">
-                <a14:useLocalDpi xmlns:a14="http://schemas.microsoft.com/office/drawing/2010/main"/>
-              </a:ext>
-            </a:extLst>
-          </a:blip>
-          <a:srcRect t="10681" r="9091" b="12711"/>
-          <a:stretch/>
-        </p:blipFill>
-        <p:spPr>
-          <a:xfrm>
-            <a:off x="20" y="27720"/>
-            <a:ext cx="12191980" cy="6857990"/>
-          </a:xfrm>
-          <a:prstGeom prst="rect">
-            <a:avLst/>
-          </a:prstGeom>
-        </p:spPr>
-      </p:pic>
-      <p:grpSp>
-        <p:nvGrpSpPr>
-          <p:cNvPr id="15" name="Group 14">
-            <a:extLst>
-              <a:ext uri="{FF2B5EF4-FFF2-40B4-BE49-F238E27FC236}">
-                <a16:creationId xmlns:a16="http://schemas.microsoft.com/office/drawing/2014/main" id="{D619FC33-16ED-4246-9596-BEFEB55E4CF6}"/>
-              </a:ext>
-              <a:ext uri="{C183D7F6-B498-43B3-948B-1728B52AA6E4}">
-                <adec:decorative xmlns:adec="http://schemas.microsoft.com/office/drawing/2017/decorative" val="1"/>
-              </a:ext>
-            </a:extLst>
-          </p:cNvPr>
-          <p:cNvGrpSpPr>
-            <a:grpSpLocks noGrp="1" noUngrp="1" noRot="1" noChangeAspect="1" noMove="1" noResize="1"/>
-          </p:cNvGrpSpPr>
-          <p:nvPr>
-            <p:extLst>
-              <p:ext uri="{386F3935-93C4-4BCD-93E2-E3B085C9AB24}">
-                <p16:designElem xmlns:p16="http://schemas.microsoft.com/office/powerpoint/2015/main" val="1"/>
-              </p:ext>
-            </p:extLst>
-          </p:nvPr>
-        </p:nvGrpSpPr>
-        <p:grpSpPr>
-          <a:xfrm>
-            <a:off x="438067" y="457200"/>
-            <a:ext cx="7507083" cy="5935132"/>
-            <a:chOff x="438067" y="457200"/>
-            <a:chExt cx="7507083" cy="5935132"/>
-          </a:xfrm>
-        </p:grpSpPr>
-        <p:sp>
-          <p:nvSpPr>
-            <p:cNvPr id="16" name="Rectangle 15">
-              <a:extLst>
-                <a:ext uri="{FF2B5EF4-FFF2-40B4-BE49-F238E27FC236}">
-                  <a16:creationId xmlns:a16="http://schemas.microsoft.com/office/drawing/2014/main" id="{2EEA80E1-F99F-4009-837F-2F72F8A5D580}"/>
-                </a:ext>
-                <a:ext uri="{C183D7F6-B498-43B3-948B-1728B52AA6E4}">
-                  <adec:decorative xmlns:adec="http://schemas.microsoft.com/office/drawing/2017/decorative" val="1"/>
-                </a:ext>
-              </a:extLst>
-            </p:cNvPr>
-            <p:cNvSpPr/>
-            <p:nvPr>
-              <p:extLst>
-                <p:ext uri="{386F3935-93C4-4BCD-93E2-E3B085C9AB24}">
-                  <p16:designElem xmlns:p16="http://schemas.microsoft.com/office/powerpoint/2015/main" val="1"/>
-                </p:ext>
-              </p:extLst>
-            </p:nvPr>
-          </p:nvSpPr>
-          <p:spPr>
-            <a:xfrm>
-              <a:off x="438067" y="618067"/>
-              <a:ext cx="7503665" cy="5774265"/>
-            </a:xfrm>
-            <a:prstGeom prst="rect">
-              <a:avLst/>
-            </a:prstGeom>
-            <a:solidFill>
-              <a:schemeClr val="accent1">
-                <a:alpha val="97000"/>
-              </a:schemeClr>
-            </a:solidFill>
-            <a:ln w="6350" cmpd="sng">
-              <a:noFill/>
-            </a:ln>
-            <a:effectLst/>
-          </p:spPr>
-          <p:style>
-            <a:lnRef idx="1">
-              <a:schemeClr val="accent1"/>
-            </a:lnRef>
-            <a:fillRef idx="3">
-              <a:schemeClr val="accent1"/>
-            </a:fillRef>
-            <a:effectRef idx="2">
-              <a:schemeClr val="accent1"/>
-            </a:effectRef>
-            <a:fontRef idx="minor">
-              <a:schemeClr val="lt1"/>
-            </a:fontRef>
-          </p:style>
-        </p:sp>
-        <p:sp>
-          <p:nvSpPr>
-            <p:cNvPr id="17" name="Rectangle 16">
-              <a:extLst>
-                <a:ext uri="{FF2B5EF4-FFF2-40B4-BE49-F238E27FC236}">
-                  <a16:creationId xmlns:a16="http://schemas.microsoft.com/office/drawing/2014/main" id="{0230AF9A-4641-4BD8-9F95-9607CD304039}"/>
-                </a:ext>
-                <a:ext uri="{C183D7F6-B498-43B3-948B-1728B52AA6E4}">
-                  <adec:decorative xmlns:adec="http://schemas.microsoft.com/office/drawing/2017/decorative" val="1"/>
-                </a:ext>
-              </a:extLst>
-            </p:cNvPr>
-            <p:cNvSpPr/>
-            <p:nvPr>
-              <p:extLst>
-                <p:ext uri="{386F3935-93C4-4BCD-93E2-E3B085C9AB24}">
-                  <p16:designElem xmlns:p16="http://schemas.microsoft.com/office/powerpoint/2015/main" val="1"/>
-                </p:ext>
-              </p:extLst>
-            </p:nvPr>
-          </p:nvSpPr>
-          <p:spPr>
-            <a:xfrm>
-              <a:off x="438068" y="457200"/>
-              <a:ext cx="3703320" cy="94997"/>
-            </a:xfrm>
-            <a:prstGeom prst="rect">
-              <a:avLst/>
-            </a:prstGeom>
-            <a:solidFill>
-              <a:schemeClr val="accent1"/>
-            </a:solidFill>
-            <a:ln>
-              <a:noFill/>
-            </a:ln>
-            <a:effectLst/>
-          </p:spPr>
-          <p:style>
-            <a:lnRef idx="1">
-              <a:schemeClr val="accent1"/>
-            </a:lnRef>
-            <a:fillRef idx="3">
-              <a:schemeClr val="accent1"/>
-            </a:fillRef>
-            <a:effectRef idx="2">
-              <a:schemeClr val="accent1"/>
-            </a:effectRef>
-            <a:fontRef idx="minor">
-              <a:schemeClr val="lt1"/>
-            </a:fontRef>
-          </p:style>
-        </p:sp>
-        <p:sp>
-          <p:nvSpPr>
-            <p:cNvPr id="18" name="Rectangle 17">
-              <a:extLst>
-                <a:ext uri="{FF2B5EF4-FFF2-40B4-BE49-F238E27FC236}">
-                  <a16:creationId xmlns:a16="http://schemas.microsoft.com/office/drawing/2014/main" id="{8703D4EC-9389-41B6-B88B-B6FDC8CD3330}"/>
-                </a:ext>
-                <a:ext uri="{C183D7F6-B498-43B3-948B-1728B52AA6E4}">
-                  <adec:decorative xmlns:adec="http://schemas.microsoft.com/office/drawing/2017/decorative" val="1"/>
-                </a:ext>
-              </a:extLst>
-            </p:cNvPr>
-            <p:cNvSpPr/>
-            <p:nvPr>
-              <p:extLst>
-                <p:ext uri="{386F3935-93C4-4BCD-93E2-E3B085C9AB24}">
-                  <p16:designElem xmlns:p16="http://schemas.microsoft.com/office/powerpoint/2015/main" val="1"/>
-                </p:ext>
-              </p:extLst>
-            </p:nvPr>
-          </p:nvSpPr>
-          <p:spPr>
-            <a:xfrm>
-              <a:off x="4241830" y="457200"/>
-              <a:ext cx="3703320" cy="91440"/>
-            </a:xfrm>
-            <a:prstGeom prst="rect">
-              <a:avLst/>
-            </a:prstGeom>
-            <a:solidFill>
-              <a:schemeClr val="accent2"/>
-            </a:solidFill>
-            <a:ln>
-              <a:noFill/>
-            </a:ln>
-            <a:effectLst/>
-          </p:spPr>
-          <p:style>
-            <a:lnRef idx="1">
-              <a:schemeClr val="accent1"/>
-            </a:lnRef>
-            <a:fillRef idx="3">
-              <a:schemeClr val="accent1"/>
-            </a:fillRef>
-            <a:effectRef idx="2">
-              <a:schemeClr val="accent1"/>
-            </a:effectRef>
-            <a:fontRef idx="minor">
-              <a:schemeClr val="lt1"/>
-            </a:fontRef>
-          </p:style>
-        </p:sp>
-      </p:grpSp>
-      <p:sp>
-        <p:nvSpPr>
-          <p:cNvPr id="2" name="Title 1">
-            <a:extLst>
-              <a:ext uri="{FF2B5EF4-FFF2-40B4-BE49-F238E27FC236}">
-                <a16:creationId xmlns:a16="http://schemas.microsoft.com/office/drawing/2014/main" id="{7F2616EE-270D-4F4C-BA1F-2708D387B800}"/>
-              </a:ext>
-            </a:extLst>
-          </p:cNvPr>
-          <p:cNvSpPr>
-            <a:spLocks noGrp="1"/>
-          </p:cNvSpPr>
-          <p:nvPr>
-            <p:ph type="title"/>
-          </p:nvPr>
-        </p:nvSpPr>
-        <p:spPr>
-          <a:xfrm>
-            <a:off x="584200" y="1006956"/>
-            <a:ext cx="7213600" cy="1121871"/>
-          </a:xfrm>
-        </p:spPr>
-        <p:txBody>
-          <a:bodyPr anchor="ctr">
-            <a:normAutofit/>
-          </a:bodyPr>
-          <a:lstStyle/>
-          <a:p>
-            <a:pPr algn="ctr"/>
-            <a:r>
-              <a:rPr lang="en-US" cap="none" dirty="0"/>
-              <a:t>RGU ChainGang2022 </a:t>
-            </a:r>
-            <a:r>
-              <a:rPr lang="en-US" cap="none" dirty="0" err="1"/>
-              <a:t>programme</a:t>
-            </a:r>
-            <a:endParaRPr lang="en-US" cap="none" dirty="0"/>
-          </a:p>
-        </p:txBody>
-      </p:sp>
-      <p:graphicFrame>
-        <p:nvGraphicFramePr>
-          <p:cNvPr id="6" name="Content Placeholder 5" descr="SmartArt">
-            <a:extLst>
-              <a:ext uri="{FF2B5EF4-FFF2-40B4-BE49-F238E27FC236}">
-                <a16:creationId xmlns:a16="http://schemas.microsoft.com/office/drawing/2014/main" id="{BF629521-FFD2-45DA-9D1D-A5F09BD5A2D9}"/>
-              </a:ext>
-            </a:extLst>
-          </p:cNvPr>
-          <p:cNvGraphicFramePr>
-            <a:graphicFrameLocks noGrp="1"/>
-          </p:cNvGraphicFramePr>
-          <p:nvPr>
-            <p:ph idx="1"/>
-            <p:extLst>
-              <p:ext uri="{D42A27DB-BD31-4B8C-83A1-F6EECF244321}">
-                <p14:modId xmlns:p14="http://schemas.microsoft.com/office/powerpoint/2010/main" val="3873104669"/>
-              </p:ext>
-            </p:extLst>
-          </p:nvPr>
-        </p:nvGraphicFramePr>
-        <p:xfrm>
-          <a:off x="719571" y="2198254"/>
-          <a:ext cx="6854248" cy="3563938"/>
-        </p:xfrm>
-        <a:graphic>
-          <a:graphicData uri="http://schemas.openxmlformats.org/drawingml/2006/diagram">
-            <dgm:relIds xmlns:dgm="http://schemas.openxmlformats.org/drawingml/2006/diagram" xmlns:r="http://schemas.openxmlformats.org/officeDocument/2006/relationships" r:dm="rId4" r:lo="rId5" r:qs="rId6" r:cs="rId7"/>
-          </a:graphicData>
-        </a:graphic>
-      </p:graphicFrame>
-    </p:spTree>
-    <p:extLst>
-      <p:ext uri="{BB962C8B-B14F-4D97-AF65-F5344CB8AC3E}">
-        <p14:creationId xmlns:p14="http://schemas.microsoft.com/office/powerpoint/2010/main" val="4209322005"/>
-      </p:ext>
-    </p:extLst>
-  </p:cSld>
-  <p:clrMapOvr>
-    <a:masterClrMapping/>
-  </p:clrMapOvr>
-</p:sld>
-</file>
-
-<file path=ppt/slides/slide12.xml><?xml version="1.0" encoding="utf-8"?>
-<p:sld xmlns:a="http://schemas.openxmlformats.org/drawingml/2006/main" xmlns:r="http://schemas.openxmlformats.org/officeDocument/2006/relationships" xmlns:p="http://schemas.openxmlformats.org/presentationml/2006/main">
-  <p:cSld>
-    <p:spTree>
-      <p:nvGrpSpPr>
-        <p:cNvPr id="1" name=""/>
-        <p:cNvGrpSpPr/>
-        <p:nvPr/>
-      </p:nvGrpSpPr>
-      <p:grpSpPr>
-        <a:xfrm>
-          <a:off x="0" y="0"/>
-          <a:ext cx="0" cy="0"/>
-          <a:chOff x="0" y="0"/>
-          <a:chExt cx="0" cy="0"/>
-        </a:xfrm>
-      </p:grpSpPr>
-      <p:pic>
-        <p:nvPicPr>
-          <p:cNvPr id="3" name="Picture 2">
-            <a:extLst>
-              <a:ext uri="{FF2B5EF4-FFF2-40B4-BE49-F238E27FC236}">
-                <a16:creationId xmlns:a16="http://schemas.microsoft.com/office/drawing/2014/main" id="{A0295BF0-E26C-4E1D-8E2F-4AD6A2FB86C6}"/>
-              </a:ext>
-            </a:extLst>
-          </p:cNvPr>
-          <p:cNvPicPr>
-            <a:picLocks noChangeAspect="1"/>
-          </p:cNvPicPr>
-          <p:nvPr/>
-        </p:nvPicPr>
-        <p:blipFill>
-          <a:blip r:embed="rId2"/>
-          <a:stretch>
-            <a:fillRect/>
-          </a:stretch>
-        </p:blipFill>
-        <p:spPr>
-          <a:xfrm>
-            <a:off x="3108830" y="808554"/>
-            <a:ext cx="5974340" cy="5490278"/>
-          </a:xfrm>
-          <a:prstGeom prst="rect">
-            <a:avLst/>
-          </a:prstGeom>
-        </p:spPr>
-      </p:pic>
-    </p:spTree>
-    <p:extLst>
-      <p:ext uri="{BB962C8B-B14F-4D97-AF65-F5344CB8AC3E}">
-        <p14:creationId xmlns:p14="http://schemas.microsoft.com/office/powerpoint/2010/main" val="89790836"/>
-      </p:ext>
-    </p:extLst>
-  </p:cSld>
-  <p:clrMapOvr>
-    <a:masterClrMapping/>
-  </p:clrMapOvr>
-</p:sld>
-</file>
-
-<file path=ppt/slides/slide13.xml><?xml version="1.0" encoding="utf-8"?>
-<p:sld xmlns:a="http://schemas.openxmlformats.org/drawingml/2006/main" xmlns:r="http://schemas.openxmlformats.org/officeDocument/2006/relationships" xmlns:p="http://schemas.openxmlformats.org/presentationml/2006/main">
-  <p:cSld>
-    <p:spTree>
-      <p:nvGrpSpPr>
-        <p:cNvPr id="1" name=""/>
-        <p:cNvGrpSpPr/>
-        <p:nvPr/>
-      </p:nvGrpSpPr>
-      <p:grpSpPr>
-        <a:xfrm>
-          <a:off x="0" y="0"/>
-          <a:ext cx="0" cy="0"/>
-          <a:chOff x="0" y="0"/>
-          <a:chExt cx="0" cy="0"/>
-        </a:xfrm>
-      </p:grpSpPr>
-      <mc:AlternateContent xmlns:mc="http://schemas.openxmlformats.org/markup-compatibility/2006">
-        <mc:Choice xmlns:cx1="http://schemas.microsoft.com/office/drawing/2015/9/8/chartex" Requires="cx1">
+      <mc:AlternateContent xmlns:mc="http://schemas.openxmlformats.org/markup-compatibility/2006" xmlns:cx1="http://schemas.microsoft.com/office/drawing/2015/9/8/chartex">
+        <mc:Choice Requires="cx1">
           <p:graphicFrame>
             <p:nvGraphicFramePr>
               <p:cNvPr id="3" name="Chart 2">
@@ -21619,7 +21165,7 @@
             </a:graphic>
           </p:graphicFrame>
         </mc:Choice>
-        <mc:Fallback>
+        <mc:Fallback xmlns="">
           <p:pic>
             <p:nvPicPr>
               <p:cNvPr id="3" name="Chart 2">
@@ -21652,8 +21198,8 @@
           </p:pic>
         </mc:Fallback>
       </mc:AlternateContent>
-      <mc:AlternateContent xmlns:mc="http://schemas.openxmlformats.org/markup-compatibility/2006">
-        <mc:Choice xmlns:cx1="http://schemas.microsoft.com/office/drawing/2015/9/8/chartex" Requires="cx1">
+      <mc:AlternateContent xmlns:mc="http://schemas.openxmlformats.org/markup-compatibility/2006" xmlns:cx1="http://schemas.microsoft.com/office/drawing/2015/9/8/chartex">
+        <mc:Choice Requires="cx1">
           <p:graphicFrame>
             <p:nvGraphicFramePr>
               <p:cNvPr id="5" name="Chart 4">
@@ -21683,7 +21229,7 @@
             </a:graphic>
           </p:graphicFrame>
         </mc:Choice>
-        <mc:Fallback>
+        <mc:Fallback xmlns="">
           <p:pic>
             <p:nvPicPr>
               <p:cNvPr id="5" name="Chart 4">
@@ -21716,8 +21262,8 @@
           </p:pic>
         </mc:Fallback>
       </mc:AlternateContent>
-      <mc:AlternateContent xmlns:mc="http://schemas.openxmlformats.org/markup-compatibility/2006">
-        <mc:Choice xmlns:cx1="http://schemas.microsoft.com/office/drawing/2015/9/8/chartex" Requires="cx1">
+      <mc:AlternateContent xmlns:mc="http://schemas.openxmlformats.org/markup-compatibility/2006" xmlns:cx1="http://schemas.microsoft.com/office/drawing/2015/9/8/chartex">
+        <mc:Choice Requires="cx1">
           <p:graphicFrame>
             <p:nvGraphicFramePr>
               <p:cNvPr id="6" name="Chart 5">
@@ -21747,7 +21293,7 @@
             </a:graphic>
           </p:graphicFrame>
         </mc:Choice>
-        <mc:Fallback>
+        <mc:Fallback xmlns="">
           <p:pic>
             <p:nvPicPr>
               <p:cNvPr id="6" name="Chart 5">
@@ -21810,8 +21356,8 @@
           </a:prstGeom>
         </p:spPr>
       </p:pic>
-      <mc:AlternateContent xmlns:mc="http://schemas.openxmlformats.org/markup-compatibility/2006">
-        <mc:Choice xmlns:cx1="http://schemas.microsoft.com/office/drawing/2015/9/8/chartex" Requires="cx1">
+      <mc:AlternateContent xmlns:mc="http://schemas.openxmlformats.org/markup-compatibility/2006" xmlns:cx1="http://schemas.microsoft.com/office/drawing/2015/9/8/chartex">
+        <mc:Choice Requires="cx1">
           <p:graphicFrame>
             <p:nvGraphicFramePr>
               <p:cNvPr id="9" name="Chart 8">
@@ -21841,7 +21387,7 @@
             </a:graphic>
           </p:graphicFrame>
         </mc:Choice>
-        <mc:Fallback>
+        <mc:Fallback xmlns="">
           <p:pic>
             <p:nvPicPr>
               <p:cNvPr id="9" name="Chart 8">
@@ -22175,6 +21721,461 @@
 </p:sld>
 </file>
 
+<file path=ppt/slides/slide12.xml><?xml version="1.0" encoding="utf-8"?>
+<p:sld xmlns:a="http://schemas.openxmlformats.org/drawingml/2006/main" xmlns:r="http://schemas.openxmlformats.org/officeDocument/2006/relationships" xmlns:p="http://schemas.openxmlformats.org/presentationml/2006/main">
+  <p:cSld>
+    <p:spTree>
+      <p:nvGrpSpPr>
+        <p:cNvPr id="1" name=""/>
+        <p:cNvGrpSpPr/>
+        <p:nvPr/>
+      </p:nvGrpSpPr>
+      <p:grpSpPr>
+        <a:xfrm>
+          <a:off x="0" y="0"/>
+          <a:ext cx="0" cy="0"/>
+          <a:chOff x="0" y="0"/>
+          <a:chExt cx="0" cy="0"/>
+        </a:xfrm>
+      </p:grpSpPr>
+      <p:pic>
+        <p:nvPicPr>
+          <p:cNvPr id="3" name="Picture 2">
+            <a:extLst>
+              <a:ext uri="{FF2B5EF4-FFF2-40B4-BE49-F238E27FC236}">
+                <a16:creationId xmlns:a16="http://schemas.microsoft.com/office/drawing/2014/main" id="{A0295BF0-E26C-4E1D-8E2F-4AD6A2FB86C6}"/>
+              </a:ext>
+            </a:extLst>
+          </p:cNvPr>
+          <p:cNvPicPr>
+            <a:picLocks noChangeAspect="1"/>
+          </p:cNvPicPr>
+          <p:nvPr/>
+        </p:nvPicPr>
+        <p:blipFill>
+          <a:blip r:embed="rId2"/>
+          <a:stretch>
+            <a:fillRect/>
+          </a:stretch>
+        </p:blipFill>
+        <p:spPr>
+          <a:xfrm>
+            <a:off x="3108830" y="1273494"/>
+            <a:ext cx="5974340" cy="5490278"/>
+          </a:xfrm>
+          <a:prstGeom prst="rect">
+            <a:avLst/>
+          </a:prstGeom>
+        </p:spPr>
+      </p:pic>
+      <p:sp>
+        <p:nvSpPr>
+          <p:cNvPr id="2" name="TextBox 1">
+            <a:extLst>
+              <a:ext uri="{FF2B5EF4-FFF2-40B4-BE49-F238E27FC236}">
+                <a16:creationId xmlns:a16="http://schemas.microsoft.com/office/drawing/2014/main" id="{8B61E901-EA2A-4A47-988C-EF4F8DAC05AC}"/>
+              </a:ext>
+            </a:extLst>
+          </p:cNvPr>
+          <p:cNvSpPr txBox="1"/>
+          <p:nvPr/>
+        </p:nvSpPr>
+        <p:spPr>
+          <a:xfrm>
+            <a:off x="5127356" y="728420"/>
+            <a:ext cx="1937288" cy="369332"/>
+          </a:xfrm>
+          <a:prstGeom prst="rect">
+            <a:avLst/>
+          </a:prstGeom>
+          <a:noFill/>
+        </p:spPr>
+        <p:txBody>
+          <a:bodyPr wrap="square" rtlCol="0">
+            <a:spAutoFit/>
+          </a:bodyPr>
+          <a:lstStyle/>
+          <a:p>
+            <a:r>
+              <a:rPr lang="en-GB" dirty="0"/>
+              <a:t>PROGRAM PLAN</a:t>
+            </a:r>
+          </a:p>
+        </p:txBody>
+      </p:sp>
+    </p:spTree>
+    <p:extLst>
+      <p:ext uri="{BB962C8B-B14F-4D97-AF65-F5344CB8AC3E}">
+        <p14:creationId xmlns:p14="http://schemas.microsoft.com/office/powerpoint/2010/main" val="89790836"/>
+      </p:ext>
+    </p:extLst>
+  </p:cSld>
+  <p:clrMapOvr>
+    <a:masterClrMapping/>
+  </p:clrMapOvr>
+</p:sld>
+</file>
+
+<file path=ppt/slides/slide13.xml><?xml version="1.0" encoding="utf-8"?>
+<p:sld xmlns:a="http://schemas.openxmlformats.org/drawingml/2006/main" xmlns:r="http://schemas.openxmlformats.org/officeDocument/2006/relationships" xmlns:p="http://schemas.openxmlformats.org/presentationml/2006/main">
+  <p:cSld>
+    <p:bg>
+      <p:bgPr>
+        <a:solidFill>
+          <a:schemeClr val="bg1"/>
+        </a:solidFill>
+        <a:effectLst/>
+      </p:bgPr>
+    </p:bg>
+    <p:spTree>
+      <p:nvGrpSpPr>
+        <p:cNvPr id="1" name=""/>
+        <p:cNvGrpSpPr/>
+        <p:nvPr/>
+      </p:nvGrpSpPr>
+      <p:grpSpPr>
+        <a:xfrm>
+          <a:off x="0" y="0"/>
+          <a:ext cx="0" cy="0"/>
+          <a:chOff x="0" y="0"/>
+          <a:chExt cx="0" cy="0"/>
+        </a:xfrm>
+      </p:grpSpPr>
+      <p:sp useBgFill="1">
+        <p:nvSpPr>
+          <p:cNvPr id="13" name="Rectangle 12">
+            <a:extLst>
+              <a:ext uri="{FF2B5EF4-FFF2-40B4-BE49-F238E27FC236}">
+                <a16:creationId xmlns:a16="http://schemas.microsoft.com/office/drawing/2014/main" id="{4AE9D071-98CF-435C-BD2B-976514544DC5}"/>
+              </a:ext>
+              <a:ext uri="{C183D7F6-B498-43B3-948B-1728B52AA6E4}">
+                <adec:decorative xmlns:adec="http://schemas.microsoft.com/office/drawing/2017/decorative" val="1"/>
+              </a:ext>
+            </a:extLst>
+          </p:cNvPr>
+          <p:cNvSpPr>
+            <a:spLocks noGrp="1" noRot="1" noChangeAspect="1" noMove="1" noResize="1" noEditPoints="1" noAdjustHandles="1" noChangeArrowheads="1" noChangeShapeType="1" noTextEdit="1"/>
+          </p:cNvSpPr>
+          <p:nvPr>
+            <p:extLst>
+              <p:ext uri="{386F3935-93C4-4BCD-93E2-E3B085C9AB24}">
+                <p16:designElem xmlns:p16="http://schemas.microsoft.com/office/powerpoint/2015/main" val="1"/>
+              </p:ext>
+            </p:extLst>
+          </p:nvPr>
+        </p:nvSpPr>
+        <p:spPr>
+          <a:xfrm>
+            <a:off x="0" y="0"/>
+            <a:ext cx="12192000" cy="6858000"/>
+          </a:xfrm>
+          <a:prstGeom prst="rect">
+            <a:avLst/>
+          </a:prstGeom>
+          <a:ln>
+            <a:noFill/>
+          </a:ln>
+        </p:spPr>
+        <p:style>
+          <a:lnRef idx="2">
+            <a:schemeClr val="accent1">
+              <a:shade val="50000"/>
+            </a:schemeClr>
+          </a:lnRef>
+          <a:fillRef idx="1">
+            <a:schemeClr val="accent1"/>
+          </a:fillRef>
+          <a:effectRef idx="0">
+            <a:schemeClr val="accent1"/>
+          </a:effectRef>
+          <a:fontRef idx="minor">
+            <a:schemeClr val="lt1"/>
+          </a:fontRef>
+        </p:style>
+        <p:txBody>
+          <a:bodyPr rtlCol="0" anchor="ctr"/>
+          <a:lstStyle/>
+          <a:p>
+            <a:pPr algn="ctr"/>
+            <a:endParaRPr lang="en-US" dirty="0"/>
+          </a:p>
+        </p:txBody>
+      </p:sp>
+      <p:grpSp>
+        <p:nvGrpSpPr>
+          <p:cNvPr id="15" name="Group 14">
+            <a:extLst>
+              <a:ext uri="{FF2B5EF4-FFF2-40B4-BE49-F238E27FC236}">
+                <a16:creationId xmlns:a16="http://schemas.microsoft.com/office/drawing/2014/main" id="{D619FC33-16ED-4246-9596-BEFEB55E4CF6}"/>
+              </a:ext>
+              <a:ext uri="{C183D7F6-B498-43B3-948B-1728B52AA6E4}">
+                <adec:decorative xmlns:adec="http://schemas.microsoft.com/office/drawing/2017/decorative" val="1"/>
+              </a:ext>
+            </a:extLst>
+          </p:cNvPr>
+          <p:cNvGrpSpPr>
+            <a:grpSpLocks noGrp="1" noUngrp="1" noRot="1" noChangeAspect="1" noMove="1" noResize="1"/>
+          </p:cNvGrpSpPr>
+          <p:nvPr>
+            <p:extLst>
+              <p:ext uri="{386F3935-93C4-4BCD-93E2-E3B085C9AB24}">
+                <p16:designElem xmlns:p16="http://schemas.microsoft.com/office/powerpoint/2015/main" val="1"/>
+              </p:ext>
+            </p:extLst>
+          </p:nvPr>
+        </p:nvGrpSpPr>
+        <p:grpSpPr>
+          <a:xfrm>
+            <a:off x="438067" y="457200"/>
+            <a:ext cx="7507083" cy="5935132"/>
+            <a:chOff x="438067" y="457200"/>
+            <a:chExt cx="7507083" cy="5935132"/>
+          </a:xfrm>
+        </p:grpSpPr>
+        <p:sp>
+          <p:nvSpPr>
+            <p:cNvPr id="16" name="Rectangle 15">
+              <a:extLst>
+                <a:ext uri="{FF2B5EF4-FFF2-40B4-BE49-F238E27FC236}">
+                  <a16:creationId xmlns:a16="http://schemas.microsoft.com/office/drawing/2014/main" id="{2EEA80E1-F99F-4009-837F-2F72F8A5D580}"/>
+                </a:ext>
+                <a:ext uri="{C183D7F6-B498-43B3-948B-1728B52AA6E4}">
+                  <adec:decorative xmlns:adec="http://schemas.microsoft.com/office/drawing/2017/decorative" val="1"/>
+                </a:ext>
+              </a:extLst>
+            </p:cNvPr>
+            <p:cNvSpPr/>
+            <p:nvPr>
+              <p:extLst>
+                <p:ext uri="{386F3935-93C4-4BCD-93E2-E3B085C9AB24}">
+                  <p16:designElem xmlns:p16="http://schemas.microsoft.com/office/powerpoint/2015/main" val="1"/>
+                </p:ext>
+              </p:extLst>
+            </p:nvPr>
+          </p:nvSpPr>
+          <p:spPr>
+            <a:xfrm>
+              <a:off x="438067" y="618067"/>
+              <a:ext cx="7503665" cy="5774265"/>
+            </a:xfrm>
+            <a:prstGeom prst="rect">
+              <a:avLst/>
+            </a:prstGeom>
+            <a:solidFill>
+              <a:schemeClr val="accent1">
+                <a:alpha val="97000"/>
+              </a:schemeClr>
+            </a:solidFill>
+            <a:ln w="6350" cmpd="sng">
+              <a:noFill/>
+            </a:ln>
+            <a:effectLst/>
+          </p:spPr>
+          <p:style>
+            <a:lnRef idx="1">
+              <a:schemeClr val="accent1"/>
+            </a:lnRef>
+            <a:fillRef idx="3">
+              <a:schemeClr val="accent1"/>
+            </a:fillRef>
+            <a:effectRef idx="2">
+              <a:schemeClr val="accent1"/>
+            </a:effectRef>
+            <a:fontRef idx="minor">
+              <a:schemeClr val="lt1"/>
+            </a:fontRef>
+          </p:style>
+        </p:sp>
+        <p:sp>
+          <p:nvSpPr>
+            <p:cNvPr id="17" name="Rectangle 16">
+              <a:extLst>
+                <a:ext uri="{FF2B5EF4-FFF2-40B4-BE49-F238E27FC236}">
+                  <a16:creationId xmlns:a16="http://schemas.microsoft.com/office/drawing/2014/main" id="{0230AF9A-4641-4BD8-9F95-9607CD304039}"/>
+                </a:ext>
+                <a:ext uri="{C183D7F6-B498-43B3-948B-1728B52AA6E4}">
+                  <adec:decorative xmlns:adec="http://schemas.microsoft.com/office/drawing/2017/decorative" val="1"/>
+                </a:ext>
+              </a:extLst>
+            </p:cNvPr>
+            <p:cNvSpPr/>
+            <p:nvPr>
+              <p:extLst>
+                <p:ext uri="{386F3935-93C4-4BCD-93E2-E3B085C9AB24}">
+                  <p16:designElem xmlns:p16="http://schemas.microsoft.com/office/powerpoint/2015/main" val="1"/>
+                </p:ext>
+              </p:extLst>
+            </p:nvPr>
+          </p:nvSpPr>
+          <p:spPr>
+            <a:xfrm>
+              <a:off x="438068" y="457200"/>
+              <a:ext cx="3703320" cy="94997"/>
+            </a:xfrm>
+            <a:prstGeom prst="rect">
+              <a:avLst/>
+            </a:prstGeom>
+            <a:solidFill>
+              <a:schemeClr val="accent1"/>
+            </a:solidFill>
+            <a:ln>
+              <a:noFill/>
+            </a:ln>
+            <a:effectLst/>
+          </p:spPr>
+          <p:style>
+            <a:lnRef idx="1">
+              <a:schemeClr val="accent1"/>
+            </a:lnRef>
+            <a:fillRef idx="3">
+              <a:schemeClr val="accent1"/>
+            </a:fillRef>
+            <a:effectRef idx="2">
+              <a:schemeClr val="accent1"/>
+            </a:effectRef>
+            <a:fontRef idx="minor">
+              <a:schemeClr val="lt1"/>
+            </a:fontRef>
+          </p:style>
+        </p:sp>
+        <p:sp>
+          <p:nvSpPr>
+            <p:cNvPr id="18" name="Rectangle 17">
+              <a:extLst>
+                <a:ext uri="{FF2B5EF4-FFF2-40B4-BE49-F238E27FC236}">
+                  <a16:creationId xmlns:a16="http://schemas.microsoft.com/office/drawing/2014/main" id="{8703D4EC-9389-41B6-B88B-B6FDC8CD3330}"/>
+                </a:ext>
+                <a:ext uri="{C183D7F6-B498-43B3-948B-1728B52AA6E4}">
+                  <adec:decorative xmlns:adec="http://schemas.microsoft.com/office/drawing/2017/decorative" val="1"/>
+                </a:ext>
+              </a:extLst>
+            </p:cNvPr>
+            <p:cNvSpPr/>
+            <p:nvPr>
+              <p:extLst>
+                <p:ext uri="{386F3935-93C4-4BCD-93E2-E3B085C9AB24}">
+                  <p16:designElem xmlns:p16="http://schemas.microsoft.com/office/powerpoint/2015/main" val="1"/>
+                </p:ext>
+              </p:extLst>
+            </p:nvPr>
+          </p:nvSpPr>
+          <p:spPr>
+            <a:xfrm>
+              <a:off x="4241830" y="457200"/>
+              <a:ext cx="3703320" cy="91440"/>
+            </a:xfrm>
+            <a:prstGeom prst="rect">
+              <a:avLst/>
+            </a:prstGeom>
+            <a:solidFill>
+              <a:schemeClr val="accent2"/>
+            </a:solidFill>
+            <a:ln>
+              <a:noFill/>
+            </a:ln>
+            <a:effectLst/>
+          </p:spPr>
+          <p:style>
+            <a:lnRef idx="1">
+              <a:schemeClr val="accent1"/>
+            </a:lnRef>
+            <a:fillRef idx="3">
+              <a:schemeClr val="accent1"/>
+            </a:fillRef>
+            <a:effectRef idx="2">
+              <a:schemeClr val="accent1"/>
+            </a:effectRef>
+            <a:fontRef idx="minor">
+              <a:schemeClr val="lt1"/>
+            </a:fontRef>
+          </p:style>
+        </p:sp>
+      </p:grpSp>
+      <p:sp>
+        <p:nvSpPr>
+          <p:cNvPr id="2" name="Title 1">
+            <a:extLst>
+              <a:ext uri="{FF2B5EF4-FFF2-40B4-BE49-F238E27FC236}">
+                <a16:creationId xmlns:a16="http://schemas.microsoft.com/office/drawing/2014/main" id="{7F2616EE-270D-4F4C-BA1F-2708D387B800}"/>
+              </a:ext>
+            </a:extLst>
+          </p:cNvPr>
+          <p:cNvSpPr>
+            <a:spLocks noGrp="1"/>
+          </p:cNvSpPr>
+          <p:nvPr>
+            <p:ph type="title"/>
+          </p:nvPr>
+        </p:nvSpPr>
+        <p:spPr>
+          <a:xfrm>
+            <a:off x="584200" y="1006956"/>
+            <a:ext cx="7213600" cy="1121871"/>
+          </a:xfrm>
+        </p:spPr>
+        <p:txBody>
+          <a:bodyPr anchor="ctr">
+            <a:normAutofit/>
+          </a:bodyPr>
+          <a:lstStyle/>
+          <a:p>
+            <a:pPr algn="ctr"/>
+            <a:r>
+              <a:rPr lang="en-US" cap="none" dirty="0"/>
+              <a:t>RGU ChainGang2022 </a:t>
+            </a:r>
+            <a:r>
+              <a:rPr lang="en-US" cap="none" dirty="0" err="1"/>
+              <a:t>programme</a:t>
+            </a:r>
+            <a:endParaRPr lang="en-US" cap="none" dirty="0"/>
+          </a:p>
+        </p:txBody>
+      </p:sp>
+      <p:graphicFrame>
+        <p:nvGraphicFramePr>
+          <p:cNvPr id="6" name="Content Placeholder 5" descr="SmartArt">
+            <a:extLst>
+              <a:ext uri="{FF2B5EF4-FFF2-40B4-BE49-F238E27FC236}">
+                <a16:creationId xmlns:a16="http://schemas.microsoft.com/office/drawing/2014/main" id="{BF629521-FFD2-45DA-9D1D-A5F09BD5A2D9}"/>
+              </a:ext>
+            </a:extLst>
+          </p:cNvPr>
+          <p:cNvGraphicFramePr>
+            <a:graphicFrameLocks noGrp="1"/>
+          </p:cNvGraphicFramePr>
+          <p:nvPr>
+            <p:ph idx="1"/>
+            <p:extLst>
+              <p:ext uri="{D42A27DB-BD31-4B8C-83A1-F6EECF244321}">
+                <p14:modId xmlns:p14="http://schemas.microsoft.com/office/powerpoint/2010/main" val="2666352680"/>
+              </p:ext>
+            </p:extLst>
+          </p:nvPr>
+        </p:nvGraphicFramePr>
+        <p:xfrm>
+          <a:off x="719571" y="2198254"/>
+          <a:ext cx="6854248" cy="3563938"/>
+        </p:xfrm>
+        <a:graphic>
+          <a:graphicData uri="http://schemas.openxmlformats.org/drawingml/2006/diagram">
+            <dgm:relIds xmlns:dgm="http://schemas.openxmlformats.org/drawingml/2006/diagram" xmlns:r="http://schemas.openxmlformats.org/officeDocument/2006/relationships" r:dm="rId3" r:lo="rId4" r:qs="rId5" r:cs="rId6"/>
+          </a:graphicData>
+        </a:graphic>
+      </p:graphicFrame>
+    </p:spTree>
+    <p:extLst>
+      <p:ext uri="{BB962C8B-B14F-4D97-AF65-F5344CB8AC3E}">
+        <p14:creationId xmlns:p14="http://schemas.microsoft.com/office/powerpoint/2010/main" val="4209322005"/>
+      </p:ext>
+    </p:extLst>
+  </p:cSld>
+  <p:clrMapOvr>
+    <a:masterClrMapping/>
+  </p:clrMapOvr>
+</p:sld>
+</file>
+
 <file path=ppt/slides/slide14.xml><?xml version="1.0" encoding="utf-8"?>
 <p:sld xmlns:a="http://schemas.openxmlformats.org/drawingml/2006/main" xmlns:r="http://schemas.openxmlformats.org/officeDocument/2006/relationships" xmlns:p="http://schemas.openxmlformats.org/presentationml/2006/main">
   <p:cSld>
@@ -22333,7 +22334,7 @@
         <p:spPr>
           <a:xfrm>
             <a:off x="443344" y="2022763"/>
-            <a:ext cx="5153892" cy="2677656"/>
+            <a:ext cx="5153892" cy="3416320"/>
           </a:xfrm>
           <a:prstGeom prst="rect">
             <a:avLst/>
@@ -22367,6 +22368,9 @@
             <a:br>
               <a:rPr lang="en-GB" sz="2400" dirty="0"/>
             </a:br>
+            <a:br>
+              <a:rPr lang="en-GB" sz="2400" dirty="0"/>
+            </a:br>
             <a:endParaRPr lang="en-GB" sz="2400" dirty="0"/>
           </a:p>
           <a:p>
@@ -22376,7 +22380,7 @@
             </a:pPr>
             <a:r>
               <a:rPr lang="en-GB" sz="2400" dirty="0"/>
-              <a:t>API Language format</a:t>
+              <a:t>API Date/Time format</a:t>
             </a:r>
           </a:p>
           <a:p>
@@ -22387,6 +22391,16 @@
             <a:r>
               <a:rPr lang="en-GB" sz="2400" dirty="0"/>
               <a:t>48hour settlement periods</a:t>
+            </a:r>
+          </a:p>
+          <a:p>
+            <a:pPr marL="800100" lvl="1" indent="-342900">
+              <a:buFont typeface="+mj-lt"/>
+              <a:buAutoNum type="arabicPeriod"/>
+            </a:pPr>
+            <a:r>
+              <a:rPr lang="en-GB" sz="2400" dirty="0"/>
+              <a:t>Multiple Time Zones</a:t>
             </a:r>
             <a:br>
               <a:rPr lang="en-GB" sz="2400" dirty="0"/>
@@ -22420,7 +22434,7 @@
         <p:spPr>
           <a:xfrm>
             <a:off x="6096000" y="2022763"/>
-            <a:ext cx="5652656" cy="4062651"/>
+            <a:ext cx="5652656" cy="4431983"/>
           </a:xfrm>
           <a:prstGeom prst="rect">
             <a:avLst/>
@@ -22439,17 +22453,7 @@
             </a:pPr>
             <a:r>
               <a:rPr lang="en-GB" sz="2400" dirty="0"/>
-              <a:t>Data formatted prior to entry into the block chain</a:t>
-            </a:r>
-          </a:p>
-          <a:p>
-            <a:pPr marL="800100" lvl="1" indent="-342900">
-              <a:buFont typeface="+mj-lt"/>
-              <a:buAutoNum type="arabicPeriod"/>
-            </a:pPr>
-            <a:r>
-              <a:rPr lang="en-GB" sz="2400" dirty="0"/>
-              <a:t>Avoid any tampering</a:t>
+              <a:t>More specific query to prevent excessive amounts of data pulled, increasing load times</a:t>
             </a:r>
             <a:br>
               <a:rPr lang="en-GB" sz="2400" dirty="0"/>
@@ -22463,7 +22467,7 @@
             </a:pPr>
             <a:r>
               <a:rPr lang="en-GB" sz="2400" dirty="0"/>
-              <a:t>GFGI</a:t>
+              <a:t>JFGI</a:t>
             </a:r>
           </a:p>
           <a:p>
@@ -22474,6 +22478,16 @@
             <a:r>
               <a:rPr lang="en-GB" sz="2400" dirty="0"/>
               <a:t>Unusual but makes sense because….</a:t>
+            </a:r>
+          </a:p>
+          <a:p>
+            <a:pPr marL="800100" lvl="1" indent="-342900">
+              <a:buFont typeface="+mj-lt"/>
+              <a:buAutoNum type="arabicPeriod"/>
+            </a:pPr>
+            <a:r>
+              <a:rPr lang="en-GB" sz="2400" dirty="0"/>
+              <a:t>Moved API to a Server running BST</a:t>
             </a:r>
             <a:br>
               <a:rPr lang="en-GB" sz="2400" dirty="0"/>
@@ -22496,6 +22510,91 @@
           </a:p>
         </p:txBody>
       </p:sp>
+      <p:graphicFrame>
+        <p:nvGraphicFramePr>
+          <p:cNvPr id="5" name="Table 7">
+            <a:extLst>
+              <a:ext uri="{FF2B5EF4-FFF2-40B4-BE49-F238E27FC236}">
+                <a16:creationId xmlns:a16="http://schemas.microsoft.com/office/drawing/2014/main" id="{2A7FD7C1-9270-49C1-8DA5-A71EB3BE3FCB}"/>
+              </a:ext>
+            </a:extLst>
+          </p:cNvPr>
+          <p:cNvGraphicFramePr>
+            <a:graphicFrameLocks/>
+          </p:cNvGraphicFramePr>
+          <p:nvPr>
+            <p:extLst>
+              <p:ext uri="{D42A27DB-BD31-4B8C-83A1-F6EECF244321}">
+                <p14:modId xmlns:p14="http://schemas.microsoft.com/office/powerpoint/2010/main" val="2992620603"/>
+              </p:ext>
+            </p:extLst>
+          </p:nvPr>
+        </p:nvGraphicFramePr>
+        <p:xfrm>
+          <a:off x="458842" y="624089"/>
+          <a:ext cx="11291456" cy="518160"/>
+        </p:xfrm>
+        <a:graphic>
+          <a:graphicData uri="http://schemas.openxmlformats.org/drawingml/2006/table">
+            <a:tbl>
+              <a:tblPr firstRow="1" bandRow="1">
+                <a:tableStyleId>{5C22544A-7EE6-4342-B048-85BDC9FD1C3A}</a:tableStyleId>
+              </a:tblPr>
+              <a:tblGrid>
+                <a:gridCol w="11291456">
+                  <a:extLst>
+                    <a:ext uri="{9D8B030D-6E8A-4147-A177-3AD203B41FA5}">
+                      <a16:colId xmlns:a16="http://schemas.microsoft.com/office/drawing/2014/main" val="1998470289"/>
+                    </a:ext>
+                  </a:extLst>
+                </a:gridCol>
+              </a:tblGrid>
+              <a:tr h="370840">
+                <a:tc>
+                  <a:txBody>
+                    <a:bodyPr/>
+                    <a:lstStyle/>
+                    <a:p>
+                      <a:pPr algn="ctr"/>
+                      <a:r>
+                        <a:rPr lang="en-GB" sz="2800" dirty="0"/>
+                        <a:t>API CHALLENGES</a:t>
+                      </a:r>
+                    </a:p>
+                  </a:txBody>
+                  <a:tcPr>
+                    <a:lnL w="12700" cmpd="sng">
+                      <a:noFill/>
+                    </a:lnL>
+                    <a:lnR w="12700" cmpd="sng">
+                      <a:noFill/>
+                    </a:lnR>
+                    <a:lnT w="12700" cmpd="sng">
+                      <a:noFill/>
+                    </a:lnT>
+                    <a:lnB w="38100" cmpd="sng">
+                      <a:noFill/>
+                    </a:lnB>
+                    <a:lnTlToBr w="12700" cmpd="sng">
+                      <a:noFill/>
+                      <a:prstDash val="solid"/>
+                    </a:lnTlToBr>
+                    <a:lnBlToTr w="12700" cmpd="sng">
+                      <a:noFill/>
+                      <a:prstDash val="solid"/>
+                    </a:lnBlToTr>
+                  </a:tcPr>
+                </a:tc>
+                <a:extLst>
+                  <a:ext uri="{0D108BD9-81ED-4DB2-BD59-A6C34878D82A}">
+                    <a16:rowId xmlns:a16="http://schemas.microsoft.com/office/drawing/2014/main" val="2910742873"/>
+                  </a:ext>
+                </a:extLst>
+              </a:tr>
+            </a:tbl>
+          </a:graphicData>
+        </a:graphic>
+      </p:graphicFrame>
     </p:spTree>
     <p:extLst>
       <p:ext uri="{BB962C8B-B14F-4D97-AF65-F5344CB8AC3E}">
@@ -22637,23 +22736,41 @@
                                   </p:childTnLst>
                                 </p:cTn>
                               </p:par>
+                            </p:childTnLst>
+                          </p:cTn>
+                        </p:par>
+                      </p:childTnLst>
+                    </p:cTn>
+                  </p:par>
+                  <p:par>
+                    <p:cTn id="13" fill="hold">
+                      <p:stCondLst>
+                        <p:cond delay="indefinite"/>
+                      </p:stCondLst>
+                      <p:childTnLst>
+                        <p:par>
+                          <p:cTn id="14" fill="hold">
+                            <p:stCondLst>
+                              <p:cond delay="0"/>
+                            </p:stCondLst>
+                            <p:childTnLst>
                               <p:par>
-                                <p:cTn id="13" presetID="1" presetClass="entr" presetSubtype="0" fill="hold" nodeType="withEffect">
+                                <p:cTn id="15" presetID="1" presetClass="entr" presetSubtype="0" fill="hold" nodeType="clickEffect">
                                   <p:stCondLst>
                                     <p:cond delay="0"/>
                                   </p:stCondLst>
                                   <p:childTnLst>
                                     <p:set>
                                       <p:cBhvr>
-                                        <p:cTn id="14" dur="1" fill="hold">
+                                        <p:cTn id="16" dur="1" fill="hold">
                                           <p:stCondLst>
                                             <p:cond delay="0"/>
                                           </p:stCondLst>
                                         </p:cTn>
                                         <p:tgtEl>
-                                          <p:spTgt spid="9">
+                                          <p:spTgt spid="8">
                                             <p:txEl>
-                                              <p:pRg st="1" end="1"/>
+                                              <p:pRg st="2" end="2"/>
                                             </p:txEl>
                                           </p:spTgt>
                                         </p:tgtEl>
@@ -22668,26 +22785,8 @@
                                   </p:childTnLst>
                                 </p:cTn>
                               </p:par>
-                            </p:childTnLst>
-                          </p:cTn>
-                        </p:par>
-                      </p:childTnLst>
-                    </p:cTn>
-                  </p:par>
-                  <p:par>
-                    <p:cTn id="15" fill="hold">
-                      <p:stCondLst>
-                        <p:cond delay="indefinite"/>
-                      </p:stCondLst>
-                      <p:childTnLst>
-                        <p:par>
-                          <p:cTn id="16" fill="hold">
-                            <p:stCondLst>
-                              <p:cond delay="0"/>
-                            </p:stCondLst>
-                            <p:childTnLst>
                               <p:par>
-                                <p:cTn id="17" presetID="1" presetClass="entr" presetSubtype="0" fill="hold" nodeType="clickEffect">
+                                <p:cTn id="17" presetID="1" presetClass="entr" presetSubtype="0" fill="hold" nodeType="withEffect">
                                   <p:stCondLst>
                                     <p:cond delay="0"/>
                                   </p:stCondLst>
@@ -22702,7 +22801,7 @@
                                         <p:tgtEl>
                                           <p:spTgt spid="8">
                                             <p:txEl>
-                                              <p:pRg st="2" end="2"/>
+                                              <p:pRg st="3" end="3"/>
                                             </p:txEl>
                                           </p:spTgt>
                                         </p:tgtEl>
@@ -22733,7 +22832,7 @@
                                         <p:tgtEl>
                                           <p:spTgt spid="8">
                                             <p:txEl>
-                                              <p:pRg st="3" end="3"/>
+                                              <p:pRg st="4" end="4"/>
                                             </p:txEl>
                                           </p:spTgt>
                                         </p:tgtEl>
@@ -22782,7 +22881,7 @@
                                         <p:tgtEl>
                                           <p:spTgt spid="9">
                                             <p:txEl>
-                                              <p:pRg st="2" end="2"/>
+                                              <p:pRg st="1" end="1"/>
                                             </p:txEl>
                                           </p:spTgt>
                                         </p:tgtEl>
@@ -22813,6 +22912,37 @@
                                         <p:tgtEl>
                                           <p:spTgt spid="9">
                                             <p:txEl>
+                                              <p:pRg st="2" end="2"/>
+                                            </p:txEl>
+                                          </p:spTgt>
+                                        </p:tgtEl>
+                                        <p:attrNameLst>
+                                          <p:attrName>style.visibility</p:attrName>
+                                        </p:attrNameLst>
+                                      </p:cBhvr>
+                                      <p:to>
+                                        <p:strVal val="visible"/>
+                                      </p:to>
+                                    </p:set>
+                                  </p:childTnLst>
+                                </p:cTn>
+                              </p:par>
+                              <p:par>
+                                <p:cTn id="27" presetID="1" presetClass="entr" presetSubtype="0" fill="hold" nodeType="withEffect">
+                                  <p:stCondLst>
+                                    <p:cond delay="0"/>
+                                  </p:stCondLst>
+                                  <p:childTnLst>
+                                    <p:set>
+                                      <p:cBhvr>
+                                        <p:cTn id="28" dur="1" fill="hold">
+                                          <p:stCondLst>
+                                            <p:cond delay="0"/>
+                                          </p:stCondLst>
+                                        </p:cTn>
+                                        <p:tgtEl>
+                                          <p:spTgt spid="9">
+                                            <p:txEl>
                                               <p:pRg st="3" end="3"/>
                                             </p:txEl>
                                           </p:spTgt>
@@ -22835,26 +22965,26 @@
                     </p:cTn>
                   </p:par>
                   <p:par>
-                    <p:cTn id="27" fill="hold">
+                    <p:cTn id="29" fill="hold">
                       <p:stCondLst>
                         <p:cond delay="indefinite"/>
                       </p:stCondLst>
                       <p:childTnLst>
                         <p:par>
-                          <p:cTn id="28" fill="hold">
+                          <p:cTn id="30" fill="hold">
                             <p:stCondLst>
                               <p:cond delay="0"/>
                             </p:stCondLst>
                             <p:childTnLst>
                               <p:par>
-                                <p:cTn id="29" presetID="1" presetClass="entr" presetSubtype="0" fill="hold" nodeType="clickEffect">
+                                <p:cTn id="31" presetID="1" presetClass="entr" presetSubtype="0" fill="hold" nodeType="clickEffect">
                                   <p:stCondLst>
                                     <p:cond delay="0"/>
                                   </p:stCondLst>
                                   <p:childTnLst>
                                     <p:set>
                                       <p:cBhvr>
-                                        <p:cTn id="30" dur="1" fill="hold">
+                                        <p:cTn id="32" dur="1" fill="hold">
                                           <p:stCondLst>
                                             <p:cond delay="0"/>
                                           </p:stCondLst>
@@ -22862,7 +22992,7 @@
                                         <p:tgtEl>
                                           <p:spTgt spid="8">
                                             <p:txEl>
-                                              <p:pRg st="4" end="4"/>
+                                              <p:pRg st="5" end="5"/>
                                             </p:txEl>
                                           </p:spTgt>
                                         </p:tgtEl>
@@ -22884,26 +23014,26 @@
                     </p:cTn>
                   </p:par>
                   <p:par>
-                    <p:cTn id="31" fill="hold">
+                    <p:cTn id="33" fill="hold">
                       <p:stCondLst>
                         <p:cond delay="indefinite"/>
                       </p:stCondLst>
                       <p:childTnLst>
                         <p:par>
-                          <p:cTn id="32" fill="hold">
+                          <p:cTn id="34" fill="hold">
                             <p:stCondLst>
                               <p:cond delay="0"/>
                             </p:stCondLst>
                             <p:childTnLst>
                               <p:par>
-                                <p:cTn id="33" presetID="1" presetClass="entr" presetSubtype="0" fill="hold" nodeType="clickEffect">
+                                <p:cTn id="35" presetID="1" presetClass="entr" presetSubtype="0" fill="hold" nodeType="clickEffect">
                                   <p:stCondLst>
                                     <p:cond delay="0"/>
                                   </p:stCondLst>
                                   <p:childTnLst>
                                     <p:set>
                                       <p:cBhvr>
-                                        <p:cTn id="34" dur="1" fill="hold">
+                                        <p:cTn id="36" dur="1" fill="hold">
                                           <p:stCondLst>
                                             <p:cond delay="0"/>
                                           </p:stCondLst>
@@ -22958,6 +23088,75 @@
 </file>
 
 <file path=ppt/slides/slide15.xml><?xml version="1.0" encoding="utf-8"?>
+<p:sld xmlns:a="http://schemas.openxmlformats.org/drawingml/2006/main" xmlns:r="http://schemas.openxmlformats.org/officeDocument/2006/relationships" xmlns:p="http://schemas.openxmlformats.org/presentationml/2006/main">
+  <p:cSld>
+    <p:bg>
+      <p:bgPr>
+        <a:solidFill>
+          <a:schemeClr val="bg1"/>
+        </a:solidFill>
+        <a:effectLst/>
+      </p:bgPr>
+    </p:bg>
+    <p:spTree>
+      <p:nvGrpSpPr>
+        <p:cNvPr id="1" name=""/>
+        <p:cNvGrpSpPr/>
+        <p:nvPr/>
+      </p:nvGrpSpPr>
+      <p:grpSpPr>
+        <a:xfrm>
+          <a:off x="0" y="0"/>
+          <a:ext cx="0" cy="0"/>
+          <a:chOff x="0" y="0"/>
+          <a:chExt cx="0" cy="0"/>
+        </a:xfrm>
+      </p:grpSpPr>
+      <p:pic>
+        <p:nvPicPr>
+          <p:cNvPr id="3" name="Picture 2" descr="Text&#10;&#10;Description automatically generated">
+            <a:hlinkClick r:id="rId2"/>
+            <a:extLst>
+              <a:ext uri="{FF2B5EF4-FFF2-40B4-BE49-F238E27FC236}">
+                <a16:creationId xmlns:a16="http://schemas.microsoft.com/office/drawing/2014/main" id="{857A5C6F-E770-4BB1-8C41-401F7DC57278}"/>
+              </a:ext>
+            </a:extLst>
+          </p:cNvPr>
+          <p:cNvPicPr>
+            <a:picLocks noChangeAspect="1"/>
+          </p:cNvPicPr>
+          <p:nvPr/>
+        </p:nvPicPr>
+        <p:blipFill>
+          <a:blip r:embed="rId3"/>
+          <a:stretch>
+            <a:fillRect/>
+          </a:stretch>
+        </p:blipFill>
+        <p:spPr>
+          <a:xfrm>
+            <a:off x="0" y="0"/>
+            <a:ext cx="12191999" cy="6866332"/>
+          </a:xfrm>
+          <a:prstGeom prst="rect">
+            <a:avLst/>
+          </a:prstGeom>
+        </p:spPr>
+      </p:pic>
+    </p:spTree>
+    <p:extLst>
+      <p:ext uri="{BB962C8B-B14F-4D97-AF65-F5344CB8AC3E}">
+        <p14:creationId xmlns:p14="http://schemas.microsoft.com/office/powerpoint/2010/main" val="1844001616"/>
+      </p:ext>
+    </p:extLst>
+  </p:cSld>
+  <p:clrMapOvr>
+    <a:masterClrMapping/>
+  </p:clrMapOvr>
+</p:sld>
+</file>
+
+<file path=ppt/slides/slide16.xml><?xml version="1.0" encoding="utf-8"?>
 <p:sld xmlns:a="http://schemas.openxmlformats.org/drawingml/2006/main" xmlns:r="http://schemas.openxmlformats.org/officeDocument/2006/relationships" xmlns:p="http://schemas.openxmlformats.org/presentationml/2006/main">
   <p:cSld>
     <p:spTree>
@@ -23068,7 +23267,7 @@
 </p:sld>
 </file>
 
-<file path=ppt/slides/slide16.xml><?xml version="1.0" encoding="utf-8"?>
+<file path=ppt/slides/slide17.xml><?xml version="1.0" encoding="utf-8"?>
 <p:sld xmlns:a="http://schemas.openxmlformats.org/drawingml/2006/main" xmlns:r="http://schemas.openxmlformats.org/officeDocument/2006/relationships" xmlns:p="http://schemas.openxmlformats.org/presentationml/2006/main">
   <p:cSld>
     <p:bg>
@@ -24170,33 +24369,15 @@
                                   </p:childTnLst>
                                 </p:cTn>
                               </p:par>
-                            </p:childTnLst>
-                          </p:cTn>
-                        </p:par>
-                      </p:childTnLst>
-                    </p:cTn>
-                  </p:par>
-                  <p:par>
-                    <p:cTn id="7" fill="hold">
-                      <p:stCondLst>
-                        <p:cond delay="indefinite"/>
-                      </p:stCondLst>
-                      <p:childTnLst>
-                        <p:par>
-                          <p:cTn id="8" fill="hold">
-                            <p:stCondLst>
-                              <p:cond delay="0"/>
-                            </p:stCondLst>
-                            <p:childTnLst>
                               <p:par>
-                                <p:cTn id="9" presetID="10" presetClass="entr" presetSubtype="0" fill="hold" nodeType="clickEffect">
+                                <p:cTn id="7" presetID="10" presetClass="entr" presetSubtype="0" fill="hold" nodeType="withEffect">
                                   <p:stCondLst>
                                     <p:cond delay="0"/>
                                   </p:stCondLst>
                                   <p:childTnLst>
                                     <p:set>
                                       <p:cBhvr>
-                                        <p:cTn id="10" dur="1" fill="hold">
+                                        <p:cTn id="8" dur="1" fill="hold">
                                           <p:stCondLst>
                                             <p:cond delay="0"/>
                                           </p:stCondLst>
@@ -24214,7 +24395,7 @@
                                     </p:set>
                                     <p:animEffect transition="in" filter="fade">
                                       <p:cBhvr>
-                                        <p:cTn id="11" dur="500"/>
+                                        <p:cTn id="9" dur="500"/>
                                         <p:tgtEl>
                                           <p:spTgt spid="16"/>
                                         </p:tgtEl>
@@ -24230,26 +24411,26 @@
                     </p:cTn>
                   </p:par>
                   <p:par>
-                    <p:cTn id="12" fill="hold">
+                    <p:cTn id="10" fill="hold">
                       <p:stCondLst>
                         <p:cond delay="indefinite"/>
                       </p:stCondLst>
                       <p:childTnLst>
                         <p:par>
-                          <p:cTn id="13" fill="hold">
+                          <p:cTn id="11" fill="hold">
                             <p:stCondLst>
                               <p:cond delay="0"/>
                             </p:stCondLst>
                             <p:childTnLst>
                               <p:par>
-                                <p:cTn id="14" presetID="1" presetClass="entr" presetSubtype="0" fill="hold" grpId="0" nodeType="clickEffect">
+                                <p:cTn id="12" presetID="1" presetClass="entr" presetSubtype="0" fill="hold" grpId="0" nodeType="clickEffect">
                                   <p:stCondLst>
                                     <p:cond delay="0"/>
                                   </p:stCondLst>
                                   <p:childTnLst>
                                     <p:set>
                                       <p:cBhvr>
-                                        <p:cTn id="15" dur="1" fill="hold">
+                                        <p:cTn id="13" dur="1" fill="hold">
                                           <p:stCondLst>
                                             <p:cond delay="0"/>
                                           </p:stCondLst>
@@ -24268,33 +24449,15 @@
                                   </p:childTnLst>
                                 </p:cTn>
                               </p:par>
-                            </p:childTnLst>
-                          </p:cTn>
-                        </p:par>
-                      </p:childTnLst>
-                    </p:cTn>
-                  </p:par>
-                  <p:par>
-                    <p:cTn id="16" fill="hold">
-                      <p:stCondLst>
-                        <p:cond delay="indefinite"/>
-                      </p:stCondLst>
-                      <p:childTnLst>
-                        <p:par>
-                          <p:cTn id="17" fill="hold">
-                            <p:stCondLst>
-                              <p:cond delay="0"/>
-                            </p:stCondLst>
-                            <p:childTnLst>
                               <p:par>
-                                <p:cTn id="18" presetID="10" presetClass="entr" presetSubtype="0" fill="hold" nodeType="clickEffect">
+                                <p:cTn id="14" presetID="10" presetClass="entr" presetSubtype="0" fill="hold" nodeType="withEffect">
                                   <p:stCondLst>
                                     <p:cond delay="0"/>
                                   </p:stCondLst>
                                   <p:childTnLst>
                                     <p:set>
                                       <p:cBhvr>
-                                        <p:cTn id="19" dur="1" fill="hold">
+                                        <p:cTn id="15" dur="1" fill="hold">
                                           <p:stCondLst>
                                             <p:cond delay="0"/>
                                           </p:stCondLst>
@@ -24312,7 +24475,7 @@
                                     </p:set>
                                     <p:animEffect transition="in" filter="fade">
                                       <p:cBhvr>
-                                        <p:cTn id="20" dur="500"/>
+                                        <p:cTn id="16" dur="500"/>
                                         <p:tgtEl>
                                           <p:spTgt spid="18"/>
                                         </p:tgtEl>
@@ -24328,26 +24491,26 @@
                     </p:cTn>
                   </p:par>
                   <p:par>
-                    <p:cTn id="21" fill="hold">
+                    <p:cTn id="17" fill="hold">
                       <p:stCondLst>
                         <p:cond delay="indefinite"/>
                       </p:stCondLst>
                       <p:childTnLst>
                         <p:par>
-                          <p:cTn id="22" fill="hold">
+                          <p:cTn id="18" fill="hold">
                             <p:stCondLst>
                               <p:cond delay="0"/>
                             </p:stCondLst>
                             <p:childTnLst>
                               <p:par>
-                                <p:cTn id="23" presetID="1" presetClass="entr" presetSubtype="0" fill="hold" grpId="0" nodeType="clickEffect">
+                                <p:cTn id="19" presetID="1" presetClass="entr" presetSubtype="0" fill="hold" grpId="0" nodeType="clickEffect">
                                   <p:stCondLst>
                                     <p:cond delay="0"/>
                                   </p:stCondLst>
                                   <p:childTnLst>
                                     <p:set>
                                       <p:cBhvr>
-                                        <p:cTn id="24" dur="1" fill="hold">
+                                        <p:cTn id="20" dur="1" fill="hold">
                                           <p:stCondLst>
                                             <p:cond delay="0"/>
                                           </p:stCondLst>
@@ -24366,33 +24529,15 @@
                                   </p:childTnLst>
                                 </p:cTn>
                               </p:par>
-                            </p:childTnLst>
-                          </p:cTn>
-                        </p:par>
-                      </p:childTnLst>
-                    </p:cTn>
-                  </p:par>
-                  <p:par>
-                    <p:cTn id="25" fill="hold">
-                      <p:stCondLst>
-                        <p:cond delay="indefinite"/>
-                      </p:stCondLst>
-                      <p:childTnLst>
-                        <p:par>
-                          <p:cTn id="26" fill="hold">
-                            <p:stCondLst>
-                              <p:cond delay="0"/>
-                            </p:stCondLst>
-                            <p:childTnLst>
                               <p:par>
-                                <p:cTn id="27" presetID="10" presetClass="entr" presetSubtype="0" fill="hold" nodeType="clickEffect">
+                                <p:cTn id="21" presetID="10" presetClass="entr" presetSubtype="0" fill="hold" nodeType="withEffect">
                                   <p:stCondLst>
                                     <p:cond delay="0"/>
                                   </p:stCondLst>
                                   <p:childTnLst>
                                     <p:set>
                                       <p:cBhvr>
-                                        <p:cTn id="28" dur="1" fill="hold">
+                                        <p:cTn id="22" dur="1" fill="hold">
                                           <p:stCondLst>
                                             <p:cond delay="0"/>
                                           </p:stCondLst>
@@ -24410,7 +24555,7 @@
                                     </p:set>
                                     <p:animEffect transition="in" filter="fade">
                                       <p:cBhvr>
-                                        <p:cTn id="29" dur="500"/>
+                                        <p:cTn id="23" dur="500"/>
                                         <p:tgtEl>
                                           <p:spTgt spid="20"/>
                                         </p:tgtEl>
@@ -24564,13 +24709,8 @@
           <a:p>
             <a:r>
               <a:rPr lang="en-US" dirty="0"/>
-              <a:t>Hash </a:t>
+              <a:t>Previous Hash</a:t>
             </a:r>
-            <a:r>
-              <a:rPr lang="en-US" i="1" dirty="0"/>
-              <a:t>-n</a:t>
-            </a:r>
-            <a:endParaRPr lang="en-US" dirty="0"/>
           </a:p>
         </p:txBody>
       </p:sp>
@@ -24620,13 +24760,8 @@
           <a:p>
             <a:r>
               <a:rPr lang="en-US" dirty="0"/>
-              <a:t>Hash </a:t>
+              <a:t>Previous Hash</a:t>
             </a:r>
-            <a:r>
-              <a:rPr lang="en-US" i="1" dirty="0"/>
-              <a:t>-n</a:t>
-            </a:r>
-            <a:endParaRPr lang="en-US" dirty="0"/>
           </a:p>
         </p:txBody>
       </p:sp>
@@ -24671,13 +24806,8 @@
           <a:p>
             <a:r>
               <a:rPr lang="en-US" dirty="0"/>
-              <a:t>Hash </a:t>
+              <a:t>Previous Hash</a:t>
             </a:r>
-            <a:r>
-              <a:rPr lang="en-US" i="1" dirty="0"/>
-              <a:t>-n</a:t>
-            </a:r>
-            <a:endParaRPr lang="en-US" dirty="0"/>
           </a:p>
         </p:txBody>
       </p:sp>
@@ -24727,13 +24857,8 @@
           <a:p>
             <a:r>
               <a:rPr lang="en-US" dirty="0"/>
-              <a:t>Hash </a:t>
+              <a:t>Previous Hash</a:t>
             </a:r>
-            <a:r>
-              <a:rPr lang="en-US" i="1" dirty="0"/>
-              <a:t>-n</a:t>
-            </a:r>
-            <a:endParaRPr lang="en-US" dirty="0"/>
           </a:p>
         </p:txBody>
       </p:sp>
@@ -25297,30 +25422,21 @@
                             </p:childTnLst>
                           </p:cTn>
                         </p:par>
-                      </p:childTnLst>
-                    </p:cTn>
-                  </p:par>
-                  <p:par>
-                    <p:cTn id="30" fill="hold">
-                      <p:stCondLst>
-                        <p:cond delay="indefinite"/>
-                      </p:stCondLst>
-                      <p:childTnLst>
                         <p:par>
-                          <p:cTn id="31" fill="hold">
+                          <p:cTn id="30" fill="hold">
                             <p:stCondLst>
-                              <p:cond delay="0"/>
+                              <p:cond delay="500"/>
                             </p:stCondLst>
                             <p:childTnLst>
                               <p:par>
-                                <p:cTn id="32" presetID="22" presetClass="entr" presetSubtype="4" fill="hold" grpId="0" nodeType="clickEffect">
+                                <p:cTn id="31" presetID="22" presetClass="entr" presetSubtype="4" fill="hold" grpId="0" nodeType="afterEffect">
                                   <p:stCondLst>
                                     <p:cond delay="0"/>
                                   </p:stCondLst>
                                   <p:childTnLst>
                                     <p:set>
                                       <p:cBhvr>
-                                        <p:cTn id="33" dur="1" fill="hold">
+                                        <p:cTn id="32" dur="1" fill="hold">
                                           <p:stCondLst>
                                             <p:cond delay="0"/>
                                           </p:stCondLst>
@@ -25342,7 +25458,7 @@
                                     </p:set>
                                     <p:animEffect transition="in" filter="wipe(down)">
                                       <p:cBhvr>
-                                        <p:cTn id="34" dur="500"/>
+                                        <p:cTn id="33" dur="500"/>
                                         <p:tgtEl>
                                           <p:spTgt spid="8">
                                             <p:txEl>
@@ -25358,30 +25474,21 @@
                             </p:childTnLst>
                           </p:cTn>
                         </p:par>
-                      </p:childTnLst>
-                    </p:cTn>
-                  </p:par>
-                  <p:par>
-                    <p:cTn id="35" fill="hold">
-                      <p:stCondLst>
-                        <p:cond delay="indefinite"/>
-                      </p:stCondLst>
-                      <p:childTnLst>
                         <p:par>
-                          <p:cTn id="36" fill="hold">
+                          <p:cTn id="34" fill="hold">
                             <p:stCondLst>
-                              <p:cond delay="0"/>
+                              <p:cond delay="1000"/>
                             </p:stCondLst>
                             <p:childTnLst>
                               <p:par>
-                                <p:cTn id="37" presetID="22" presetClass="entr" presetSubtype="4" fill="hold" grpId="0" nodeType="clickEffect">
+                                <p:cTn id="35" presetID="22" presetClass="entr" presetSubtype="4" fill="hold" grpId="0" nodeType="afterEffect">
                                   <p:stCondLst>
                                     <p:cond delay="0"/>
                                   </p:stCondLst>
                                   <p:childTnLst>
                                     <p:set>
                                       <p:cBhvr>
-                                        <p:cTn id="38" dur="1" fill="hold">
+                                        <p:cTn id="36" dur="1" fill="hold">
                                           <p:stCondLst>
                                             <p:cond delay="0"/>
                                           </p:stCondLst>
@@ -25403,7 +25510,7 @@
                                     </p:set>
                                     <p:animEffect transition="in" filter="wipe(down)">
                                       <p:cBhvr>
-                                        <p:cTn id="39" dur="500"/>
+                                        <p:cTn id="37" dur="500"/>
                                         <p:tgtEl>
                                           <p:spTgt spid="8">
                                             <p:txEl>
@@ -25419,30 +25526,21 @@
                             </p:childTnLst>
                           </p:cTn>
                         </p:par>
-                      </p:childTnLst>
-                    </p:cTn>
-                  </p:par>
-                  <p:par>
-                    <p:cTn id="40" fill="hold">
-                      <p:stCondLst>
-                        <p:cond delay="indefinite"/>
-                      </p:stCondLst>
-                      <p:childTnLst>
                         <p:par>
-                          <p:cTn id="41" fill="hold">
+                          <p:cTn id="38" fill="hold">
                             <p:stCondLst>
-                              <p:cond delay="0"/>
+                              <p:cond delay="1500"/>
                             </p:stCondLst>
                             <p:childTnLst>
                               <p:par>
-                                <p:cTn id="42" presetID="22" presetClass="entr" presetSubtype="4" fill="hold" grpId="0" nodeType="clickEffect">
+                                <p:cTn id="39" presetID="22" presetClass="entr" presetSubtype="4" fill="hold" grpId="0" nodeType="afterEffect">
                                   <p:stCondLst>
                                     <p:cond delay="0"/>
                                   </p:stCondLst>
                                   <p:childTnLst>
                                     <p:set>
                                       <p:cBhvr>
-                                        <p:cTn id="43" dur="1" fill="hold">
+                                        <p:cTn id="40" dur="1" fill="hold">
                                           <p:stCondLst>
                                             <p:cond delay="0"/>
                                           </p:stCondLst>
@@ -25464,7 +25562,7 @@
                                     </p:set>
                                     <p:animEffect transition="in" filter="wipe(down)">
                                       <p:cBhvr>
-                                        <p:cTn id="44" dur="500"/>
+                                        <p:cTn id="41" dur="500"/>
                                         <p:tgtEl>
                                           <p:spTgt spid="8">
                                             <p:txEl>
@@ -25480,30 +25578,21 @@
                             </p:childTnLst>
                           </p:cTn>
                         </p:par>
-                      </p:childTnLst>
-                    </p:cTn>
-                  </p:par>
-                  <p:par>
-                    <p:cTn id="45" fill="hold">
-                      <p:stCondLst>
-                        <p:cond delay="indefinite"/>
-                      </p:stCondLst>
-                      <p:childTnLst>
                         <p:par>
-                          <p:cTn id="46" fill="hold">
+                          <p:cTn id="42" fill="hold">
                             <p:stCondLst>
-                              <p:cond delay="0"/>
+                              <p:cond delay="2000"/>
                             </p:stCondLst>
                             <p:childTnLst>
                               <p:par>
-                                <p:cTn id="47" presetID="2" presetClass="entr" presetSubtype="1" fill="hold" nodeType="clickEffect">
+                                <p:cTn id="43" presetID="2" presetClass="entr" presetSubtype="1" fill="hold" nodeType="afterEffect">
                                   <p:stCondLst>
                                     <p:cond delay="0"/>
                                   </p:stCondLst>
                                   <p:childTnLst>
                                     <p:set>
                                       <p:cBhvr>
-                                        <p:cTn id="48" dur="1" fill="hold">
+                                        <p:cTn id="44" dur="1" fill="hold">
                                           <p:stCondLst>
                                             <p:cond delay="0"/>
                                           </p:stCondLst>
@@ -25521,7 +25610,7 @@
                                     </p:set>
                                     <p:anim calcmode="lin" valueType="num">
                                       <p:cBhvr additive="base">
-                                        <p:cTn id="49" dur="500" fill="hold"/>
+                                        <p:cTn id="45" dur="500" fill="hold"/>
                                         <p:tgtEl>
                                           <p:spTgt spid="33"/>
                                         </p:tgtEl>
@@ -25544,7 +25633,7 @@
                                     </p:anim>
                                     <p:anim calcmode="lin" valueType="num">
                                       <p:cBhvr additive="base">
-                                        <p:cTn id="50" dur="500" fill="hold"/>
+                                        <p:cTn id="46" dur="500" fill="hold"/>
                                         <p:tgtEl>
                                           <p:spTgt spid="33"/>
                                         </p:tgtEl>
@@ -25571,30 +25660,21 @@
                             </p:childTnLst>
                           </p:cTn>
                         </p:par>
-                      </p:childTnLst>
-                    </p:cTn>
-                  </p:par>
-                  <p:par>
-                    <p:cTn id="51" fill="hold">
-                      <p:stCondLst>
-                        <p:cond delay="indefinite"/>
-                      </p:stCondLst>
-                      <p:childTnLst>
                         <p:par>
-                          <p:cTn id="52" fill="hold">
+                          <p:cTn id="47" fill="hold">
                             <p:stCondLst>
-                              <p:cond delay="0"/>
+                              <p:cond delay="2500"/>
                             </p:stCondLst>
                             <p:childTnLst>
                               <p:par>
-                                <p:cTn id="53" presetID="22" presetClass="entr" presetSubtype="4" fill="hold" grpId="0" nodeType="clickEffect">
+                                <p:cTn id="48" presetID="22" presetClass="entr" presetSubtype="4" fill="hold" grpId="0" nodeType="afterEffect">
                                   <p:stCondLst>
                                     <p:cond delay="0"/>
                                   </p:stCondLst>
                                   <p:childTnLst>
                                     <p:set>
                                       <p:cBhvr>
-                                        <p:cTn id="54" dur="1" fill="hold">
+                                        <p:cTn id="49" dur="1" fill="hold">
                                           <p:stCondLst>
                                             <p:cond delay="0"/>
                                           </p:stCondLst>
@@ -25616,7 +25696,7 @@
                                     </p:set>
                                     <p:animEffect transition="in" filter="wipe(down)">
                                       <p:cBhvr>
-                                        <p:cTn id="55" dur="500"/>
+                                        <p:cTn id="50" dur="500"/>
                                         <p:tgtEl>
                                           <p:spTgt spid="14">
                                             <p:txEl>
@@ -25632,30 +25712,21 @@
                             </p:childTnLst>
                           </p:cTn>
                         </p:par>
-                      </p:childTnLst>
-                    </p:cTn>
-                  </p:par>
-                  <p:par>
-                    <p:cTn id="56" fill="hold">
-                      <p:stCondLst>
-                        <p:cond delay="indefinite"/>
-                      </p:stCondLst>
-                      <p:childTnLst>
                         <p:par>
-                          <p:cTn id="57" fill="hold">
+                          <p:cTn id="51" fill="hold">
                             <p:stCondLst>
-                              <p:cond delay="0"/>
+                              <p:cond delay="3000"/>
                             </p:stCondLst>
                             <p:childTnLst>
                               <p:par>
-                                <p:cTn id="58" presetID="22" presetClass="entr" presetSubtype="4" fill="hold" grpId="0" nodeType="clickEffect">
+                                <p:cTn id="52" presetID="22" presetClass="entr" presetSubtype="4" fill="hold" grpId="0" nodeType="afterEffect">
                                   <p:stCondLst>
                                     <p:cond delay="0"/>
                                   </p:stCondLst>
                                   <p:childTnLst>
                                     <p:set>
                                       <p:cBhvr>
-                                        <p:cTn id="59" dur="1" fill="hold">
+                                        <p:cTn id="53" dur="1" fill="hold">
                                           <p:stCondLst>
                                             <p:cond delay="0"/>
                                           </p:stCondLst>
@@ -25677,7 +25748,7 @@
                                     </p:set>
                                     <p:animEffect transition="in" filter="wipe(down)">
                                       <p:cBhvr>
-                                        <p:cTn id="60" dur="500"/>
+                                        <p:cTn id="54" dur="500"/>
                                         <p:tgtEl>
                                           <p:spTgt spid="14">
                                             <p:txEl>
@@ -25693,30 +25764,21 @@
                             </p:childTnLst>
                           </p:cTn>
                         </p:par>
-                      </p:childTnLst>
-                    </p:cTn>
-                  </p:par>
-                  <p:par>
-                    <p:cTn id="61" fill="hold">
-                      <p:stCondLst>
-                        <p:cond delay="indefinite"/>
-                      </p:stCondLst>
-                      <p:childTnLst>
                         <p:par>
-                          <p:cTn id="62" fill="hold">
+                          <p:cTn id="55" fill="hold">
                             <p:stCondLst>
-                              <p:cond delay="0"/>
+                              <p:cond delay="3500"/>
                             </p:stCondLst>
                             <p:childTnLst>
                               <p:par>
-                                <p:cTn id="63" presetID="22" presetClass="entr" presetSubtype="4" fill="hold" grpId="0" nodeType="clickEffect">
+                                <p:cTn id="56" presetID="22" presetClass="entr" presetSubtype="4" fill="hold" grpId="0" nodeType="afterEffect">
                                   <p:stCondLst>
                                     <p:cond delay="0"/>
                                   </p:stCondLst>
                                   <p:childTnLst>
                                     <p:set>
                                       <p:cBhvr>
-                                        <p:cTn id="64" dur="1" fill="hold">
+                                        <p:cTn id="57" dur="1" fill="hold">
                                           <p:stCondLst>
                                             <p:cond delay="0"/>
                                           </p:stCondLst>
@@ -25738,7 +25800,7 @@
                                     </p:set>
                                     <p:animEffect transition="in" filter="wipe(down)">
                                       <p:cBhvr>
-                                        <p:cTn id="65" dur="500"/>
+                                        <p:cTn id="58" dur="500"/>
                                         <p:tgtEl>
                                           <p:spTgt spid="14">
                                             <p:txEl>
@@ -25754,30 +25816,21 @@
                             </p:childTnLst>
                           </p:cTn>
                         </p:par>
-                      </p:childTnLst>
-                    </p:cTn>
-                  </p:par>
-                  <p:par>
-                    <p:cTn id="66" fill="hold">
-                      <p:stCondLst>
-                        <p:cond delay="indefinite"/>
-                      </p:stCondLst>
-                      <p:childTnLst>
                         <p:par>
-                          <p:cTn id="67" fill="hold">
+                          <p:cTn id="59" fill="hold">
                             <p:stCondLst>
-                              <p:cond delay="0"/>
+                              <p:cond delay="4000"/>
                             </p:stCondLst>
                             <p:childTnLst>
                               <p:par>
-                                <p:cTn id="68" presetID="2" presetClass="entr" presetSubtype="4" fill="hold" nodeType="clickEffect">
+                                <p:cTn id="60" presetID="2" presetClass="entr" presetSubtype="4" fill="hold" nodeType="afterEffect">
                                   <p:stCondLst>
                                     <p:cond delay="0"/>
                                   </p:stCondLst>
                                   <p:childTnLst>
                                     <p:set>
                                       <p:cBhvr>
-                                        <p:cTn id="69" dur="1" fill="hold">
+                                        <p:cTn id="61" dur="1" fill="hold">
                                           <p:stCondLst>
                                             <p:cond delay="0"/>
                                           </p:stCondLst>
@@ -25795,7 +25848,7 @@
                                     </p:set>
                                     <p:anim calcmode="lin" valueType="num">
                                       <p:cBhvr additive="base">
-                                        <p:cTn id="70" dur="500" fill="hold"/>
+                                        <p:cTn id="62" dur="500" fill="hold"/>
                                         <p:tgtEl>
                                           <p:spTgt spid="34"/>
                                         </p:tgtEl>
@@ -25818,7 +25871,7 @@
                                     </p:anim>
                                     <p:anim calcmode="lin" valueType="num">
                                       <p:cBhvr additive="base">
-                                        <p:cTn id="71" dur="500" fill="hold"/>
+                                        <p:cTn id="63" dur="500" fill="hold"/>
                                         <p:tgtEl>
                                           <p:spTgt spid="34"/>
                                         </p:tgtEl>
@@ -25845,30 +25898,21 @@
                             </p:childTnLst>
                           </p:cTn>
                         </p:par>
-                      </p:childTnLst>
-                    </p:cTn>
-                  </p:par>
-                  <p:par>
-                    <p:cTn id="72" fill="hold">
-                      <p:stCondLst>
-                        <p:cond delay="indefinite"/>
-                      </p:stCondLst>
-                      <p:childTnLst>
                         <p:par>
-                          <p:cTn id="73" fill="hold">
+                          <p:cTn id="64" fill="hold">
                             <p:stCondLst>
-                              <p:cond delay="0"/>
+                              <p:cond delay="4500"/>
                             </p:stCondLst>
                             <p:childTnLst>
                               <p:par>
-                                <p:cTn id="74" presetID="22" presetClass="entr" presetSubtype="4" fill="hold" grpId="0" nodeType="clickEffect">
+                                <p:cTn id="65" presetID="22" presetClass="entr" presetSubtype="4" fill="hold" grpId="0" nodeType="afterEffect">
                                   <p:stCondLst>
                                     <p:cond delay="0"/>
                                   </p:stCondLst>
                                   <p:childTnLst>
                                     <p:set>
                                       <p:cBhvr>
-                                        <p:cTn id="75" dur="1" fill="hold">
+                                        <p:cTn id="66" dur="1" fill="hold">
                                           <p:stCondLst>
                                             <p:cond delay="0"/>
                                           </p:stCondLst>
@@ -25890,7 +25934,7 @@
                                     </p:set>
                                     <p:animEffect transition="in" filter="wipe(down)">
                                       <p:cBhvr>
-                                        <p:cTn id="76" dur="500"/>
+                                        <p:cTn id="67" dur="500"/>
                                         <p:tgtEl>
                                           <p:spTgt spid="10">
                                             <p:txEl>
@@ -25906,30 +25950,21 @@
                             </p:childTnLst>
                           </p:cTn>
                         </p:par>
-                      </p:childTnLst>
-                    </p:cTn>
-                  </p:par>
-                  <p:par>
-                    <p:cTn id="77" fill="hold">
-                      <p:stCondLst>
-                        <p:cond delay="indefinite"/>
-                      </p:stCondLst>
-                      <p:childTnLst>
                         <p:par>
-                          <p:cTn id="78" fill="hold">
+                          <p:cTn id="68" fill="hold">
                             <p:stCondLst>
-                              <p:cond delay="0"/>
+                              <p:cond delay="5000"/>
                             </p:stCondLst>
                             <p:childTnLst>
                               <p:par>
-                                <p:cTn id="79" presetID="22" presetClass="entr" presetSubtype="4" fill="hold" grpId="0" nodeType="clickEffect">
+                                <p:cTn id="69" presetID="22" presetClass="entr" presetSubtype="4" fill="hold" grpId="0" nodeType="afterEffect">
                                   <p:stCondLst>
                                     <p:cond delay="0"/>
                                   </p:stCondLst>
                                   <p:childTnLst>
                                     <p:set>
                                       <p:cBhvr>
-                                        <p:cTn id="80" dur="1" fill="hold">
+                                        <p:cTn id="70" dur="1" fill="hold">
                                           <p:stCondLst>
                                             <p:cond delay="0"/>
                                           </p:stCondLst>
@@ -25951,7 +25986,7 @@
                                     </p:set>
                                     <p:animEffect transition="in" filter="wipe(down)">
                                       <p:cBhvr>
-                                        <p:cTn id="81" dur="500"/>
+                                        <p:cTn id="71" dur="500"/>
                                         <p:tgtEl>
                                           <p:spTgt spid="10">
                                             <p:txEl>
@@ -25967,30 +26002,21 @@
                             </p:childTnLst>
                           </p:cTn>
                         </p:par>
-                      </p:childTnLst>
-                    </p:cTn>
-                  </p:par>
-                  <p:par>
-                    <p:cTn id="82" fill="hold">
-                      <p:stCondLst>
-                        <p:cond delay="indefinite"/>
-                      </p:stCondLst>
-                      <p:childTnLst>
                         <p:par>
-                          <p:cTn id="83" fill="hold">
+                          <p:cTn id="72" fill="hold">
                             <p:stCondLst>
-                              <p:cond delay="0"/>
+                              <p:cond delay="5500"/>
                             </p:stCondLst>
                             <p:childTnLst>
                               <p:par>
-                                <p:cTn id="84" presetID="22" presetClass="entr" presetSubtype="4" fill="hold" grpId="0" nodeType="clickEffect">
+                                <p:cTn id="73" presetID="22" presetClass="entr" presetSubtype="4" fill="hold" grpId="0" nodeType="afterEffect">
                                   <p:stCondLst>
                                     <p:cond delay="0"/>
                                   </p:stCondLst>
                                   <p:childTnLst>
                                     <p:set>
                                       <p:cBhvr>
-                                        <p:cTn id="85" dur="1" fill="hold">
+                                        <p:cTn id="74" dur="1" fill="hold">
                                           <p:stCondLst>
                                             <p:cond delay="0"/>
                                           </p:stCondLst>
@@ -26012,7 +26038,7 @@
                                     </p:set>
                                     <p:animEffect transition="in" filter="wipe(down)">
                                       <p:cBhvr>
-                                        <p:cTn id="86" dur="500"/>
+                                        <p:cTn id="75" dur="500"/>
                                         <p:tgtEl>
                                           <p:spTgt spid="10">
                                             <p:txEl>
@@ -26053,10 +26079,10 @@
       </p:par>
     </p:tnLst>
     <p:bldLst>
-      <p:bldP spid="12" grpId="0" build="p"/>
-      <p:bldP spid="8" grpId="0" build="p"/>
-      <p:bldP spid="14" grpId="0" build="p"/>
-      <p:bldP spid="10" grpId="0" build="p"/>
+      <p:bldP spid="12" grpId="0" uiExpand="1" build="p"/>
+      <p:bldP spid="8" grpId="0" uiExpand="1" build="p"/>
+      <p:bldP spid="14" grpId="0" uiExpand="1" build="p"/>
+      <p:bldP spid="10" grpId="0" uiExpand="1" build="p"/>
     </p:bldLst>
   </p:timing>
 </p:sld>
@@ -29666,30 +29692,21 @@
                             </p:childTnLst>
                           </p:cTn>
                         </p:par>
-                      </p:childTnLst>
-                    </p:cTn>
-                  </p:par>
-                  <p:par>
-                    <p:cTn id="11" fill="hold">
-                      <p:stCondLst>
-                        <p:cond delay="indefinite"/>
-                      </p:stCondLst>
-                      <p:childTnLst>
                         <p:par>
-                          <p:cTn id="12" fill="hold">
+                          <p:cTn id="11" fill="hold">
                             <p:stCondLst>
-                              <p:cond delay="0"/>
+                              <p:cond delay="1000"/>
                             </p:stCondLst>
                             <p:childTnLst>
                               <p:par>
-                                <p:cTn id="13" presetID="31" presetClass="entr" presetSubtype="0" fill="hold" nodeType="clickEffect">
+                                <p:cTn id="12" presetID="31" presetClass="entr" presetSubtype="0" fill="hold" nodeType="afterEffect">
                                   <p:stCondLst>
                                     <p:cond delay="0"/>
                                   </p:stCondLst>
                                   <p:childTnLst>
                                     <p:set>
                                       <p:cBhvr>
-                                        <p:cTn id="14" dur="1" fill="hold">
+                                        <p:cTn id="13" dur="1" fill="hold">
                                           <p:stCondLst>
                                             <p:cond delay="0"/>
                                           </p:stCondLst>
@@ -29707,7 +29724,7 @@
                                     </p:set>
                                     <p:anim calcmode="lin" valueType="num">
                                       <p:cBhvr>
-                                        <p:cTn id="15" dur="1000" fill="hold"/>
+                                        <p:cTn id="14" dur="1000" fill="hold"/>
                                         <p:tgtEl>
                                           <p:spTgt spid="48"/>
                                         </p:tgtEl>
@@ -29730,7 +29747,7 @@
                                     </p:anim>
                                     <p:anim calcmode="lin" valueType="num">
                                       <p:cBhvr>
-                                        <p:cTn id="16" dur="1000" fill="hold"/>
+                                        <p:cTn id="15" dur="1000" fill="hold"/>
                                         <p:tgtEl>
                                           <p:spTgt spid="48"/>
                                         </p:tgtEl>
@@ -29753,7 +29770,7 @@
                                     </p:anim>
                                     <p:anim calcmode="lin" valueType="num">
                                       <p:cBhvr>
-                                        <p:cTn id="17" dur="1000" fill="hold"/>
+                                        <p:cTn id="16" dur="1000" fill="hold"/>
                                         <p:tgtEl>
                                           <p:spTgt spid="48"/>
                                         </p:tgtEl>
@@ -29776,7 +29793,7 @@
                                     </p:anim>
                                     <p:animEffect transition="in" filter="fade">
                                       <p:cBhvr>
-                                        <p:cTn id="18" dur="1000"/>
+                                        <p:cTn id="17" dur="1000"/>
                                         <p:tgtEl>
                                           <p:spTgt spid="48"/>
                                         </p:tgtEl>
@@ -29788,30 +29805,21 @@
                             </p:childTnLst>
                           </p:cTn>
                         </p:par>
-                      </p:childTnLst>
-                    </p:cTn>
-                  </p:par>
-                  <p:par>
-                    <p:cTn id="19" fill="hold">
-                      <p:stCondLst>
-                        <p:cond delay="indefinite"/>
-                      </p:stCondLst>
-                      <p:childTnLst>
                         <p:par>
-                          <p:cTn id="20" fill="hold">
+                          <p:cTn id="18" fill="hold">
                             <p:stCondLst>
-                              <p:cond delay="0"/>
+                              <p:cond delay="2000"/>
                             </p:stCondLst>
                             <p:childTnLst>
                               <p:par>
-                                <p:cTn id="21" presetID="31" presetClass="entr" presetSubtype="0" fill="hold" nodeType="clickEffect">
+                                <p:cTn id="19" presetID="31" presetClass="entr" presetSubtype="0" fill="hold" nodeType="afterEffect">
                                   <p:stCondLst>
                                     <p:cond delay="0"/>
                                   </p:stCondLst>
                                   <p:childTnLst>
                                     <p:set>
                                       <p:cBhvr>
-                                        <p:cTn id="22" dur="1" fill="hold">
+                                        <p:cTn id="20" dur="1" fill="hold">
                                           <p:stCondLst>
                                             <p:cond delay="0"/>
                                           </p:stCondLst>
@@ -29829,7 +29837,7 @@
                                     </p:set>
                                     <p:anim calcmode="lin" valueType="num">
                                       <p:cBhvr>
-                                        <p:cTn id="23" dur="1000" fill="hold"/>
+                                        <p:cTn id="21" dur="1000" fill="hold"/>
                                         <p:tgtEl>
                                           <p:spTgt spid="53"/>
                                         </p:tgtEl>
@@ -29852,7 +29860,7 @@
                                     </p:anim>
                                     <p:anim calcmode="lin" valueType="num">
                                       <p:cBhvr>
-                                        <p:cTn id="24" dur="1000" fill="hold"/>
+                                        <p:cTn id="22" dur="1000" fill="hold"/>
                                         <p:tgtEl>
                                           <p:spTgt spid="53"/>
                                         </p:tgtEl>
@@ -29875,7 +29883,7 @@
                                     </p:anim>
                                     <p:anim calcmode="lin" valueType="num">
                                       <p:cBhvr>
-                                        <p:cTn id="25" dur="1000" fill="hold"/>
+                                        <p:cTn id="23" dur="1000" fill="hold"/>
                                         <p:tgtEl>
                                           <p:spTgt spid="53"/>
                                         </p:tgtEl>
@@ -29898,7 +29906,7 @@
                                     </p:anim>
                                     <p:animEffect transition="in" filter="fade">
                                       <p:cBhvr>
-                                        <p:cTn id="26" dur="1000"/>
+                                        <p:cTn id="24" dur="1000"/>
                                         <p:tgtEl>
                                           <p:spTgt spid="53"/>
                                         </p:tgtEl>
@@ -29910,30 +29918,21 @@
                             </p:childTnLst>
                           </p:cTn>
                         </p:par>
-                      </p:childTnLst>
-                    </p:cTn>
-                  </p:par>
-                  <p:par>
-                    <p:cTn id="27" fill="hold">
-                      <p:stCondLst>
-                        <p:cond delay="indefinite"/>
-                      </p:stCondLst>
-                      <p:childTnLst>
                         <p:par>
-                          <p:cTn id="28" fill="hold">
+                          <p:cTn id="25" fill="hold">
                             <p:stCondLst>
-                              <p:cond delay="0"/>
+                              <p:cond delay="3000"/>
                             </p:stCondLst>
                             <p:childTnLst>
                               <p:par>
-                                <p:cTn id="29" presetID="31" presetClass="entr" presetSubtype="0" fill="hold" nodeType="clickEffect">
+                                <p:cTn id="26" presetID="31" presetClass="entr" presetSubtype="0" fill="hold" nodeType="afterEffect">
                                   <p:stCondLst>
                                     <p:cond delay="0"/>
                                   </p:stCondLst>
                                   <p:childTnLst>
                                     <p:set>
                                       <p:cBhvr>
-                                        <p:cTn id="30" dur="1" fill="hold">
+                                        <p:cTn id="27" dur="1" fill="hold">
                                           <p:stCondLst>
                                             <p:cond delay="0"/>
                                           </p:stCondLst>
@@ -29951,7 +29950,7 @@
                                     </p:set>
                                     <p:anim calcmode="lin" valueType="num">
                                       <p:cBhvr>
-                                        <p:cTn id="31" dur="1000" fill="hold"/>
+                                        <p:cTn id="28" dur="1000" fill="hold"/>
                                         <p:tgtEl>
                                           <p:spTgt spid="58"/>
                                         </p:tgtEl>
@@ -29974,7 +29973,7 @@
                                     </p:anim>
                                     <p:anim calcmode="lin" valueType="num">
                                       <p:cBhvr>
-                                        <p:cTn id="32" dur="1000" fill="hold"/>
+                                        <p:cTn id="29" dur="1000" fill="hold"/>
                                         <p:tgtEl>
                                           <p:spTgt spid="58"/>
                                         </p:tgtEl>
@@ -29997,7 +29996,7 @@
                                     </p:anim>
                                     <p:anim calcmode="lin" valueType="num">
                                       <p:cBhvr>
-                                        <p:cTn id="33" dur="1000" fill="hold"/>
+                                        <p:cTn id="30" dur="1000" fill="hold"/>
                                         <p:tgtEl>
                                           <p:spTgt spid="58"/>
                                         </p:tgtEl>
@@ -30020,7 +30019,7 @@
                                     </p:anim>
                                     <p:animEffect transition="in" filter="fade">
                                       <p:cBhvr>
-                                        <p:cTn id="34" dur="1000"/>
+                                        <p:cTn id="31" dur="1000"/>
                                         <p:tgtEl>
                                           <p:spTgt spid="58"/>
                                         </p:tgtEl>
@@ -30032,30 +30031,21 @@
                             </p:childTnLst>
                           </p:cTn>
                         </p:par>
-                      </p:childTnLst>
-                    </p:cTn>
-                  </p:par>
-                  <p:par>
-                    <p:cTn id="35" fill="hold">
-                      <p:stCondLst>
-                        <p:cond delay="indefinite"/>
-                      </p:stCondLst>
-                      <p:childTnLst>
                         <p:par>
-                          <p:cTn id="36" fill="hold">
+                          <p:cTn id="32" fill="hold">
                             <p:stCondLst>
-                              <p:cond delay="0"/>
+                              <p:cond delay="4000"/>
                             </p:stCondLst>
                             <p:childTnLst>
                               <p:par>
-                                <p:cTn id="37" presetID="31" presetClass="entr" presetSubtype="0" fill="hold" nodeType="clickEffect">
+                                <p:cTn id="33" presetID="31" presetClass="entr" presetSubtype="0" fill="hold" nodeType="afterEffect">
                                   <p:stCondLst>
                                     <p:cond delay="0"/>
                                   </p:stCondLst>
                                   <p:childTnLst>
                                     <p:set>
                                       <p:cBhvr>
-                                        <p:cTn id="38" dur="1" fill="hold">
+                                        <p:cTn id="34" dur="1" fill="hold">
                                           <p:stCondLst>
                                             <p:cond delay="0"/>
                                           </p:stCondLst>
@@ -30073,7 +30063,7 @@
                                     </p:set>
                                     <p:anim calcmode="lin" valueType="num">
                                       <p:cBhvr>
-                                        <p:cTn id="39" dur="1000" fill="hold"/>
+                                        <p:cTn id="35" dur="1000" fill="hold"/>
                                         <p:tgtEl>
                                           <p:spTgt spid="63"/>
                                         </p:tgtEl>
@@ -30096,7 +30086,7 @@
                                     </p:anim>
                                     <p:anim calcmode="lin" valueType="num">
                                       <p:cBhvr>
-                                        <p:cTn id="40" dur="1000" fill="hold"/>
+                                        <p:cTn id="36" dur="1000" fill="hold"/>
                                         <p:tgtEl>
                                           <p:spTgt spid="63"/>
                                         </p:tgtEl>
@@ -30119,7 +30109,7 @@
                                     </p:anim>
                                     <p:anim calcmode="lin" valueType="num">
                                       <p:cBhvr>
-                                        <p:cTn id="41" dur="1000" fill="hold"/>
+                                        <p:cTn id="37" dur="1000" fill="hold"/>
                                         <p:tgtEl>
                                           <p:spTgt spid="63"/>
                                         </p:tgtEl>
@@ -30142,7 +30132,7 @@
                                     </p:anim>
                                     <p:animEffect transition="in" filter="fade">
                                       <p:cBhvr>
-                                        <p:cTn id="42" dur="1000"/>
+                                        <p:cTn id="38" dur="1000"/>
                                         <p:tgtEl>
                                           <p:spTgt spid="63"/>
                                         </p:tgtEl>
@@ -30154,30 +30144,21 @@
                             </p:childTnLst>
                           </p:cTn>
                         </p:par>
-                      </p:childTnLst>
-                    </p:cTn>
-                  </p:par>
-                  <p:par>
-                    <p:cTn id="43" fill="hold">
-                      <p:stCondLst>
-                        <p:cond delay="indefinite"/>
-                      </p:stCondLst>
-                      <p:childTnLst>
                         <p:par>
-                          <p:cTn id="44" fill="hold">
+                          <p:cTn id="39" fill="hold">
                             <p:stCondLst>
-                              <p:cond delay="0"/>
+                              <p:cond delay="5000"/>
                             </p:stCondLst>
                             <p:childTnLst>
                               <p:par>
-                                <p:cTn id="45" presetID="31" presetClass="entr" presetSubtype="0" fill="hold" nodeType="clickEffect">
+                                <p:cTn id="40" presetID="31" presetClass="entr" presetSubtype="0" fill="hold" nodeType="afterEffect">
                                   <p:stCondLst>
                                     <p:cond delay="0"/>
                                   </p:stCondLst>
                                   <p:childTnLst>
                                     <p:set>
                                       <p:cBhvr>
-                                        <p:cTn id="46" dur="1" fill="hold">
+                                        <p:cTn id="41" dur="1" fill="hold">
                                           <p:stCondLst>
                                             <p:cond delay="0"/>
                                           </p:stCondLst>
@@ -30195,7 +30176,7 @@
                                     </p:set>
                                     <p:anim calcmode="lin" valueType="num">
                                       <p:cBhvr>
-                                        <p:cTn id="47" dur="1000" fill="hold"/>
+                                        <p:cTn id="42" dur="1000" fill="hold"/>
                                         <p:tgtEl>
                                           <p:spTgt spid="24"/>
                                         </p:tgtEl>
@@ -30218,7 +30199,7 @@
                                     </p:anim>
                                     <p:anim calcmode="lin" valueType="num">
                                       <p:cBhvr>
-                                        <p:cTn id="48" dur="1000" fill="hold"/>
+                                        <p:cTn id="43" dur="1000" fill="hold"/>
                                         <p:tgtEl>
                                           <p:spTgt spid="24"/>
                                         </p:tgtEl>
@@ -30241,7 +30222,7 @@
                                     </p:anim>
                                     <p:anim calcmode="lin" valueType="num">
                                       <p:cBhvr>
-                                        <p:cTn id="49" dur="1000" fill="hold"/>
+                                        <p:cTn id="44" dur="1000" fill="hold"/>
                                         <p:tgtEl>
                                           <p:spTgt spid="24"/>
                                         </p:tgtEl>
@@ -30264,7 +30245,7 @@
                                     </p:anim>
                                     <p:animEffect transition="in" filter="fade">
                                       <p:cBhvr>
-                                        <p:cTn id="50" dur="1000"/>
+                                        <p:cTn id="45" dur="1000"/>
                                         <p:tgtEl>
                                           <p:spTgt spid="24"/>
                                         </p:tgtEl>
@@ -30276,30 +30257,21 @@
                             </p:childTnLst>
                           </p:cTn>
                         </p:par>
-                      </p:childTnLst>
-                    </p:cTn>
-                  </p:par>
-                  <p:par>
-                    <p:cTn id="51" fill="hold">
-                      <p:stCondLst>
-                        <p:cond delay="indefinite"/>
-                      </p:stCondLst>
-                      <p:childTnLst>
                         <p:par>
-                          <p:cTn id="52" fill="hold">
+                          <p:cTn id="46" fill="hold">
                             <p:stCondLst>
-                              <p:cond delay="0"/>
+                              <p:cond delay="6000"/>
                             </p:stCondLst>
                             <p:childTnLst>
                               <p:par>
-                                <p:cTn id="53" presetID="31" presetClass="entr" presetSubtype="0" fill="hold" nodeType="clickEffect">
+                                <p:cTn id="47" presetID="31" presetClass="entr" presetSubtype="0" fill="hold" nodeType="afterEffect">
                                   <p:stCondLst>
                                     <p:cond delay="0"/>
                                   </p:stCondLst>
                                   <p:childTnLst>
                                     <p:set>
                                       <p:cBhvr>
-                                        <p:cTn id="54" dur="1" fill="hold">
+                                        <p:cTn id="48" dur="1" fill="hold">
                                           <p:stCondLst>
                                             <p:cond delay="0"/>
                                           </p:stCondLst>
@@ -30317,7 +30289,7 @@
                                     </p:set>
                                     <p:anim calcmode="lin" valueType="num">
                                       <p:cBhvr>
-                                        <p:cTn id="55" dur="1000" fill="hold"/>
+                                        <p:cTn id="49" dur="1000" fill="hold"/>
                                         <p:tgtEl>
                                           <p:spTgt spid="54"/>
                                         </p:tgtEl>
@@ -30340,7 +30312,7 @@
                                     </p:anim>
                                     <p:anim calcmode="lin" valueType="num">
                                       <p:cBhvr>
-                                        <p:cTn id="56" dur="1000" fill="hold"/>
+                                        <p:cTn id="50" dur="1000" fill="hold"/>
                                         <p:tgtEl>
                                           <p:spTgt spid="54"/>
                                         </p:tgtEl>
@@ -30363,7 +30335,7 @@
                                     </p:anim>
                                     <p:anim calcmode="lin" valueType="num">
                                       <p:cBhvr>
-                                        <p:cTn id="57" dur="1000" fill="hold"/>
+                                        <p:cTn id="51" dur="1000" fill="hold"/>
                                         <p:tgtEl>
                                           <p:spTgt spid="54"/>
                                         </p:tgtEl>
@@ -30386,7 +30358,7 @@
                                     </p:anim>
                                     <p:animEffect transition="in" filter="fade">
                                       <p:cBhvr>
-                                        <p:cTn id="58" dur="1000"/>
+                                        <p:cTn id="52" dur="1000"/>
                                         <p:tgtEl>
                                           <p:spTgt spid="54"/>
                                         </p:tgtEl>
@@ -30398,30 +30370,21 @@
                             </p:childTnLst>
                           </p:cTn>
                         </p:par>
-                      </p:childTnLst>
-                    </p:cTn>
-                  </p:par>
-                  <p:par>
-                    <p:cTn id="59" fill="hold">
-                      <p:stCondLst>
-                        <p:cond delay="indefinite"/>
-                      </p:stCondLst>
-                      <p:childTnLst>
                         <p:par>
-                          <p:cTn id="60" fill="hold">
+                          <p:cTn id="53" fill="hold">
                             <p:stCondLst>
-                              <p:cond delay="0"/>
+                              <p:cond delay="7000"/>
                             </p:stCondLst>
                             <p:childTnLst>
                               <p:par>
-                                <p:cTn id="61" presetID="31" presetClass="entr" presetSubtype="0" fill="hold" nodeType="clickEffect">
+                                <p:cTn id="54" presetID="31" presetClass="entr" presetSubtype="0" fill="hold" nodeType="afterEffect">
                                   <p:stCondLst>
                                     <p:cond delay="0"/>
                                   </p:stCondLst>
                                   <p:childTnLst>
                                     <p:set>
                                       <p:cBhvr>
-                                        <p:cTn id="62" dur="1" fill="hold">
+                                        <p:cTn id="55" dur="1" fill="hold">
                                           <p:stCondLst>
                                             <p:cond delay="0"/>
                                           </p:stCondLst>
@@ -30439,7 +30402,7 @@
                                     </p:set>
                                     <p:anim calcmode="lin" valueType="num">
                                       <p:cBhvr>
-                                        <p:cTn id="63" dur="1000" fill="hold"/>
+                                        <p:cTn id="56" dur="1000" fill="hold"/>
                                         <p:tgtEl>
                                           <p:spTgt spid="64"/>
                                         </p:tgtEl>
@@ -30462,7 +30425,7 @@
                                     </p:anim>
                                     <p:anim calcmode="lin" valueType="num">
                                       <p:cBhvr>
-                                        <p:cTn id="64" dur="1000" fill="hold"/>
+                                        <p:cTn id="57" dur="1000" fill="hold"/>
                                         <p:tgtEl>
                                           <p:spTgt spid="64"/>
                                         </p:tgtEl>
@@ -30485,7 +30448,7 @@
                                     </p:anim>
                                     <p:anim calcmode="lin" valueType="num">
                                       <p:cBhvr>
-                                        <p:cTn id="65" dur="1000" fill="hold"/>
+                                        <p:cTn id="58" dur="1000" fill="hold"/>
                                         <p:tgtEl>
                                           <p:spTgt spid="64"/>
                                         </p:tgtEl>
@@ -30508,7 +30471,7 @@
                                     </p:anim>
                                     <p:animEffect transition="in" filter="fade">
                                       <p:cBhvr>
-                                        <p:cTn id="66" dur="1000"/>
+                                        <p:cTn id="59" dur="1000"/>
                                         <p:tgtEl>
                                           <p:spTgt spid="64"/>
                                         </p:tgtEl>
@@ -30520,30 +30483,21 @@
                             </p:childTnLst>
                           </p:cTn>
                         </p:par>
-                      </p:childTnLst>
-                    </p:cTn>
-                  </p:par>
-                  <p:par>
-                    <p:cTn id="67" fill="hold">
-                      <p:stCondLst>
-                        <p:cond delay="indefinite"/>
-                      </p:stCondLst>
-                      <p:childTnLst>
                         <p:par>
-                          <p:cTn id="68" fill="hold">
+                          <p:cTn id="60" fill="hold">
                             <p:stCondLst>
-                              <p:cond delay="0"/>
+                              <p:cond delay="8000"/>
                             </p:stCondLst>
                             <p:childTnLst>
                               <p:par>
-                                <p:cTn id="69" presetID="31" presetClass="entr" presetSubtype="0" fill="hold" nodeType="clickEffect">
+                                <p:cTn id="61" presetID="31" presetClass="entr" presetSubtype="0" fill="hold" nodeType="afterEffect">
                                   <p:stCondLst>
                                     <p:cond delay="0"/>
                                   </p:stCondLst>
                                   <p:childTnLst>
                                     <p:set>
                                       <p:cBhvr>
-                                        <p:cTn id="70" dur="1" fill="hold">
+                                        <p:cTn id="62" dur="1" fill="hold">
                                           <p:stCondLst>
                                             <p:cond delay="0"/>
                                           </p:stCondLst>
@@ -30561,7 +30515,7 @@
                                     </p:set>
                                     <p:anim calcmode="lin" valueType="num">
                                       <p:cBhvr>
-                                        <p:cTn id="71" dur="1000" fill="hold"/>
+                                        <p:cTn id="63" dur="1000" fill="hold"/>
                                         <p:tgtEl>
                                           <p:spTgt spid="49"/>
                                         </p:tgtEl>
@@ -30584,7 +30538,7 @@
                                     </p:anim>
                                     <p:anim calcmode="lin" valueType="num">
                                       <p:cBhvr>
-                                        <p:cTn id="72" dur="1000" fill="hold"/>
+                                        <p:cTn id="64" dur="1000" fill="hold"/>
                                         <p:tgtEl>
                                           <p:spTgt spid="49"/>
                                         </p:tgtEl>
@@ -30607,7 +30561,7 @@
                                     </p:anim>
                                     <p:anim calcmode="lin" valueType="num">
                                       <p:cBhvr>
-                                        <p:cTn id="73" dur="1000" fill="hold"/>
+                                        <p:cTn id="65" dur="1000" fill="hold"/>
                                         <p:tgtEl>
                                           <p:spTgt spid="49"/>
                                         </p:tgtEl>
@@ -30630,7 +30584,7 @@
                                     </p:anim>
                                     <p:animEffect transition="in" filter="fade">
                                       <p:cBhvr>
-                                        <p:cTn id="74" dur="1000"/>
+                                        <p:cTn id="66" dur="1000"/>
                                         <p:tgtEl>
                                           <p:spTgt spid="49"/>
                                         </p:tgtEl>
@@ -30642,30 +30596,21 @@
                             </p:childTnLst>
                           </p:cTn>
                         </p:par>
-                      </p:childTnLst>
-                    </p:cTn>
-                  </p:par>
-                  <p:par>
-                    <p:cTn id="75" fill="hold">
-                      <p:stCondLst>
-                        <p:cond delay="indefinite"/>
-                      </p:stCondLst>
-                      <p:childTnLst>
                         <p:par>
-                          <p:cTn id="76" fill="hold">
+                          <p:cTn id="67" fill="hold">
                             <p:stCondLst>
-                              <p:cond delay="0"/>
+                              <p:cond delay="9000"/>
                             </p:stCondLst>
                             <p:childTnLst>
                               <p:par>
-                                <p:cTn id="77" presetID="31" presetClass="entr" presetSubtype="0" fill="hold" nodeType="clickEffect">
+                                <p:cTn id="68" presetID="31" presetClass="entr" presetSubtype="0" fill="hold" nodeType="afterEffect">
                                   <p:stCondLst>
                                     <p:cond delay="0"/>
                                   </p:stCondLst>
                                   <p:childTnLst>
                                     <p:set>
                                       <p:cBhvr>
-                                        <p:cTn id="78" dur="1" fill="hold">
+                                        <p:cTn id="69" dur="1" fill="hold">
                                           <p:stCondLst>
                                             <p:cond delay="0"/>
                                           </p:stCondLst>
@@ -30683,7 +30628,7 @@
                                     </p:set>
                                     <p:anim calcmode="lin" valueType="num">
                                       <p:cBhvr>
-                                        <p:cTn id="79" dur="1000" fill="hold"/>
+                                        <p:cTn id="70" dur="1000" fill="hold"/>
                                         <p:tgtEl>
                                           <p:spTgt spid="59"/>
                                         </p:tgtEl>
@@ -30706,7 +30651,7 @@
                                     </p:anim>
                                     <p:anim calcmode="lin" valueType="num">
                                       <p:cBhvr>
-                                        <p:cTn id="80" dur="1000" fill="hold"/>
+                                        <p:cTn id="71" dur="1000" fill="hold"/>
                                         <p:tgtEl>
                                           <p:spTgt spid="59"/>
                                         </p:tgtEl>
@@ -30729,7 +30674,7 @@
                                     </p:anim>
                                     <p:anim calcmode="lin" valueType="num">
                                       <p:cBhvr>
-                                        <p:cTn id="81" dur="1000" fill="hold"/>
+                                        <p:cTn id="72" dur="1000" fill="hold"/>
                                         <p:tgtEl>
                                           <p:spTgt spid="59"/>
                                         </p:tgtEl>
@@ -30752,7 +30697,7 @@
                                     </p:anim>
                                     <p:animEffect transition="in" filter="fade">
                                       <p:cBhvr>
-                                        <p:cTn id="82" dur="1000"/>
+                                        <p:cTn id="73" dur="1000"/>
                                         <p:tgtEl>
                                           <p:spTgt spid="59"/>
                                         </p:tgtEl>
@@ -30956,13 +30901,8 @@
           <a:p>
             <a:r>
               <a:rPr lang="en-US" dirty="0"/>
-              <a:t>Hash </a:t>
+              <a:t>Previous Hash</a:t>
             </a:r>
-            <a:r>
-              <a:rPr lang="en-US" i="1" dirty="0"/>
-              <a:t>-n</a:t>
-            </a:r>
-            <a:endParaRPr lang="en-US" dirty="0"/>
           </a:p>
         </p:txBody>
       </p:sp>
@@ -31020,30 +30960,25 @@
           <a:lstStyle/>
           <a:p>
             <a:r>
-              <a:rPr lang="en-US" dirty="0"/>
+              <a:rPr lang="en-US" b="1" dirty="0"/>
               <a:t>Tampered Data </a:t>
             </a:r>
           </a:p>
           <a:p>
             <a:r>
-              <a:rPr lang="en-US" dirty="0"/>
+              <a:rPr lang="en-US" b="1" dirty="0"/>
               <a:t>Hash </a:t>
             </a:r>
             <a:r>
-              <a:rPr lang="en-US" i="1" dirty="0"/>
+              <a:rPr lang="en-US" b="1" i="1" dirty="0"/>
               <a:t>x</a:t>
             </a:r>
           </a:p>
           <a:p>
             <a:r>
               <a:rPr lang="en-US" dirty="0"/>
-              <a:t>Hash </a:t>
+              <a:t>Previous Hash</a:t>
             </a:r>
-            <a:r>
-              <a:rPr lang="en-US" i="1" dirty="0"/>
-              <a:t>-n</a:t>
-            </a:r>
-            <a:endParaRPr lang="en-US" dirty="0"/>
           </a:p>
         </p:txBody>
       </p:sp>
@@ -31118,13 +31053,8 @@
           <a:p>
             <a:r>
               <a:rPr lang="en-US" b="1" dirty="0"/>
-              <a:t>Hash </a:t>
+              <a:t>Previous Hash</a:t>
             </a:r>
-            <a:r>
-              <a:rPr lang="en-US" b="1" i="1" dirty="0"/>
-              <a:t>-n</a:t>
-            </a:r>
-            <a:endParaRPr lang="en-US" b="1" dirty="0"/>
           </a:p>
         </p:txBody>
       </p:sp>
@@ -31199,13 +31129,8 @@
           <a:p>
             <a:r>
               <a:rPr lang="en-US" dirty="0"/>
-              <a:t>Hash </a:t>
+              <a:t>Previous Hash</a:t>
             </a:r>
-            <a:r>
-              <a:rPr lang="en-US" i="1" dirty="0"/>
-              <a:t>-n</a:t>
-            </a:r>
-            <a:endParaRPr lang="en-US" dirty="0"/>
           </a:p>
         </p:txBody>
       </p:sp>
@@ -32340,14 +32265,18 @@
                             </p:stCondLst>
                             <p:childTnLst>
                               <p:par>
-                                <p:cTn id="31" presetID="3" presetClass="emph" presetSubtype="2" fill="hold" nodeType="clickEffect">
+                                <p:cTn id="31" presetID="32" presetClass="emph" presetSubtype="0" fill="hold" nodeType="clickEffect">
                                   <p:stCondLst>
                                     <p:cond delay="0"/>
                                   </p:stCondLst>
                                   <p:childTnLst>
-                                    <p:animClr clrSpc="rgb" dir="cw">
-                                      <p:cBhvr override="childStyle">
-                                        <p:cTn id="32" dur="2000" fill="hold"/>
+                                    <p:animRot by="120000">
+                                      <p:cBhvr>
+                                        <p:cTn id="32" dur="100" fill="hold">
+                                          <p:stCondLst>
+                                            <p:cond delay="0"/>
+                                          </p:stCondLst>
+                                        </p:cTn>
                                         <p:tgtEl>
                                           <p:spTgt spid="14">
                                             <p:txEl>
@@ -32356,14 +32285,107 @@
                                           </p:spTgt>
                                         </p:tgtEl>
                                         <p:attrNameLst>
-                                          <p:attrName>style.color</p:attrName>
+                                          <p:attrName>r</p:attrName>
+                                        </p:attrNameLst>
+                                      </p:cBhvr>
+                                    </p:animRot>
+                                    <p:animRot by="-240000">
+                                      <p:cBhvr>
+                                        <p:cTn id="33" dur="200" fill="hold">
+                                          <p:stCondLst>
+                                            <p:cond delay="200"/>
+                                          </p:stCondLst>
+                                        </p:cTn>
+                                        <p:tgtEl>
+                                          <p:spTgt spid="14">
+                                            <p:txEl>
+                                              <p:pRg st="2" end="2"/>
+                                            </p:txEl>
+                                          </p:spTgt>
+                                        </p:tgtEl>
+                                        <p:attrNameLst>
+                                          <p:attrName>r</p:attrName>
+                                        </p:attrNameLst>
+                                      </p:cBhvr>
+                                    </p:animRot>
+                                    <p:animRot by="240000">
+                                      <p:cBhvr>
+                                        <p:cTn id="34" dur="200" fill="hold">
+                                          <p:stCondLst>
+                                            <p:cond delay="400"/>
+                                          </p:stCondLst>
+                                        </p:cTn>
+                                        <p:tgtEl>
+                                          <p:spTgt spid="14">
+                                            <p:txEl>
+                                              <p:pRg st="2" end="2"/>
+                                            </p:txEl>
+                                          </p:spTgt>
+                                        </p:tgtEl>
+                                        <p:attrNameLst>
+                                          <p:attrName>r</p:attrName>
+                                        </p:attrNameLst>
+                                      </p:cBhvr>
+                                    </p:animRot>
+                                    <p:animRot by="-240000">
+                                      <p:cBhvr>
+                                        <p:cTn id="35" dur="200" fill="hold">
+                                          <p:stCondLst>
+                                            <p:cond delay="600"/>
+                                          </p:stCondLst>
+                                        </p:cTn>
+                                        <p:tgtEl>
+                                          <p:spTgt spid="14">
+                                            <p:txEl>
+                                              <p:pRg st="2" end="2"/>
+                                            </p:txEl>
+                                          </p:spTgt>
+                                        </p:tgtEl>
+                                        <p:attrNameLst>
+                                          <p:attrName>r</p:attrName>
+                                        </p:attrNameLst>
+                                      </p:cBhvr>
+                                    </p:animRot>
+                                    <p:animRot by="120000">
+                                      <p:cBhvr>
+                                        <p:cTn id="36" dur="200" fill="hold">
+                                          <p:stCondLst>
+                                            <p:cond delay="800"/>
+                                          </p:stCondLst>
+                                        </p:cTn>
+                                        <p:tgtEl>
+                                          <p:spTgt spid="14">
+                                            <p:txEl>
+                                              <p:pRg st="2" end="2"/>
+                                            </p:txEl>
+                                          </p:spTgt>
+                                        </p:tgtEl>
+                                        <p:attrNameLst>
+                                          <p:attrName>r</p:attrName>
+                                        </p:attrNameLst>
+                                      </p:cBhvr>
+                                    </p:animRot>
+                                  </p:childTnLst>
+                                  <p:subTnLst>
+                                    <p:animClr clrSpc="rgb" dir="cw">
+                                      <p:cBhvr override="childStyle">
+                                        <p:cTn dur="1" fill="hold" display="0" masterRel="nextClick" afterEffect="1"/>
+                                        <p:tgtEl>
+                                          <p:spTgt spid="14">
+                                            <p:txEl>
+                                              <p:pRg st="2" end="2"/>
+                                            </p:txEl>
+                                          </p:spTgt>
+                                        </p:tgtEl>
+                                        <p:attrNameLst>
+                                          <p:attrName>ppt_c</p:attrName>
                                         </p:attrNameLst>
                                       </p:cBhvr>
                                       <p:to>
                                         <a:srgbClr val="FF0000"/>
                                       </p:to>
                                     </p:animClr>
-                                  </p:childTnLst>
+                                  </p:subTnLst>
                                 </p:cTn>
                               </p:par>
                             </p:childTnLst>
@@ -32373,26 +32395,26 @@
                     </p:cTn>
                   </p:par>
                   <p:par>
-                    <p:cTn id="33" fill="hold">
+                    <p:cTn id="37" fill="hold">
                       <p:stCondLst>
                         <p:cond delay="indefinite"/>
                       </p:stCondLst>
                       <p:childTnLst>
                         <p:par>
-                          <p:cTn id="34" fill="hold">
+                          <p:cTn id="38" fill="hold">
                             <p:stCondLst>
                               <p:cond delay="0"/>
                             </p:stCondLst>
                             <p:childTnLst>
                               <p:par>
-                                <p:cTn id="35" presetID="16" presetClass="entr" presetSubtype="21" fill="hold" grpId="0" nodeType="clickEffect">
+                                <p:cTn id="39" presetID="16" presetClass="entr" presetSubtype="21" fill="hold" grpId="0" nodeType="clickEffect">
                                   <p:stCondLst>
                                     <p:cond delay="0"/>
                                   </p:stCondLst>
                                   <p:childTnLst>
                                     <p:set>
                                       <p:cBhvr>
-                                        <p:cTn id="36" dur="1" fill="hold">
+                                        <p:cTn id="40" dur="1" fill="hold">
                                           <p:stCondLst>
                                             <p:cond delay="0"/>
                                           </p:stCondLst>
@@ -32410,7 +32432,7 @@
                                     </p:set>
                                     <p:animEffect transition="in" filter="barn(inVertical)">
                                       <p:cBhvr>
-                                        <p:cTn id="37" dur="500"/>
+                                        <p:cTn id="41" dur="500"/>
                                         <p:tgtEl>
                                           <p:spTgt spid="23"/>
                                         </p:tgtEl>
@@ -38205,9 +38227,12 @@
 </file>
 
 <file path=customXml/item1.xml><?xml version="1.0" encoding="utf-8"?>
-<p:properties xmlns:p="http://schemas.microsoft.com/office/2006/metadata/properties" xmlns:xsi="http://www.w3.org/2001/XMLSchema-instance" xmlns:pc="http://schemas.microsoft.com/office/infopath/2007/PartnerControls">
-  <documentManagement/>
-</p:properties>
+<?mso-contentType ?>
+<FormTemplates xmlns="http://schemas.microsoft.com/sharepoint/v3/contenttype/forms">
+  <Display>DocumentLibraryForm</Display>
+  <Edit>DocumentLibraryForm</Edit>
+  <New>DocumentLibraryForm</New>
+</FormTemplates>
 </file>
 
 <file path=customXml/item2.xml><?xml version="1.0" encoding="utf-8"?>
@@ -38422,27 +38447,15 @@
 </file>
 
 <file path=customXml/item3.xml><?xml version="1.0" encoding="utf-8"?>
-<?mso-contentType ?>
-<FormTemplates xmlns="http://schemas.microsoft.com/sharepoint/v3/contenttype/forms">
-  <Display>DocumentLibraryForm</Display>
-  <Edit>DocumentLibraryForm</Edit>
-  <New>DocumentLibraryForm</New>
-</FormTemplates>
+<p:properties xmlns:p="http://schemas.microsoft.com/office/2006/metadata/properties" xmlns:xsi="http://www.w3.org/2001/XMLSchema-instance" xmlns:pc="http://schemas.microsoft.com/office/infopath/2007/PartnerControls">
+  <documentManagement/>
+</p:properties>
 </file>
 
 <file path=customXml/itemProps1.xml><?xml version="1.0" encoding="utf-8"?>
-<ds:datastoreItem xmlns:ds="http://schemas.openxmlformats.org/officeDocument/2006/customXml" ds:itemID="{947390E6-E2DE-4B88-8857-2FA0F42FFC3E}">
+<ds:datastoreItem xmlns:ds="http://schemas.openxmlformats.org/officeDocument/2006/customXml" ds:itemID="{65C95089-8411-4135-A5F4-8C0A90AE65C0}">
   <ds:schemaRefs>
-    <ds:schemaRef ds:uri="http://purl.org/dc/elements/1.1/"/>
-    <ds:schemaRef ds:uri="1ec7bab4-b71b-41d5-9755-2706f66127d2"/>
-    <ds:schemaRef ds:uri="http://schemas.openxmlformats.org/package/2006/metadata/core-properties"/>
-    <ds:schemaRef ds:uri="http://schemas.microsoft.com/office/infopath/2007/PartnerControls"/>
-    <ds:schemaRef ds:uri="http://purl.org/dc/dcmitype/"/>
-    <ds:schemaRef ds:uri="http://schemas.microsoft.com/office/2006/documentManagement/types"/>
-    <ds:schemaRef ds:uri="http://schemas.microsoft.com/office/2006/metadata/properties"/>
-    <ds:schemaRef ds:uri="http://www.w3.org/XML/1998/namespace"/>
-    <ds:schemaRef ds:uri="848087b0-501b-4b0d-bca1-35b7b48a853d"/>
-    <ds:schemaRef ds:uri="http://purl.org/dc/terms/"/>
+    <ds:schemaRef ds:uri="http://schemas.microsoft.com/sharepoint/v3/contenttype/forms"/>
   </ds:schemaRefs>
 </ds:datastoreItem>
 </file>
@@ -38467,9 +38480,18 @@
 </file>
 
 <file path=customXml/itemProps3.xml><?xml version="1.0" encoding="utf-8"?>
-<ds:datastoreItem xmlns:ds="http://schemas.openxmlformats.org/officeDocument/2006/customXml" ds:itemID="{65C95089-8411-4135-A5F4-8C0A90AE65C0}">
+<ds:datastoreItem xmlns:ds="http://schemas.openxmlformats.org/officeDocument/2006/customXml" ds:itemID="{947390E6-E2DE-4B88-8857-2FA0F42FFC3E}">
   <ds:schemaRefs>
-    <ds:schemaRef ds:uri="http://schemas.microsoft.com/sharepoint/v3/contenttype/forms"/>
+    <ds:schemaRef ds:uri="http://purl.org/dc/elements/1.1/"/>
+    <ds:schemaRef ds:uri="1ec7bab4-b71b-41d5-9755-2706f66127d2"/>
+    <ds:schemaRef ds:uri="http://schemas.openxmlformats.org/package/2006/metadata/core-properties"/>
+    <ds:schemaRef ds:uri="http://schemas.microsoft.com/office/infopath/2007/PartnerControls"/>
+    <ds:schemaRef ds:uri="http://purl.org/dc/dcmitype/"/>
+    <ds:schemaRef ds:uri="http://schemas.microsoft.com/office/2006/documentManagement/types"/>
+    <ds:schemaRef ds:uri="http://schemas.microsoft.com/office/2006/metadata/properties"/>
+    <ds:schemaRef ds:uri="http://www.w3.org/XML/1998/namespace"/>
+    <ds:schemaRef ds:uri="848087b0-501b-4b0d-bca1-35b7b48a853d"/>
+    <ds:schemaRef ds:uri="http://purl.org/dc/terms/"/>
   </ds:schemaRefs>
 </ds:datastoreItem>
 </file>